--- a/documentation/TDL-Presentation.pptx
+++ b/documentation/TDL-Presentation.pptx
@@ -9,14 +9,15 @@
     <p:sldId id="257" r:id="rId3"/>
     <p:sldId id="261" r:id="rId4"/>
     <p:sldId id="258" r:id="rId5"/>
-    <p:sldId id="260" r:id="rId6"/>
-    <p:sldId id="259" r:id="rId7"/>
-    <p:sldId id="262" r:id="rId8"/>
-    <p:sldId id="263" r:id="rId9"/>
-    <p:sldId id="264" r:id="rId10"/>
-    <p:sldId id="265" r:id="rId11"/>
-    <p:sldId id="266" r:id="rId12"/>
-    <p:sldId id="267" r:id="rId13"/>
+    <p:sldId id="268" r:id="rId6"/>
+    <p:sldId id="260" r:id="rId7"/>
+    <p:sldId id="259" r:id="rId8"/>
+    <p:sldId id="262" r:id="rId9"/>
+    <p:sldId id="263" r:id="rId10"/>
+    <p:sldId id="264" r:id="rId11"/>
+    <p:sldId id="265" r:id="rId12"/>
+    <p:sldId id="266" r:id="rId13"/>
+    <p:sldId id="267" r:id="rId14"/>
   </p:sldIdLst>
   <p:sldSz cx="12192000" cy="6858000"/>
   <p:notesSz cx="6858000" cy="9144000"/>
@@ -272,7 +273,7 @@
           <a:p>
             <a:fld id="{C646617D-075A-456A-B368-5B9543915401}" type="datetimeFigureOut">
               <a:rPr lang="en-GB" smtClean="0"/>
-              <a:t>17/09/2020</a:t>
+              <a:t>08/10/2020</a:t>
             </a:fld>
             <a:endParaRPr lang="en-GB"/>
           </a:p>
@@ -472,7 +473,7 @@
           <a:p>
             <a:fld id="{C646617D-075A-456A-B368-5B9543915401}" type="datetimeFigureOut">
               <a:rPr lang="en-GB" smtClean="0"/>
-              <a:t>17/09/2020</a:t>
+              <a:t>08/10/2020</a:t>
             </a:fld>
             <a:endParaRPr lang="en-GB"/>
           </a:p>
@@ -682,7 +683,7 @@
           <a:p>
             <a:fld id="{C646617D-075A-456A-B368-5B9543915401}" type="datetimeFigureOut">
               <a:rPr lang="en-GB" smtClean="0"/>
-              <a:t>17/09/2020</a:t>
+              <a:t>08/10/2020</a:t>
             </a:fld>
             <a:endParaRPr lang="en-GB"/>
           </a:p>
@@ -882,7 +883,7 @@
           <a:p>
             <a:fld id="{C646617D-075A-456A-B368-5B9543915401}" type="datetimeFigureOut">
               <a:rPr lang="en-GB" smtClean="0"/>
-              <a:t>17/09/2020</a:t>
+              <a:t>08/10/2020</a:t>
             </a:fld>
             <a:endParaRPr lang="en-GB"/>
           </a:p>
@@ -1158,7 +1159,7 @@
           <a:p>
             <a:fld id="{C646617D-075A-456A-B368-5B9543915401}" type="datetimeFigureOut">
               <a:rPr lang="en-GB" smtClean="0"/>
-              <a:t>17/09/2020</a:t>
+              <a:t>08/10/2020</a:t>
             </a:fld>
             <a:endParaRPr lang="en-GB"/>
           </a:p>
@@ -1426,7 +1427,7 @@
           <a:p>
             <a:fld id="{C646617D-075A-456A-B368-5B9543915401}" type="datetimeFigureOut">
               <a:rPr lang="en-GB" smtClean="0"/>
-              <a:t>17/09/2020</a:t>
+              <a:t>08/10/2020</a:t>
             </a:fld>
             <a:endParaRPr lang="en-GB"/>
           </a:p>
@@ -1841,7 +1842,7 @@
           <a:p>
             <a:fld id="{C646617D-075A-456A-B368-5B9543915401}" type="datetimeFigureOut">
               <a:rPr lang="en-GB" smtClean="0"/>
-              <a:t>17/09/2020</a:t>
+              <a:t>08/10/2020</a:t>
             </a:fld>
             <a:endParaRPr lang="en-GB"/>
           </a:p>
@@ -1983,7 +1984,7 @@
           <a:p>
             <a:fld id="{C646617D-075A-456A-B368-5B9543915401}" type="datetimeFigureOut">
               <a:rPr lang="en-GB" smtClean="0"/>
-              <a:t>17/09/2020</a:t>
+              <a:t>08/10/2020</a:t>
             </a:fld>
             <a:endParaRPr lang="en-GB"/>
           </a:p>
@@ -2096,7 +2097,7 @@
           <a:p>
             <a:fld id="{C646617D-075A-456A-B368-5B9543915401}" type="datetimeFigureOut">
               <a:rPr lang="en-GB" smtClean="0"/>
-              <a:t>17/09/2020</a:t>
+              <a:t>08/10/2020</a:t>
             </a:fld>
             <a:endParaRPr lang="en-GB"/>
           </a:p>
@@ -2409,7 +2410,7 @@
           <a:p>
             <a:fld id="{C646617D-075A-456A-B368-5B9543915401}" type="datetimeFigureOut">
               <a:rPr lang="en-GB" smtClean="0"/>
-              <a:t>17/09/2020</a:t>
+              <a:t>08/10/2020</a:t>
             </a:fld>
             <a:endParaRPr lang="en-GB"/>
           </a:p>
@@ -2698,7 +2699,7 @@
           <a:p>
             <a:fld id="{C646617D-075A-456A-B368-5B9543915401}" type="datetimeFigureOut">
               <a:rPr lang="en-GB" smtClean="0"/>
-              <a:t>17/09/2020</a:t>
+              <a:t>08/10/2020</a:t>
             </a:fld>
             <a:endParaRPr lang="en-GB"/>
           </a:p>
@@ -2941,7 +2942,7 @@
           <a:p>
             <a:fld id="{C646617D-075A-456A-B368-5B9543915401}" type="datetimeFigureOut">
               <a:rPr lang="en-GB" smtClean="0"/>
-              <a:t>17/09/2020</a:t>
+              <a:t>08/10/2020</a:t>
             </a:fld>
             <a:endParaRPr lang="en-GB"/>
           </a:p>
@@ -3582,8 +3583,8 @@
           <a:p>
             <a:pPr algn="l"/>
             <a:r>
-              <a:rPr lang="en-GB" sz="4800" dirty="0"/>
-              <a:t>Inventory Management System - QA </a:t>
+              <a:rPr lang="en-GB" dirty="0"/>
+              <a:t>To Do List App- QA </a:t>
             </a:r>
           </a:p>
         </p:txBody>
@@ -3804,6 +3805,193 @@
     <p:bg>
       <p:bgPr>
         <a:solidFill>
+          <a:srgbClr val="000000"/>
+        </a:solidFill>
+        <a:effectLst/>
+      </p:bgPr>
+    </p:bg>
+    <p:spTree>
+      <p:nvGrpSpPr>
+        <p:cNvPr id="1" name=""/>
+        <p:cNvGrpSpPr/>
+        <p:nvPr/>
+      </p:nvGrpSpPr>
+      <p:grpSpPr>
+        <a:xfrm>
+          <a:off x="0" y="0"/>
+          <a:ext cx="0" cy="0"/>
+          <a:chOff x="0" y="0"/>
+          <a:chExt cx="0" cy="0"/>
+        </a:xfrm>
+      </p:grpSpPr>
+      <p:sp>
+        <p:nvSpPr>
+          <p:cNvPr id="71" name="Rectangle 70">
+            <a:extLst>
+              <a:ext uri="{FF2B5EF4-FFF2-40B4-BE49-F238E27FC236}">
+                <a16:creationId xmlns:a16="http://schemas.microsoft.com/office/drawing/2014/main" id="{71B2258F-86CA-4D4D-8270-BC05FCDEBFB3}"/>
+              </a:ext>
+              <a:ext uri="{C183D7F6-B498-43B3-948B-1728B52AA6E4}">
+                <adec:decorative xmlns:adec="http://schemas.microsoft.com/office/drawing/2017/decorative" val="1"/>
+              </a:ext>
+            </a:extLst>
+          </p:cNvPr>
+          <p:cNvSpPr>
+            <a:spLocks noGrp="1" noRot="1" noChangeAspect="1" noMove="1" noResize="1" noEditPoints="1" noAdjustHandles="1" noChangeArrowheads="1" noChangeShapeType="1" noTextEdit="1"/>
+          </p:cNvSpPr>
+          <p:nvPr>
+            <p:extLst>
+              <p:ext uri="{386F3935-93C4-4BCD-93E2-E3B085C9AB24}">
+                <p16:designElem xmlns:p16="http://schemas.microsoft.com/office/powerpoint/2015/main" val="1"/>
+              </p:ext>
+            </p:extLst>
+          </p:nvPr>
+        </p:nvSpPr>
+        <p:spPr>
+          <a:xfrm>
+            <a:off x="0" y="0"/>
+            <a:ext cx="12192000" cy="6857999"/>
+          </a:xfrm>
+          <a:prstGeom prst="rect">
+            <a:avLst/>
+          </a:prstGeom>
+          <a:solidFill>
+            <a:srgbClr val="000000"/>
+          </a:solidFill>
+          <a:ln>
+            <a:noFill/>
+          </a:ln>
+        </p:spPr>
+        <p:style>
+          <a:lnRef idx="2">
+            <a:schemeClr val="accent1">
+              <a:shade val="50000"/>
+            </a:schemeClr>
+          </a:lnRef>
+          <a:fillRef idx="1">
+            <a:schemeClr val="accent1"/>
+          </a:fillRef>
+          <a:effectRef idx="0">
+            <a:schemeClr val="accent1"/>
+          </a:effectRef>
+          <a:fontRef idx="minor">
+            <a:schemeClr val="lt1"/>
+          </a:fontRef>
+        </p:style>
+        <p:txBody>
+          <a:bodyPr rtlCol="0" anchor="ctr"/>
+          <a:lstStyle/>
+          <a:p>
+            <a:pPr algn="ctr"/>
+            <a:endParaRPr lang="en-US"/>
+          </a:p>
+        </p:txBody>
+      </p:sp>
+      <p:pic>
+        <p:nvPicPr>
+          <p:cNvPr id="1026" name="Picture 2" descr="A Quick Guide to Using Command Line (Terminal) | by Jerry Wei | Towards  Data Science">
+            <a:extLst>
+              <a:ext uri="{FF2B5EF4-FFF2-40B4-BE49-F238E27FC236}">
+                <a16:creationId xmlns:a16="http://schemas.microsoft.com/office/drawing/2014/main" id="{19B17617-F053-457A-9492-13A40C74FEFE}"/>
+              </a:ext>
+            </a:extLst>
+          </p:cNvPr>
+          <p:cNvPicPr>
+            <a:picLocks noChangeAspect="1" noChangeArrowheads="1"/>
+          </p:cNvPicPr>
+          <p:nvPr/>
+        </p:nvPicPr>
+        <p:blipFill rotWithShape="1">
+          <a:blip r:embed="rId2">
+            <a:alphaModFix amt="50000"/>
+            <a:extLst>
+              <a:ext uri="{28A0092B-C50C-407E-A947-70E740481C1C}">
+                <a14:useLocalDpi xmlns:a14="http://schemas.microsoft.com/office/drawing/2010/main" val="0"/>
+              </a:ext>
+            </a:extLst>
+          </a:blip>
+          <a:srcRect t="2530" b="13200"/>
+          <a:stretch/>
+        </p:blipFill>
+        <p:spPr bwMode="auto">
+          <a:xfrm>
+            <a:off x="20" y="1"/>
+            <a:ext cx="12191980" cy="6857999"/>
+          </a:xfrm>
+          <a:prstGeom prst="rect">
+            <a:avLst/>
+          </a:prstGeom>
+          <a:noFill/>
+          <a:extLst>
+            <a:ext uri="{909E8E84-426E-40DD-AFC4-6F175D3DCCD1}">
+              <a14:hiddenFill xmlns:a14="http://schemas.microsoft.com/office/drawing/2010/main">
+                <a:solidFill>
+                  <a:srgbClr val="FFFFFF"/>
+                </a:solidFill>
+              </a14:hiddenFill>
+            </a:ext>
+          </a:extLst>
+        </p:spPr>
+      </p:pic>
+      <p:sp>
+        <p:nvSpPr>
+          <p:cNvPr id="2" name="Title 1">
+            <a:extLst>
+              <a:ext uri="{FF2B5EF4-FFF2-40B4-BE49-F238E27FC236}">
+                <a16:creationId xmlns:a16="http://schemas.microsoft.com/office/drawing/2014/main" id="{C2531C1B-8532-4EF1-9412-DBC929D3D36A}"/>
+              </a:ext>
+            </a:extLst>
+          </p:cNvPr>
+          <p:cNvSpPr>
+            <a:spLocks noGrp="1"/>
+          </p:cNvSpPr>
+          <p:nvPr>
+            <p:ph type="title"/>
+          </p:nvPr>
+        </p:nvSpPr>
+        <p:spPr>
+          <a:xfrm>
+            <a:off x="3367087" y="2879647"/>
+            <a:ext cx="5457825" cy="1098704"/>
+          </a:xfrm>
+        </p:spPr>
+        <p:txBody>
+          <a:bodyPr vert="horz" lIns="91440" tIns="45720" rIns="91440" bIns="45720" rtlCol="0" anchor="b">
+            <a:normAutofit/>
+          </a:bodyPr>
+          <a:lstStyle/>
+          <a:p>
+            <a:pPr algn="ctr"/>
+            <a:r>
+              <a:rPr lang="en-US" sz="7200" dirty="0">
+                <a:solidFill>
+                  <a:srgbClr val="FFFFFF"/>
+                </a:solidFill>
+              </a:rPr>
+              <a:t>Let’s Run IMS</a:t>
+            </a:r>
+          </a:p>
+        </p:txBody>
+      </p:sp>
+    </p:spTree>
+    <p:extLst>
+      <p:ext uri="{BB962C8B-B14F-4D97-AF65-F5344CB8AC3E}">
+        <p14:creationId xmlns:p14="http://schemas.microsoft.com/office/powerpoint/2010/main" val="2494145527"/>
+      </p:ext>
+    </p:extLst>
+  </p:cSld>
+  <p:clrMapOvr>
+    <a:overrideClrMapping bg1="dk1" tx1="lt1" bg2="dk2" tx2="lt2" accent1="accent1" accent2="accent2" accent3="accent3" accent4="accent4" accent5="accent5" accent6="accent6" hlink="hlink" folHlink="folHlink"/>
+  </p:clrMapOvr>
+</p:sld>
+</file>
+
+<file path=ppt/slides/slide11.xml><?xml version="1.0" encoding="utf-8"?>
+<p:sld xmlns:a="http://schemas.openxmlformats.org/drawingml/2006/main" xmlns:r="http://schemas.openxmlformats.org/officeDocument/2006/relationships" xmlns:p="http://schemas.openxmlformats.org/presentationml/2006/main">
+  <p:cSld>
+    <p:bg>
+      <p:bgPr>
+        <a:solidFill>
           <a:schemeClr val="bg1"/>
         </a:solidFill>
         <a:effectLst/>
@@ -4098,7 +4286,7 @@
 </p:sld>
 </file>
 
-<file path=ppt/slides/slide11.xml><?xml version="1.0" encoding="utf-8"?>
+<file path=ppt/slides/slide12.xml><?xml version="1.0" encoding="utf-8"?>
 <p:sld xmlns:a="http://schemas.openxmlformats.org/drawingml/2006/main" xmlns:r="http://schemas.openxmlformats.org/officeDocument/2006/relationships" xmlns:p="http://schemas.openxmlformats.org/presentationml/2006/main">
   <p:cSld>
     <p:bg>
@@ -4526,7 +4714,7 @@
 </p:sld>
 </file>
 
-<file path=ppt/slides/slide12.xml><?xml version="1.0" encoding="utf-8"?>
+<file path=ppt/slides/slide13.xml><?xml version="1.0" encoding="utf-8"?>
 <p:sld xmlns:a="http://schemas.openxmlformats.org/drawingml/2006/main" xmlns:r="http://schemas.openxmlformats.org/officeDocument/2006/relationships" xmlns:p="http://schemas.openxmlformats.org/presentationml/2006/main">
   <p:cSld>
     <p:bg>
@@ -4919,12 +5107,64 @@
           </a:fontRef>
         </p:style>
       </p:cxnSp>
+      <p:cxnSp>
+        <p:nvCxnSpPr>
+          <p:cNvPr id="37" name="Straight Connector 36">
+            <a:extLst>
+              <a:ext uri="{FF2B5EF4-FFF2-40B4-BE49-F238E27FC236}">
+                <a16:creationId xmlns:a16="http://schemas.microsoft.com/office/drawing/2014/main" id="{DB146403-F3D6-484B-B2ED-97F9565D0370}"/>
+              </a:ext>
+              <a:ext uri="{C183D7F6-B498-43B3-948B-1728B52AA6E4}">
+                <adec:decorative xmlns:adec="http://schemas.microsoft.com/office/drawing/2017/decorative" val="1"/>
+              </a:ext>
+            </a:extLst>
+          </p:cNvPr>
+          <p:cNvCxnSpPr>
+            <a:cxnSpLocks noGrp="1" noRot="1" noChangeAspect="1" noMove="1" noResize="1" noEditPoints="1" noAdjustHandles="1" noChangeArrowheads="1" noChangeShapeType="1"/>
+          </p:cNvCxnSpPr>
+          <p:nvPr>
+            <p:extLst>
+              <p:ext uri="{386F3935-93C4-4BCD-93E2-E3B085C9AB24}">
+                <p16:designElem xmlns:p16="http://schemas.microsoft.com/office/powerpoint/2015/main" val="1"/>
+              </p:ext>
+            </p:extLst>
+          </p:nvPr>
+        </p:nvCxnSpPr>
+        <p:spPr>
+          <a:xfrm>
+            <a:off x="6116278" y="2596836"/>
+            <a:ext cx="0" cy="3657600"/>
+          </a:xfrm>
+          <a:prstGeom prst="line">
+            <a:avLst/>
+          </a:prstGeom>
+          <a:ln w="101600" cmpd="dbl">
+            <a:solidFill>
+              <a:srgbClr val="595959"/>
+            </a:solidFill>
+          </a:ln>
+        </p:spPr>
+        <p:style>
+          <a:lnRef idx="1">
+            <a:schemeClr val="accent1"/>
+          </a:lnRef>
+          <a:fillRef idx="0">
+            <a:schemeClr val="accent1"/>
+          </a:fillRef>
+          <a:effectRef idx="0">
+            <a:schemeClr val="accent1"/>
+          </a:effectRef>
+          <a:fontRef idx="minor">
+            <a:schemeClr val="tx1"/>
+          </a:fontRef>
+        </p:style>
+      </p:cxnSp>
       <p:pic>
         <p:nvPicPr>
-          <p:cNvPr id="5" name="Picture 4" descr="A screenshot of text&#10;&#10;Description automatically generated">
-            <a:extLst>
-              <a:ext uri="{FF2B5EF4-FFF2-40B4-BE49-F238E27FC236}">
-                <a16:creationId xmlns:a16="http://schemas.microsoft.com/office/drawing/2014/main" id="{77963B8A-CA92-4025-9A2B-82FBE342FD19}"/>
+          <p:cNvPr id="6" name="Picture 5">
+            <a:extLst>
+              <a:ext uri="{FF2B5EF4-FFF2-40B4-BE49-F238E27FC236}">
+                <a16:creationId xmlns:a16="http://schemas.microsoft.com/office/drawing/2014/main" id="{90CCFD18-9940-4FE4-AB40-1B7F6829954D}"/>
               </a:ext>
             </a:extLst>
           </p:cNvPr>
@@ -4941,78 +5181,24 @@
         </p:blipFill>
         <p:spPr>
           <a:xfrm>
-            <a:off x="546351" y="2277801"/>
-            <a:ext cx="5252813" cy="4478022"/>
+            <a:off x="294174" y="2534411"/>
+            <a:ext cx="5651884" cy="3605887"/>
           </a:xfrm>
           <a:prstGeom prst="rect">
             <a:avLst/>
           </a:prstGeom>
         </p:spPr>
       </p:pic>
-      <p:cxnSp>
-        <p:nvCxnSpPr>
-          <p:cNvPr id="37" name="Straight Connector 36">
-            <a:extLst>
-              <a:ext uri="{FF2B5EF4-FFF2-40B4-BE49-F238E27FC236}">
-                <a16:creationId xmlns:a16="http://schemas.microsoft.com/office/drawing/2014/main" id="{DB146403-F3D6-484B-B2ED-97F9565D0370}"/>
-              </a:ext>
-              <a:ext uri="{C183D7F6-B498-43B3-948B-1728B52AA6E4}">
-                <adec:decorative xmlns:adec="http://schemas.microsoft.com/office/drawing/2017/decorative" val="1"/>
-              </a:ext>
-            </a:extLst>
-          </p:cNvPr>
-          <p:cNvCxnSpPr>
-            <a:cxnSpLocks noGrp="1" noRot="1" noChangeAspect="1" noMove="1" noResize="1" noEditPoints="1" noAdjustHandles="1" noChangeArrowheads="1" noChangeShapeType="1"/>
-          </p:cNvCxnSpPr>
-          <p:nvPr>
-            <p:extLst>
-              <p:ext uri="{386F3935-93C4-4BCD-93E2-E3B085C9AB24}">
-                <p16:designElem xmlns:p16="http://schemas.microsoft.com/office/powerpoint/2015/main" val="1"/>
-              </p:ext>
-            </p:extLst>
-          </p:nvPr>
-        </p:nvCxnSpPr>
-        <p:spPr>
-          <a:xfrm>
-            <a:off x="6116278" y="2596836"/>
-            <a:ext cx="0" cy="3657600"/>
-          </a:xfrm>
-          <a:prstGeom prst="line">
-            <a:avLst/>
-          </a:prstGeom>
-          <a:ln w="101600" cmpd="dbl">
-            <a:solidFill>
-              <a:srgbClr val="595959"/>
-            </a:solidFill>
-          </a:ln>
-        </p:spPr>
-        <p:style>
-          <a:lnRef idx="1">
-            <a:schemeClr val="accent1"/>
-          </a:lnRef>
-          <a:fillRef idx="0">
-            <a:schemeClr val="accent1"/>
-          </a:fillRef>
-          <a:effectRef idx="0">
-            <a:schemeClr val="accent1"/>
-          </a:effectRef>
-          <a:fontRef idx="minor">
-            <a:schemeClr val="tx1"/>
-          </a:fontRef>
-        </p:style>
-      </p:cxnSp>
       <p:pic>
         <p:nvPicPr>
-          <p:cNvPr id="3" name="Picture 2">
-            <a:extLst>
-              <a:ext uri="{FF2B5EF4-FFF2-40B4-BE49-F238E27FC236}">
-                <a16:creationId xmlns:a16="http://schemas.microsoft.com/office/drawing/2014/main" id="{EFFA9619-CA52-4F01-A8F1-6071A4172339}"/>
-              </a:ext>
-            </a:extLst>
-          </p:cNvPr>
-          <p:cNvPicPr>
-            <a:picLocks noChangeAspect="1"/>
-          </p:cNvPicPr>
+          <p:cNvPr id="10" name="Picture 9">
+            <a:extLst>
+              <a:ext uri="{FF2B5EF4-FFF2-40B4-BE49-F238E27FC236}">
+                <a16:creationId xmlns:a16="http://schemas.microsoft.com/office/drawing/2014/main" id="{5DBC000D-86D6-41F7-9169-65B8DD460818}"/>
+              </a:ext>
+            </a:extLst>
+          </p:cNvPr>
+          <p:cNvPicPr/>
           <p:nvPr/>
         </p:nvPicPr>
         <p:blipFill>
@@ -5023,8 +5209,8 @@
         </p:blipFill>
         <p:spPr>
           <a:xfrm>
-            <a:off x="6286499" y="4179650"/>
-            <a:ext cx="5709740" cy="813638"/>
+            <a:off x="6342045" y="4025586"/>
+            <a:ext cx="5344160" cy="800100"/>
           </a:xfrm>
           <a:prstGeom prst="rect">
             <a:avLst/>
@@ -5071,10 +5257,10 @@
       </p:grpSpPr>
       <p:sp useBgFill="1">
         <p:nvSpPr>
-          <p:cNvPr id="42" name="Rectangle 41">
-            <a:extLst>
-              <a:ext uri="{FF2B5EF4-FFF2-40B4-BE49-F238E27FC236}">
-                <a16:creationId xmlns:a16="http://schemas.microsoft.com/office/drawing/2014/main" id="{53F29798-D584-4792-9B62-3F5F5C36D619}"/>
+          <p:cNvPr id="56" name="Rectangle 55">
+            <a:extLst>
+              <a:ext uri="{FF2B5EF4-FFF2-40B4-BE49-F238E27FC236}">
+                <a16:creationId xmlns:a16="http://schemas.microsoft.com/office/drawing/2014/main" id="{7316481C-0A49-4796-812B-0D64F063B720}"/>
               </a:ext>
               <a:ext uri="{C183D7F6-B498-43B3-948B-1728B52AA6E4}">
                 <adec:decorative xmlns:adec="http://schemas.microsoft.com/office/drawing/2017/decorative" val="1"/>
@@ -5095,7 +5281,7 @@
         <p:spPr>
           <a:xfrm>
             <a:off x="0" y="0"/>
-            <a:ext cx="12188952" cy="6858000"/>
+            <a:ext cx="12192000" cy="6858000"/>
           </a:xfrm>
           <a:prstGeom prst="rect">
             <a:avLst/>
@@ -5147,44 +5333,1482 @@
         </p:nvSpPr>
         <p:spPr>
           <a:xfrm>
-            <a:off x="838200" y="562271"/>
-            <a:ext cx="10515600" cy="1128417"/>
-          </a:xfrm>
-        </p:spPr>
-        <p:txBody>
-          <a:bodyPr vert="horz" lIns="91440" tIns="45720" rIns="91440" bIns="45720" rtlCol="0" anchor="ctr">
+            <a:off x="1116498" y="655128"/>
+            <a:ext cx="4613919" cy="1499616"/>
+          </a:xfrm>
+        </p:spPr>
+        <p:txBody>
+          <a:bodyPr vert="horz" lIns="91440" tIns="45720" rIns="91440" bIns="45720" rtlCol="0" anchor="b">
             <a:normAutofit/>
           </a:bodyPr>
           <a:lstStyle/>
           <a:p>
             <a:r>
-              <a:rPr lang="en-US" sz="5200" dirty="0"/>
+              <a:rPr lang="en-US" sz="4200"/>
               <a:t>Approach</a:t>
             </a:r>
           </a:p>
         </p:txBody>
       </p:sp>
+      <p:sp>
+        <p:nvSpPr>
+          <p:cNvPr id="58" name="Rectangle 57">
+            <a:extLst>
+              <a:ext uri="{FF2B5EF4-FFF2-40B4-BE49-F238E27FC236}">
+                <a16:creationId xmlns:a16="http://schemas.microsoft.com/office/drawing/2014/main" id="{A5271697-90F1-4A23-8EF2-0179F2EAFACB}"/>
+              </a:ext>
+              <a:ext uri="{C183D7F6-B498-43B3-948B-1728B52AA6E4}">
+                <adec:decorative xmlns:adec="http://schemas.microsoft.com/office/drawing/2017/decorative" val="1"/>
+              </a:ext>
+            </a:extLst>
+          </p:cNvPr>
+          <p:cNvSpPr>
+            <a:spLocks noGrp="1" noRot="1" noChangeAspect="1" noMove="1" noResize="1" noEditPoints="1" noAdjustHandles="1" noChangeArrowheads="1" noChangeShapeType="1" noTextEdit="1"/>
+          </p:cNvSpPr>
+          <p:nvPr>
+            <p:extLst>
+              <p:ext uri="{386F3935-93C4-4BCD-93E2-E3B085C9AB24}">
+                <p16:designElem xmlns:p16="http://schemas.microsoft.com/office/powerpoint/2015/main" val="1"/>
+              </p:ext>
+            </p:extLst>
+          </p:nvPr>
+        </p:nvSpPr>
+        <p:spPr>
+          <a:xfrm>
+            <a:off x="-1" y="1"/>
+            <a:ext cx="606972" cy="3233984"/>
+          </a:xfrm>
+          <a:prstGeom prst="rect">
+            <a:avLst/>
+          </a:prstGeom>
+          <a:solidFill>
+            <a:schemeClr val="tx1">
+              <a:lumMod val="85000"/>
+              <a:lumOff val="15000"/>
+            </a:schemeClr>
+          </a:solidFill>
+          <a:ln>
+            <a:noFill/>
+          </a:ln>
+        </p:spPr>
+        <p:style>
+          <a:lnRef idx="2">
+            <a:schemeClr val="accent1">
+              <a:shade val="50000"/>
+            </a:schemeClr>
+          </a:lnRef>
+          <a:fillRef idx="1">
+            <a:schemeClr val="accent1"/>
+          </a:fillRef>
+          <a:effectRef idx="0">
+            <a:schemeClr val="accent1"/>
+          </a:effectRef>
+          <a:fontRef idx="minor">
+            <a:schemeClr val="lt1"/>
+          </a:fontRef>
+        </p:style>
+        <p:txBody>
+          <a:bodyPr rtlCol="0" anchor="ctr"/>
+          <a:lstStyle/>
+          <a:p>
+            <a:pPr algn="ctr"/>
+            <a:endParaRPr lang="en-US"/>
+          </a:p>
+        </p:txBody>
+      </p:sp>
+      <p:grpSp>
+        <p:nvGrpSpPr>
+          <p:cNvPr id="60" name="Group 59">
+            <a:extLst>
+              <a:ext uri="{FF2B5EF4-FFF2-40B4-BE49-F238E27FC236}">
+                <a16:creationId xmlns:a16="http://schemas.microsoft.com/office/drawing/2014/main" id="{1F49CE81-B2F4-47B2-9D4A-886DCE0A8404}"/>
+              </a:ext>
+              <a:ext uri="{C183D7F6-B498-43B3-948B-1728B52AA6E4}">
+                <adec:decorative xmlns:adec="http://schemas.microsoft.com/office/drawing/2017/decorative" val="1"/>
+              </a:ext>
+            </a:extLst>
+          </p:cNvPr>
+          <p:cNvGrpSpPr>
+            <a:grpSpLocks noGrp="1" noUngrp="1" noRot="1" noChangeAspect="1" noMove="1" noResize="1"/>
+          </p:cNvGrpSpPr>
+          <p:nvPr>
+            <p:extLst>
+              <p:ext uri="{386F3935-93C4-4BCD-93E2-E3B085C9AB24}">
+                <p16:designElem xmlns:p16="http://schemas.microsoft.com/office/powerpoint/2015/main" val="1"/>
+              </p:ext>
+            </p:extLst>
+          </p:nvPr>
+        </p:nvGrpSpPr>
+        <p:grpSpPr>
+          <a:xfrm>
+            <a:off x="1188720" y="73152"/>
+            <a:ext cx="1178966" cy="232963"/>
+            <a:chOff x="7763256" y="73152"/>
+            <a:chExt cx="1178966" cy="232963"/>
+          </a:xfrm>
+        </p:grpSpPr>
+        <p:sp>
+          <p:nvSpPr>
+            <p:cNvPr id="61" name="Rectangle 64">
+              <a:extLst>
+                <a:ext uri="{FF2B5EF4-FFF2-40B4-BE49-F238E27FC236}">
+                  <a16:creationId xmlns:a16="http://schemas.microsoft.com/office/drawing/2014/main" id="{4BE32177-3EAD-42DA-997C-8DAE1BFEE58F}"/>
+                </a:ext>
+                <a:ext uri="{C183D7F6-B498-43B3-948B-1728B52AA6E4}">
+                  <adec:decorative xmlns:adec="http://schemas.microsoft.com/office/drawing/2017/decorative" val="1"/>
+                </a:ext>
+              </a:extLst>
+            </p:cNvPr>
+            <p:cNvSpPr/>
+            <p:nvPr>
+              <p:extLst>
+                <p:ext uri="{386F3935-93C4-4BCD-93E2-E3B085C9AB24}">
+                  <p16:designElem xmlns:p16="http://schemas.microsoft.com/office/powerpoint/2015/main" val="1"/>
+                </p:ext>
+              </p:extLst>
+            </p:nvPr>
+          </p:nvSpPr>
+          <p:spPr>
+            <a:xfrm>
+              <a:off x="8263077" y="73152"/>
+              <a:ext cx="54368" cy="59227"/>
+            </a:xfrm>
+            <a:prstGeom prst="ellipse">
+              <a:avLst/>
+            </a:prstGeom>
+            <a:solidFill>
+              <a:schemeClr val="accent1"/>
+            </a:solidFill>
+            <a:ln>
+              <a:noFill/>
+            </a:ln>
+          </p:spPr>
+          <p:style>
+            <a:lnRef idx="2">
+              <a:schemeClr val="accent1">
+                <a:shade val="50000"/>
+              </a:schemeClr>
+            </a:lnRef>
+            <a:fillRef idx="1">
+              <a:schemeClr val="accent1"/>
+            </a:fillRef>
+            <a:effectRef idx="0">
+              <a:schemeClr val="accent1"/>
+            </a:effectRef>
+            <a:fontRef idx="minor">
+              <a:schemeClr val="lt1"/>
+            </a:fontRef>
+          </p:style>
+          <p:txBody>
+            <a:bodyPr rtlCol="0" anchor="ctr"/>
+            <a:lstStyle/>
+            <a:p>
+              <a:pPr algn="ctr"/>
+              <a:endParaRPr lang="en-US"/>
+            </a:p>
+          </p:txBody>
+        </p:sp>
+        <p:sp>
+          <p:nvSpPr>
+            <p:cNvPr id="62" name="Rectangle 66">
+              <a:extLst>
+                <a:ext uri="{FF2B5EF4-FFF2-40B4-BE49-F238E27FC236}">
+                  <a16:creationId xmlns:a16="http://schemas.microsoft.com/office/drawing/2014/main" id="{A0DEE160-9825-4DB5-8188-911AC13EA761}"/>
+                </a:ext>
+                <a:ext uri="{C183D7F6-B498-43B3-948B-1728B52AA6E4}">
+                  <adec:decorative xmlns:adec="http://schemas.microsoft.com/office/drawing/2017/decorative" val="1"/>
+                </a:ext>
+              </a:extLst>
+            </p:cNvPr>
+            <p:cNvSpPr/>
+            <p:nvPr>
+              <p:extLst>
+                <p:ext uri="{386F3935-93C4-4BCD-93E2-E3B085C9AB24}">
+                  <p16:designElem xmlns:p16="http://schemas.microsoft.com/office/powerpoint/2015/main" val="1"/>
+                </p:ext>
+              </p:extLst>
+            </p:nvPr>
+          </p:nvSpPr>
+          <p:spPr>
+            <a:xfrm>
+              <a:off x="8263077" y="246888"/>
+              <a:ext cx="54368" cy="59227"/>
+            </a:xfrm>
+            <a:prstGeom prst="ellipse">
+              <a:avLst/>
+            </a:prstGeom>
+            <a:solidFill>
+              <a:schemeClr val="accent1"/>
+            </a:solidFill>
+            <a:ln>
+              <a:noFill/>
+            </a:ln>
+          </p:spPr>
+          <p:style>
+            <a:lnRef idx="2">
+              <a:schemeClr val="accent1">
+                <a:shade val="50000"/>
+              </a:schemeClr>
+            </a:lnRef>
+            <a:fillRef idx="1">
+              <a:schemeClr val="accent1"/>
+            </a:fillRef>
+            <a:effectRef idx="0">
+              <a:schemeClr val="accent1"/>
+            </a:effectRef>
+            <a:fontRef idx="minor">
+              <a:schemeClr val="lt1"/>
+            </a:fontRef>
+          </p:style>
+          <p:txBody>
+            <a:bodyPr rtlCol="0" anchor="ctr"/>
+            <a:lstStyle/>
+            <a:p>
+              <a:pPr algn="ctr"/>
+              <a:endParaRPr lang="en-US"/>
+            </a:p>
+          </p:txBody>
+        </p:sp>
+        <p:sp>
+          <p:nvSpPr>
+            <p:cNvPr id="63" name="Rectangle 64">
+              <a:extLst>
+                <a:ext uri="{FF2B5EF4-FFF2-40B4-BE49-F238E27FC236}">
+                  <a16:creationId xmlns:a16="http://schemas.microsoft.com/office/drawing/2014/main" id="{9C5FEDB5-0AEE-40E4-9CA6-6718B956D932}"/>
+                </a:ext>
+                <a:ext uri="{C183D7F6-B498-43B3-948B-1728B52AA6E4}">
+                  <adec:decorative xmlns:adec="http://schemas.microsoft.com/office/drawing/2017/decorative" val="1"/>
+                </a:ext>
+              </a:extLst>
+            </p:cNvPr>
+            <p:cNvSpPr/>
+            <p:nvPr>
+              <p:extLst>
+                <p:ext uri="{386F3935-93C4-4BCD-93E2-E3B085C9AB24}">
+                  <p16:designElem xmlns:p16="http://schemas.microsoft.com/office/powerpoint/2015/main" val="1"/>
+                </p:ext>
+              </p:extLst>
+            </p:nvPr>
+          </p:nvSpPr>
+          <p:spPr>
+            <a:xfrm>
+              <a:off x="8138122" y="73152"/>
+              <a:ext cx="54368" cy="59227"/>
+            </a:xfrm>
+            <a:prstGeom prst="ellipse">
+              <a:avLst/>
+            </a:prstGeom>
+            <a:solidFill>
+              <a:schemeClr val="accent1"/>
+            </a:solidFill>
+            <a:ln>
+              <a:noFill/>
+            </a:ln>
+          </p:spPr>
+          <p:style>
+            <a:lnRef idx="2">
+              <a:schemeClr val="accent1">
+                <a:shade val="50000"/>
+              </a:schemeClr>
+            </a:lnRef>
+            <a:fillRef idx="1">
+              <a:schemeClr val="accent1"/>
+            </a:fillRef>
+            <a:effectRef idx="0">
+              <a:schemeClr val="accent1"/>
+            </a:effectRef>
+            <a:fontRef idx="minor">
+              <a:schemeClr val="lt1"/>
+            </a:fontRef>
+          </p:style>
+          <p:txBody>
+            <a:bodyPr rtlCol="0" anchor="ctr"/>
+            <a:lstStyle/>
+            <a:p>
+              <a:pPr algn="ctr"/>
+              <a:endParaRPr lang="en-US"/>
+            </a:p>
+          </p:txBody>
+        </p:sp>
+        <p:sp>
+          <p:nvSpPr>
+            <p:cNvPr id="64" name="Rectangle 66">
+              <a:extLst>
+                <a:ext uri="{FF2B5EF4-FFF2-40B4-BE49-F238E27FC236}">
+                  <a16:creationId xmlns:a16="http://schemas.microsoft.com/office/drawing/2014/main" id="{1A11DF2D-1D4B-45DA-906B-2A1F84C99647}"/>
+                </a:ext>
+                <a:ext uri="{C183D7F6-B498-43B3-948B-1728B52AA6E4}">
+                  <adec:decorative xmlns:adec="http://schemas.microsoft.com/office/drawing/2017/decorative" val="1"/>
+                </a:ext>
+              </a:extLst>
+            </p:cNvPr>
+            <p:cNvSpPr/>
+            <p:nvPr>
+              <p:extLst>
+                <p:ext uri="{386F3935-93C4-4BCD-93E2-E3B085C9AB24}">
+                  <p16:designElem xmlns:p16="http://schemas.microsoft.com/office/powerpoint/2015/main" val="1"/>
+                </p:ext>
+              </p:extLst>
+            </p:nvPr>
+          </p:nvSpPr>
+          <p:spPr>
+            <a:xfrm>
+              <a:off x="8138122" y="246888"/>
+              <a:ext cx="54368" cy="59227"/>
+            </a:xfrm>
+            <a:prstGeom prst="ellipse">
+              <a:avLst/>
+            </a:prstGeom>
+            <a:solidFill>
+              <a:schemeClr val="accent1"/>
+            </a:solidFill>
+            <a:ln>
+              <a:noFill/>
+            </a:ln>
+          </p:spPr>
+          <p:style>
+            <a:lnRef idx="2">
+              <a:schemeClr val="accent1">
+                <a:shade val="50000"/>
+              </a:schemeClr>
+            </a:lnRef>
+            <a:fillRef idx="1">
+              <a:schemeClr val="accent1"/>
+            </a:fillRef>
+            <a:effectRef idx="0">
+              <a:schemeClr val="accent1"/>
+            </a:effectRef>
+            <a:fontRef idx="minor">
+              <a:schemeClr val="lt1"/>
+            </a:fontRef>
+          </p:style>
+          <p:txBody>
+            <a:bodyPr rtlCol="0" anchor="ctr"/>
+            <a:lstStyle/>
+            <a:p>
+              <a:pPr algn="ctr"/>
+              <a:endParaRPr lang="en-US"/>
+            </a:p>
+          </p:txBody>
+        </p:sp>
+        <p:sp>
+          <p:nvSpPr>
+            <p:cNvPr id="65" name="Rectangle 64">
+              <a:extLst>
+                <a:ext uri="{FF2B5EF4-FFF2-40B4-BE49-F238E27FC236}">
+                  <a16:creationId xmlns:a16="http://schemas.microsoft.com/office/drawing/2014/main" id="{B6A5BAC0-9806-4124-A584-7F924A6589C8}"/>
+                </a:ext>
+                <a:ext uri="{C183D7F6-B498-43B3-948B-1728B52AA6E4}">
+                  <adec:decorative xmlns:adec="http://schemas.microsoft.com/office/drawing/2017/decorative" val="1"/>
+                </a:ext>
+              </a:extLst>
+            </p:cNvPr>
+            <p:cNvSpPr/>
+            <p:nvPr>
+              <p:extLst>
+                <p:ext uri="{386F3935-93C4-4BCD-93E2-E3B085C9AB24}">
+                  <p16:designElem xmlns:p16="http://schemas.microsoft.com/office/powerpoint/2015/main" val="1"/>
+                </p:ext>
+              </p:extLst>
+            </p:nvPr>
+          </p:nvSpPr>
+          <p:spPr>
+            <a:xfrm>
+              <a:off x="8013167" y="73152"/>
+              <a:ext cx="54368" cy="59227"/>
+            </a:xfrm>
+            <a:prstGeom prst="ellipse">
+              <a:avLst/>
+            </a:prstGeom>
+            <a:solidFill>
+              <a:schemeClr val="accent1"/>
+            </a:solidFill>
+            <a:ln>
+              <a:noFill/>
+            </a:ln>
+          </p:spPr>
+          <p:style>
+            <a:lnRef idx="2">
+              <a:schemeClr val="accent1">
+                <a:shade val="50000"/>
+              </a:schemeClr>
+            </a:lnRef>
+            <a:fillRef idx="1">
+              <a:schemeClr val="accent1"/>
+            </a:fillRef>
+            <a:effectRef idx="0">
+              <a:schemeClr val="accent1"/>
+            </a:effectRef>
+            <a:fontRef idx="minor">
+              <a:schemeClr val="lt1"/>
+            </a:fontRef>
+          </p:style>
+          <p:txBody>
+            <a:bodyPr rtlCol="0" anchor="ctr"/>
+            <a:lstStyle/>
+            <a:p>
+              <a:pPr algn="ctr"/>
+              <a:endParaRPr lang="en-US"/>
+            </a:p>
+          </p:txBody>
+        </p:sp>
+        <p:sp>
+          <p:nvSpPr>
+            <p:cNvPr id="66" name="Rectangle 66">
+              <a:extLst>
+                <a:ext uri="{FF2B5EF4-FFF2-40B4-BE49-F238E27FC236}">
+                  <a16:creationId xmlns:a16="http://schemas.microsoft.com/office/drawing/2014/main" id="{A8F6BFA3-38BE-4F0A-94D9-EF0E6EA01A0B}"/>
+                </a:ext>
+                <a:ext uri="{C183D7F6-B498-43B3-948B-1728B52AA6E4}">
+                  <adec:decorative xmlns:adec="http://schemas.microsoft.com/office/drawing/2017/decorative" val="1"/>
+                </a:ext>
+              </a:extLst>
+            </p:cNvPr>
+            <p:cNvSpPr/>
+            <p:nvPr>
+              <p:extLst>
+                <p:ext uri="{386F3935-93C4-4BCD-93E2-E3B085C9AB24}">
+                  <p16:designElem xmlns:p16="http://schemas.microsoft.com/office/powerpoint/2015/main" val="1"/>
+                </p:ext>
+              </p:extLst>
+            </p:nvPr>
+          </p:nvSpPr>
+          <p:spPr>
+            <a:xfrm>
+              <a:off x="8013167" y="246888"/>
+              <a:ext cx="54368" cy="59227"/>
+            </a:xfrm>
+            <a:prstGeom prst="ellipse">
+              <a:avLst/>
+            </a:prstGeom>
+            <a:solidFill>
+              <a:schemeClr val="accent1"/>
+            </a:solidFill>
+            <a:ln>
+              <a:noFill/>
+            </a:ln>
+          </p:spPr>
+          <p:style>
+            <a:lnRef idx="2">
+              <a:schemeClr val="accent1">
+                <a:shade val="50000"/>
+              </a:schemeClr>
+            </a:lnRef>
+            <a:fillRef idx="1">
+              <a:schemeClr val="accent1"/>
+            </a:fillRef>
+            <a:effectRef idx="0">
+              <a:schemeClr val="accent1"/>
+            </a:effectRef>
+            <a:fontRef idx="minor">
+              <a:schemeClr val="lt1"/>
+            </a:fontRef>
+          </p:style>
+          <p:txBody>
+            <a:bodyPr rtlCol="0" anchor="ctr"/>
+            <a:lstStyle/>
+            <a:p>
+              <a:pPr algn="ctr"/>
+              <a:endParaRPr lang="en-US"/>
+            </a:p>
+          </p:txBody>
+        </p:sp>
+        <p:sp>
+          <p:nvSpPr>
+            <p:cNvPr id="67" name="Rectangle 64">
+              <a:extLst>
+                <a:ext uri="{FF2B5EF4-FFF2-40B4-BE49-F238E27FC236}">
+                  <a16:creationId xmlns:a16="http://schemas.microsoft.com/office/drawing/2014/main" id="{BE6BCF21-959F-419E-BCA4-B20AF92EF4F3}"/>
+                </a:ext>
+                <a:ext uri="{C183D7F6-B498-43B3-948B-1728B52AA6E4}">
+                  <adec:decorative xmlns:adec="http://schemas.microsoft.com/office/drawing/2017/decorative" val="1"/>
+                </a:ext>
+              </a:extLst>
+            </p:cNvPr>
+            <p:cNvSpPr/>
+            <p:nvPr>
+              <p:extLst>
+                <p:ext uri="{386F3935-93C4-4BCD-93E2-E3B085C9AB24}">
+                  <p16:designElem xmlns:p16="http://schemas.microsoft.com/office/powerpoint/2015/main" val="1"/>
+                </p:ext>
+              </p:extLst>
+            </p:nvPr>
+          </p:nvSpPr>
+          <p:spPr>
+            <a:xfrm>
+              <a:off x="7888211" y="73152"/>
+              <a:ext cx="54368" cy="59227"/>
+            </a:xfrm>
+            <a:prstGeom prst="ellipse">
+              <a:avLst/>
+            </a:prstGeom>
+            <a:solidFill>
+              <a:schemeClr val="accent1"/>
+            </a:solidFill>
+            <a:ln>
+              <a:noFill/>
+            </a:ln>
+          </p:spPr>
+          <p:style>
+            <a:lnRef idx="2">
+              <a:schemeClr val="accent1">
+                <a:shade val="50000"/>
+              </a:schemeClr>
+            </a:lnRef>
+            <a:fillRef idx="1">
+              <a:schemeClr val="accent1"/>
+            </a:fillRef>
+            <a:effectRef idx="0">
+              <a:schemeClr val="accent1"/>
+            </a:effectRef>
+            <a:fontRef idx="minor">
+              <a:schemeClr val="lt1"/>
+            </a:fontRef>
+          </p:style>
+          <p:txBody>
+            <a:bodyPr rtlCol="0" anchor="ctr"/>
+            <a:lstStyle/>
+            <a:p>
+              <a:pPr algn="ctr"/>
+              <a:endParaRPr lang="en-US"/>
+            </a:p>
+          </p:txBody>
+        </p:sp>
+        <p:sp>
+          <p:nvSpPr>
+            <p:cNvPr id="68" name="Rectangle 66">
+              <a:extLst>
+                <a:ext uri="{FF2B5EF4-FFF2-40B4-BE49-F238E27FC236}">
+                  <a16:creationId xmlns:a16="http://schemas.microsoft.com/office/drawing/2014/main" id="{54B6E037-E222-42EB-9AEB-C45EF2090AF6}"/>
+                </a:ext>
+                <a:ext uri="{C183D7F6-B498-43B3-948B-1728B52AA6E4}">
+                  <adec:decorative xmlns:adec="http://schemas.microsoft.com/office/drawing/2017/decorative" val="1"/>
+                </a:ext>
+              </a:extLst>
+            </p:cNvPr>
+            <p:cNvSpPr/>
+            <p:nvPr>
+              <p:extLst>
+                <p:ext uri="{386F3935-93C4-4BCD-93E2-E3B085C9AB24}">
+                  <p16:designElem xmlns:p16="http://schemas.microsoft.com/office/powerpoint/2015/main" val="1"/>
+                </p:ext>
+              </p:extLst>
+            </p:nvPr>
+          </p:nvSpPr>
+          <p:spPr>
+            <a:xfrm>
+              <a:off x="7888211" y="246888"/>
+              <a:ext cx="54368" cy="59227"/>
+            </a:xfrm>
+            <a:prstGeom prst="ellipse">
+              <a:avLst/>
+            </a:prstGeom>
+            <a:solidFill>
+              <a:schemeClr val="accent1"/>
+            </a:solidFill>
+            <a:ln>
+              <a:noFill/>
+            </a:ln>
+          </p:spPr>
+          <p:style>
+            <a:lnRef idx="2">
+              <a:schemeClr val="accent1">
+                <a:shade val="50000"/>
+              </a:schemeClr>
+            </a:lnRef>
+            <a:fillRef idx="1">
+              <a:schemeClr val="accent1"/>
+            </a:fillRef>
+            <a:effectRef idx="0">
+              <a:schemeClr val="accent1"/>
+            </a:effectRef>
+            <a:fontRef idx="minor">
+              <a:schemeClr val="lt1"/>
+            </a:fontRef>
+          </p:style>
+          <p:txBody>
+            <a:bodyPr rtlCol="0" anchor="ctr"/>
+            <a:lstStyle/>
+            <a:p>
+              <a:pPr algn="ctr"/>
+              <a:endParaRPr lang="en-US"/>
+            </a:p>
+          </p:txBody>
+        </p:sp>
+        <p:sp>
+          <p:nvSpPr>
+            <p:cNvPr id="69" name="Rectangle 64">
+              <a:extLst>
+                <a:ext uri="{FF2B5EF4-FFF2-40B4-BE49-F238E27FC236}">
+                  <a16:creationId xmlns:a16="http://schemas.microsoft.com/office/drawing/2014/main" id="{A0494426-372E-42B8-87E1-170F1B5969DF}"/>
+                </a:ext>
+                <a:ext uri="{C183D7F6-B498-43B3-948B-1728B52AA6E4}">
+                  <adec:decorative xmlns:adec="http://schemas.microsoft.com/office/drawing/2017/decorative" val="1"/>
+                </a:ext>
+              </a:extLst>
+            </p:cNvPr>
+            <p:cNvSpPr/>
+            <p:nvPr>
+              <p:extLst>
+                <p:ext uri="{386F3935-93C4-4BCD-93E2-E3B085C9AB24}">
+                  <p16:designElem xmlns:p16="http://schemas.microsoft.com/office/powerpoint/2015/main" val="1"/>
+                </p:ext>
+              </p:extLst>
+            </p:nvPr>
+          </p:nvSpPr>
+          <p:spPr>
+            <a:xfrm>
+              <a:off x="7763256" y="73152"/>
+              <a:ext cx="54368" cy="59227"/>
+            </a:xfrm>
+            <a:prstGeom prst="ellipse">
+              <a:avLst/>
+            </a:prstGeom>
+            <a:solidFill>
+              <a:schemeClr val="accent1"/>
+            </a:solidFill>
+            <a:ln>
+              <a:noFill/>
+            </a:ln>
+          </p:spPr>
+          <p:style>
+            <a:lnRef idx="2">
+              <a:schemeClr val="accent1">
+                <a:shade val="50000"/>
+              </a:schemeClr>
+            </a:lnRef>
+            <a:fillRef idx="1">
+              <a:schemeClr val="accent1"/>
+            </a:fillRef>
+            <a:effectRef idx="0">
+              <a:schemeClr val="accent1"/>
+            </a:effectRef>
+            <a:fontRef idx="minor">
+              <a:schemeClr val="lt1"/>
+            </a:fontRef>
+          </p:style>
+          <p:txBody>
+            <a:bodyPr rtlCol="0" anchor="ctr"/>
+            <a:lstStyle/>
+            <a:p>
+              <a:pPr algn="ctr"/>
+              <a:endParaRPr lang="en-US"/>
+            </a:p>
+          </p:txBody>
+        </p:sp>
+        <p:sp>
+          <p:nvSpPr>
+            <p:cNvPr id="70" name="Rectangle 66">
+              <a:extLst>
+                <a:ext uri="{FF2B5EF4-FFF2-40B4-BE49-F238E27FC236}">
+                  <a16:creationId xmlns:a16="http://schemas.microsoft.com/office/drawing/2014/main" id="{14DB5AB5-5D73-4375-8CF4-DF4B7A5D7F24}"/>
+                </a:ext>
+                <a:ext uri="{C183D7F6-B498-43B3-948B-1728B52AA6E4}">
+                  <adec:decorative xmlns:adec="http://schemas.microsoft.com/office/drawing/2017/decorative" val="1"/>
+                </a:ext>
+              </a:extLst>
+            </p:cNvPr>
+            <p:cNvSpPr/>
+            <p:nvPr>
+              <p:extLst>
+                <p:ext uri="{386F3935-93C4-4BCD-93E2-E3B085C9AB24}">
+                  <p16:designElem xmlns:p16="http://schemas.microsoft.com/office/powerpoint/2015/main" val="1"/>
+                </p:ext>
+              </p:extLst>
+            </p:nvPr>
+          </p:nvSpPr>
+          <p:spPr>
+            <a:xfrm>
+              <a:off x="7763256" y="246888"/>
+              <a:ext cx="54368" cy="59227"/>
+            </a:xfrm>
+            <a:prstGeom prst="ellipse">
+              <a:avLst/>
+            </a:prstGeom>
+            <a:solidFill>
+              <a:schemeClr val="accent1"/>
+            </a:solidFill>
+            <a:ln>
+              <a:noFill/>
+            </a:ln>
+          </p:spPr>
+          <p:style>
+            <a:lnRef idx="2">
+              <a:schemeClr val="accent1">
+                <a:shade val="50000"/>
+              </a:schemeClr>
+            </a:lnRef>
+            <a:fillRef idx="1">
+              <a:schemeClr val="accent1"/>
+            </a:fillRef>
+            <a:effectRef idx="0">
+              <a:schemeClr val="accent1"/>
+            </a:effectRef>
+            <a:fontRef idx="minor">
+              <a:schemeClr val="lt1"/>
+            </a:fontRef>
+          </p:style>
+          <p:txBody>
+            <a:bodyPr rtlCol="0" anchor="ctr"/>
+            <a:lstStyle/>
+            <a:p>
+              <a:pPr algn="ctr"/>
+              <a:endParaRPr lang="en-US"/>
+            </a:p>
+          </p:txBody>
+        </p:sp>
+        <p:sp>
+          <p:nvSpPr>
+            <p:cNvPr id="71" name="Rectangle 64">
+              <a:extLst>
+                <a:ext uri="{FF2B5EF4-FFF2-40B4-BE49-F238E27FC236}">
+                  <a16:creationId xmlns:a16="http://schemas.microsoft.com/office/drawing/2014/main" id="{009B2A6E-6D36-4A9A-AFAA-CF4D8591470D}"/>
+                </a:ext>
+                <a:ext uri="{C183D7F6-B498-43B3-948B-1728B52AA6E4}">
+                  <adec:decorative xmlns:adec="http://schemas.microsoft.com/office/drawing/2017/decorative" val="1"/>
+                </a:ext>
+              </a:extLst>
+            </p:cNvPr>
+            <p:cNvSpPr/>
+            <p:nvPr>
+              <p:extLst>
+                <p:ext uri="{386F3935-93C4-4BCD-93E2-E3B085C9AB24}">
+                  <p16:designElem xmlns:p16="http://schemas.microsoft.com/office/powerpoint/2015/main" val="1"/>
+                </p:ext>
+              </p:extLst>
+            </p:nvPr>
+          </p:nvSpPr>
+          <p:spPr>
+            <a:xfrm>
+              <a:off x="8887854" y="73152"/>
+              <a:ext cx="54368" cy="59227"/>
+            </a:xfrm>
+            <a:prstGeom prst="ellipse">
+              <a:avLst/>
+            </a:prstGeom>
+            <a:solidFill>
+              <a:schemeClr val="accent1"/>
+            </a:solidFill>
+            <a:ln>
+              <a:noFill/>
+            </a:ln>
+          </p:spPr>
+          <p:style>
+            <a:lnRef idx="2">
+              <a:schemeClr val="accent1">
+                <a:shade val="50000"/>
+              </a:schemeClr>
+            </a:lnRef>
+            <a:fillRef idx="1">
+              <a:schemeClr val="accent1"/>
+            </a:fillRef>
+            <a:effectRef idx="0">
+              <a:schemeClr val="accent1"/>
+            </a:effectRef>
+            <a:fontRef idx="minor">
+              <a:schemeClr val="lt1"/>
+            </a:fontRef>
+          </p:style>
+          <p:txBody>
+            <a:bodyPr rtlCol="0" anchor="ctr"/>
+            <a:lstStyle/>
+            <a:p>
+              <a:pPr algn="ctr"/>
+              <a:endParaRPr lang="en-US"/>
+            </a:p>
+          </p:txBody>
+        </p:sp>
+        <p:sp>
+          <p:nvSpPr>
+            <p:cNvPr id="72" name="Rectangle 66">
+              <a:extLst>
+                <a:ext uri="{FF2B5EF4-FFF2-40B4-BE49-F238E27FC236}">
+                  <a16:creationId xmlns:a16="http://schemas.microsoft.com/office/drawing/2014/main" id="{85DC0718-B29F-47A6-931F-F0EF9FA995D9}"/>
+                </a:ext>
+                <a:ext uri="{C183D7F6-B498-43B3-948B-1728B52AA6E4}">
+                  <adec:decorative xmlns:adec="http://schemas.microsoft.com/office/drawing/2017/decorative" val="1"/>
+                </a:ext>
+              </a:extLst>
+            </p:cNvPr>
+            <p:cNvSpPr/>
+            <p:nvPr>
+              <p:extLst>
+                <p:ext uri="{386F3935-93C4-4BCD-93E2-E3B085C9AB24}">
+                  <p16:designElem xmlns:p16="http://schemas.microsoft.com/office/powerpoint/2015/main" val="1"/>
+                </p:ext>
+              </p:extLst>
+            </p:nvPr>
+          </p:nvSpPr>
+          <p:spPr>
+            <a:xfrm>
+              <a:off x="8887854" y="246888"/>
+              <a:ext cx="54368" cy="59227"/>
+            </a:xfrm>
+            <a:prstGeom prst="ellipse">
+              <a:avLst/>
+            </a:prstGeom>
+            <a:solidFill>
+              <a:schemeClr val="accent1"/>
+            </a:solidFill>
+            <a:ln>
+              <a:noFill/>
+            </a:ln>
+          </p:spPr>
+          <p:style>
+            <a:lnRef idx="2">
+              <a:schemeClr val="accent1">
+                <a:shade val="50000"/>
+              </a:schemeClr>
+            </a:lnRef>
+            <a:fillRef idx="1">
+              <a:schemeClr val="accent1"/>
+            </a:fillRef>
+            <a:effectRef idx="0">
+              <a:schemeClr val="accent1"/>
+            </a:effectRef>
+            <a:fontRef idx="minor">
+              <a:schemeClr val="lt1"/>
+            </a:fontRef>
+          </p:style>
+          <p:txBody>
+            <a:bodyPr rtlCol="0" anchor="ctr"/>
+            <a:lstStyle/>
+            <a:p>
+              <a:pPr algn="ctr"/>
+              <a:endParaRPr lang="en-US"/>
+            </a:p>
+          </p:txBody>
+        </p:sp>
+        <p:sp>
+          <p:nvSpPr>
+            <p:cNvPr id="73" name="Rectangle 64">
+              <a:extLst>
+                <a:ext uri="{FF2B5EF4-FFF2-40B4-BE49-F238E27FC236}">
+                  <a16:creationId xmlns:a16="http://schemas.microsoft.com/office/drawing/2014/main" id="{AAED958D-AFCC-4BEF-818A-EFF7E41D1752}"/>
+                </a:ext>
+                <a:ext uri="{C183D7F6-B498-43B3-948B-1728B52AA6E4}">
+                  <adec:decorative xmlns:adec="http://schemas.microsoft.com/office/drawing/2017/decorative" val="1"/>
+                </a:ext>
+              </a:extLst>
+            </p:cNvPr>
+            <p:cNvSpPr/>
+            <p:nvPr>
+              <p:extLst>
+                <p:ext uri="{386F3935-93C4-4BCD-93E2-E3B085C9AB24}">
+                  <p16:designElem xmlns:p16="http://schemas.microsoft.com/office/powerpoint/2015/main" val="1"/>
+                </p:ext>
+              </p:extLst>
+            </p:nvPr>
+          </p:nvSpPr>
+          <p:spPr>
+            <a:xfrm>
+              <a:off x="8762899" y="73152"/>
+              <a:ext cx="54368" cy="59227"/>
+            </a:xfrm>
+            <a:prstGeom prst="ellipse">
+              <a:avLst/>
+            </a:prstGeom>
+            <a:solidFill>
+              <a:schemeClr val="accent1"/>
+            </a:solidFill>
+            <a:ln>
+              <a:noFill/>
+            </a:ln>
+          </p:spPr>
+          <p:style>
+            <a:lnRef idx="2">
+              <a:schemeClr val="accent1">
+                <a:shade val="50000"/>
+              </a:schemeClr>
+            </a:lnRef>
+            <a:fillRef idx="1">
+              <a:schemeClr val="accent1"/>
+            </a:fillRef>
+            <a:effectRef idx="0">
+              <a:schemeClr val="accent1"/>
+            </a:effectRef>
+            <a:fontRef idx="minor">
+              <a:schemeClr val="lt1"/>
+            </a:fontRef>
+          </p:style>
+          <p:txBody>
+            <a:bodyPr rtlCol="0" anchor="ctr"/>
+            <a:lstStyle/>
+            <a:p>
+              <a:pPr algn="ctr"/>
+              <a:endParaRPr lang="en-US"/>
+            </a:p>
+          </p:txBody>
+        </p:sp>
+        <p:sp>
+          <p:nvSpPr>
+            <p:cNvPr id="74" name="Rectangle 66">
+              <a:extLst>
+                <a:ext uri="{FF2B5EF4-FFF2-40B4-BE49-F238E27FC236}">
+                  <a16:creationId xmlns:a16="http://schemas.microsoft.com/office/drawing/2014/main" id="{C216DD5A-D1AE-429E-937E-456A50345E2F}"/>
+                </a:ext>
+                <a:ext uri="{C183D7F6-B498-43B3-948B-1728B52AA6E4}">
+                  <adec:decorative xmlns:adec="http://schemas.microsoft.com/office/drawing/2017/decorative" val="1"/>
+                </a:ext>
+              </a:extLst>
+            </p:cNvPr>
+            <p:cNvSpPr/>
+            <p:nvPr>
+              <p:extLst>
+                <p:ext uri="{386F3935-93C4-4BCD-93E2-E3B085C9AB24}">
+                  <p16:designElem xmlns:p16="http://schemas.microsoft.com/office/powerpoint/2015/main" val="1"/>
+                </p:ext>
+              </p:extLst>
+            </p:nvPr>
+          </p:nvSpPr>
+          <p:spPr>
+            <a:xfrm>
+              <a:off x="8762899" y="246888"/>
+              <a:ext cx="54368" cy="59227"/>
+            </a:xfrm>
+            <a:prstGeom prst="ellipse">
+              <a:avLst/>
+            </a:prstGeom>
+            <a:solidFill>
+              <a:schemeClr val="accent1"/>
+            </a:solidFill>
+            <a:ln>
+              <a:noFill/>
+            </a:ln>
+          </p:spPr>
+          <p:style>
+            <a:lnRef idx="2">
+              <a:schemeClr val="accent1">
+                <a:shade val="50000"/>
+              </a:schemeClr>
+            </a:lnRef>
+            <a:fillRef idx="1">
+              <a:schemeClr val="accent1"/>
+            </a:fillRef>
+            <a:effectRef idx="0">
+              <a:schemeClr val="accent1"/>
+            </a:effectRef>
+            <a:fontRef idx="minor">
+              <a:schemeClr val="lt1"/>
+            </a:fontRef>
+          </p:style>
+          <p:txBody>
+            <a:bodyPr rtlCol="0" anchor="ctr"/>
+            <a:lstStyle/>
+            <a:p>
+              <a:pPr algn="ctr"/>
+              <a:endParaRPr lang="en-US"/>
+            </a:p>
+          </p:txBody>
+        </p:sp>
+        <p:sp>
+          <p:nvSpPr>
+            <p:cNvPr id="75" name="Rectangle 64">
+              <a:extLst>
+                <a:ext uri="{FF2B5EF4-FFF2-40B4-BE49-F238E27FC236}">
+                  <a16:creationId xmlns:a16="http://schemas.microsoft.com/office/drawing/2014/main" id="{A845B253-9DEE-45AC-AADA-FAA6812C3968}"/>
+                </a:ext>
+                <a:ext uri="{C183D7F6-B498-43B3-948B-1728B52AA6E4}">
+                  <adec:decorative xmlns:adec="http://schemas.microsoft.com/office/drawing/2017/decorative" val="1"/>
+                </a:ext>
+              </a:extLst>
+            </p:cNvPr>
+            <p:cNvSpPr/>
+            <p:nvPr>
+              <p:extLst>
+                <p:ext uri="{386F3935-93C4-4BCD-93E2-E3B085C9AB24}">
+                  <p16:designElem xmlns:p16="http://schemas.microsoft.com/office/powerpoint/2015/main" val="1"/>
+                </p:ext>
+              </p:extLst>
+            </p:nvPr>
+          </p:nvSpPr>
+          <p:spPr>
+            <a:xfrm>
+              <a:off x="8637944" y="73152"/>
+              <a:ext cx="54368" cy="59227"/>
+            </a:xfrm>
+            <a:prstGeom prst="ellipse">
+              <a:avLst/>
+            </a:prstGeom>
+            <a:solidFill>
+              <a:schemeClr val="accent1"/>
+            </a:solidFill>
+            <a:ln>
+              <a:noFill/>
+            </a:ln>
+          </p:spPr>
+          <p:style>
+            <a:lnRef idx="2">
+              <a:schemeClr val="accent1">
+                <a:shade val="50000"/>
+              </a:schemeClr>
+            </a:lnRef>
+            <a:fillRef idx="1">
+              <a:schemeClr val="accent1"/>
+            </a:fillRef>
+            <a:effectRef idx="0">
+              <a:schemeClr val="accent1"/>
+            </a:effectRef>
+            <a:fontRef idx="minor">
+              <a:schemeClr val="lt1"/>
+            </a:fontRef>
+          </p:style>
+          <p:txBody>
+            <a:bodyPr rtlCol="0" anchor="ctr"/>
+            <a:lstStyle/>
+            <a:p>
+              <a:pPr algn="ctr"/>
+              <a:endParaRPr lang="en-US"/>
+            </a:p>
+          </p:txBody>
+        </p:sp>
+        <p:sp>
+          <p:nvSpPr>
+            <p:cNvPr id="76" name="Rectangle 66">
+              <a:extLst>
+                <a:ext uri="{FF2B5EF4-FFF2-40B4-BE49-F238E27FC236}">
+                  <a16:creationId xmlns:a16="http://schemas.microsoft.com/office/drawing/2014/main" id="{CE7B6CBF-757B-4B55-84CB-062B712D38EE}"/>
+                </a:ext>
+                <a:ext uri="{C183D7F6-B498-43B3-948B-1728B52AA6E4}">
+                  <adec:decorative xmlns:adec="http://schemas.microsoft.com/office/drawing/2017/decorative" val="1"/>
+                </a:ext>
+              </a:extLst>
+            </p:cNvPr>
+            <p:cNvSpPr/>
+            <p:nvPr>
+              <p:extLst>
+                <p:ext uri="{386F3935-93C4-4BCD-93E2-E3B085C9AB24}">
+                  <p16:designElem xmlns:p16="http://schemas.microsoft.com/office/powerpoint/2015/main" val="1"/>
+                </p:ext>
+              </p:extLst>
+            </p:nvPr>
+          </p:nvSpPr>
+          <p:spPr>
+            <a:xfrm>
+              <a:off x="8637944" y="246888"/>
+              <a:ext cx="54368" cy="59227"/>
+            </a:xfrm>
+            <a:prstGeom prst="ellipse">
+              <a:avLst/>
+            </a:prstGeom>
+            <a:solidFill>
+              <a:schemeClr val="accent1"/>
+            </a:solidFill>
+            <a:ln>
+              <a:noFill/>
+            </a:ln>
+          </p:spPr>
+          <p:style>
+            <a:lnRef idx="2">
+              <a:schemeClr val="accent1">
+                <a:shade val="50000"/>
+              </a:schemeClr>
+            </a:lnRef>
+            <a:fillRef idx="1">
+              <a:schemeClr val="accent1"/>
+            </a:fillRef>
+            <a:effectRef idx="0">
+              <a:schemeClr val="accent1"/>
+            </a:effectRef>
+            <a:fontRef idx="minor">
+              <a:schemeClr val="lt1"/>
+            </a:fontRef>
+          </p:style>
+          <p:txBody>
+            <a:bodyPr rtlCol="0" anchor="ctr"/>
+            <a:lstStyle/>
+            <a:p>
+              <a:pPr algn="ctr"/>
+              <a:endParaRPr lang="en-US"/>
+            </a:p>
+          </p:txBody>
+        </p:sp>
+        <p:sp>
+          <p:nvSpPr>
+            <p:cNvPr id="77" name="Rectangle 64">
+              <a:extLst>
+                <a:ext uri="{FF2B5EF4-FFF2-40B4-BE49-F238E27FC236}">
+                  <a16:creationId xmlns:a16="http://schemas.microsoft.com/office/drawing/2014/main" id="{2CC28C7A-EF33-43D3-90CD-DCAC92546A11}"/>
+                </a:ext>
+                <a:ext uri="{C183D7F6-B498-43B3-948B-1728B52AA6E4}">
+                  <adec:decorative xmlns:adec="http://schemas.microsoft.com/office/drawing/2017/decorative" val="1"/>
+                </a:ext>
+              </a:extLst>
+            </p:cNvPr>
+            <p:cNvSpPr/>
+            <p:nvPr>
+              <p:extLst>
+                <p:ext uri="{386F3935-93C4-4BCD-93E2-E3B085C9AB24}">
+                  <p16:designElem xmlns:p16="http://schemas.microsoft.com/office/powerpoint/2015/main" val="1"/>
+                </p:ext>
+              </p:extLst>
+            </p:nvPr>
+          </p:nvSpPr>
+          <p:spPr>
+            <a:xfrm>
+              <a:off x="8512988" y="73152"/>
+              <a:ext cx="54368" cy="59227"/>
+            </a:xfrm>
+            <a:prstGeom prst="ellipse">
+              <a:avLst/>
+            </a:prstGeom>
+            <a:solidFill>
+              <a:schemeClr val="accent1"/>
+            </a:solidFill>
+            <a:ln>
+              <a:noFill/>
+            </a:ln>
+          </p:spPr>
+          <p:style>
+            <a:lnRef idx="2">
+              <a:schemeClr val="accent1">
+                <a:shade val="50000"/>
+              </a:schemeClr>
+            </a:lnRef>
+            <a:fillRef idx="1">
+              <a:schemeClr val="accent1"/>
+            </a:fillRef>
+            <a:effectRef idx="0">
+              <a:schemeClr val="accent1"/>
+            </a:effectRef>
+            <a:fontRef idx="minor">
+              <a:schemeClr val="lt1"/>
+            </a:fontRef>
+          </p:style>
+          <p:txBody>
+            <a:bodyPr rtlCol="0" anchor="ctr"/>
+            <a:lstStyle/>
+            <a:p>
+              <a:pPr algn="ctr"/>
+              <a:endParaRPr lang="en-US"/>
+            </a:p>
+          </p:txBody>
+        </p:sp>
+        <p:sp>
+          <p:nvSpPr>
+            <p:cNvPr id="78" name="Rectangle 66">
+              <a:extLst>
+                <a:ext uri="{FF2B5EF4-FFF2-40B4-BE49-F238E27FC236}">
+                  <a16:creationId xmlns:a16="http://schemas.microsoft.com/office/drawing/2014/main" id="{BC0C9DCF-F15B-4B7A-A16B-37B4335E6BD2}"/>
+                </a:ext>
+                <a:ext uri="{C183D7F6-B498-43B3-948B-1728B52AA6E4}">
+                  <adec:decorative xmlns:adec="http://schemas.microsoft.com/office/drawing/2017/decorative" val="1"/>
+                </a:ext>
+              </a:extLst>
+            </p:cNvPr>
+            <p:cNvSpPr/>
+            <p:nvPr>
+              <p:extLst>
+                <p:ext uri="{386F3935-93C4-4BCD-93E2-E3B085C9AB24}">
+                  <p16:designElem xmlns:p16="http://schemas.microsoft.com/office/powerpoint/2015/main" val="1"/>
+                </p:ext>
+              </p:extLst>
+            </p:nvPr>
+          </p:nvSpPr>
+          <p:spPr>
+            <a:xfrm>
+              <a:off x="8512988" y="246888"/>
+              <a:ext cx="54368" cy="59227"/>
+            </a:xfrm>
+            <a:prstGeom prst="ellipse">
+              <a:avLst/>
+            </a:prstGeom>
+            <a:solidFill>
+              <a:schemeClr val="accent1"/>
+            </a:solidFill>
+            <a:ln>
+              <a:noFill/>
+            </a:ln>
+          </p:spPr>
+          <p:style>
+            <a:lnRef idx="2">
+              <a:schemeClr val="accent1">
+                <a:shade val="50000"/>
+              </a:schemeClr>
+            </a:lnRef>
+            <a:fillRef idx="1">
+              <a:schemeClr val="accent1"/>
+            </a:fillRef>
+            <a:effectRef idx="0">
+              <a:schemeClr val="accent1"/>
+            </a:effectRef>
+            <a:fontRef idx="minor">
+              <a:schemeClr val="lt1"/>
+            </a:fontRef>
+          </p:style>
+          <p:txBody>
+            <a:bodyPr rtlCol="0" anchor="ctr"/>
+            <a:lstStyle/>
+            <a:p>
+              <a:pPr algn="ctr"/>
+              <a:endParaRPr lang="en-US"/>
+            </a:p>
+          </p:txBody>
+        </p:sp>
+        <p:sp>
+          <p:nvSpPr>
+            <p:cNvPr id="79" name="Rectangle 64">
+              <a:extLst>
+                <a:ext uri="{FF2B5EF4-FFF2-40B4-BE49-F238E27FC236}">
+                  <a16:creationId xmlns:a16="http://schemas.microsoft.com/office/drawing/2014/main" id="{94991FD1-406A-4958-87D4-8DFA9FEA4C01}"/>
+                </a:ext>
+                <a:ext uri="{C183D7F6-B498-43B3-948B-1728B52AA6E4}">
+                  <adec:decorative xmlns:adec="http://schemas.microsoft.com/office/drawing/2017/decorative" val="1"/>
+                </a:ext>
+              </a:extLst>
+            </p:cNvPr>
+            <p:cNvSpPr/>
+            <p:nvPr>
+              <p:extLst>
+                <p:ext uri="{386F3935-93C4-4BCD-93E2-E3B085C9AB24}">
+                  <p16:designElem xmlns:p16="http://schemas.microsoft.com/office/powerpoint/2015/main" val="1"/>
+                </p:ext>
+              </p:extLst>
+            </p:nvPr>
+          </p:nvSpPr>
+          <p:spPr>
+            <a:xfrm>
+              <a:off x="8388033" y="73152"/>
+              <a:ext cx="54368" cy="59227"/>
+            </a:xfrm>
+            <a:prstGeom prst="ellipse">
+              <a:avLst/>
+            </a:prstGeom>
+            <a:solidFill>
+              <a:schemeClr val="accent1"/>
+            </a:solidFill>
+            <a:ln>
+              <a:noFill/>
+            </a:ln>
+          </p:spPr>
+          <p:style>
+            <a:lnRef idx="2">
+              <a:schemeClr val="accent1">
+                <a:shade val="50000"/>
+              </a:schemeClr>
+            </a:lnRef>
+            <a:fillRef idx="1">
+              <a:schemeClr val="accent1"/>
+            </a:fillRef>
+            <a:effectRef idx="0">
+              <a:schemeClr val="accent1"/>
+            </a:effectRef>
+            <a:fontRef idx="minor">
+              <a:schemeClr val="lt1"/>
+            </a:fontRef>
+          </p:style>
+          <p:txBody>
+            <a:bodyPr rtlCol="0" anchor="ctr"/>
+            <a:lstStyle/>
+            <a:p>
+              <a:pPr algn="ctr"/>
+              <a:endParaRPr lang="en-US"/>
+            </a:p>
+          </p:txBody>
+        </p:sp>
+        <p:sp>
+          <p:nvSpPr>
+            <p:cNvPr id="80" name="Rectangle 66">
+              <a:extLst>
+                <a:ext uri="{FF2B5EF4-FFF2-40B4-BE49-F238E27FC236}">
+                  <a16:creationId xmlns:a16="http://schemas.microsoft.com/office/drawing/2014/main" id="{5CD32F69-27AD-4088-877C-E2A40F8B0733}"/>
+                </a:ext>
+                <a:ext uri="{C183D7F6-B498-43B3-948B-1728B52AA6E4}">
+                  <adec:decorative xmlns:adec="http://schemas.microsoft.com/office/drawing/2017/decorative" val="1"/>
+                </a:ext>
+              </a:extLst>
+            </p:cNvPr>
+            <p:cNvSpPr/>
+            <p:nvPr>
+              <p:extLst>
+                <p:ext uri="{386F3935-93C4-4BCD-93E2-E3B085C9AB24}">
+                  <p16:designElem xmlns:p16="http://schemas.microsoft.com/office/powerpoint/2015/main" val="1"/>
+                </p:ext>
+              </p:extLst>
+            </p:nvPr>
+          </p:nvSpPr>
+          <p:spPr>
+            <a:xfrm>
+              <a:off x="8388033" y="246888"/>
+              <a:ext cx="54368" cy="59227"/>
+            </a:xfrm>
+            <a:prstGeom prst="ellipse">
+              <a:avLst/>
+            </a:prstGeom>
+            <a:solidFill>
+              <a:schemeClr val="accent1"/>
+            </a:solidFill>
+            <a:ln>
+              <a:noFill/>
+            </a:ln>
+          </p:spPr>
+          <p:style>
+            <a:lnRef idx="2">
+              <a:schemeClr val="accent1">
+                <a:shade val="50000"/>
+              </a:schemeClr>
+            </a:lnRef>
+            <a:fillRef idx="1">
+              <a:schemeClr val="accent1"/>
+            </a:fillRef>
+            <a:effectRef idx="0">
+              <a:schemeClr val="accent1"/>
+            </a:effectRef>
+            <a:fontRef idx="minor">
+              <a:schemeClr val="lt1"/>
+            </a:fontRef>
+          </p:style>
+          <p:txBody>
+            <a:bodyPr rtlCol="0" anchor="ctr"/>
+            <a:lstStyle/>
+            <a:p>
+              <a:pPr algn="ctr"/>
+              <a:endParaRPr lang="en-US"/>
+            </a:p>
+          </p:txBody>
+        </p:sp>
+      </p:grpSp>
       <p:pic>
         <p:nvPicPr>
-          <p:cNvPr id="8" name="Picture 7">
-            <a:extLst>
-              <a:ext uri="{FF2B5EF4-FFF2-40B4-BE49-F238E27FC236}">
-                <a16:creationId xmlns:a16="http://schemas.microsoft.com/office/drawing/2014/main" id="{A5202513-A34C-4E73-B066-544273A0615F}"/>
+          <p:cNvPr id="10" name="Picture 9">
+            <a:extLst>
+              <a:ext uri="{FF2B5EF4-FFF2-40B4-BE49-F238E27FC236}">
+                <a16:creationId xmlns:a16="http://schemas.microsoft.com/office/drawing/2014/main" id="{612A8323-76AB-41FF-A923-ADD823B983A6}"/>
               </a:ext>
             </a:extLst>
           </p:cNvPr>
           <p:cNvPicPr/>
           <p:nvPr/>
         </p:nvPicPr>
-        <p:blipFill rotWithShape="1">
+        <p:blipFill>
           <a:blip r:embed="rId2"/>
-          <a:srcRect t="14028" r="-1" b="5336"/>
-          <a:stretch/>
+          <a:stretch>
+            <a:fillRect/>
+          </a:stretch>
         </p:blipFill>
         <p:spPr>
           <a:xfrm>
-            <a:off x="838200" y="1845426"/>
-            <a:ext cx="10512547" cy="4450303"/>
+            <a:off x="6234837" y="368720"/>
+            <a:ext cx="5831943" cy="2968095"/>
+          </a:xfrm>
+          <a:prstGeom prst="rect">
+            <a:avLst/>
+          </a:prstGeom>
+        </p:spPr>
+      </p:pic>
+      <p:sp>
+        <p:nvSpPr>
+          <p:cNvPr id="82" name="Rectangle 81">
+            <a:extLst>
+              <a:ext uri="{FF2B5EF4-FFF2-40B4-BE49-F238E27FC236}">
+                <a16:creationId xmlns:a16="http://schemas.microsoft.com/office/drawing/2014/main" id="{D9F5512A-48E1-4C07-B75E-3CCC517B6804}"/>
+              </a:ext>
+              <a:ext uri="{C183D7F6-B498-43B3-948B-1728B52AA6E4}">
+                <adec:decorative xmlns:adec="http://schemas.microsoft.com/office/drawing/2017/decorative" val="1"/>
+              </a:ext>
+            </a:extLst>
+          </p:cNvPr>
+          <p:cNvSpPr>
+            <a:spLocks noGrp="1" noRot="1" noChangeAspect="1" noMove="1" noResize="1" noEditPoints="1" noAdjustHandles="1" noChangeArrowheads="1" noChangeShapeType="1" noTextEdit="1"/>
+          </p:cNvSpPr>
+          <p:nvPr>
+            <p:extLst>
+              <p:ext uri="{386F3935-93C4-4BCD-93E2-E3B085C9AB24}">
+                <p16:designElem xmlns:p16="http://schemas.microsoft.com/office/powerpoint/2015/main" val="1"/>
+              </p:ext>
+            </p:extLst>
+          </p:nvPr>
+        </p:nvSpPr>
+        <p:spPr>
+          <a:xfrm>
+            <a:off x="-1" y="3233984"/>
+            <a:ext cx="606972" cy="3624015"/>
+          </a:xfrm>
+          <a:prstGeom prst="rect">
+            <a:avLst/>
+          </a:prstGeom>
+          <a:solidFill>
+            <a:schemeClr val="accent1"/>
+          </a:solidFill>
+          <a:ln>
+            <a:noFill/>
+          </a:ln>
+        </p:spPr>
+        <p:style>
+          <a:lnRef idx="2">
+            <a:schemeClr val="accent1">
+              <a:shade val="50000"/>
+            </a:schemeClr>
+          </a:lnRef>
+          <a:fillRef idx="1">
+            <a:schemeClr val="accent1"/>
+          </a:fillRef>
+          <a:effectRef idx="0">
+            <a:schemeClr val="accent1"/>
+          </a:effectRef>
+          <a:fontRef idx="minor">
+            <a:schemeClr val="lt1"/>
+          </a:fontRef>
+        </p:style>
+        <p:txBody>
+          <a:bodyPr rtlCol="0" anchor="ctr"/>
+          <a:lstStyle/>
+          <a:p>
+            <a:pPr algn="ctr"/>
+            <a:endParaRPr lang="en-US"/>
+          </a:p>
+        </p:txBody>
+      </p:sp>
+      <p:pic>
+        <p:nvPicPr>
+          <p:cNvPr id="6" name="Picture 5">
+            <a:extLst>
+              <a:ext uri="{FF2B5EF4-FFF2-40B4-BE49-F238E27FC236}">
+                <a16:creationId xmlns:a16="http://schemas.microsoft.com/office/drawing/2014/main" id="{25B0AE03-CC2A-4A66-9B5C-CB9A2DE6B7C0}"/>
+              </a:ext>
+            </a:extLst>
+          </p:cNvPr>
+          <p:cNvPicPr/>
+          <p:nvPr/>
+        </p:nvPicPr>
+        <p:blipFill>
+          <a:blip r:embed="rId3"/>
+          <a:stretch>
+            <a:fillRect/>
+          </a:stretch>
+        </p:blipFill>
+        <p:spPr>
+          <a:xfrm>
+            <a:off x="749204" y="3584071"/>
+            <a:ext cx="5586942" cy="2919177"/>
+          </a:xfrm>
+          <a:prstGeom prst="rect">
+            <a:avLst/>
+          </a:prstGeom>
+        </p:spPr>
+      </p:pic>
+      <p:pic>
+        <p:nvPicPr>
+          <p:cNvPr id="5" name="Picture 4">
+            <a:extLst>
+              <a:ext uri="{FF2B5EF4-FFF2-40B4-BE49-F238E27FC236}">
+                <a16:creationId xmlns:a16="http://schemas.microsoft.com/office/drawing/2014/main" id="{DCBC4F77-D8FA-4D49-9888-8E704F22B561}"/>
+              </a:ext>
+            </a:extLst>
+          </p:cNvPr>
+          <p:cNvPicPr/>
+          <p:nvPr/>
+        </p:nvPicPr>
+        <p:blipFill>
+          <a:blip r:embed="rId4"/>
+          <a:stretch>
+            <a:fillRect/>
+          </a:stretch>
+        </p:blipFill>
+        <p:spPr>
+          <a:xfrm>
+            <a:off x="6479838" y="3598038"/>
+            <a:ext cx="5586942" cy="2891242"/>
           </a:xfrm>
           <a:prstGeom prst="rect">
             <a:avLst/>
@@ -5626,6 +7250,427 @@
 </file>
 
 <file path=ppt/slides/slide5.xml><?xml version="1.0" encoding="utf-8"?>
+<p:sld xmlns:a="http://schemas.openxmlformats.org/drawingml/2006/main" xmlns:r="http://schemas.openxmlformats.org/officeDocument/2006/relationships" xmlns:p="http://schemas.openxmlformats.org/presentationml/2006/main">
+  <p:cSld>
+    <p:bg>
+      <p:bgPr>
+        <a:solidFill>
+          <a:schemeClr val="bg1"/>
+        </a:solidFill>
+        <a:effectLst/>
+      </p:bgPr>
+    </p:bg>
+    <p:spTree>
+      <p:nvGrpSpPr>
+        <p:cNvPr id="1" name=""/>
+        <p:cNvGrpSpPr/>
+        <p:nvPr/>
+      </p:nvGrpSpPr>
+      <p:grpSpPr>
+        <a:xfrm>
+          <a:off x="0" y="0"/>
+          <a:ext cx="0" cy="0"/>
+          <a:chOff x="0" y="0"/>
+          <a:chExt cx="0" cy="0"/>
+        </a:xfrm>
+      </p:grpSpPr>
+      <p:sp useBgFill="1">
+        <p:nvSpPr>
+          <p:cNvPr id="8" name="Rectangle 7">
+            <a:extLst>
+              <a:ext uri="{FF2B5EF4-FFF2-40B4-BE49-F238E27FC236}">
+                <a16:creationId xmlns:a16="http://schemas.microsoft.com/office/drawing/2014/main" id="{081EA652-8C6A-4E69-BEB9-170809474553}"/>
+              </a:ext>
+              <a:ext uri="{C183D7F6-B498-43B3-948B-1728B52AA6E4}">
+                <adec:decorative xmlns:adec="http://schemas.microsoft.com/office/drawing/2017/decorative" val="1"/>
+              </a:ext>
+            </a:extLst>
+          </p:cNvPr>
+          <p:cNvSpPr>
+            <a:spLocks noGrp="1" noRot="1" noChangeAspect="1" noMove="1" noResize="1" noEditPoints="1" noAdjustHandles="1" noChangeArrowheads="1" noChangeShapeType="1" noTextEdit="1"/>
+          </p:cNvSpPr>
+          <p:nvPr>
+            <p:extLst>
+              <p:ext uri="{386F3935-93C4-4BCD-93E2-E3B085C9AB24}">
+                <p16:designElem xmlns:p16="http://schemas.microsoft.com/office/powerpoint/2015/main" val="1"/>
+              </p:ext>
+            </p:extLst>
+          </p:nvPr>
+        </p:nvSpPr>
+        <p:spPr>
+          <a:xfrm>
+            <a:off x="0" y="0"/>
+            <a:ext cx="12192000" cy="6858000"/>
+          </a:xfrm>
+          <a:prstGeom prst="rect">
+            <a:avLst/>
+          </a:prstGeom>
+          <a:ln>
+            <a:noFill/>
+          </a:ln>
+        </p:spPr>
+        <p:style>
+          <a:lnRef idx="2">
+            <a:schemeClr val="accent1">
+              <a:shade val="50000"/>
+            </a:schemeClr>
+          </a:lnRef>
+          <a:fillRef idx="1">
+            <a:schemeClr val="accent1"/>
+          </a:fillRef>
+          <a:effectRef idx="0">
+            <a:schemeClr val="accent1"/>
+          </a:effectRef>
+          <a:fontRef idx="minor">
+            <a:schemeClr val="lt1"/>
+          </a:fontRef>
+        </p:style>
+        <p:txBody>
+          <a:bodyPr rtlCol="0" anchor="ctr"/>
+          <a:lstStyle/>
+          <a:p>
+            <a:pPr algn="ctr"/>
+            <a:endParaRPr lang="en-US"/>
+          </a:p>
+        </p:txBody>
+      </p:sp>
+      <p:sp>
+        <p:nvSpPr>
+          <p:cNvPr id="10" name="Right Triangle 9">
+            <a:extLst>
+              <a:ext uri="{FF2B5EF4-FFF2-40B4-BE49-F238E27FC236}">
+                <a16:creationId xmlns:a16="http://schemas.microsoft.com/office/drawing/2014/main" id="{5298780A-33B9-4EA2-8F67-DE68AD62841B}"/>
+              </a:ext>
+              <a:ext uri="{C183D7F6-B498-43B3-948B-1728B52AA6E4}">
+                <adec:decorative xmlns:adec="http://schemas.microsoft.com/office/drawing/2017/decorative" val="1"/>
+              </a:ext>
+            </a:extLst>
+          </p:cNvPr>
+          <p:cNvSpPr>
+            <a:spLocks noGrp="1" noRot="1" noChangeAspect="1" noMove="1" noResize="1" noEditPoints="1" noAdjustHandles="1" noChangeArrowheads="1" noChangeShapeType="1" noTextEdit="1"/>
+          </p:cNvSpPr>
+          <p:nvPr>
+            <p:extLst>
+              <p:ext uri="{386F3935-93C4-4BCD-93E2-E3B085C9AB24}">
+                <p16:designElem xmlns:p16="http://schemas.microsoft.com/office/powerpoint/2015/main" val="1"/>
+              </p:ext>
+            </p:extLst>
+          </p:nvPr>
+        </p:nvSpPr>
+        <p:spPr>
+          <a:xfrm flipH="1">
+            <a:off x="8576720" y="3335867"/>
+            <a:ext cx="3291840" cy="3200400"/>
+          </a:xfrm>
+          <a:prstGeom prst="rtTriangle">
+            <a:avLst/>
+          </a:prstGeom>
+          <a:solidFill>
+            <a:schemeClr val="accent4"/>
+          </a:solidFill>
+          <a:ln>
+            <a:noFill/>
+          </a:ln>
+        </p:spPr>
+        <p:style>
+          <a:lnRef idx="2">
+            <a:schemeClr val="accent1">
+              <a:shade val="50000"/>
+            </a:schemeClr>
+          </a:lnRef>
+          <a:fillRef idx="1">
+            <a:schemeClr val="accent1"/>
+          </a:fillRef>
+          <a:effectRef idx="0">
+            <a:schemeClr val="accent1"/>
+          </a:effectRef>
+          <a:fontRef idx="minor">
+            <a:schemeClr val="lt1"/>
+          </a:fontRef>
+        </p:style>
+        <p:txBody>
+          <a:bodyPr rtlCol="0" anchor="ctr"/>
+          <a:lstStyle/>
+          <a:p>
+            <a:pPr algn="ctr"/>
+            <a:endParaRPr lang="en-US" dirty="0"/>
+          </a:p>
+        </p:txBody>
+      </p:sp>
+      <p:sp>
+        <p:nvSpPr>
+          <p:cNvPr id="12" name="Rectangle 11">
+            <a:extLst>
+              <a:ext uri="{FF2B5EF4-FFF2-40B4-BE49-F238E27FC236}">
+                <a16:creationId xmlns:a16="http://schemas.microsoft.com/office/drawing/2014/main" id="{7F488E8B-4E1E-4402-8935-D4E6C02615C7}"/>
+              </a:ext>
+              <a:ext uri="{C183D7F6-B498-43B3-948B-1728B52AA6E4}">
+                <adec:decorative xmlns:adec="http://schemas.microsoft.com/office/drawing/2017/decorative" val="1"/>
+              </a:ext>
+            </a:extLst>
+          </p:cNvPr>
+          <p:cNvSpPr>
+            <a:spLocks noGrp="1" noRot="1" noChangeAspect="1" noMove="1" noResize="1" noEditPoints="1" noAdjustHandles="1" noChangeArrowheads="1" noChangeShapeType="1" noTextEdit="1"/>
+          </p:cNvSpPr>
+          <p:nvPr>
+            <p:extLst>
+              <p:ext uri="{386F3935-93C4-4BCD-93E2-E3B085C9AB24}">
+                <p16:designElem xmlns:p16="http://schemas.microsoft.com/office/powerpoint/2015/main" val="1"/>
+              </p:ext>
+            </p:extLst>
+          </p:nvPr>
+        </p:nvSpPr>
+        <p:spPr>
+          <a:xfrm>
+            <a:off x="641774" y="623275"/>
+            <a:ext cx="10905053" cy="5607882"/>
+          </a:xfrm>
+          <a:prstGeom prst="rect">
+            <a:avLst/>
+          </a:prstGeom>
+          <a:noFill/>
+          <a:ln w="19050">
+            <a:solidFill>
+              <a:schemeClr val="tx1">
+                <a:lumMod val="75000"/>
+                <a:lumOff val="25000"/>
+              </a:schemeClr>
+            </a:solidFill>
+          </a:ln>
+        </p:spPr>
+        <p:style>
+          <a:lnRef idx="2">
+            <a:schemeClr val="accent1">
+              <a:shade val="50000"/>
+            </a:schemeClr>
+          </a:lnRef>
+          <a:fillRef idx="1">
+            <a:schemeClr val="accent1"/>
+          </a:fillRef>
+          <a:effectRef idx="0">
+            <a:schemeClr val="accent1"/>
+          </a:effectRef>
+          <a:fontRef idx="minor">
+            <a:schemeClr val="lt1"/>
+          </a:fontRef>
+        </p:style>
+        <p:txBody>
+          <a:bodyPr rtlCol="0" anchor="ctr"/>
+          <a:lstStyle/>
+          <a:p>
+            <a:pPr algn="ctr"/>
+            <a:endParaRPr lang="en-US"/>
+          </a:p>
+        </p:txBody>
+      </p:sp>
+      <p:sp>
+        <p:nvSpPr>
+          <p:cNvPr id="2" name="Title 1">
+            <a:extLst>
+              <a:ext uri="{FF2B5EF4-FFF2-40B4-BE49-F238E27FC236}">
+                <a16:creationId xmlns:a16="http://schemas.microsoft.com/office/drawing/2014/main" id="{E7D30F2C-32C0-4BD2-B9C9-B1C21EC2836E}"/>
+              </a:ext>
+            </a:extLst>
+          </p:cNvPr>
+          <p:cNvSpPr>
+            <a:spLocks noGrp="1"/>
+          </p:cNvSpPr>
+          <p:nvPr>
+            <p:ph type="title"/>
+          </p:nvPr>
+        </p:nvSpPr>
+        <p:spPr>
+          <a:xfrm>
+            <a:off x="1075767" y="1188637"/>
+            <a:ext cx="2988234" cy="4480726"/>
+          </a:xfrm>
+        </p:spPr>
+        <p:txBody>
+          <a:bodyPr>
+            <a:normAutofit/>
+          </a:bodyPr>
+          <a:lstStyle/>
+          <a:p>
+            <a:pPr algn="r"/>
+            <a:r>
+              <a:rPr lang="en-GB" sz="5100"/>
+              <a:t>Consultant Journey</a:t>
+            </a:r>
+          </a:p>
+        </p:txBody>
+      </p:sp>
+      <p:cxnSp>
+        <p:nvCxnSpPr>
+          <p:cNvPr id="14" name="Straight Connector 13">
+            <a:extLst>
+              <a:ext uri="{FF2B5EF4-FFF2-40B4-BE49-F238E27FC236}">
+                <a16:creationId xmlns:a16="http://schemas.microsoft.com/office/drawing/2014/main" id="{23AAC9B5-8015-485C-ACF9-A750390E9A56}"/>
+              </a:ext>
+              <a:ext uri="{C183D7F6-B498-43B3-948B-1728B52AA6E4}">
+                <adec:decorative xmlns:adec="http://schemas.microsoft.com/office/drawing/2017/decorative" val="1"/>
+              </a:ext>
+            </a:extLst>
+          </p:cNvPr>
+          <p:cNvCxnSpPr>
+            <a:cxnSpLocks noGrp="1" noRot="1" noChangeAspect="1" noMove="1" noResize="1" noEditPoints="1" noAdjustHandles="1" noChangeArrowheads="1" noChangeShapeType="1"/>
+          </p:cNvCxnSpPr>
+          <p:nvPr>
+            <p:extLst>
+              <p:ext uri="{386F3935-93C4-4BCD-93E2-E3B085C9AB24}">
+                <p16:designElem xmlns:p16="http://schemas.microsoft.com/office/powerpoint/2015/main" val="1"/>
+              </p:ext>
+            </p:extLst>
+          </p:nvPr>
+        </p:nvCxnSpPr>
+        <p:spPr>
+          <a:xfrm>
+            <a:off x="4654296" y="1852863"/>
+            <a:ext cx="0" cy="3236495"/>
+          </a:xfrm>
+          <a:prstGeom prst="line">
+            <a:avLst/>
+          </a:prstGeom>
+          <a:ln w="19050" cap="sq">
+            <a:solidFill>
+              <a:schemeClr val="tx1">
+                <a:lumMod val="75000"/>
+                <a:lumOff val="25000"/>
+              </a:schemeClr>
+            </a:solidFill>
+          </a:ln>
+        </p:spPr>
+        <p:style>
+          <a:lnRef idx="1">
+            <a:schemeClr val="accent1"/>
+          </a:lnRef>
+          <a:fillRef idx="0">
+            <a:schemeClr val="accent1"/>
+          </a:fillRef>
+          <a:effectRef idx="0">
+            <a:schemeClr val="accent1"/>
+          </a:effectRef>
+          <a:fontRef idx="minor">
+            <a:schemeClr val="tx1"/>
+          </a:fontRef>
+        </p:style>
+      </p:cxnSp>
+      <p:sp>
+        <p:nvSpPr>
+          <p:cNvPr id="3" name="Content Placeholder 2">
+            <a:extLst>
+              <a:ext uri="{FF2B5EF4-FFF2-40B4-BE49-F238E27FC236}">
+                <a16:creationId xmlns:a16="http://schemas.microsoft.com/office/drawing/2014/main" id="{30FFCAFF-CB1D-4AA5-B3A1-5436F7989E5D}"/>
+              </a:ext>
+            </a:extLst>
+          </p:cNvPr>
+          <p:cNvSpPr>
+            <a:spLocks noGrp="1"/>
+          </p:cNvSpPr>
+          <p:nvPr>
+            <p:ph idx="1"/>
+          </p:nvPr>
+        </p:nvSpPr>
+        <p:spPr>
+          <a:xfrm>
+            <a:off x="5255260" y="1648870"/>
+            <a:ext cx="4702848" cy="3560260"/>
+          </a:xfrm>
+        </p:spPr>
+        <p:txBody>
+          <a:bodyPr anchor="ctr">
+            <a:normAutofit/>
+          </a:bodyPr>
+          <a:lstStyle/>
+          <a:p>
+            <a:r>
+              <a:rPr lang="en-GB" sz="2400" dirty="0"/>
+              <a:t>Agile – Scrum, Kanban </a:t>
+            </a:r>
+            <a:r>
+              <a:rPr lang="en-GB" sz="2400" b="1" dirty="0"/>
+              <a:t>(Jira)</a:t>
+            </a:r>
+          </a:p>
+          <a:p>
+            <a:r>
+              <a:rPr lang="en-GB" sz="2400" dirty="0"/>
+              <a:t>Source Control – </a:t>
+            </a:r>
+            <a:r>
+              <a:rPr lang="en-GB" sz="2400" b="1" dirty="0"/>
+              <a:t>Git</a:t>
+            </a:r>
+            <a:r>
+              <a:rPr lang="en-GB" sz="2400" dirty="0"/>
+              <a:t>, </a:t>
+            </a:r>
+            <a:r>
+              <a:rPr lang="en-GB" sz="2400" b="1" dirty="0"/>
+              <a:t>GitHub</a:t>
+            </a:r>
+          </a:p>
+          <a:p>
+            <a:r>
+              <a:rPr lang="en-GB" sz="2400" dirty="0"/>
+              <a:t>Cloud – GCP</a:t>
+            </a:r>
+          </a:p>
+          <a:p>
+            <a:r>
+              <a:rPr lang="en-GB" sz="2400" dirty="0"/>
+              <a:t>Database – </a:t>
+            </a:r>
+            <a:r>
+              <a:rPr lang="en-GB" sz="2400" b="1" dirty="0"/>
+              <a:t>MYSQL</a:t>
+            </a:r>
+          </a:p>
+          <a:p>
+            <a:r>
+              <a:rPr lang="en-GB" sz="2400" dirty="0"/>
+              <a:t>Programming Language – </a:t>
+            </a:r>
+            <a:r>
+              <a:rPr lang="en-GB" sz="2400" b="1" dirty="0"/>
+              <a:t>Java</a:t>
+            </a:r>
+          </a:p>
+          <a:p>
+            <a:r>
+              <a:rPr lang="en-GB" sz="2400" dirty="0"/>
+              <a:t>Build Tool – </a:t>
+            </a:r>
+            <a:r>
+              <a:rPr lang="en-GB" sz="2400" b="1" dirty="0"/>
+              <a:t>Maven</a:t>
+            </a:r>
+          </a:p>
+          <a:p>
+            <a:r>
+              <a:rPr lang="en-GB" sz="2400" dirty="0"/>
+              <a:t>Testing – </a:t>
+            </a:r>
+            <a:r>
+              <a:rPr lang="en-GB" sz="2400" b="1" dirty="0"/>
+              <a:t>Junit, Mockito</a:t>
+            </a:r>
+          </a:p>
+        </p:txBody>
+      </p:sp>
+    </p:spTree>
+    <p:extLst>
+      <p:ext uri="{BB962C8B-B14F-4D97-AF65-F5344CB8AC3E}">
+        <p14:creationId xmlns:p14="http://schemas.microsoft.com/office/powerpoint/2010/main" val="1754870639"/>
+      </p:ext>
+    </p:extLst>
+  </p:cSld>
+  <p:clrMapOvr>
+    <a:masterClrMapping/>
+  </p:clrMapOvr>
+</p:sld>
+</file>
+
+<file path=ppt/slides/slide6.xml><?xml version="1.0" encoding="utf-8"?>
 <p:sld xmlns:a="http://schemas.openxmlformats.org/drawingml/2006/main" xmlns:r="http://schemas.openxmlformats.org/officeDocument/2006/relationships" xmlns:p="http://schemas.openxmlformats.org/presentationml/2006/main">
   <p:cSld>
     <p:bg>
@@ -6033,1426 +8078,6 @@
 </p:sld>
 </file>
 
-<file path=ppt/slides/slide6.xml><?xml version="1.0" encoding="utf-8"?>
-<p:sld xmlns:a="http://schemas.openxmlformats.org/drawingml/2006/main" xmlns:r="http://schemas.openxmlformats.org/officeDocument/2006/relationships" xmlns:p="http://schemas.openxmlformats.org/presentationml/2006/main">
-  <p:cSld>
-    <p:spTree>
-      <p:nvGrpSpPr>
-        <p:cNvPr id="1" name=""/>
-        <p:cNvGrpSpPr/>
-        <p:nvPr/>
-      </p:nvGrpSpPr>
-      <p:grpSpPr>
-        <a:xfrm>
-          <a:off x="0" y="0"/>
-          <a:ext cx="0" cy="0"/>
-          <a:chOff x="0" y="0"/>
-          <a:chExt cx="0" cy="0"/>
-        </a:xfrm>
-      </p:grpSpPr>
-      <p:sp>
-        <p:nvSpPr>
-          <p:cNvPr id="6" name="Rectangle: Rounded Corners 5">
-            <a:extLst>
-              <a:ext uri="{FF2B5EF4-FFF2-40B4-BE49-F238E27FC236}">
-                <a16:creationId xmlns:a16="http://schemas.microsoft.com/office/drawing/2014/main" id="{0EC3879F-BF7F-48DE-9D99-A6D84981FB51}"/>
-              </a:ext>
-            </a:extLst>
-          </p:cNvPr>
-          <p:cNvSpPr/>
-          <p:nvPr/>
-        </p:nvSpPr>
-        <p:spPr>
-          <a:xfrm>
-            <a:off x="1879600" y="1261696"/>
-            <a:ext cx="1453662" cy="679938"/>
-          </a:xfrm>
-          <a:prstGeom prst="roundRect">
-            <a:avLst/>
-          </a:prstGeom>
-        </p:spPr>
-        <p:style>
-          <a:lnRef idx="2">
-            <a:schemeClr val="accent1">
-              <a:shade val="50000"/>
-            </a:schemeClr>
-          </a:lnRef>
-          <a:fillRef idx="1">
-            <a:schemeClr val="accent1"/>
-          </a:fillRef>
-          <a:effectRef idx="0">
-            <a:schemeClr val="accent1"/>
-          </a:effectRef>
-          <a:fontRef idx="minor">
-            <a:schemeClr val="lt1"/>
-          </a:fontRef>
-        </p:style>
-        <p:txBody>
-          <a:bodyPr rtlCol="0" anchor="ctr"/>
-          <a:lstStyle/>
-          <a:p>
-            <a:pPr algn="ctr"/>
-            <a:r>
-              <a:rPr lang="en-GB" dirty="0"/>
-              <a:t>Source Code</a:t>
-            </a:r>
-          </a:p>
-        </p:txBody>
-      </p:sp>
-      <p:sp>
-        <p:nvSpPr>
-          <p:cNvPr id="8" name="Rectangle: Rounded Corners 7">
-            <a:extLst>
-              <a:ext uri="{FF2B5EF4-FFF2-40B4-BE49-F238E27FC236}">
-                <a16:creationId xmlns:a16="http://schemas.microsoft.com/office/drawing/2014/main" id="{C5E4C87D-1132-454D-AC66-75C86D020BB9}"/>
-              </a:ext>
-            </a:extLst>
-          </p:cNvPr>
-          <p:cNvSpPr/>
-          <p:nvPr/>
-        </p:nvSpPr>
-        <p:spPr>
-          <a:xfrm>
-            <a:off x="5380891" y="1177680"/>
-            <a:ext cx="1637324" cy="847970"/>
-          </a:xfrm>
-          <a:prstGeom prst="roundRect">
-            <a:avLst/>
-          </a:prstGeom>
-        </p:spPr>
-        <p:style>
-          <a:lnRef idx="2">
-            <a:schemeClr val="accent1">
-              <a:shade val="50000"/>
-            </a:schemeClr>
-          </a:lnRef>
-          <a:fillRef idx="1">
-            <a:schemeClr val="accent1"/>
-          </a:fillRef>
-          <a:effectRef idx="0">
-            <a:schemeClr val="accent1"/>
-          </a:effectRef>
-          <a:fontRef idx="minor">
-            <a:schemeClr val="lt1"/>
-          </a:fontRef>
-        </p:style>
-        <p:txBody>
-          <a:bodyPr rtlCol="0" anchor="ctr"/>
-          <a:lstStyle/>
-          <a:p>
-            <a:pPr algn="ctr"/>
-            <a:r>
-              <a:rPr lang="en-GB" dirty="0"/>
-              <a:t>Version Control System</a:t>
-            </a:r>
-          </a:p>
-        </p:txBody>
-      </p:sp>
-      <p:sp>
-        <p:nvSpPr>
-          <p:cNvPr id="10" name="Rectangle: Rounded Corners 9">
-            <a:extLst>
-              <a:ext uri="{FF2B5EF4-FFF2-40B4-BE49-F238E27FC236}">
-                <a16:creationId xmlns:a16="http://schemas.microsoft.com/office/drawing/2014/main" id="{B293D816-F9CB-495C-9DE3-0FFC8175B800}"/>
-              </a:ext>
-            </a:extLst>
-          </p:cNvPr>
-          <p:cNvSpPr/>
-          <p:nvPr/>
-        </p:nvSpPr>
-        <p:spPr>
-          <a:xfrm>
-            <a:off x="9065844" y="1177680"/>
-            <a:ext cx="1637324" cy="847970"/>
-          </a:xfrm>
-          <a:prstGeom prst="roundRect">
-            <a:avLst/>
-          </a:prstGeom>
-        </p:spPr>
-        <p:style>
-          <a:lnRef idx="2">
-            <a:schemeClr val="accent1">
-              <a:shade val="50000"/>
-            </a:schemeClr>
-          </a:lnRef>
-          <a:fillRef idx="1">
-            <a:schemeClr val="accent1"/>
-          </a:fillRef>
-          <a:effectRef idx="0">
-            <a:schemeClr val="accent1"/>
-          </a:effectRef>
-          <a:fontRef idx="minor">
-            <a:schemeClr val="lt1"/>
-          </a:fontRef>
-        </p:style>
-        <p:txBody>
-          <a:bodyPr rtlCol="0" anchor="ctr"/>
-          <a:lstStyle/>
-          <a:p>
-            <a:pPr algn="ctr"/>
-            <a:r>
-              <a:rPr lang="en-GB" dirty="0"/>
-              <a:t>Project Tracking</a:t>
-            </a:r>
-          </a:p>
-        </p:txBody>
-      </p:sp>
-      <p:sp>
-        <p:nvSpPr>
-          <p:cNvPr id="12" name="Rectangle: Rounded Corners 11">
-            <a:extLst>
-              <a:ext uri="{FF2B5EF4-FFF2-40B4-BE49-F238E27FC236}">
-                <a16:creationId xmlns:a16="http://schemas.microsoft.com/office/drawing/2014/main" id="{5AB3D61F-B522-4D47-8941-19BA0E274AF8}"/>
-              </a:ext>
-            </a:extLst>
-          </p:cNvPr>
-          <p:cNvSpPr/>
-          <p:nvPr/>
-        </p:nvSpPr>
-        <p:spPr>
-          <a:xfrm>
-            <a:off x="5380891" y="3336704"/>
-            <a:ext cx="1637324" cy="847970"/>
-          </a:xfrm>
-          <a:prstGeom prst="roundRect">
-            <a:avLst/>
-          </a:prstGeom>
-        </p:spPr>
-        <p:style>
-          <a:lnRef idx="2">
-            <a:schemeClr val="accent1">
-              <a:shade val="50000"/>
-            </a:schemeClr>
-          </a:lnRef>
-          <a:fillRef idx="1">
-            <a:schemeClr val="accent1"/>
-          </a:fillRef>
-          <a:effectRef idx="0">
-            <a:schemeClr val="accent1"/>
-          </a:effectRef>
-          <a:fontRef idx="minor">
-            <a:schemeClr val="lt1"/>
-          </a:fontRef>
-        </p:style>
-        <p:txBody>
-          <a:bodyPr rtlCol="0" anchor="ctr"/>
-          <a:lstStyle/>
-          <a:p>
-            <a:pPr algn="ctr"/>
-            <a:r>
-              <a:rPr lang="en-GB" dirty="0"/>
-              <a:t>CI Server</a:t>
-            </a:r>
-          </a:p>
-        </p:txBody>
-      </p:sp>
-      <p:sp>
-        <p:nvSpPr>
-          <p:cNvPr id="14" name="Rectangle: Rounded Corners 13">
-            <a:extLst>
-              <a:ext uri="{FF2B5EF4-FFF2-40B4-BE49-F238E27FC236}">
-                <a16:creationId xmlns:a16="http://schemas.microsoft.com/office/drawing/2014/main" id="{C8AE369E-AA78-47C6-B5DC-2E640084532C}"/>
-              </a:ext>
-            </a:extLst>
-          </p:cNvPr>
-          <p:cNvSpPr/>
-          <p:nvPr/>
-        </p:nvSpPr>
-        <p:spPr>
-          <a:xfrm>
-            <a:off x="9065846" y="3336704"/>
-            <a:ext cx="1637324" cy="847970"/>
-          </a:xfrm>
-          <a:prstGeom prst="roundRect">
-            <a:avLst/>
-          </a:prstGeom>
-        </p:spPr>
-        <p:style>
-          <a:lnRef idx="2">
-            <a:schemeClr val="accent1">
-              <a:shade val="50000"/>
-            </a:schemeClr>
-          </a:lnRef>
-          <a:fillRef idx="1">
-            <a:schemeClr val="accent1"/>
-          </a:fillRef>
-          <a:effectRef idx="0">
-            <a:schemeClr val="accent1"/>
-          </a:effectRef>
-          <a:fontRef idx="minor">
-            <a:schemeClr val="lt1"/>
-          </a:fontRef>
-        </p:style>
-        <p:txBody>
-          <a:bodyPr rtlCol="0" anchor="ctr"/>
-          <a:lstStyle/>
-          <a:p>
-            <a:pPr algn="ctr"/>
-            <a:r>
-              <a:rPr lang="en-GB" dirty="0"/>
-              <a:t>Build Tool</a:t>
-            </a:r>
-          </a:p>
-        </p:txBody>
-      </p:sp>
-      <p:sp>
-        <p:nvSpPr>
-          <p:cNvPr id="16" name="Rectangle: Rounded Corners 15">
-            <a:extLst>
-              <a:ext uri="{FF2B5EF4-FFF2-40B4-BE49-F238E27FC236}">
-                <a16:creationId xmlns:a16="http://schemas.microsoft.com/office/drawing/2014/main" id="{72FAB1E7-9C0E-4A28-9971-6423E841503A}"/>
-              </a:ext>
-            </a:extLst>
-          </p:cNvPr>
-          <p:cNvSpPr/>
-          <p:nvPr/>
-        </p:nvSpPr>
-        <p:spPr>
-          <a:xfrm>
-            <a:off x="9065844" y="5410224"/>
-            <a:ext cx="1637324" cy="847970"/>
-          </a:xfrm>
-          <a:prstGeom prst="roundRect">
-            <a:avLst/>
-          </a:prstGeom>
-        </p:spPr>
-        <p:style>
-          <a:lnRef idx="2">
-            <a:schemeClr val="accent1">
-              <a:shade val="50000"/>
-            </a:schemeClr>
-          </a:lnRef>
-          <a:fillRef idx="1">
-            <a:schemeClr val="accent1"/>
-          </a:fillRef>
-          <a:effectRef idx="0">
-            <a:schemeClr val="accent1"/>
-          </a:effectRef>
-          <a:fontRef idx="minor">
-            <a:schemeClr val="lt1"/>
-          </a:fontRef>
-        </p:style>
-        <p:txBody>
-          <a:bodyPr rtlCol="0" anchor="ctr"/>
-          <a:lstStyle/>
-          <a:p>
-            <a:pPr algn="ctr"/>
-            <a:r>
-              <a:rPr lang="en-GB" dirty="0"/>
-              <a:t>Automated Testing</a:t>
-            </a:r>
-          </a:p>
-        </p:txBody>
-      </p:sp>
-      <p:sp>
-        <p:nvSpPr>
-          <p:cNvPr id="18" name="Rectangle: Rounded Corners 17">
-            <a:extLst>
-              <a:ext uri="{FF2B5EF4-FFF2-40B4-BE49-F238E27FC236}">
-                <a16:creationId xmlns:a16="http://schemas.microsoft.com/office/drawing/2014/main" id="{EEB36536-C678-4DF4-9C24-78367EA62D61}"/>
-              </a:ext>
-            </a:extLst>
-          </p:cNvPr>
-          <p:cNvSpPr/>
-          <p:nvPr/>
-        </p:nvSpPr>
-        <p:spPr>
-          <a:xfrm>
-            <a:off x="173892" y="3251200"/>
-            <a:ext cx="1637324" cy="847970"/>
-          </a:xfrm>
-          <a:prstGeom prst="roundRect">
-            <a:avLst/>
-          </a:prstGeom>
-        </p:spPr>
-        <p:style>
-          <a:lnRef idx="2">
-            <a:schemeClr val="accent1">
-              <a:shade val="50000"/>
-            </a:schemeClr>
-          </a:lnRef>
-          <a:fillRef idx="1">
-            <a:schemeClr val="accent1"/>
-          </a:fillRef>
-          <a:effectRef idx="0">
-            <a:schemeClr val="accent1"/>
-          </a:effectRef>
-          <a:fontRef idx="minor">
-            <a:schemeClr val="lt1"/>
-          </a:fontRef>
-        </p:style>
-        <p:txBody>
-          <a:bodyPr rtlCol="0" anchor="ctr"/>
-          <a:lstStyle/>
-          <a:p>
-            <a:pPr algn="ctr"/>
-            <a:r>
-              <a:rPr lang="en-GB" dirty="0"/>
-              <a:t>Database Server</a:t>
-            </a:r>
-          </a:p>
-        </p:txBody>
-      </p:sp>
-      <p:sp>
-        <p:nvSpPr>
-          <p:cNvPr id="19" name="TextBox 18">
-            <a:extLst>
-              <a:ext uri="{FF2B5EF4-FFF2-40B4-BE49-F238E27FC236}">
-                <a16:creationId xmlns:a16="http://schemas.microsoft.com/office/drawing/2014/main" id="{DCCFE37D-5944-42CE-9923-F3C690E4EE8E}"/>
-              </a:ext>
-            </a:extLst>
-          </p:cNvPr>
-          <p:cNvSpPr txBox="1"/>
-          <p:nvPr/>
-        </p:nvSpPr>
-        <p:spPr>
-          <a:xfrm>
-            <a:off x="2289908" y="2025650"/>
-            <a:ext cx="633046" cy="369332"/>
-          </a:xfrm>
-          <a:prstGeom prst="rect">
-            <a:avLst/>
-          </a:prstGeom>
-          <a:noFill/>
-        </p:spPr>
-        <p:txBody>
-          <a:bodyPr wrap="square" rtlCol="0">
-            <a:spAutoFit/>
-          </a:bodyPr>
-          <a:lstStyle/>
-          <a:p>
-            <a:r>
-              <a:rPr lang="en-GB" b="1" dirty="0"/>
-              <a:t>Java</a:t>
-            </a:r>
-          </a:p>
-        </p:txBody>
-      </p:sp>
-      <p:sp>
-        <p:nvSpPr>
-          <p:cNvPr id="21" name="TextBox 20">
-            <a:extLst>
-              <a:ext uri="{FF2B5EF4-FFF2-40B4-BE49-F238E27FC236}">
-                <a16:creationId xmlns:a16="http://schemas.microsoft.com/office/drawing/2014/main" id="{9219971B-8964-4FCB-8A9F-A43624FDD43F}"/>
-              </a:ext>
-            </a:extLst>
-          </p:cNvPr>
-          <p:cNvSpPr txBox="1"/>
-          <p:nvPr/>
-        </p:nvSpPr>
-        <p:spPr>
-          <a:xfrm>
-            <a:off x="5581160" y="2114494"/>
-            <a:ext cx="1236785" cy="369332"/>
-          </a:xfrm>
-          <a:prstGeom prst="rect">
-            <a:avLst/>
-          </a:prstGeom>
-          <a:noFill/>
-        </p:spPr>
-        <p:txBody>
-          <a:bodyPr wrap="square" rtlCol="0">
-            <a:spAutoFit/>
-          </a:bodyPr>
-          <a:lstStyle/>
-          <a:p>
-            <a:r>
-              <a:rPr lang="en-GB" b="1" dirty="0"/>
-              <a:t>Git/GitHub</a:t>
-            </a:r>
-          </a:p>
-        </p:txBody>
-      </p:sp>
-      <p:sp>
-        <p:nvSpPr>
-          <p:cNvPr id="23" name="TextBox 22">
-            <a:extLst>
-              <a:ext uri="{FF2B5EF4-FFF2-40B4-BE49-F238E27FC236}">
-                <a16:creationId xmlns:a16="http://schemas.microsoft.com/office/drawing/2014/main" id="{C46D435E-525E-40FA-999A-2CDD43DE6F11}"/>
-              </a:ext>
-            </a:extLst>
-          </p:cNvPr>
-          <p:cNvSpPr txBox="1"/>
-          <p:nvPr/>
-        </p:nvSpPr>
-        <p:spPr>
-          <a:xfrm>
-            <a:off x="9630019" y="2072541"/>
-            <a:ext cx="508977" cy="369332"/>
-          </a:xfrm>
-          <a:prstGeom prst="rect">
-            <a:avLst/>
-          </a:prstGeom>
-          <a:noFill/>
-        </p:spPr>
-        <p:txBody>
-          <a:bodyPr wrap="square" rtlCol="0">
-            <a:spAutoFit/>
-          </a:bodyPr>
-          <a:lstStyle/>
-          <a:p>
-            <a:r>
-              <a:rPr lang="en-GB" b="1" dirty="0"/>
-              <a:t>Jira</a:t>
-            </a:r>
-          </a:p>
-        </p:txBody>
-      </p:sp>
-      <p:sp>
-        <p:nvSpPr>
-          <p:cNvPr id="25" name="TextBox 24">
-            <a:extLst>
-              <a:ext uri="{FF2B5EF4-FFF2-40B4-BE49-F238E27FC236}">
-                <a16:creationId xmlns:a16="http://schemas.microsoft.com/office/drawing/2014/main" id="{5BA0BE65-1ED7-40FA-9EFA-1DD3294D4EC5}"/>
-              </a:ext>
-            </a:extLst>
-          </p:cNvPr>
-          <p:cNvSpPr txBox="1"/>
-          <p:nvPr/>
-        </p:nvSpPr>
-        <p:spPr>
-          <a:xfrm>
-            <a:off x="560754" y="4198817"/>
-            <a:ext cx="863600" cy="369332"/>
-          </a:xfrm>
-          <a:prstGeom prst="rect">
-            <a:avLst/>
-          </a:prstGeom>
-          <a:noFill/>
-        </p:spPr>
-        <p:txBody>
-          <a:bodyPr wrap="square" rtlCol="0">
-            <a:spAutoFit/>
-          </a:bodyPr>
-          <a:lstStyle/>
-          <a:p>
-            <a:r>
-              <a:rPr lang="en-GB" b="1" dirty="0"/>
-              <a:t>MYSQL</a:t>
-            </a:r>
-          </a:p>
-        </p:txBody>
-      </p:sp>
-      <p:sp>
-        <p:nvSpPr>
-          <p:cNvPr id="27" name="TextBox 26">
-            <a:extLst>
-              <a:ext uri="{FF2B5EF4-FFF2-40B4-BE49-F238E27FC236}">
-                <a16:creationId xmlns:a16="http://schemas.microsoft.com/office/drawing/2014/main" id="{411202B2-1745-4376-8C40-162CA56159F1}"/>
-              </a:ext>
-            </a:extLst>
-          </p:cNvPr>
-          <p:cNvSpPr txBox="1"/>
-          <p:nvPr/>
-        </p:nvSpPr>
-        <p:spPr>
-          <a:xfrm>
-            <a:off x="9452707" y="4282423"/>
-            <a:ext cx="863600" cy="369332"/>
-          </a:xfrm>
-          <a:prstGeom prst="rect">
-            <a:avLst/>
-          </a:prstGeom>
-          <a:noFill/>
-        </p:spPr>
-        <p:txBody>
-          <a:bodyPr wrap="square" rtlCol="0">
-            <a:spAutoFit/>
-          </a:bodyPr>
-          <a:lstStyle/>
-          <a:p>
-            <a:r>
-              <a:rPr lang="en-GB" b="1" dirty="0"/>
-              <a:t>Maven</a:t>
-            </a:r>
-          </a:p>
-        </p:txBody>
-      </p:sp>
-      <p:sp>
-        <p:nvSpPr>
-          <p:cNvPr id="29" name="TextBox 28">
-            <a:extLst>
-              <a:ext uri="{FF2B5EF4-FFF2-40B4-BE49-F238E27FC236}">
-                <a16:creationId xmlns:a16="http://schemas.microsoft.com/office/drawing/2014/main" id="{39330EE3-CA14-4991-8C10-3C3579E794A7}"/>
-              </a:ext>
-            </a:extLst>
-          </p:cNvPr>
-          <p:cNvSpPr txBox="1"/>
-          <p:nvPr/>
-        </p:nvSpPr>
-        <p:spPr>
-          <a:xfrm>
-            <a:off x="9096129" y="6373627"/>
-            <a:ext cx="1576753" cy="369332"/>
-          </a:xfrm>
-          <a:prstGeom prst="rect">
-            <a:avLst/>
-          </a:prstGeom>
-          <a:noFill/>
-        </p:spPr>
-        <p:txBody>
-          <a:bodyPr wrap="square" rtlCol="0">
-            <a:spAutoFit/>
-          </a:bodyPr>
-          <a:lstStyle/>
-          <a:p>
-            <a:r>
-              <a:rPr lang="en-GB" b="1" dirty="0"/>
-              <a:t>Junit, Mockito</a:t>
-            </a:r>
-          </a:p>
-        </p:txBody>
-      </p:sp>
-      <p:cxnSp>
-        <p:nvCxnSpPr>
-          <p:cNvPr id="31" name="Straight Arrow Connector 30">
-            <a:extLst>
-              <a:ext uri="{FF2B5EF4-FFF2-40B4-BE49-F238E27FC236}">
-                <a16:creationId xmlns:a16="http://schemas.microsoft.com/office/drawing/2014/main" id="{09264302-9169-4ABC-AC64-782B81E2B150}"/>
-              </a:ext>
-            </a:extLst>
-          </p:cNvPr>
-          <p:cNvCxnSpPr/>
-          <p:nvPr/>
-        </p:nvCxnSpPr>
-        <p:spPr>
-          <a:xfrm>
-            <a:off x="3462215" y="1430215"/>
-            <a:ext cx="1633416" cy="0"/>
-          </a:xfrm>
-          <a:prstGeom prst="straightConnector1">
-            <a:avLst/>
-          </a:prstGeom>
-          <a:ln>
-            <a:tailEnd type="triangle"/>
-          </a:ln>
-        </p:spPr>
-        <p:style>
-          <a:lnRef idx="1">
-            <a:schemeClr val="accent1"/>
-          </a:lnRef>
-          <a:fillRef idx="0">
-            <a:schemeClr val="accent1"/>
-          </a:fillRef>
-          <a:effectRef idx="0">
-            <a:schemeClr val="accent1"/>
-          </a:effectRef>
-          <a:fontRef idx="minor">
-            <a:schemeClr val="tx1"/>
-          </a:fontRef>
-        </p:style>
-      </p:cxnSp>
-      <p:cxnSp>
-        <p:nvCxnSpPr>
-          <p:cNvPr id="32" name="Straight Arrow Connector 31">
-            <a:extLst>
-              <a:ext uri="{FF2B5EF4-FFF2-40B4-BE49-F238E27FC236}">
-                <a16:creationId xmlns:a16="http://schemas.microsoft.com/office/drawing/2014/main" id="{AF0808B3-E285-4C2C-93EA-7C4AA8152799}"/>
-              </a:ext>
-            </a:extLst>
-          </p:cNvPr>
-          <p:cNvCxnSpPr/>
-          <p:nvPr/>
-        </p:nvCxnSpPr>
-        <p:spPr>
-          <a:xfrm>
-            <a:off x="7217507" y="1441938"/>
-            <a:ext cx="1633416" cy="0"/>
-          </a:xfrm>
-          <a:prstGeom prst="straightConnector1">
-            <a:avLst/>
-          </a:prstGeom>
-          <a:ln>
-            <a:tailEnd type="triangle"/>
-          </a:ln>
-        </p:spPr>
-        <p:style>
-          <a:lnRef idx="1">
-            <a:schemeClr val="accent1"/>
-          </a:lnRef>
-          <a:fillRef idx="0">
-            <a:schemeClr val="accent1"/>
-          </a:fillRef>
-          <a:effectRef idx="0">
-            <a:schemeClr val="accent1"/>
-          </a:effectRef>
-          <a:fontRef idx="minor">
-            <a:schemeClr val="tx1"/>
-          </a:fontRef>
-        </p:style>
-      </p:cxnSp>
-      <p:cxnSp>
-        <p:nvCxnSpPr>
-          <p:cNvPr id="33" name="Straight Arrow Connector 32">
-            <a:extLst>
-              <a:ext uri="{FF2B5EF4-FFF2-40B4-BE49-F238E27FC236}">
-                <a16:creationId xmlns:a16="http://schemas.microsoft.com/office/drawing/2014/main" id="{822A36D7-3FFD-4E58-8AB2-8A0B512FE231}"/>
-              </a:ext>
-            </a:extLst>
-          </p:cNvPr>
-          <p:cNvCxnSpPr/>
-          <p:nvPr/>
-        </p:nvCxnSpPr>
-        <p:spPr>
-          <a:xfrm>
-            <a:off x="7272215" y="3606334"/>
-            <a:ext cx="1633416" cy="0"/>
-          </a:xfrm>
-          <a:prstGeom prst="straightConnector1">
-            <a:avLst/>
-          </a:prstGeom>
-          <a:ln>
-            <a:tailEnd type="triangle"/>
-          </a:ln>
-        </p:spPr>
-        <p:style>
-          <a:lnRef idx="1">
-            <a:schemeClr val="accent1"/>
-          </a:lnRef>
-          <a:fillRef idx="0">
-            <a:schemeClr val="accent1"/>
-          </a:fillRef>
-          <a:effectRef idx="0">
-            <a:schemeClr val="accent1"/>
-          </a:effectRef>
-          <a:fontRef idx="minor">
-            <a:schemeClr val="tx1"/>
-          </a:fontRef>
-        </p:style>
-      </p:cxnSp>
-      <p:cxnSp>
-        <p:nvCxnSpPr>
-          <p:cNvPr id="34" name="Straight Arrow Connector 33">
-            <a:extLst>
-              <a:ext uri="{FF2B5EF4-FFF2-40B4-BE49-F238E27FC236}">
-                <a16:creationId xmlns:a16="http://schemas.microsoft.com/office/drawing/2014/main" id="{5847C02B-2625-4596-9B76-7E07ECC474DF}"/>
-              </a:ext>
-            </a:extLst>
-          </p:cNvPr>
-          <p:cNvCxnSpPr>
-            <a:cxnSpLocks/>
-          </p:cNvCxnSpPr>
-          <p:nvPr/>
-        </p:nvCxnSpPr>
-        <p:spPr>
-          <a:xfrm flipV="1">
-            <a:off x="1130302" y="2139272"/>
-            <a:ext cx="693615" cy="1015567"/>
-          </a:xfrm>
-          <a:prstGeom prst="straightConnector1">
-            <a:avLst/>
-          </a:prstGeom>
-          <a:ln>
-            <a:tailEnd type="triangle"/>
-          </a:ln>
-        </p:spPr>
-        <p:style>
-          <a:lnRef idx="1">
-            <a:schemeClr val="accent1"/>
-          </a:lnRef>
-          <a:fillRef idx="0">
-            <a:schemeClr val="accent1"/>
-          </a:fillRef>
-          <a:effectRef idx="0">
-            <a:schemeClr val="accent1"/>
-          </a:effectRef>
-          <a:fontRef idx="minor">
-            <a:schemeClr val="tx1"/>
-          </a:fontRef>
-        </p:style>
-      </p:cxnSp>
-      <p:cxnSp>
-        <p:nvCxnSpPr>
-          <p:cNvPr id="36" name="Straight Arrow Connector 35">
-            <a:extLst>
-              <a:ext uri="{FF2B5EF4-FFF2-40B4-BE49-F238E27FC236}">
-                <a16:creationId xmlns:a16="http://schemas.microsoft.com/office/drawing/2014/main" id="{3EF6C073-64B7-44AE-9FB2-E950B20F2488}"/>
-              </a:ext>
-            </a:extLst>
-          </p:cNvPr>
-          <p:cNvCxnSpPr>
-            <a:cxnSpLocks/>
-          </p:cNvCxnSpPr>
-          <p:nvPr/>
-        </p:nvCxnSpPr>
-        <p:spPr>
-          <a:xfrm flipH="1">
-            <a:off x="3462215" y="1910371"/>
-            <a:ext cx="1633416" cy="1"/>
-          </a:xfrm>
-          <a:prstGeom prst="straightConnector1">
-            <a:avLst/>
-          </a:prstGeom>
-          <a:ln>
-            <a:tailEnd type="triangle"/>
-          </a:ln>
-        </p:spPr>
-        <p:style>
-          <a:lnRef idx="1">
-            <a:schemeClr val="accent1"/>
-          </a:lnRef>
-          <a:fillRef idx="0">
-            <a:schemeClr val="accent1"/>
-          </a:fillRef>
-          <a:effectRef idx="0">
-            <a:schemeClr val="accent1"/>
-          </a:effectRef>
-          <a:fontRef idx="minor">
-            <a:schemeClr val="tx1"/>
-          </a:fontRef>
-        </p:style>
-      </p:cxnSp>
-      <p:cxnSp>
-        <p:nvCxnSpPr>
-          <p:cNvPr id="39" name="Straight Arrow Connector 38">
-            <a:extLst>
-              <a:ext uri="{FF2B5EF4-FFF2-40B4-BE49-F238E27FC236}">
-                <a16:creationId xmlns:a16="http://schemas.microsoft.com/office/drawing/2014/main" id="{6A529FBC-4BEC-4906-8590-10D96E45D219}"/>
-              </a:ext>
-            </a:extLst>
-          </p:cNvPr>
-          <p:cNvCxnSpPr>
-            <a:cxnSpLocks/>
-          </p:cNvCxnSpPr>
-          <p:nvPr/>
-        </p:nvCxnSpPr>
-        <p:spPr>
-          <a:xfrm flipH="1">
-            <a:off x="7217507" y="1910370"/>
-            <a:ext cx="1633416" cy="1"/>
-          </a:xfrm>
-          <a:prstGeom prst="straightConnector1">
-            <a:avLst/>
-          </a:prstGeom>
-          <a:ln>
-            <a:tailEnd type="triangle"/>
-          </a:ln>
-        </p:spPr>
-        <p:style>
-          <a:lnRef idx="1">
-            <a:schemeClr val="accent1"/>
-          </a:lnRef>
-          <a:fillRef idx="0">
-            <a:schemeClr val="accent1"/>
-          </a:fillRef>
-          <a:effectRef idx="0">
-            <a:schemeClr val="accent1"/>
-          </a:effectRef>
-          <a:fontRef idx="minor">
-            <a:schemeClr val="tx1"/>
-          </a:fontRef>
-        </p:style>
-      </p:cxnSp>
-      <p:cxnSp>
-        <p:nvCxnSpPr>
-          <p:cNvPr id="40" name="Straight Arrow Connector 39">
-            <a:extLst>
-              <a:ext uri="{FF2B5EF4-FFF2-40B4-BE49-F238E27FC236}">
-                <a16:creationId xmlns:a16="http://schemas.microsoft.com/office/drawing/2014/main" id="{5850AE12-13FE-4BA3-A11D-A19E120AC455}"/>
-              </a:ext>
-            </a:extLst>
-          </p:cNvPr>
-          <p:cNvCxnSpPr>
-            <a:cxnSpLocks/>
-          </p:cNvCxnSpPr>
-          <p:nvPr/>
-        </p:nvCxnSpPr>
-        <p:spPr>
-          <a:xfrm flipH="1">
-            <a:off x="7217507" y="4074765"/>
-            <a:ext cx="1633416" cy="1"/>
-          </a:xfrm>
-          <a:prstGeom prst="straightConnector1">
-            <a:avLst/>
-          </a:prstGeom>
-          <a:ln>
-            <a:tailEnd type="triangle"/>
-          </a:ln>
-        </p:spPr>
-        <p:style>
-          <a:lnRef idx="1">
-            <a:schemeClr val="accent1"/>
-          </a:lnRef>
-          <a:fillRef idx="0">
-            <a:schemeClr val="accent1"/>
-          </a:fillRef>
-          <a:effectRef idx="0">
-            <a:schemeClr val="accent1"/>
-          </a:effectRef>
-          <a:fontRef idx="minor">
-            <a:schemeClr val="tx1"/>
-          </a:fontRef>
-        </p:style>
-      </p:cxnSp>
-      <p:cxnSp>
-        <p:nvCxnSpPr>
-          <p:cNvPr id="41" name="Straight Arrow Connector 40">
-            <a:extLst>
-              <a:ext uri="{FF2B5EF4-FFF2-40B4-BE49-F238E27FC236}">
-                <a16:creationId xmlns:a16="http://schemas.microsoft.com/office/drawing/2014/main" id="{87772D97-E16B-4515-84F8-0DB7E8A51B64}"/>
-              </a:ext>
-            </a:extLst>
-          </p:cNvPr>
-          <p:cNvCxnSpPr>
-            <a:cxnSpLocks/>
-          </p:cNvCxnSpPr>
-          <p:nvPr/>
-        </p:nvCxnSpPr>
-        <p:spPr>
-          <a:xfrm>
-            <a:off x="9999784" y="4651755"/>
-            <a:ext cx="0" cy="686157"/>
-          </a:xfrm>
-          <a:prstGeom prst="straightConnector1">
-            <a:avLst/>
-          </a:prstGeom>
-          <a:ln>
-            <a:tailEnd type="triangle"/>
-          </a:ln>
-        </p:spPr>
-        <p:style>
-          <a:lnRef idx="1">
-            <a:schemeClr val="accent1"/>
-          </a:lnRef>
-          <a:fillRef idx="0">
-            <a:schemeClr val="accent1"/>
-          </a:fillRef>
-          <a:effectRef idx="0">
-            <a:schemeClr val="accent1"/>
-          </a:effectRef>
-          <a:fontRef idx="minor">
-            <a:schemeClr val="tx1"/>
-          </a:fontRef>
-        </p:style>
-      </p:cxnSp>
-      <p:cxnSp>
-        <p:nvCxnSpPr>
-          <p:cNvPr id="44" name="Straight Arrow Connector 43">
-            <a:extLst>
-              <a:ext uri="{FF2B5EF4-FFF2-40B4-BE49-F238E27FC236}">
-                <a16:creationId xmlns:a16="http://schemas.microsoft.com/office/drawing/2014/main" id="{A06D2270-E5D2-49EA-9307-B240B292AFC0}"/>
-              </a:ext>
-            </a:extLst>
-          </p:cNvPr>
-          <p:cNvCxnSpPr>
-            <a:cxnSpLocks/>
-          </p:cNvCxnSpPr>
-          <p:nvPr/>
-        </p:nvCxnSpPr>
-        <p:spPr>
-          <a:xfrm flipV="1">
-            <a:off x="9710615" y="4651755"/>
-            <a:ext cx="0" cy="686157"/>
-          </a:xfrm>
-          <a:prstGeom prst="straightConnector1">
-            <a:avLst/>
-          </a:prstGeom>
-          <a:ln>
-            <a:tailEnd type="triangle"/>
-          </a:ln>
-        </p:spPr>
-        <p:style>
-          <a:lnRef idx="1">
-            <a:schemeClr val="accent1"/>
-          </a:lnRef>
-          <a:fillRef idx="0">
-            <a:schemeClr val="accent1"/>
-          </a:fillRef>
-          <a:effectRef idx="0">
-            <a:schemeClr val="accent1"/>
-          </a:effectRef>
-          <a:fontRef idx="minor">
-            <a:schemeClr val="tx1"/>
-          </a:fontRef>
-        </p:style>
-      </p:cxnSp>
-      <p:cxnSp>
-        <p:nvCxnSpPr>
-          <p:cNvPr id="49" name="Straight Arrow Connector 48">
-            <a:extLst>
-              <a:ext uri="{FF2B5EF4-FFF2-40B4-BE49-F238E27FC236}">
-                <a16:creationId xmlns:a16="http://schemas.microsoft.com/office/drawing/2014/main" id="{FDCC995E-F27E-4666-8CA6-D8B6C428E755}"/>
-              </a:ext>
-            </a:extLst>
-          </p:cNvPr>
-          <p:cNvCxnSpPr>
-            <a:cxnSpLocks/>
-          </p:cNvCxnSpPr>
-          <p:nvPr/>
-        </p:nvCxnSpPr>
-        <p:spPr>
-          <a:xfrm>
-            <a:off x="6338276" y="2483826"/>
-            <a:ext cx="0" cy="686157"/>
-          </a:xfrm>
-          <a:prstGeom prst="straightConnector1">
-            <a:avLst/>
-          </a:prstGeom>
-          <a:ln>
-            <a:tailEnd type="triangle"/>
-          </a:ln>
-        </p:spPr>
-        <p:style>
-          <a:lnRef idx="1">
-            <a:schemeClr val="accent1"/>
-          </a:lnRef>
-          <a:fillRef idx="0">
-            <a:schemeClr val="accent1"/>
-          </a:fillRef>
-          <a:effectRef idx="0">
-            <a:schemeClr val="accent1"/>
-          </a:effectRef>
-          <a:fontRef idx="minor">
-            <a:schemeClr val="tx1"/>
-          </a:fontRef>
-        </p:style>
-      </p:cxnSp>
-      <p:cxnSp>
-        <p:nvCxnSpPr>
-          <p:cNvPr id="50" name="Straight Arrow Connector 49">
-            <a:extLst>
-              <a:ext uri="{FF2B5EF4-FFF2-40B4-BE49-F238E27FC236}">
-                <a16:creationId xmlns:a16="http://schemas.microsoft.com/office/drawing/2014/main" id="{6E51745A-9A8C-46FF-AC6D-70AE6F128027}"/>
-              </a:ext>
-            </a:extLst>
-          </p:cNvPr>
-          <p:cNvCxnSpPr>
-            <a:cxnSpLocks/>
-          </p:cNvCxnSpPr>
-          <p:nvPr/>
-        </p:nvCxnSpPr>
-        <p:spPr>
-          <a:xfrm flipV="1">
-            <a:off x="6049107" y="2483826"/>
-            <a:ext cx="0" cy="686157"/>
-          </a:xfrm>
-          <a:prstGeom prst="straightConnector1">
-            <a:avLst/>
-          </a:prstGeom>
-          <a:ln>
-            <a:tailEnd type="triangle"/>
-          </a:ln>
-        </p:spPr>
-        <p:style>
-          <a:lnRef idx="1">
-            <a:schemeClr val="accent1"/>
-          </a:lnRef>
-          <a:fillRef idx="0">
-            <a:schemeClr val="accent1"/>
-          </a:fillRef>
-          <a:effectRef idx="0">
-            <a:schemeClr val="accent1"/>
-          </a:effectRef>
-          <a:fontRef idx="minor">
-            <a:schemeClr val="tx1"/>
-          </a:fontRef>
-        </p:style>
-      </p:cxnSp>
-      <p:sp>
-        <p:nvSpPr>
-          <p:cNvPr id="52" name="TextBox 51">
-            <a:extLst>
-              <a:ext uri="{FF2B5EF4-FFF2-40B4-BE49-F238E27FC236}">
-                <a16:creationId xmlns:a16="http://schemas.microsoft.com/office/drawing/2014/main" id="{1C4FB638-E26A-4FD0-8E56-CEF6AD3423E8}"/>
-              </a:ext>
-            </a:extLst>
-          </p:cNvPr>
-          <p:cNvSpPr txBox="1"/>
-          <p:nvPr/>
-        </p:nvSpPr>
-        <p:spPr>
-          <a:xfrm>
-            <a:off x="3970212" y="1095328"/>
-            <a:ext cx="631091" cy="307777"/>
-          </a:xfrm>
-          <a:prstGeom prst="rect">
-            <a:avLst/>
-          </a:prstGeom>
-          <a:noFill/>
-        </p:spPr>
-        <p:txBody>
-          <a:bodyPr wrap="square" rtlCol="0">
-            <a:spAutoFit/>
-          </a:bodyPr>
-          <a:lstStyle/>
-          <a:p>
-            <a:r>
-              <a:rPr lang="en-GB" sz="1400" dirty="0"/>
-              <a:t>Push</a:t>
-            </a:r>
-          </a:p>
-        </p:txBody>
-      </p:sp>
-      <p:sp>
-        <p:nvSpPr>
-          <p:cNvPr id="54" name="TextBox 53">
-            <a:extLst>
-              <a:ext uri="{FF2B5EF4-FFF2-40B4-BE49-F238E27FC236}">
-                <a16:creationId xmlns:a16="http://schemas.microsoft.com/office/drawing/2014/main" id="{32CF7C48-90A7-4CF4-A382-6674A498AA86}"/>
-              </a:ext>
-            </a:extLst>
-          </p:cNvPr>
-          <p:cNvSpPr txBox="1"/>
-          <p:nvPr/>
-        </p:nvSpPr>
-        <p:spPr>
-          <a:xfrm>
-            <a:off x="3963376" y="1964591"/>
-            <a:ext cx="631091" cy="307777"/>
-          </a:xfrm>
-          <a:prstGeom prst="rect">
-            <a:avLst/>
-          </a:prstGeom>
-          <a:noFill/>
-        </p:spPr>
-        <p:txBody>
-          <a:bodyPr wrap="square" rtlCol="0">
-            <a:spAutoFit/>
-          </a:bodyPr>
-          <a:lstStyle/>
-          <a:p>
-            <a:r>
-              <a:rPr lang="en-GB" sz="1400" dirty="0"/>
-              <a:t>Pull</a:t>
-            </a:r>
-          </a:p>
-        </p:txBody>
-      </p:sp>
-      <p:sp>
-        <p:nvSpPr>
-          <p:cNvPr id="56" name="TextBox 55">
-            <a:extLst>
-              <a:ext uri="{FF2B5EF4-FFF2-40B4-BE49-F238E27FC236}">
-                <a16:creationId xmlns:a16="http://schemas.microsoft.com/office/drawing/2014/main" id="{6D9B82CD-F80B-46B9-A7C6-A26D7A7D9780}"/>
-              </a:ext>
-            </a:extLst>
-          </p:cNvPr>
-          <p:cNvSpPr txBox="1"/>
-          <p:nvPr/>
-        </p:nvSpPr>
-        <p:spPr>
-          <a:xfrm>
-            <a:off x="7427789" y="1023791"/>
-            <a:ext cx="1212851" cy="307777"/>
-          </a:xfrm>
-          <a:prstGeom prst="rect">
-            <a:avLst/>
-          </a:prstGeom>
-          <a:noFill/>
-        </p:spPr>
-        <p:txBody>
-          <a:bodyPr wrap="square" rtlCol="0">
-            <a:spAutoFit/>
-          </a:bodyPr>
-          <a:lstStyle/>
-          <a:p>
-            <a:r>
-              <a:rPr lang="en-GB" sz="1400" dirty="0"/>
-              <a:t>Update Work</a:t>
-            </a:r>
-          </a:p>
-        </p:txBody>
-      </p:sp>
-      <p:sp>
-        <p:nvSpPr>
-          <p:cNvPr id="58" name="TextBox 57">
-            <a:extLst>
-              <a:ext uri="{FF2B5EF4-FFF2-40B4-BE49-F238E27FC236}">
-                <a16:creationId xmlns:a16="http://schemas.microsoft.com/office/drawing/2014/main" id="{283F189B-8C4D-4BAC-AAE0-DE91C2267899}"/>
-              </a:ext>
-            </a:extLst>
-          </p:cNvPr>
-          <p:cNvSpPr txBox="1"/>
-          <p:nvPr/>
-        </p:nvSpPr>
-        <p:spPr>
-          <a:xfrm>
-            <a:off x="7586419" y="2099461"/>
-            <a:ext cx="1005007" cy="307777"/>
-          </a:xfrm>
-          <a:prstGeom prst="rect">
-            <a:avLst/>
-          </a:prstGeom>
-          <a:noFill/>
-        </p:spPr>
-        <p:txBody>
-          <a:bodyPr wrap="square" rtlCol="0">
-            <a:spAutoFit/>
-          </a:bodyPr>
-          <a:lstStyle/>
-          <a:p>
-            <a:r>
-              <a:rPr lang="en-GB" sz="1400" dirty="0"/>
-              <a:t>Get Work</a:t>
-            </a:r>
-          </a:p>
-        </p:txBody>
-      </p:sp>
-      <p:sp>
-        <p:nvSpPr>
-          <p:cNvPr id="60" name="TextBox 59">
-            <a:extLst>
-              <a:ext uri="{FF2B5EF4-FFF2-40B4-BE49-F238E27FC236}">
-                <a16:creationId xmlns:a16="http://schemas.microsoft.com/office/drawing/2014/main" id="{48D825ED-432D-4281-84D1-50A06CA331F4}"/>
-              </a:ext>
-            </a:extLst>
-          </p:cNvPr>
-          <p:cNvSpPr txBox="1"/>
-          <p:nvPr/>
-        </p:nvSpPr>
-        <p:spPr>
-          <a:xfrm>
-            <a:off x="8617195" y="4943143"/>
-            <a:ext cx="1047251" cy="307777"/>
-          </a:xfrm>
-          <a:prstGeom prst="rect">
-            <a:avLst/>
-          </a:prstGeom>
-          <a:noFill/>
-        </p:spPr>
-        <p:txBody>
-          <a:bodyPr wrap="square" rtlCol="0">
-            <a:spAutoFit/>
-          </a:bodyPr>
-          <a:lstStyle/>
-          <a:p>
-            <a:r>
-              <a:rPr lang="en-GB" sz="1400" dirty="0"/>
-              <a:t>Test Results</a:t>
-            </a:r>
-          </a:p>
-        </p:txBody>
-      </p:sp>
-      <p:sp>
-        <p:nvSpPr>
-          <p:cNvPr id="62" name="TextBox 61">
-            <a:extLst>
-              <a:ext uri="{FF2B5EF4-FFF2-40B4-BE49-F238E27FC236}">
-                <a16:creationId xmlns:a16="http://schemas.microsoft.com/office/drawing/2014/main" id="{47F0ED84-D64E-4181-AEB3-F19D072288A4}"/>
-              </a:ext>
-            </a:extLst>
-          </p:cNvPr>
-          <p:cNvSpPr txBox="1"/>
-          <p:nvPr/>
-        </p:nvSpPr>
-        <p:spPr>
-          <a:xfrm>
-            <a:off x="10138996" y="4943143"/>
-            <a:ext cx="1005741" cy="307777"/>
-          </a:xfrm>
-          <a:prstGeom prst="rect">
-            <a:avLst/>
-          </a:prstGeom>
-          <a:noFill/>
-        </p:spPr>
-        <p:txBody>
-          <a:bodyPr wrap="square" rtlCol="0">
-            <a:spAutoFit/>
-          </a:bodyPr>
-          <a:lstStyle/>
-          <a:p>
-            <a:r>
-              <a:rPr lang="en-GB" sz="1400" dirty="0"/>
-              <a:t>Send Tests</a:t>
-            </a:r>
-          </a:p>
-        </p:txBody>
-      </p:sp>
-      <p:sp>
-        <p:nvSpPr>
-          <p:cNvPr id="63" name="Title 1">
-            <a:extLst>
-              <a:ext uri="{FF2B5EF4-FFF2-40B4-BE49-F238E27FC236}">
-                <a16:creationId xmlns:a16="http://schemas.microsoft.com/office/drawing/2014/main" id="{54842D76-68EE-4DA6-8C03-76463EADB9E4}"/>
-              </a:ext>
-            </a:extLst>
-          </p:cNvPr>
-          <p:cNvSpPr>
-            <a:spLocks noGrp="1"/>
-          </p:cNvSpPr>
-          <p:nvPr>
-            <p:ph type="title"/>
-          </p:nvPr>
-        </p:nvSpPr>
-        <p:spPr>
-          <a:xfrm>
-            <a:off x="1340336" y="5045157"/>
-            <a:ext cx="3974121" cy="1285349"/>
-          </a:xfrm>
-        </p:spPr>
-        <p:txBody>
-          <a:bodyPr vert="horz" lIns="91440" tIns="45720" rIns="91440" bIns="45720" rtlCol="0" anchor="b">
-            <a:normAutofit fontScale="90000"/>
-          </a:bodyPr>
-          <a:lstStyle/>
-          <a:p>
-            <a:pPr algn="ctr"/>
-            <a:r>
-              <a:rPr lang="en-US" sz="6600" u="sng" dirty="0"/>
-              <a:t>CI PIPELINE</a:t>
-            </a:r>
-          </a:p>
-        </p:txBody>
-      </p:sp>
-      <p:sp>
-        <p:nvSpPr>
-          <p:cNvPr id="2" name="TextBox 1">
-            <a:extLst>
-              <a:ext uri="{FF2B5EF4-FFF2-40B4-BE49-F238E27FC236}">
-                <a16:creationId xmlns:a16="http://schemas.microsoft.com/office/drawing/2014/main" id="{913393BD-1979-4017-853D-0FC397FB1E8B}"/>
-              </a:ext>
-            </a:extLst>
-          </p:cNvPr>
-          <p:cNvSpPr txBox="1"/>
-          <p:nvPr/>
-        </p:nvSpPr>
-        <p:spPr>
-          <a:xfrm>
-            <a:off x="5767752" y="4276209"/>
-            <a:ext cx="863600" cy="369332"/>
-          </a:xfrm>
-          <a:prstGeom prst="rect">
-            <a:avLst/>
-          </a:prstGeom>
-          <a:noFill/>
-        </p:spPr>
-        <p:txBody>
-          <a:bodyPr wrap="square" rtlCol="0">
-            <a:spAutoFit/>
-          </a:bodyPr>
-          <a:lstStyle/>
-          <a:p>
-            <a:r>
-              <a:rPr lang="en-GB" i="1" dirty="0"/>
-              <a:t>Jenkins</a:t>
-            </a:r>
-          </a:p>
-        </p:txBody>
-      </p:sp>
-      <p:cxnSp>
-        <p:nvCxnSpPr>
-          <p:cNvPr id="37" name="Straight Arrow Connector 36">
-            <a:extLst>
-              <a:ext uri="{FF2B5EF4-FFF2-40B4-BE49-F238E27FC236}">
-                <a16:creationId xmlns:a16="http://schemas.microsoft.com/office/drawing/2014/main" id="{F9245A47-ABE7-4DE6-AA44-AF5C58911DEF}"/>
-              </a:ext>
-            </a:extLst>
-          </p:cNvPr>
-          <p:cNvCxnSpPr>
-            <a:cxnSpLocks/>
-          </p:cNvCxnSpPr>
-          <p:nvPr/>
-        </p:nvCxnSpPr>
-        <p:spPr>
-          <a:xfrm rot="10800000" flipV="1">
-            <a:off x="783494" y="1928519"/>
-            <a:ext cx="693615" cy="1015567"/>
-          </a:xfrm>
-          <a:prstGeom prst="straightConnector1">
-            <a:avLst/>
-          </a:prstGeom>
-          <a:ln>
-            <a:tailEnd type="triangle"/>
-          </a:ln>
-        </p:spPr>
-        <p:style>
-          <a:lnRef idx="1">
-            <a:schemeClr val="accent1"/>
-          </a:lnRef>
-          <a:fillRef idx="0">
-            <a:schemeClr val="accent1"/>
-          </a:fillRef>
-          <a:effectRef idx="0">
-            <a:schemeClr val="accent1"/>
-          </a:effectRef>
-          <a:fontRef idx="minor">
-            <a:schemeClr val="tx1"/>
-          </a:fontRef>
-        </p:style>
-      </p:cxnSp>
-      <p:sp>
-        <p:nvSpPr>
-          <p:cNvPr id="5" name="TextBox 4">
-            <a:extLst>
-              <a:ext uri="{FF2B5EF4-FFF2-40B4-BE49-F238E27FC236}">
-                <a16:creationId xmlns:a16="http://schemas.microsoft.com/office/drawing/2014/main" id="{3F13ADEA-657B-4883-8C89-E9C37DF86403}"/>
-              </a:ext>
-            </a:extLst>
-          </p:cNvPr>
-          <p:cNvSpPr txBox="1"/>
-          <p:nvPr/>
-        </p:nvSpPr>
-        <p:spPr>
-          <a:xfrm>
-            <a:off x="75229" y="1831495"/>
-            <a:ext cx="1397972" cy="307777"/>
-          </a:xfrm>
-          <a:prstGeom prst="rect">
-            <a:avLst/>
-          </a:prstGeom>
-          <a:noFill/>
-        </p:spPr>
-        <p:txBody>
-          <a:bodyPr wrap="square" rtlCol="0">
-            <a:spAutoFit/>
-          </a:bodyPr>
-          <a:lstStyle/>
-          <a:p>
-            <a:r>
-              <a:rPr lang="en-GB" sz="1400" dirty="0"/>
-              <a:t>Access database</a:t>
-            </a:r>
-          </a:p>
-        </p:txBody>
-      </p:sp>
-      <p:sp>
-        <p:nvSpPr>
-          <p:cNvPr id="7" name="TextBox 6">
-            <a:extLst>
-              <a:ext uri="{FF2B5EF4-FFF2-40B4-BE49-F238E27FC236}">
-                <a16:creationId xmlns:a16="http://schemas.microsoft.com/office/drawing/2014/main" id="{5064E4DB-9DE5-4AF4-BB33-72594E0E46C8}"/>
-              </a:ext>
-            </a:extLst>
-          </p:cNvPr>
-          <p:cNvSpPr txBox="1"/>
-          <p:nvPr/>
-        </p:nvSpPr>
-        <p:spPr>
-          <a:xfrm>
-            <a:off x="1360243" y="2874812"/>
-            <a:ext cx="1828431" cy="307777"/>
-          </a:xfrm>
-          <a:prstGeom prst="rect">
-            <a:avLst/>
-          </a:prstGeom>
-          <a:noFill/>
-        </p:spPr>
-        <p:txBody>
-          <a:bodyPr wrap="square" rtlCol="0">
-            <a:spAutoFit/>
-          </a:bodyPr>
-          <a:lstStyle/>
-          <a:p>
-            <a:r>
-              <a:rPr lang="en-GB" sz="1400" dirty="0"/>
-              <a:t>Send schema and data</a:t>
-            </a:r>
-          </a:p>
-        </p:txBody>
-      </p:sp>
-    </p:spTree>
-    <p:extLst>
-      <p:ext uri="{BB962C8B-B14F-4D97-AF65-F5344CB8AC3E}">
-        <p14:creationId xmlns:p14="http://schemas.microsoft.com/office/powerpoint/2010/main" val="3449752075"/>
-      </p:ext>
-    </p:extLst>
-  </p:cSld>
-  <p:clrMapOvr>
-    <a:masterClrMapping/>
-  </p:clrMapOvr>
-</p:sld>
-</file>
-
 <file path=ppt/slides/slide7.xml><?xml version="1.0" encoding="utf-8"?>
 <p:sld xmlns:a="http://schemas.openxmlformats.org/drawingml/2006/main" xmlns:r="http://schemas.openxmlformats.org/officeDocument/2006/relationships" xmlns:p="http://schemas.openxmlformats.org/presentationml/2006/main">
   <p:cSld>
@@ -7470,41 +8095,1220 @@
           <a:chExt cx="0" cy="0"/>
         </a:xfrm>
       </p:grpSpPr>
-      <p:pic>
-        <p:nvPicPr>
-          <p:cNvPr id="4" name="Picture 3">
-            <a:extLst>
-              <a:ext uri="{FF2B5EF4-FFF2-40B4-BE49-F238E27FC236}">
-                <a16:creationId xmlns:a16="http://schemas.microsoft.com/office/drawing/2014/main" id="{86382A9E-FF04-4BB7-AAD7-6ED40B84A3EB}"/>
-              </a:ext>
-            </a:extLst>
-          </p:cNvPr>
-          <p:cNvPicPr>
-            <a:picLocks noChangeAspect="1"/>
-          </p:cNvPicPr>
+      <p:sp>
+        <p:nvSpPr>
+          <p:cNvPr id="6" name="Rectangle: Rounded Corners 5">
+            <a:extLst>
+              <a:ext uri="{FF2B5EF4-FFF2-40B4-BE49-F238E27FC236}">
+                <a16:creationId xmlns:a16="http://schemas.microsoft.com/office/drawing/2014/main" id="{0EC3879F-BF7F-48DE-9D99-A6D84981FB51}"/>
+              </a:ext>
+            </a:extLst>
+          </p:cNvPr>
+          <p:cNvSpPr/>
           <p:nvPr/>
-        </p:nvPicPr>
-        <p:blipFill rotWithShape="1">
-          <a:blip r:embed="rId2"/>
-          <a:srcRect r="54037"/>
-          <a:stretch/>
-        </p:blipFill>
-        <p:spPr>
-          <a:xfrm>
-            <a:off x="140433" y="135980"/>
-            <a:ext cx="5603875" cy="4778732"/>
+        </p:nvSpPr>
+        <p:spPr>
+          <a:xfrm>
+            <a:off x="1879600" y="1261696"/>
+            <a:ext cx="1453662" cy="679938"/>
+          </a:xfrm>
+          <a:prstGeom prst="roundRect">
+            <a:avLst/>
+          </a:prstGeom>
+        </p:spPr>
+        <p:style>
+          <a:lnRef idx="2">
+            <a:schemeClr val="accent1">
+              <a:shade val="50000"/>
+            </a:schemeClr>
+          </a:lnRef>
+          <a:fillRef idx="1">
+            <a:schemeClr val="accent1"/>
+          </a:fillRef>
+          <a:effectRef idx="0">
+            <a:schemeClr val="accent1"/>
+          </a:effectRef>
+          <a:fontRef idx="minor">
+            <a:schemeClr val="lt1"/>
+          </a:fontRef>
+        </p:style>
+        <p:txBody>
+          <a:bodyPr rtlCol="0" anchor="ctr"/>
+          <a:lstStyle/>
+          <a:p>
+            <a:pPr algn="ctr"/>
+            <a:r>
+              <a:rPr lang="en-GB" dirty="0"/>
+              <a:t>Source Code</a:t>
+            </a:r>
+          </a:p>
+        </p:txBody>
+      </p:sp>
+      <p:sp>
+        <p:nvSpPr>
+          <p:cNvPr id="8" name="Rectangle: Rounded Corners 7">
+            <a:extLst>
+              <a:ext uri="{FF2B5EF4-FFF2-40B4-BE49-F238E27FC236}">
+                <a16:creationId xmlns:a16="http://schemas.microsoft.com/office/drawing/2014/main" id="{C5E4C87D-1132-454D-AC66-75C86D020BB9}"/>
+              </a:ext>
+            </a:extLst>
+          </p:cNvPr>
+          <p:cNvSpPr/>
+          <p:nvPr/>
+        </p:nvSpPr>
+        <p:spPr>
+          <a:xfrm>
+            <a:off x="5380891" y="1177680"/>
+            <a:ext cx="1637324" cy="847970"/>
+          </a:xfrm>
+          <a:prstGeom prst="roundRect">
+            <a:avLst/>
+          </a:prstGeom>
+        </p:spPr>
+        <p:style>
+          <a:lnRef idx="2">
+            <a:schemeClr val="accent1">
+              <a:shade val="50000"/>
+            </a:schemeClr>
+          </a:lnRef>
+          <a:fillRef idx="1">
+            <a:schemeClr val="accent1"/>
+          </a:fillRef>
+          <a:effectRef idx="0">
+            <a:schemeClr val="accent1"/>
+          </a:effectRef>
+          <a:fontRef idx="minor">
+            <a:schemeClr val="lt1"/>
+          </a:fontRef>
+        </p:style>
+        <p:txBody>
+          <a:bodyPr rtlCol="0" anchor="ctr"/>
+          <a:lstStyle/>
+          <a:p>
+            <a:pPr algn="ctr"/>
+            <a:r>
+              <a:rPr lang="en-GB" dirty="0"/>
+              <a:t>Version Control System</a:t>
+            </a:r>
+          </a:p>
+        </p:txBody>
+      </p:sp>
+      <p:sp>
+        <p:nvSpPr>
+          <p:cNvPr id="10" name="Rectangle: Rounded Corners 9">
+            <a:extLst>
+              <a:ext uri="{FF2B5EF4-FFF2-40B4-BE49-F238E27FC236}">
+                <a16:creationId xmlns:a16="http://schemas.microsoft.com/office/drawing/2014/main" id="{B293D816-F9CB-495C-9DE3-0FFC8175B800}"/>
+              </a:ext>
+            </a:extLst>
+          </p:cNvPr>
+          <p:cNvSpPr/>
+          <p:nvPr/>
+        </p:nvSpPr>
+        <p:spPr>
+          <a:xfrm>
+            <a:off x="9065844" y="1177680"/>
+            <a:ext cx="1637324" cy="847970"/>
+          </a:xfrm>
+          <a:prstGeom prst="roundRect">
+            <a:avLst/>
+          </a:prstGeom>
+        </p:spPr>
+        <p:style>
+          <a:lnRef idx="2">
+            <a:schemeClr val="accent1">
+              <a:shade val="50000"/>
+            </a:schemeClr>
+          </a:lnRef>
+          <a:fillRef idx="1">
+            <a:schemeClr val="accent1"/>
+          </a:fillRef>
+          <a:effectRef idx="0">
+            <a:schemeClr val="accent1"/>
+          </a:effectRef>
+          <a:fontRef idx="minor">
+            <a:schemeClr val="lt1"/>
+          </a:fontRef>
+        </p:style>
+        <p:txBody>
+          <a:bodyPr rtlCol="0" anchor="ctr"/>
+          <a:lstStyle/>
+          <a:p>
+            <a:pPr algn="ctr"/>
+            <a:r>
+              <a:rPr lang="en-GB" dirty="0"/>
+              <a:t>Project Tracking</a:t>
+            </a:r>
+          </a:p>
+        </p:txBody>
+      </p:sp>
+      <p:sp>
+        <p:nvSpPr>
+          <p:cNvPr id="12" name="Rectangle: Rounded Corners 11">
+            <a:extLst>
+              <a:ext uri="{FF2B5EF4-FFF2-40B4-BE49-F238E27FC236}">
+                <a16:creationId xmlns:a16="http://schemas.microsoft.com/office/drawing/2014/main" id="{5AB3D61F-B522-4D47-8941-19BA0E274AF8}"/>
+              </a:ext>
+            </a:extLst>
+          </p:cNvPr>
+          <p:cNvSpPr/>
+          <p:nvPr/>
+        </p:nvSpPr>
+        <p:spPr>
+          <a:xfrm>
+            <a:off x="5380891" y="3336704"/>
+            <a:ext cx="1637324" cy="847970"/>
+          </a:xfrm>
+          <a:prstGeom prst="roundRect">
+            <a:avLst/>
+          </a:prstGeom>
+        </p:spPr>
+        <p:style>
+          <a:lnRef idx="2">
+            <a:schemeClr val="accent1">
+              <a:shade val="50000"/>
+            </a:schemeClr>
+          </a:lnRef>
+          <a:fillRef idx="1">
+            <a:schemeClr val="accent1"/>
+          </a:fillRef>
+          <a:effectRef idx="0">
+            <a:schemeClr val="accent1"/>
+          </a:effectRef>
+          <a:fontRef idx="minor">
+            <a:schemeClr val="lt1"/>
+          </a:fontRef>
+        </p:style>
+        <p:txBody>
+          <a:bodyPr rtlCol="0" anchor="ctr"/>
+          <a:lstStyle/>
+          <a:p>
+            <a:pPr algn="ctr"/>
+            <a:r>
+              <a:rPr lang="en-GB" dirty="0"/>
+              <a:t>CI Server</a:t>
+            </a:r>
+          </a:p>
+        </p:txBody>
+      </p:sp>
+      <p:sp>
+        <p:nvSpPr>
+          <p:cNvPr id="14" name="Rectangle: Rounded Corners 13">
+            <a:extLst>
+              <a:ext uri="{FF2B5EF4-FFF2-40B4-BE49-F238E27FC236}">
+                <a16:creationId xmlns:a16="http://schemas.microsoft.com/office/drawing/2014/main" id="{C8AE369E-AA78-47C6-B5DC-2E640084532C}"/>
+              </a:ext>
+            </a:extLst>
+          </p:cNvPr>
+          <p:cNvSpPr/>
+          <p:nvPr/>
+        </p:nvSpPr>
+        <p:spPr>
+          <a:xfrm>
+            <a:off x="9065846" y="3336704"/>
+            <a:ext cx="1637324" cy="847970"/>
+          </a:xfrm>
+          <a:prstGeom prst="roundRect">
+            <a:avLst/>
+          </a:prstGeom>
+        </p:spPr>
+        <p:style>
+          <a:lnRef idx="2">
+            <a:schemeClr val="accent1">
+              <a:shade val="50000"/>
+            </a:schemeClr>
+          </a:lnRef>
+          <a:fillRef idx="1">
+            <a:schemeClr val="accent1"/>
+          </a:fillRef>
+          <a:effectRef idx="0">
+            <a:schemeClr val="accent1"/>
+          </a:effectRef>
+          <a:fontRef idx="minor">
+            <a:schemeClr val="lt1"/>
+          </a:fontRef>
+        </p:style>
+        <p:txBody>
+          <a:bodyPr rtlCol="0" anchor="ctr"/>
+          <a:lstStyle/>
+          <a:p>
+            <a:pPr algn="ctr"/>
+            <a:r>
+              <a:rPr lang="en-GB" dirty="0"/>
+              <a:t>Build Tool</a:t>
+            </a:r>
+          </a:p>
+        </p:txBody>
+      </p:sp>
+      <p:sp>
+        <p:nvSpPr>
+          <p:cNvPr id="16" name="Rectangle: Rounded Corners 15">
+            <a:extLst>
+              <a:ext uri="{FF2B5EF4-FFF2-40B4-BE49-F238E27FC236}">
+                <a16:creationId xmlns:a16="http://schemas.microsoft.com/office/drawing/2014/main" id="{72FAB1E7-9C0E-4A28-9971-6423E841503A}"/>
+              </a:ext>
+            </a:extLst>
+          </p:cNvPr>
+          <p:cNvSpPr/>
+          <p:nvPr/>
+        </p:nvSpPr>
+        <p:spPr>
+          <a:xfrm>
+            <a:off x="9065844" y="5410224"/>
+            <a:ext cx="1637324" cy="847970"/>
+          </a:xfrm>
+          <a:prstGeom prst="roundRect">
+            <a:avLst/>
+          </a:prstGeom>
+        </p:spPr>
+        <p:style>
+          <a:lnRef idx="2">
+            <a:schemeClr val="accent1">
+              <a:shade val="50000"/>
+            </a:schemeClr>
+          </a:lnRef>
+          <a:fillRef idx="1">
+            <a:schemeClr val="accent1"/>
+          </a:fillRef>
+          <a:effectRef idx="0">
+            <a:schemeClr val="accent1"/>
+          </a:effectRef>
+          <a:fontRef idx="minor">
+            <a:schemeClr val="lt1"/>
+          </a:fontRef>
+        </p:style>
+        <p:txBody>
+          <a:bodyPr rtlCol="0" anchor="ctr"/>
+          <a:lstStyle/>
+          <a:p>
+            <a:pPr algn="ctr"/>
+            <a:r>
+              <a:rPr lang="en-GB" dirty="0"/>
+              <a:t>Automated Testing</a:t>
+            </a:r>
+          </a:p>
+        </p:txBody>
+      </p:sp>
+      <p:sp>
+        <p:nvSpPr>
+          <p:cNvPr id="18" name="Rectangle: Rounded Corners 17">
+            <a:extLst>
+              <a:ext uri="{FF2B5EF4-FFF2-40B4-BE49-F238E27FC236}">
+                <a16:creationId xmlns:a16="http://schemas.microsoft.com/office/drawing/2014/main" id="{EEB36536-C678-4DF4-9C24-78367EA62D61}"/>
+              </a:ext>
+            </a:extLst>
+          </p:cNvPr>
+          <p:cNvSpPr/>
+          <p:nvPr/>
+        </p:nvSpPr>
+        <p:spPr>
+          <a:xfrm>
+            <a:off x="173892" y="3251200"/>
+            <a:ext cx="1637324" cy="847970"/>
+          </a:xfrm>
+          <a:prstGeom prst="roundRect">
+            <a:avLst/>
+          </a:prstGeom>
+        </p:spPr>
+        <p:style>
+          <a:lnRef idx="2">
+            <a:schemeClr val="accent1">
+              <a:shade val="50000"/>
+            </a:schemeClr>
+          </a:lnRef>
+          <a:fillRef idx="1">
+            <a:schemeClr val="accent1"/>
+          </a:fillRef>
+          <a:effectRef idx="0">
+            <a:schemeClr val="accent1"/>
+          </a:effectRef>
+          <a:fontRef idx="minor">
+            <a:schemeClr val="lt1"/>
+          </a:fontRef>
+        </p:style>
+        <p:txBody>
+          <a:bodyPr rtlCol="0" anchor="ctr"/>
+          <a:lstStyle/>
+          <a:p>
+            <a:pPr algn="ctr"/>
+            <a:r>
+              <a:rPr lang="en-GB" dirty="0"/>
+              <a:t>Database Server</a:t>
+            </a:r>
+          </a:p>
+        </p:txBody>
+      </p:sp>
+      <p:sp>
+        <p:nvSpPr>
+          <p:cNvPr id="19" name="TextBox 18">
+            <a:extLst>
+              <a:ext uri="{FF2B5EF4-FFF2-40B4-BE49-F238E27FC236}">
+                <a16:creationId xmlns:a16="http://schemas.microsoft.com/office/drawing/2014/main" id="{DCCFE37D-5944-42CE-9923-F3C690E4EE8E}"/>
+              </a:ext>
+            </a:extLst>
+          </p:cNvPr>
+          <p:cNvSpPr txBox="1"/>
+          <p:nvPr/>
+        </p:nvSpPr>
+        <p:spPr>
+          <a:xfrm>
+            <a:off x="2289908" y="2025650"/>
+            <a:ext cx="633046" cy="369332"/>
           </a:xfrm>
           <a:prstGeom prst="rect">
             <a:avLst/>
           </a:prstGeom>
-        </p:spPr>
-      </p:pic>
-      <p:sp>
-        <p:nvSpPr>
-          <p:cNvPr id="5" name="Title 1">
-            <a:extLst>
-              <a:ext uri="{FF2B5EF4-FFF2-40B4-BE49-F238E27FC236}">
-                <a16:creationId xmlns:a16="http://schemas.microsoft.com/office/drawing/2014/main" id="{C9E4FC33-A9DB-417D-AC59-A268F7E76215}"/>
+          <a:noFill/>
+        </p:spPr>
+        <p:txBody>
+          <a:bodyPr wrap="square" rtlCol="0">
+            <a:spAutoFit/>
+          </a:bodyPr>
+          <a:lstStyle/>
+          <a:p>
+            <a:r>
+              <a:rPr lang="en-GB" b="1" dirty="0"/>
+              <a:t>Java</a:t>
+            </a:r>
+          </a:p>
+        </p:txBody>
+      </p:sp>
+      <p:sp>
+        <p:nvSpPr>
+          <p:cNvPr id="21" name="TextBox 20">
+            <a:extLst>
+              <a:ext uri="{FF2B5EF4-FFF2-40B4-BE49-F238E27FC236}">
+                <a16:creationId xmlns:a16="http://schemas.microsoft.com/office/drawing/2014/main" id="{9219971B-8964-4FCB-8A9F-A43624FDD43F}"/>
+              </a:ext>
+            </a:extLst>
+          </p:cNvPr>
+          <p:cNvSpPr txBox="1"/>
+          <p:nvPr/>
+        </p:nvSpPr>
+        <p:spPr>
+          <a:xfrm>
+            <a:off x="5581160" y="2114494"/>
+            <a:ext cx="1236785" cy="369332"/>
+          </a:xfrm>
+          <a:prstGeom prst="rect">
+            <a:avLst/>
+          </a:prstGeom>
+          <a:noFill/>
+        </p:spPr>
+        <p:txBody>
+          <a:bodyPr wrap="square" rtlCol="0">
+            <a:spAutoFit/>
+          </a:bodyPr>
+          <a:lstStyle/>
+          <a:p>
+            <a:r>
+              <a:rPr lang="en-GB" b="1" dirty="0"/>
+              <a:t>Git/GitHub</a:t>
+            </a:r>
+          </a:p>
+        </p:txBody>
+      </p:sp>
+      <p:sp>
+        <p:nvSpPr>
+          <p:cNvPr id="23" name="TextBox 22">
+            <a:extLst>
+              <a:ext uri="{FF2B5EF4-FFF2-40B4-BE49-F238E27FC236}">
+                <a16:creationId xmlns:a16="http://schemas.microsoft.com/office/drawing/2014/main" id="{C46D435E-525E-40FA-999A-2CDD43DE6F11}"/>
+              </a:ext>
+            </a:extLst>
+          </p:cNvPr>
+          <p:cNvSpPr txBox="1"/>
+          <p:nvPr/>
+        </p:nvSpPr>
+        <p:spPr>
+          <a:xfrm>
+            <a:off x="9630019" y="2072541"/>
+            <a:ext cx="508977" cy="369332"/>
+          </a:xfrm>
+          <a:prstGeom prst="rect">
+            <a:avLst/>
+          </a:prstGeom>
+          <a:noFill/>
+        </p:spPr>
+        <p:txBody>
+          <a:bodyPr wrap="square" rtlCol="0">
+            <a:spAutoFit/>
+          </a:bodyPr>
+          <a:lstStyle/>
+          <a:p>
+            <a:r>
+              <a:rPr lang="en-GB" b="1" dirty="0"/>
+              <a:t>Jira</a:t>
+            </a:r>
+          </a:p>
+        </p:txBody>
+      </p:sp>
+      <p:sp>
+        <p:nvSpPr>
+          <p:cNvPr id="25" name="TextBox 24">
+            <a:extLst>
+              <a:ext uri="{FF2B5EF4-FFF2-40B4-BE49-F238E27FC236}">
+                <a16:creationId xmlns:a16="http://schemas.microsoft.com/office/drawing/2014/main" id="{5BA0BE65-1ED7-40FA-9EFA-1DD3294D4EC5}"/>
+              </a:ext>
+            </a:extLst>
+          </p:cNvPr>
+          <p:cNvSpPr txBox="1"/>
+          <p:nvPr/>
+        </p:nvSpPr>
+        <p:spPr>
+          <a:xfrm>
+            <a:off x="560754" y="4198817"/>
+            <a:ext cx="863600" cy="369332"/>
+          </a:xfrm>
+          <a:prstGeom prst="rect">
+            <a:avLst/>
+          </a:prstGeom>
+          <a:noFill/>
+        </p:spPr>
+        <p:txBody>
+          <a:bodyPr wrap="square" rtlCol="0">
+            <a:spAutoFit/>
+          </a:bodyPr>
+          <a:lstStyle/>
+          <a:p>
+            <a:r>
+              <a:rPr lang="en-GB" b="1" dirty="0"/>
+              <a:t>MYSQL</a:t>
+            </a:r>
+          </a:p>
+        </p:txBody>
+      </p:sp>
+      <p:sp>
+        <p:nvSpPr>
+          <p:cNvPr id="27" name="TextBox 26">
+            <a:extLst>
+              <a:ext uri="{FF2B5EF4-FFF2-40B4-BE49-F238E27FC236}">
+                <a16:creationId xmlns:a16="http://schemas.microsoft.com/office/drawing/2014/main" id="{411202B2-1745-4376-8C40-162CA56159F1}"/>
+              </a:ext>
+            </a:extLst>
+          </p:cNvPr>
+          <p:cNvSpPr txBox="1"/>
+          <p:nvPr/>
+        </p:nvSpPr>
+        <p:spPr>
+          <a:xfrm>
+            <a:off x="9452707" y="4282423"/>
+            <a:ext cx="863600" cy="369332"/>
+          </a:xfrm>
+          <a:prstGeom prst="rect">
+            <a:avLst/>
+          </a:prstGeom>
+          <a:noFill/>
+        </p:spPr>
+        <p:txBody>
+          <a:bodyPr wrap="square" rtlCol="0">
+            <a:spAutoFit/>
+          </a:bodyPr>
+          <a:lstStyle/>
+          <a:p>
+            <a:r>
+              <a:rPr lang="en-GB" b="1" dirty="0"/>
+              <a:t>Maven</a:t>
+            </a:r>
+          </a:p>
+        </p:txBody>
+      </p:sp>
+      <p:sp>
+        <p:nvSpPr>
+          <p:cNvPr id="29" name="TextBox 28">
+            <a:extLst>
+              <a:ext uri="{FF2B5EF4-FFF2-40B4-BE49-F238E27FC236}">
+                <a16:creationId xmlns:a16="http://schemas.microsoft.com/office/drawing/2014/main" id="{39330EE3-CA14-4991-8C10-3C3579E794A7}"/>
+              </a:ext>
+            </a:extLst>
+          </p:cNvPr>
+          <p:cNvSpPr txBox="1"/>
+          <p:nvPr/>
+        </p:nvSpPr>
+        <p:spPr>
+          <a:xfrm>
+            <a:off x="9096129" y="6373627"/>
+            <a:ext cx="1576753" cy="369332"/>
+          </a:xfrm>
+          <a:prstGeom prst="rect">
+            <a:avLst/>
+          </a:prstGeom>
+          <a:noFill/>
+        </p:spPr>
+        <p:txBody>
+          <a:bodyPr wrap="square" rtlCol="0">
+            <a:spAutoFit/>
+          </a:bodyPr>
+          <a:lstStyle/>
+          <a:p>
+            <a:r>
+              <a:rPr lang="en-GB" b="1" dirty="0"/>
+              <a:t>Junit, Mockito</a:t>
+            </a:r>
+          </a:p>
+        </p:txBody>
+      </p:sp>
+      <p:cxnSp>
+        <p:nvCxnSpPr>
+          <p:cNvPr id="31" name="Straight Arrow Connector 30">
+            <a:extLst>
+              <a:ext uri="{FF2B5EF4-FFF2-40B4-BE49-F238E27FC236}">
+                <a16:creationId xmlns:a16="http://schemas.microsoft.com/office/drawing/2014/main" id="{09264302-9169-4ABC-AC64-782B81E2B150}"/>
+              </a:ext>
+            </a:extLst>
+          </p:cNvPr>
+          <p:cNvCxnSpPr/>
+          <p:nvPr/>
+        </p:nvCxnSpPr>
+        <p:spPr>
+          <a:xfrm>
+            <a:off x="3462215" y="1430215"/>
+            <a:ext cx="1633416" cy="0"/>
+          </a:xfrm>
+          <a:prstGeom prst="straightConnector1">
+            <a:avLst/>
+          </a:prstGeom>
+          <a:ln>
+            <a:tailEnd type="triangle"/>
+          </a:ln>
+        </p:spPr>
+        <p:style>
+          <a:lnRef idx="1">
+            <a:schemeClr val="accent1"/>
+          </a:lnRef>
+          <a:fillRef idx="0">
+            <a:schemeClr val="accent1"/>
+          </a:fillRef>
+          <a:effectRef idx="0">
+            <a:schemeClr val="accent1"/>
+          </a:effectRef>
+          <a:fontRef idx="minor">
+            <a:schemeClr val="tx1"/>
+          </a:fontRef>
+        </p:style>
+      </p:cxnSp>
+      <p:cxnSp>
+        <p:nvCxnSpPr>
+          <p:cNvPr id="32" name="Straight Arrow Connector 31">
+            <a:extLst>
+              <a:ext uri="{FF2B5EF4-FFF2-40B4-BE49-F238E27FC236}">
+                <a16:creationId xmlns:a16="http://schemas.microsoft.com/office/drawing/2014/main" id="{AF0808B3-E285-4C2C-93EA-7C4AA8152799}"/>
+              </a:ext>
+            </a:extLst>
+          </p:cNvPr>
+          <p:cNvCxnSpPr/>
+          <p:nvPr/>
+        </p:nvCxnSpPr>
+        <p:spPr>
+          <a:xfrm>
+            <a:off x="7217507" y="1441938"/>
+            <a:ext cx="1633416" cy="0"/>
+          </a:xfrm>
+          <a:prstGeom prst="straightConnector1">
+            <a:avLst/>
+          </a:prstGeom>
+          <a:ln>
+            <a:tailEnd type="triangle"/>
+          </a:ln>
+        </p:spPr>
+        <p:style>
+          <a:lnRef idx="1">
+            <a:schemeClr val="accent1"/>
+          </a:lnRef>
+          <a:fillRef idx="0">
+            <a:schemeClr val="accent1"/>
+          </a:fillRef>
+          <a:effectRef idx="0">
+            <a:schemeClr val="accent1"/>
+          </a:effectRef>
+          <a:fontRef idx="minor">
+            <a:schemeClr val="tx1"/>
+          </a:fontRef>
+        </p:style>
+      </p:cxnSp>
+      <p:cxnSp>
+        <p:nvCxnSpPr>
+          <p:cNvPr id="33" name="Straight Arrow Connector 32">
+            <a:extLst>
+              <a:ext uri="{FF2B5EF4-FFF2-40B4-BE49-F238E27FC236}">
+                <a16:creationId xmlns:a16="http://schemas.microsoft.com/office/drawing/2014/main" id="{822A36D7-3FFD-4E58-8AB2-8A0B512FE231}"/>
+              </a:ext>
+            </a:extLst>
+          </p:cNvPr>
+          <p:cNvCxnSpPr/>
+          <p:nvPr/>
+        </p:nvCxnSpPr>
+        <p:spPr>
+          <a:xfrm>
+            <a:off x="7272215" y="3606334"/>
+            <a:ext cx="1633416" cy="0"/>
+          </a:xfrm>
+          <a:prstGeom prst="straightConnector1">
+            <a:avLst/>
+          </a:prstGeom>
+          <a:ln>
+            <a:tailEnd type="triangle"/>
+          </a:ln>
+        </p:spPr>
+        <p:style>
+          <a:lnRef idx="1">
+            <a:schemeClr val="accent1"/>
+          </a:lnRef>
+          <a:fillRef idx="0">
+            <a:schemeClr val="accent1"/>
+          </a:fillRef>
+          <a:effectRef idx="0">
+            <a:schemeClr val="accent1"/>
+          </a:effectRef>
+          <a:fontRef idx="minor">
+            <a:schemeClr val="tx1"/>
+          </a:fontRef>
+        </p:style>
+      </p:cxnSp>
+      <p:cxnSp>
+        <p:nvCxnSpPr>
+          <p:cNvPr id="34" name="Straight Arrow Connector 33">
+            <a:extLst>
+              <a:ext uri="{FF2B5EF4-FFF2-40B4-BE49-F238E27FC236}">
+                <a16:creationId xmlns:a16="http://schemas.microsoft.com/office/drawing/2014/main" id="{5847C02B-2625-4596-9B76-7E07ECC474DF}"/>
+              </a:ext>
+            </a:extLst>
+          </p:cNvPr>
+          <p:cNvCxnSpPr>
+            <a:cxnSpLocks/>
+          </p:cNvCxnSpPr>
+          <p:nvPr/>
+        </p:nvCxnSpPr>
+        <p:spPr>
+          <a:xfrm flipV="1">
+            <a:off x="1130302" y="2139272"/>
+            <a:ext cx="693615" cy="1015567"/>
+          </a:xfrm>
+          <a:prstGeom prst="straightConnector1">
+            <a:avLst/>
+          </a:prstGeom>
+          <a:ln>
+            <a:tailEnd type="triangle"/>
+          </a:ln>
+        </p:spPr>
+        <p:style>
+          <a:lnRef idx="1">
+            <a:schemeClr val="accent1"/>
+          </a:lnRef>
+          <a:fillRef idx="0">
+            <a:schemeClr val="accent1"/>
+          </a:fillRef>
+          <a:effectRef idx="0">
+            <a:schemeClr val="accent1"/>
+          </a:effectRef>
+          <a:fontRef idx="minor">
+            <a:schemeClr val="tx1"/>
+          </a:fontRef>
+        </p:style>
+      </p:cxnSp>
+      <p:cxnSp>
+        <p:nvCxnSpPr>
+          <p:cNvPr id="36" name="Straight Arrow Connector 35">
+            <a:extLst>
+              <a:ext uri="{FF2B5EF4-FFF2-40B4-BE49-F238E27FC236}">
+                <a16:creationId xmlns:a16="http://schemas.microsoft.com/office/drawing/2014/main" id="{3EF6C073-64B7-44AE-9FB2-E950B20F2488}"/>
+              </a:ext>
+            </a:extLst>
+          </p:cNvPr>
+          <p:cNvCxnSpPr>
+            <a:cxnSpLocks/>
+          </p:cNvCxnSpPr>
+          <p:nvPr/>
+        </p:nvCxnSpPr>
+        <p:spPr>
+          <a:xfrm flipH="1">
+            <a:off x="3462215" y="1910371"/>
+            <a:ext cx="1633416" cy="1"/>
+          </a:xfrm>
+          <a:prstGeom prst="straightConnector1">
+            <a:avLst/>
+          </a:prstGeom>
+          <a:ln>
+            <a:tailEnd type="triangle"/>
+          </a:ln>
+        </p:spPr>
+        <p:style>
+          <a:lnRef idx="1">
+            <a:schemeClr val="accent1"/>
+          </a:lnRef>
+          <a:fillRef idx="0">
+            <a:schemeClr val="accent1"/>
+          </a:fillRef>
+          <a:effectRef idx="0">
+            <a:schemeClr val="accent1"/>
+          </a:effectRef>
+          <a:fontRef idx="minor">
+            <a:schemeClr val="tx1"/>
+          </a:fontRef>
+        </p:style>
+      </p:cxnSp>
+      <p:cxnSp>
+        <p:nvCxnSpPr>
+          <p:cNvPr id="39" name="Straight Arrow Connector 38">
+            <a:extLst>
+              <a:ext uri="{FF2B5EF4-FFF2-40B4-BE49-F238E27FC236}">
+                <a16:creationId xmlns:a16="http://schemas.microsoft.com/office/drawing/2014/main" id="{6A529FBC-4BEC-4906-8590-10D96E45D219}"/>
+              </a:ext>
+            </a:extLst>
+          </p:cNvPr>
+          <p:cNvCxnSpPr>
+            <a:cxnSpLocks/>
+          </p:cNvCxnSpPr>
+          <p:nvPr/>
+        </p:nvCxnSpPr>
+        <p:spPr>
+          <a:xfrm flipH="1">
+            <a:off x="7217507" y="1910370"/>
+            <a:ext cx="1633416" cy="1"/>
+          </a:xfrm>
+          <a:prstGeom prst="straightConnector1">
+            <a:avLst/>
+          </a:prstGeom>
+          <a:ln>
+            <a:tailEnd type="triangle"/>
+          </a:ln>
+        </p:spPr>
+        <p:style>
+          <a:lnRef idx="1">
+            <a:schemeClr val="accent1"/>
+          </a:lnRef>
+          <a:fillRef idx="0">
+            <a:schemeClr val="accent1"/>
+          </a:fillRef>
+          <a:effectRef idx="0">
+            <a:schemeClr val="accent1"/>
+          </a:effectRef>
+          <a:fontRef idx="minor">
+            <a:schemeClr val="tx1"/>
+          </a:fontRef>
+        </p:style>
+      </p:cxnSp>
+      <p:cxnSp>
+        <p:nvCxnSpPr>
+          <p:cNvPr id="40" name="Straight Arrow Connector 39">
+            <a:extLst>
+              <a:ext uri="{FF2B5EF4-FFF2-40B4-BE49-F238E27FC236}">
+                <a16:creationId xmlns:a16="http://schemas.microsoft.com/office/drawing/2014/main" id="{5850AE12-13FE-4BA3-A11D-A19E120AC455}"/>
+              </a:ext>
+            </a:extLst>
+          </p:cNvPr>
+          <p:cNvCxnSpPr>
+            <a:cxnSpLocks/>
+          </p:cNvCxnSpPr>
+          <p:nvPr/>
+        </p:nvCxnSpPr>
+        <p:spPr>
+          <a:xfrm flipH="1">
+            <a:off x="7217507" y="4074765"/>
+            <a:ext cx="1633416" cy="1"/>
+          </a:xfrm>
+          <a:prstGeom prst="straightConnector1">
+            <a:avLst/>
+          </a:prstGeom>
+          <a:ln>
+            <a:tailEnd type="triangle"/>
+          </a:ln>
+        </p:spPr>
+        <p:style>
+          <a:lnRef idx="1">
+            <a:schemeClr val="accent1"/>
+          </a:lnRef>
+          <a:fillRef idx="0">
+            <a:schemeClr val="accent1"/>
+          </a:fillRef>
+          <a:effectRef idx="0">
+            <a:schemeClr val="accent1"/>
+          </a:effectRef>
+          <a:fontRef idx="minor">
+            <a:schemeClr val="tx1"/>
+          </a:fontRef>
+        </p:style>
+      </p:cxnSp>
+      <p:cxnSp>
+        <p:nvCxnSpPr>
+          <p:cNvPr id="41" name="Straight Arrow Connector 40">
+            <a:extLst>
+              <a:ext uri="{FF2B5EF4-FFF2-40B4-BE49-F238E27FC236}">
+                <a16:creationId xmlns:a16="http://schemas.microsoft.com/office/drawing/2014/main" id="{87772D97-E16B-4515-84F8-0DB7E8A51B64}"/>
+              </a:ext>
+            </a:extLst>
+          </p:cNvPr>
+          <p:cNvCxnSpPr>
+            <a:cxnSpLocks/>
+          </p:cNvCxnSpPr>
+          <p:nvPr/>
+        </p:nvCxnSpPr>
+        <p:spPr>
+          <a:xfrm>
+            <a:off x="9999784" y="4651755"/>
+            <a:ext cx="0" cy="686157"/>
+          </a:xfrm>
+          <a:prstGeom prst="straightConnector1">
+            <a:avLst/>
+          </a:prstGeom>
+          <a:ln>
+            <a:tailEnd type="triangle"/>
+          </a:ln>
+        </p:spPr>
+        <p:style>
+          <a:lnRef idx="1">
+            <a:schemeClr val="accent1"/>
+          </a:lnRef>
+          <a:fillRef idx="0">
+            <a:schemeClr val="accent1"/>
+          </a:fillRef>
+          <a:effectRef idx="0">
+            <a:schemeClr val="accent1"/>
+          </a:effectRef>
+          <a:fontRef idx="minor">
+            <a:schemeClr val="tx1"/>
+          </a:fontRef>
+        </p:style>
+      </p:cxnSp>
+      <p:cxnSp>
+        <p:nvCxnSpPr>
+          <p:cNvPr id="44" name="Straight Arrow Connector 43">
+            <a:extLst>
+              <a:ext uri="{FF2B5EF4-FFF2-40B4-BE49-F238E27FC236}">
+                <a16:creationId xmlns:a16="http://schemas.microsoft.com/office/drawing/2014/main" id="{A06D2270-E5D2-49EA-9307-B240B292AFC0}"/>
+              </a:ext>
+            </a:extLst>
+          </p:cNvPr>
+          <p:cNvCxnSpPr>
+            <a:cxnSpLocks/>
+          </p:cNvCxnSpPr>
+          <p:nvPr/>
+        </p:nvCxnSpPr>
+        <p:spPr>
+          <a:xfrm flipV="1">
+            <a:off x="9710615" y="4651755"/>
+            <a:ext cx="0" cy="686157"/>
+          </a:xfrm>
+          <a:prstGeom prst="straightConnector1">
+            <a:avLst/>
+          </a:prstGeom>
+          <a:ln>
+            <a:tailEnd type="triangle"/>
+          </a:ln>
+        </p:spPr>
+        <p:style>
+          <a:lnRef idx="1">
+            <a:schemeClr val="accent1"/>
+          </a:lnRef>
+          <a:fillRef idx="0">
+            <a:schemeClr val="accent1"/>
+          </a:fillRef>
+          <a:effectRef idx="0">
+            <a:schemeClr val="accent1"/>
+          </a:effectRef>
+          <a:fontRef idx="minor">
+            <a:schemeClr val="tx1"/>
+          </a:fontRef>
+        </p:style>
+      </p:cxnSp>
+      <p:cxnSp>
+        <p:nvCxnSpPr>
+          <p:cNvPr id="49" name="Straight Arrow Connector 48">
+            <a:extLst>
+              <a:ext uri="{FF2B5EF4-FFF2-40B4-BE49-F238E27FC236}">
+                <a16:creationId xmlns:a16="http://schemas.microsoft.com/office/drawing/2014/main" id="{FDCC995E-F27E-4666-8CA6-D8B6C428E755}"/>
+              </a:ext>
+            </a:extLst>
+          </p:cNvPr>
+          <p:cNvCxnSpPr>
+            <a:cxnSpLocks/>
+          </p:cNvCxnSpPr>
+          <p:nvPr/>
+        </p:nvCxnSpPr>
+        <p:spPr>
+          <a:xfrm>
+            <a:off x="6338276" y="2483826"/>
+            <a:ext cx="0" cy="686157"/>
+          </a:xfrm>
+          <a:prstGeom prst="straightConnector1">
+            <a:avLst/>
+          </a:prstGeom>
+          <a:ln>
+            <a:tailEnd type="triangle"/>
+          </a:ln>
+        </p:spPr>
+        <p:style>
+          <a:lnRef idx="1">
+            <a:schemeClr val="accent1"/>
+          </a:lnRef>
+          <a:fillRef idx="0">
+            <a:schemeClr val="accent1"/>
+          </a:fillRef>
+          <a:effectRef idx="0">
+            <a:schemeClr val="accent1"/>
+          </a:effectRef>
+          <a:fontRef idx="minor">
+            <a:schemeClr val="tx1"/>
+          </a:fontRef>
+        </p:style>
+      </p:cxnSp>
+      <p:cxnSp>
+        <p:nvCxnSpPr>
+          <p:cNvPr id="50" name="Straight Arrow Connector 49">
+            <a:extLst>
+              <a:ext uri="{FF2B5EF4-FFF2-40B4-BE49-F238E27FC236}">
+                <a16:creationId xmlns:a16="http://schemas.microsoft.com/office/drawing/2014/main" id="{6E51745A-9A8C-46FF-AC6D-70AE6F128027}"/>
+              </a:ext>
+            </a:extLst>
+          </p:cNvPr>
+          <p:cNvCxnSpPr>
+            <a:cxnSpLocks/>
+          </p:cNvCxnSpPr>
+          <p:nvPr/>
+        </p:nvCxnSpPr>
+        <p:spPr>
+          <a:xfrm flipV="1">
+            <a:off x="6049107" y="2483826"/>
+            <a:ext cx="0" cy="686157"/>
+          </a:xfrm>
+          <a:prstGeom prst="straightConnector1">
+            <a:avLst/>
+          </a:prstGeom>
+          <a:ln>
+            <a:tailEnd type="triangle"/>
+          </a:ln>
+        </p:spPr>
+        <p:style>
+          <a:lnRef idx="1">
+            <a:schemeClr val="accent1"/>
+          </a:lnRef>
+          <a:fillRef idx="0">
+            <a:schemeClr val="accent1"/>
+          </a:fillRef>
+          <a:effectRef idx="0">
+            <a:schemeClr val="accent1"/>
+          </a:effectRef>
+          <a:fontRef idx="minor">
+            <a:schemeClr val="tx1"/>
+          </a:fontRef>
+        </p:style>
+      </p:cxnSp>
+      <p:sp>
+        <p:nvSpPr>
+          <p:cNvPr id="52" name="TextBox 51">
+            <a:extLst>
+              <a:ext uri="{FF2B5EF4-FFF2-40B4-BE49-F238E27FC236}">
+                <a16:creationId xmlns:a16="http://schemas.microsoft.com/office/drawing/2014/main" id="{1C4FB638-E26A-4FD0-8E56-CEF6AD3423E8}"/>
+              </a:ext>
+            </a:extLst>
+          </p:cNvPr>
+          <p:cNvSpPr txBox="1"/>
+          <p:nvPr/>
+        </p:nvSpPr>
+        <p:spPr>
+          <a:xfrm>
+            <a:off x="3970212" y="1095328"/>
+            <a:ext cx="631091" cy="307777"/>
+          </a:xfrm>
+          <a:prstGeom prst="rect">
+            <a:avLst/>
+          </a:prstGeom>
+          <a:noFill/>
+        </p:spPr>
+        <p:txBody>
+          <a:bodyPr wrap="square" rtlCol="0">
+            <a:spAutoFit/>
+          </a:bodyPr>
+          <a:lstStyle/>
+          <a:p>
+            <a:r>
+              <a:rPr lang="en-GB" sz="1400" dirty="0"/>
+              <a:t>Push</a:t>
+            </a:r>
+          </a:p>
+        </p:txBody>
+      </p:sp>
+      <p:sp>
+        <p:nvSpPr>
+          <p:cNvPr id="54" name="TextBox 53">
+            <a:extLst>
+              <a:ext uri="{FF2B5EF4-FFF2-40B4-BE49-F238E27FC236}">
+                <a16:creationId xmlns:a16="http://schemas.microsoft.com/office/drawing/2014/main" id="{32CF7C48-90A7-4CF4-A382-6674A498AA86}"/>
+              </a:ext>
+            </a:extLst>
+          </p:cNvPr>
+          <p:cNvSpPr txBox="1"/>
+          <p:nvPr/>
+        </p:nvSpPr>
+        <p:spPr>
+          <a:xfrm>
+            <a:off x="3963376" y="1964591"/>
+            <a:ext cx="631091" cy="307777"/>
+          </a:xfrm>
+          <a:prstGeom prst="rect">
+            <a:avLst/>
+          </a:prstGeom>
+          <a:noFill/>
+        </p:spPr>
+        <p:txBody>
+          <a:bodyPr wrap="square" rtlCol="0">
+            <a:spAutoFit/>
+          </a:bodyPr>
+          <a:lstStyle/>
+          <a:p>
+            <a:r>
+              <a:rPr lang="en-GB" sz="1400" dirty="0"/>
+              <a:t>Pull</a:t>
+            </a:r>
+          </a:p>
+        </p:txBody>
+      </p:sp>
+      <p:sp>
+        <p:nvSpPr>
+          <p:cNvPr id="56" name="TextBox 55">
+            <a:extLst>
+              <a:ext uri="{FF2B5EF4-FFF2-40B4-BE49-F238E27FC236}">
+                <a16:creationId xmlns:a16="http://schemas.microsoft.com/office/drawing/2014/main" id="{6D9B82CD-F80B-46B9-A7C6-A26D7A7D9780}"/>
+              </a:ext>
+            </a:extLst>
+          </p:cNvPr>
+          <p:cNvSpPr txBox="1"/>
+          <p:nvPr/>
+        </p:nvSpPr>
+        <p:spPr>
+          <a:xfrm>
+            <a:off x="7427789" y="1023791"/>
+            <a:ext cx="1212851" cy="307777"/>
+          </a:xfrm>
+          <a:prstGeom prst="rect">
+            <a:avLst/>
+          </a:prstGeom>
+          <a:noFill/>
+        </p:spPr>
+        <p:txBody>
+          <a:bodyPr wrap="square" rtlCol="0">
+            <a:spAutoFit/>
+          </a:bodyPr>
+          <a:lstStyle/>
+          <a:p>
+            <a:r>
+              <a:rPr lang="en-GB" sz="1400" dirty="0"/>
+              <a:t>Update Work</a:t>
+            </a:r>
+          </a:p>
+        </p:txBody>
+      </p:sp>
+      <p:sp>
+        <p:nvSpPr>
+          <p:cNvPr id="58" name="TextBox 57">
+            <a:extLst>
+              <a:ext uri="{FF2B5EF4-FFF2-40B4-BE49-F238E27FC236}">
+                <a16:creationId xmlns:a16="http://schemas.microsoft.com/office/drawing/2014/main" id="{283F189B-8C4D-4BAC-AAE0-DE91C2267899}"/>
+              </a:ext>
+            </a:extLst>
+          </p:cNvPr>
+          <p:cNvSpPr txBox="1"/>
+          <p:nvPr/>
+        </p:nvSpPr>
+        <p:spPr>
+          <a:xfrm>
+            <a:off x="7586419" y="2099461"/>
+            <a:ext cx="1005007" cy="307777"/>
+          </a:xfrm>
+          <a:prstGeom prst="rect">
+            <a:avLst/>
+          </a:prstGeom>
+          <a:noFill/>
+        </p:spPr>
+        <p:txBody>
+          <a:bodyPr wrap="square" rtlCol="0">
+            <a:spAutoFit/>
+          </a:bodyPr>
+          <a:lstStyle/>
+          <a:p>
+            <a:r>
+              <a:rPr lang="en-GB" sz="1400" dirty="0"/>
+              <a:t>Get Work</a:t>
+            </a:r>
+          </a:p>
+        </p:txBody>
+      </p:sp>
+      <p:sp>
+        <p:nvSpPr>
+          <p:cNvPr id="60" name="TextBox 59">
+            <a:extLst>
+              <a:ext uri="{FF2B5EF4-FFF2-40B4-BE49-F238E27FC236}">
+                <a16:creationId xmlns:a16="http://schemas.microsoft.com/office/drawing/2014/main" id="{48D825ED-432D-4281-84D1-50A06CA331F4}"/>
+              </a:ext>
+            </a:extLst>
+          </p:cNvPr>
+          <p:cNvSpPr txBox="1"/>
+          <p:nvPr/>
+        </p:nvSpPr>
+        <p:spPr>
+          <a:xfrm>
+            <a:off x="8617195" y="4943143"/>
+            <a:ext cx="1047251" cy="307777"/>
+          </a:xfrm>
+          <a:prstGeom prst="rect">
+            <a:avLst/>
+          </a:prstGeom>
+          <a:noFill/>
+        </p:spPr>
+        <p:txBody>
+          <a:bodyPr wrap="square" rtlCol="0">
+            <a:spAutoFit/>
+          </a:bodyPr>
+          <a:lstStyle/>
+          <a:p>
+            <a:r>
+              <a:rPr lang="en-GB" sz="1400" dirty="0"/>
+              <a:t>Test Results</a:t>
+            </a:r>
+          </a:p>
+        </p:txBody>
+      </p:sp>
+      <p:sp>
+        <p:nvSpPr>
+          <p:cNvPr id="62" name="TextBox 61">
+            <a:extLst>
+              <a:ext uri="{FF2B5EF4-FFF2-40B4-BE49-F238E27FC236}">
+                <a16:creationId xmlns:a16="http://schemas.microsoft.com/office/drawing/2014/main" id="{47F0ED84-D64E-4181-AEB3-F19D072288A4}"/>
+              </a:ext>
+            </a:extLst>
+          </p:cNvPr>
+          <p:cNvSpPr txBox="1"/>
+          <p:nvPr/>
+        </p:nvSpPr>
+        <p:spPr>
+          <a:xfrm>
+            <a:off x="10138996" y="4943143"/>
+            <a:ext cx="1005741" cy="307777"/>
+          </a:xfrm>
+          <a:prstGeom prst="rect">
+            <a:avLst/>
+          </a:prstGeom>
+          <a:noFill/>
+        </p:spPr>
+        <p:txBody>
+          <a:bodyPr wrap="square" rtlCol="0">
+            <a:spAutoFit/>
+          </a:bodyPr>
+          <a:lstStyle/>
+          <a:p>
+            <a:r>
+              <a:rPr lang="en-GB" sz="1400" dirty="0"/>
+              <a:t>Send Tests</a:t>
+            </a:r>
+          </a:p>
+        </p:txBody>
+      </p:sp>
+      <p:sp>
+        <p:nvSpPr>
+          <p:cNvPr id="63" name="Title 1">
+            <a:extLst>
+              <a:ext uri="{FF2B5EF4-FFF2-40B4-BE49-F238E27FC236}">
+                <a16:creationId xmlns:a16="http://schemas.microsoft.com/office/drawing/2014/main" id="{54842D76-68EE-4DA6-8C03-76463EADB9E4}"/>
               </a:ext>
             </a:extLst>
           </p:cNvPr>
@@ -7517,57 +9321,174 @@
         </p:nvSpPr>
         <p:spPr>
           <a:xfrm>
-            <a:off x="1340337" y="5673969"/>
-            <a:ext cx="1832710" cy="656537"/>
+            <a:off x="1340336" y="5045157"/>
+            <a:ext cx="3974121" cy="1285349"/>
           </a:xfrm>
         </p:spPr>
         <p:txBody>
           <a:bodyPr vert="horz" lIns="91440" tIns="45720" rIns="91440" bIns="45720" rtlCol="0" anchor="b">
-            <a:normAutofit/>
+            <a:normAutofit fontScale="90000"/>
           </a:bodyPr>
           <a:lstStyle/>
           <a:p>
             <a:pPr algn="ctr"/>
             <a:r>
-              <a:rPr lang="en-US" sz="3600" u="sng" dirty="0"/>
-              <a:t>Testing</a:t>
-            </a:r>
-          </a:p>
-        </p:txBody>
-      </p:sp>
-      <p:pic>
-        <p:nvPicPr>
-          <p:cNvPr id="8" name="Picture 7">
-            <a:extLst>
-              <a:ext uri="{FF2B5EF4-FFF2-40B4-BE49-F238E27FC236}">
-                <a16:creationId xmlns:a16="http://schemas.microsoft.com/office/drawing/2014/main" id="{ADC8BB74-4A10-4DBC-BEE9-656396A16E31}"/>
-              </a:ext>
-            </a:extLst>
-          </p:cNvPr>
-          <p:cNvPicPr>
-            <a:picLocks noChangeAspect="1"/>
-          </p:cNvPicPr>
+              <a:rPr lang="en-US" sz="6600" u="sng" dirty="0"/>
+              <a:t>CI PIPELINE</a:t>
+            </a:r>
+          </a:p>
+        </p:txBody>
+      </p:sp>
+      <p:sp>
+        <p:nvSpPr>
+          <p:cNvPr id="2" name="TextBox 1">
+            <a:extLst>
+              <a:ext uri="{FF2B5EF4-FFF2-40B4-BE49-F238E27FC236}">
+                <a16:creationId xmlns:a16="http://schemas.microsoft.com/office/drawing/2014/main" id="{913393BD-1979-4017-853D-0FC397FB1E8B}"/>
+              </a:ext>
+            </a:extLst>
+          </p:cNvPr>
+          <p:cNvSpPr txBox="1"/>
           <p:nvPr/>
-        </p:nvPicPr>
-        <p:blipFill rotWithShape="1">
-          <a:blip r:embed="rId3"/>
-          <a:srcRect r="40405"/>
-          <a:stretch/>
-        </p:blipFill>
-        <p:spPr>
-          <a:xfrm>
-            <a:off x="4757627" y="2283093"/>
-            <a:ext cx="7293940" cy="4438927"/>
+        </p:nvSpPr>
+        <p:spPr>
+          <a:xfrm>
+            <a:off x="5767752" y="4276209"/>
+            <a:ext cx="863600" cy="369332"/>
           </a:xfrm>
           <a:prstGeom prst="rect">
             <a:avLst/>
           </a:prstGeom>
-        </p:spPr>
-      </p:pic>
+          <a:noFill/>
+        </p:spPr>
+        <p:txBody>
+          <a:bodyPr wrap="square" rtlCol="0">
+            <a:spAutoFit/>
+          </a:bodyPr>
+          <a:lstStyle/>
+          <a:p>
+            <a:r>
+              <a:rPr lang="en-GB" i="1" dirty="0"/>
+              <a:t>Jenkins</a:t>
+            </a:r>
+          </a:p>
+        </p:txBody>
+      </p:sp>
+      <p:cxnSp>
+        <p:nvCxnSpPr>
+          <p:cNvPr id="37" name="Straight Arrow Connector 36">
+            <a:extLst>
+              <a:ext uri="{FF2B5EF4-FFF2-40B4-BE49-F238E27FC236}">
+                <a16:creationId xmlns:a16="http://schemas.microsoft.com/office/drawing/2014/main" id="{F9245A47-ABE7-4DE6-AA44-AF5C58911DEF}"/>
+              </a:ext>
+            </a:extLst>
+          </p:cNvPr>
+          <p:cNvCxnSpPr>
+            <a:cxnSpLocks/>
+          </p:cNvCxnSpPr>
+          <p:nvPr/>
+        </p:nvCxnSpPr>
+        <p:spPr>
+          <a:xfrm rot="10800000" flipV="1">
+            <a:off x="783494" y="1928519"/>
+            <a:ext cx="693615" cy="1015567"/>
+          </a:xfrm>
+          <a:prstGeom prst="straightConnector1">
+            <a:avLst/>
+          </a:prstGeom>
+          <a:ln>
+            <a:tailEnd type="triangle"/>
+          </a:ln>
+        </p:spPr>
+        <p:style>
+          <a:lnRef idx="1">
+            <a:schemeClr val="accent1"/>
+          </a:lnRef>
+          <a:fillRef idx="0">
+            <a:schemeClr val="accent1"/>
+          </a:fillRef>
+          <a:effectRef idx="0">
+            <a:schemeClr val="accent1"/>
+          </a:effectRef>
+          <a:fontRef idx="minor">
+            <a:schemeClr val="tx1"/>
+          </a:fontRef>
+        </p:style>
+      </p:cxnSp>
+      <p:sp>
+        <p:nvSpPr>
+          <p:cNvPr id="5" name="TextBox 4">
+            <a:extLst>
+              <a:ext uri="{FF2B5EF4-FFF2-40B4-BE49-F238E27FC236}">
+                <a16:creationId xmlns:a16="http://schemas.microsoft.com/office/drawing/2014/main" id="{3F13ADEA-657B-4883-8C89-E9C37DF86403}"/>
+              </a:ext>
+            </a:extLst>
+          </p:cNvPr>
+          <p:cNvSpPr txBox="1"/>
+          <p:nvPr/>
+        </p:nvSpPr>
+        <p:spPr>
+          <a:xfrm>
+            <a:off x="75229" y="1831495"/>
+            <a:ext cx="1397972" cy="307777"/>
+          </a:xfrm>
+          <a:prstGeom prst="rect">
+            <a:avLst/>
+          </a:prstGeom>
+          <a:noFill/>
+        </p:spPr>
+        <p:txBody>
+          <a:bodyPr wrap="square" rtlCol="0">
+            <a:spAutoFit/>
+          </a:bodyPr>
+          <a:lstStyle/>
+          <a:p>
+            <a:r>
+              <a:rPr lang="en-GB" sz="1400" dirty="0"/>
+              <a:t>Access database</a:t>
+            </a:r>
+          </a:p>
+        </p:txBody>
+      </p:sp>
+      <p:sp>
+        <p:nvSpPr>
+          <p:cNvPr id="7" name="TextBox 6">
+            <a:extLst>
+              <a:ext uri="{FF2B5EF4-FFF2-40B4-BE49-F238E27FC236}">
+                <a16:creationId xmlns:a16="http://schemas.microsoft.com/office/drawing/2014/main" id="{5064E4DB-9DE5-4AF4-BB33-72594E0E46C8}"/>
+              </a:ext>
+            </a:extLst>
+          </p:cNvPr>
+          <p:cNvSpPr txBox="1"/>
+          <p:nvPr/>
+        </p:nvSpPr>
+        <p:spPr>
+          <a:xfrm>
+            <a:off x="1360243" y="2874812"/>
+            <a:ext cx="1828431" cy="307777"/>
+          </a:xfrm>
+          <a:prstGeom prst="rect">
+            <a:avLst/>
+          </a:prstGeom>
+          <a:noFill/>
+        </p:spPr>
+        <p:txBody>
+          <a:bodyPr wrap="square" rtlCol="0">
+            <a:spAutoFit/>
+          </a:bodyPr>
+          <a:lstStyle/>
+          <a:p>
+            <a:r>
+              <a:rPr lang="en-GB" sz="1400" dirty="0"/>
+              <a:t>Send schema and data</a:t>
+            </a:r>
+          </a:p>
+        </p:txBody>
+      </p:sp>
     </p:spTree>
     <p:extLst>
       <p:ext uri="{BB962C8B-B14F-4D97-AF65-F5344CB8AC3E}">
-        <p14:creationId xmlns:p14="http://schemas.microsoft.com/office/powerpoint/2010/main" val="1901161825"/>
+        <p14:creationId xmlns:p14="http://schemas.microsoft.com/office/powerpoint/2010/main" val="3449752075"/>
       </p:ext>
     </p:extLst>
   </p:cSld>
@@ -7594,48 +9515,12 @@
           <a:chExt cx="0" cy="0"/>
         </a:xfrm>
       </p:grpSpPr>
-      <p:sp>
-        <p:nvSpPr>
-          <p:cNvPr id="5" name="Title 1">
-            <a:extLst>
-              <a:ext uri="{FF2B5EF4-FFF2-40B4-BE49-F238E27FC236}">
-                <a16:creationId xmlns:a16="http://schemas.microsoft.com/office/drawing/2014/main" id="{C9E4FC33-A9DB-417D-AC59-A268F7E76215}"/>
-              </a:ext>
-            </a:extLst>
-          </p:cNvPr>
-          <p:cNvSpPr>
-            <a:spLocks noGrp="1"/>
-          </p:cNvSpPr>
-          <p:nvPr>
-            <p:ph type="title"/>
-          </p:nvPr>
-        </p:nvSpPr>
-        <p:spPr>
-          <a:xfrm>
-            <a:off x="1340337" y="5673969"/>
-            <a:ext cx="1832710" cy="656537"/>
-          </a:xfrm>
-        </p:spPr>
-        <p:txBody>
-          <a:bodyPr vert="horz" lIns="91440" tIns="45720" rIns="91440" bIns="45720" rtlCol="0" anchor="b">
-            <a:normAutofit/>
-          </a:bodyPr>
-          <a:lstStyle/>
-          <a:p>
-            <a:pPr algn="ctr"/>
-            <a:r>
-              <a:rPr lang="en-US" sz="3600" u="sng" dirty="0"/>
-              <a:t>Testing</a:t>
-            </a:r>
-          </a:p>
-        </p:txBody>
-      </p:sp>
       <p:pic>
         <p:nvPicPr>
-          <p:cNvPr id="7" name="Picture 6">
-            <a:extLst>
-              <a:ext uri="{FF2B5EF4-FFF2-40B4-BE49-F238E27FC236}">
-                <a16:creationId xmlns:a16="http://schemas.microsoft.com/office/drawing/2014/main" id="{E14D1D48-EC7A-498F-9BAB-D7A0F26CBE83}"/>
+          <p:cNvPr id="4" name="Picture 3">
+            <a:extLst>
+              <a:ext uri="{FF2B5EF4-FFF2-40B4-BE49-F238E27FC236}">
+                <a16:creationId xmlns:a16="http://schemas.microsoft.com/office/drawing/2014/main" id="{86382A9E-FF04-4BB7-AAD7-6ED40B84A3EB}"/>
               </a:ext>
             </a:extLst>
           </p:cNvPr>
@@ -7644,28 +9529,63 @@
           </p:cNvPicPr>
           <p:nvPr/>
         </p:nvPicPr>
-        <p:blipFill>
+        <p:blipFill rotWithShape="1">
           <a:blip r:embed="rId2"/>
-          <a:stretch>
-            <a:fillRect/>
-          </a:stretch>
+          <a:srcRect r="54037"/>
+          <a:stretch/>
         </p:blipFill>
         <p:spPr>
           <a:xfrm>
-            <a:off x="192886" y="139041"/>
-            <a:ext cx="7348857" cy="4794910"/>
+            <a:off x="140433" y="135980"/>
+            <a:ext cx="5603875" cy="4778732"/>
           </a:xfrm>
           <a:prstGeom prst="rect">
             <a:avLst/>
           </a:prstGeom>
         </p:spPr>
       </p:pic>
+      <p:sp>
+        <p:nvSpPr>
+          <p:cNvPr id="5" name="Title 1">
+            <a:extLst>
+              <a:ext uri="{FF2B5EF4-FFF2-40B4-BE49-F238E27FC236}">
+                <a16:creationId xmlns:a16="http://schemas.microsoft.com/office/drawing/2014/main" id="{C9E4FC33-A9DB-417D-AC59-A268F7E76215}"/>
+              </a:ext>
+            </a:extLst>
+          </p:cNvPr>
+          <p:cNvSpPr>
+            <a:spLocks noGrp="1"/>
+          </p:cNvSpPr>
+          <p:nvPr>
+            <p:ph type="title"/>
+          </p:nvPr>
+        </p:nvSpPr>
+        <p:spPr>
+          <a:xfrm>
+            <a:off x="1340337" y="5673969"/>
+            <a:ext cx="1832710" cy="656537"/>
+          </a:xfrm>
+        </p:spPr>
+        <p:txBody>
+          <a:bodyPr vert="horz" lIns="91440" tIns="45720" rIns="91440" bIns="45720" rtlCol="0" anchor="b">
+            <a:normAutofit/>
+          </a:bodyPr>
+          <a:lstStyle/>
+          <a:p>
+            <a:pPr algn="ctr"/>
+            <a:r>
+              <a:rPr lang="en-US" sz="3600" u="sng" dirty="0"/>
+              <a:t>Testing</a:t>
+            </a:r>
+          </a:p>
+        </p:txBody>
+      </p:sp>
       <p:pic>
         <p:nvPicPr>
-          <p:cNvPr id="2" name="Picture 1">
-            <a:extLst>
-              <a:ext uri="{FF2B5EF4-FFF2-40B4-BE49-F238E27FC236}">
-                <a16:creationId xmlns:a16="http://schemas.microsoft.com/office/drawing/2014/main" id="{71579526-BF36-4BFA-9F72-D5FF71C71E53}"/>
+          <p:cNvPr id="8" name="Picture 7">
+            <a:extLst>
+              <a:ext uri="{FF2B5EF4-FFF2-40B4-BE49-F238E27FC236}">
+                <a16:creationId xmlns:a16="http://schemas.microsoft.com/office/drawing/2014/main" id="{ADC8BB74-4A10-4DBC-BEE9-656396A16E31}"/>
               </a:ext>
             </a:extLst>
           </p:cNvPr>
@@ -7674,16 +9594,15 @@
           </p:cNvPicPr>
           <p:nvPr/>
         </p:nvPicPr>
-        <p:blipFill>
+        <p:blipFill rotWithShape="1">
           <a:blip r:embed="rId3"/>
-          <a:stretch>
-            <a:fillRect/>
-          </a:stretch>
+          <a:srcRect r="40405"/>
+          <a:stretch/>
         </p:blipFill>
         <p:spPr>
           <a:xfrm>
-            <a:off x="5396737" y="2333625"/>
-            <a:ext cx="6795263" cy="4524375"/>
+            <a:off x="4757627" y="2283093"/>
+            <a:ext cx="7293940" cy="4438927"/>
           </a:xfrm>
           <a:prstGeom prst="rect">
             <a:avLst/>
@@ -7693,7 +9612,7 @@
     </p:spTree>
     <p:extLst>
       <p:ext uri="{BB962C8B-B14F-4D97-AF65-F5344CB8AC3E}">
-        <p14:creationId xmlns:p14="http://schemas.microsoft.com/office/powerpoint/2010/main" val="2729140441"/>
+        <p14:creationId xmlns:p14="http://schemas.microsoft.com/office/powerpoint/2010/main" val="1901161825"/>
       </p:ext>
     </p:extLst>
   </p:cSld>
@@ -7706,14 +9625,6 @@
 <file path=ppt/slides/slide9.xml><?xml version="1.0" encoding="utf-8"?>
 <p:sld xmlns:a="http://schemas.openxmlformats.org/drawingml/2006/main" xmlns:r="http://schemas.openxmlformats.org/officeDocument/2006/relationships" xmlns:p="http://schemas.openxmlformats.org/presentationml/2006/main">
   <p:cSld>
-    <p:bg>
-      <p:bgPr>
-        <a:solidFill>
-          <a:srgbClr val="000000"/>
-        </a:solidFill>
-        <a:effectLst/>
-      </p:bgPr>
-    </p:bg>
     <p:spTree>
       <p:nvGrpSpPr>
         <p:cNvPr id="1" name=""/>
@@ -7730,162 +9641,109 @@
       </p:grpSpPr>
       <p:sp>
         <p:nvSpPr>
-          <p:cNvPr id="71" name="Rectangle 70">
-            <a:extLst>
-              <a:ext uri="{FF2B5EF4-FFF2-40B4-BE49-F238E27FC236}">
-                <a16:creationId xmlns:a16="http://schemas.microsoft.com/office/drawing/2014/main" id="{71B2258F-86CA-4D4D-8270-BC05FCDEBFB3}"/>
-              </a:ext>
-              <a:ext uri="{C183D7F6-B498-43B3-948B-1728B52AA6E4}">
-                <adec:decorative xmlns:adec="http://schemas.microsoft.com/office/drawing/2017/decorative" val="1"/>
+          <p:cNvPr id="5" name="Title 1">
+            <a:extLst>
+              <a:ext uri="{FF2B5EF4-FFF2-40B4-BE49-F238E27FC236}">
+                <a16:creationId xmlns:a16="http://schemas.microsoft.com/office/drawing/2014/main" id="{C9E4FC33-A9DB-417D-AC59-A268F7E76215}"/>
               </a:ext>
             </a:extLst>
           </p:cNvPr>
           <p:cNvSpPr>
-            <a:spLocks noGrp="1" noRot="1" noChangeAspect="1" noMove="1" noResize="1" noEditPoints="1" noAdjustHandles="1" noChangeArrowheads="1" noChangeShapeType="1" noTextEdit="1"/>
+            <a:spLocks noGrp="1"/>
           </p:cNvSpPr>
           <p:nvPr>
-            <p:extLst>
-              <p:ext uri="{386F3935-93C4-4BCD-93E2-E3B085C9AB24}">
-                <p16:designElem xmlns:p16="http://schemas.microsoft.com/office/powerpoint/2015/main" val="1"/>
-              </p:ext>
-            </p:extLst>
-          </p:nvPr>
-        </p:nvSpPr>
-        <p:spPr>
-          <a:xfrm>
-            <a:off x="0" y="0"/>
-            <a:ext cx="12192000" cy="6857999"/>
+            <p:ph type="title"/>
+          </p:nvPr>
+        </p:nvSpPr>
+        <p:spPr>
+          <a:xfrm>
+            <a:off x="1340337" y="5673969"/>
+            <a:ext cx="1832710" cy="656537"/>
+          </a:xfrm>
+        </p:spPr>
+        <p:txBody>
+          <a:bodyPr vert="horz" lIns="91440" tIns="45720" rIns="91440" bIns="45720" rtlCol="0" anchor="b">
+            <a:normAutofit/>
+          </a:bodyPr>
+          <a:lstStyle/>
+          <a:p>
+            <a:pPr algn="ctr"/>
+            <a:r>
+              <a:rPr lang="en-US" sz="3600" u="sng" dirty="0"/>
+              <a:t>Testing</a:t>
+            </a:r>
+          </a:p>
+        </p:txBody>
+      </p:sp>
+      <p:pic>
+        <p:nvPicPr>
+          <p:cNvPr id="7" name="Picture 6">
+            <a:extLst>
+              <a:ext uri="{FF2B5EF4-FFF2-40B4-BE49-F238E27FC236}">
+                <a16:creationId xmlns:a16="http://schemas.microsoft.com/office/drawing/2014/main" id="{E14D1D48-EC7A-498F-9BAB-D7A0F26CBE83}"/>
+              </a:ext>
+            </a:extLst>
+          </p:cNvPr>
+          <p:cNvPicPr>
+            <a:picLocks noChangeAspect="1"/>
+          </p:cNvPicPr>
+          <p:nvPr/>
+        </p:nvPicPr>
+        <p:blipFill>
+          <a:blip r:embed="rId2"/>
+          <a:stretch>
+            <a:fillRect/>
+          </a:stretch>
+        </p:blipFill>
+        <p:spPr>
+          <a:xfrm>
+            <a:off x="192886" y="139041"/>
+            <a:ext cx="7348857" cy="4794910"/>
           </a:xfrm>
           <a:prstGeom prst="rect">
             <a:avLst/>
           </a:prstGeom>
-          <a:solidFill>
-            <a:srgbClr val="000000"/>
-          </a:solidFill>
-          <a:ln>
-            <a:noFill/>
-          </a:ln>
-        </p:spPr>
-        <p:style>
-          <a:lnRef idx="2">
-            <a:schemeClr val="accent1">
-              <a:shade val="50000"/>
-            </a:schemeClr>
-          </a:lnRef>
-          <a:fillRef idx="1">
-            <a:schemeClr val="accent1"/>
-          </a:fillRef>
-          <a:effectRef idx="0">
-            <a:schemeClr val="accent1"/>
-          </a:effectRef>
-          <a:fontRef idx="minor">
-            <a:schemeClr val="lt1"/>
-          </a:fontRef>
-        </p:style>
-        <p:txBody>
-          <a:bodyPr rtlCol="0" anchor="ctr"/>
-          <a:lstStyle/>
-          <a:p>
-            <a:pPr algn="ctr"/>
-            <a:endParaRPr lang="en-US"/>
-          </a:p>
-        </p:txBody>
-      </p:sp>
+        </p:spPr>
+      </p:pic>
       <p:pic>
         <p:nvPicPr>
-          <p:cNvPr id="1026" name="Picture 2" descr="A Quick Guide to Using Command Line (Terminal) | by Jerry Wei | Towards  Data Science">
-            <a:extLst>
-              <a:ext uri="{FF2B5EF4-FFF2-40B4-BE49-F238E27FC236}">
-                <a16:creationId xmlns:a16="http://schemas.microsoft.com/office/drawing/2014/main" id="{19B17617-F053-457A-9492-13A40C74FEFE}"/>
+          <p:cNvPr id="2" name="Picture 1">
+            <a:extLst>
+              <a:ext uri="{FF2B5EF4-FFF2-40B4-BE49-F238E27FC236}">
+                <a16:creationId xmlns:a16="http://schemas.microsoft.com/office/drawing/2014/main" id="{71579526-BF36-4BFA-9F72-D5FF71C71E53}"/>
               </a:ext>
             </a:extLst>
           </p:cNvPr>
           <p:cNvPicPr>
-            <a:picLocks noChangeAspect="1" noChangeArrowheads="1"/>
+            <a:picLocks noChangeAspect="1"/>
           </p:cNvPicPr>
           <p:nvPr/>
         </p:nvPicPr>
-        <p:blipFill rotWithShape="1">
-          <a:blip r:embed="rId2">
-            <a:alphaModFix amt="50000"/>
-            <a:extLst>
-              <a:ext uri="{28A0092B-C50C-407E-A947-70E740481C1C}">
-                <a14:useLocalDpi xmlns:a14="http://schemas.microsoft.com/office/drawing/2010/main" val="0"/>
-              </a:ext>
-            </a:extLst>
-          </a:blip>
-          <a:srcRect t="2530" b="13200"/>
-          <a:stretch/>
+        <p:blipFill>
+          <a:blip r:embed="rId3"/>
+          <a:stretch>
+            <a:fillRect/>
+          </a:stretch>
         </p:blipFill>
-        <p:spPr bwMode="auto">
-          <a:xfrm>
-            <a:off x="20" y="1"/>
-            <a:ext cx="12191980" cy="6857999"/>
+        <p:spPr>
+          <a:xfrm>
+            <a:off x="5396737" y="2333625"/>
+            <a:ext cx="6795263" cy="4524375"/>
           </a:xfrm>
           <a:prstGeom prst="rect">
             <a:avLst/>
           </a:prstGeom>
-          <a:noFill/>
-          <a:extLst>
-            <a:ext uri="{909E8E84-426E-40DD-AFC4-6F175D3DCCD1}">
-              <a14:hiddenFill xmlns:a14="http://schemas.microsoft.com/office/drawing/2010/main">
-                <a:solidFill>
-                  <a:srgbClr val="FFFFFF"/>
-                </a:solidFill>
-              </a14:hiddenFill>
-            </a:ext>
-          </a:extLst>
         </p:spPr>
       </p:pic>
-      <p:sp>
-        <p:nvSpPr>
-          <p:cNvPr id="2" name="Title 1">
-            <a:extLst>
-              <a:ext uri="{FF2B5EF4-FFF2-40B4-BE49-F238E27FC236}">
-                <a16:creationId xmlns:a16="http://schemas.microsoft.com/office/drawing/2014/main" id="{C2531C1B-8532-4EF1-9412-DBC929D3D36A}"/>
-              </a:ext>
-            </a:extLst>
-          </p:cNvPr>
-          <p:cNvSpPr>
-            <a:spLocks noGrp="1"/>
-          </p:cNvSpPr>
-          <p:nvPr>
-            <p:ph type="title"/>
-          </p:nvPr>
-        </p:nvSpPr>
-        <p:spPr>
-          <a:xfrm>
-            <a:off x="3367087" y="2879647"/>
-            <a:ext cx="5457825" cy="1098704"/>
-          </a:xfrm>
-        </p:spPr>
-        <p:txBody>
-          <a:bodyPr vert="horz" lIns="91440" tIns="45720" rIns="91440" bIns="45720" rtlCol="0" anchor="b">
-            <a:normAutofit/>
-          </a:bodyPr>
-          <a:lstStyle/>
-          <a:p>
-            <a:pPr algn="ctr"/>
-            <a:r>
-              <a:rPr lang="en-US" sz="7200" dirty="0">
-                <a:solidFill>
-                  <a:srgbClr val="FFFFFF"/>
-                </a:solidFill>
-              </a:rPr>
-              <a:t>Let’s Run IMS</a:t>
-            </a:r>
-          </a:p>
-        </p:txBody>
-      </p:sp>
     </p:spTree>
     <p:extLst>
       <p:ext uri="{BB962C8B-B14F-4D97-AF65-F5344CB8AC3E}">
-        <p14:creationId xmlns:p14="http://schemas.microsoft.com/office/powerpoint/2010/main" val="2494145527"/>
+        <p14:creationId xmlns:p14="http://schemas.microsoft.com/office/powerpoint/2010/main" val="2729140441"/>
       </p:ext>
     </p:extLst>
   </p:cSld>
   <p:clrMapOvr>
-    <a:overrideClrMapping bg1="dk1" tx1="lt1" bg2="dk2" tx2="lt2" accent1="accent1" accent2="accent2" accent3="accent3" accent4="accent4" accent5="accent5" accent6="accent6" hlink="hlink" folHlink="folHlink"/>
+    <a:masterClrMapping/>
   </p:clrMapOvr>
 </p:sld>
 </file>

--- a/documentation/TDL-Presentation.pptx
+++ b/documentation/TDL-Presentation.pptx
@@ -10,14 +10,13 @@
     <p:sldId id="261" r:id="rId4"/>
     <p:sldId id="258" r:id="rId5"/>
     <p:sldId id="268" r:id="rId6"/>
-    <p:sldId id="260" r:id="rId7"/>
-    <p:sldId id="259" r:id="rId8"/>
-    <p:sldId id="262" r:id="rId9"/>
-    <p:sldId id="263" r:id="rId10"/>
-    <p:sldId id="264" r:id="rId11"/>
-    <p:sldId id="265" r:id="rId12"/>
-    <p:sldId id="266" r:id="rId13"/>
-    <p:sldId id="267" r:id="rId14"/>
+    <p:sldId id="259" r:id="rId7"/>
+    <p:sldId id="262" r:id="rId8"/>
+    <p:sldId id="263" r:id="rId9"/>
+    <p:sldId id="264" r:id="rId10"/>
+    <p:sldId id="265" r:id="rId11"/>
+    <p:sldId id="266" r:id="rId12"/>
+    <p:sldId id="267" r:id="rId13"/>
   </p:sldIdLst>
   <p:sldSz cx="12192000" cy="6858000"/>
   <p:notesSz cx="6858000" cy="9144000"/>
@@ -273,7 +272,7 @@
           <a:p>
             <a:fld id="{C646617D-075A-456A-B368-5B9543915401}" type="datetimeFigureOut">
               <a:rPr lang="en-GB" smtClean="0"/>
-              <a:t>08/10/2020</a:t>
+              <a:t>09/10/2020</a:t>
             </a:fld>
             <a:endParaRPr lang="en-GB"/>
           </a:p>
@@ -473,7 +472,7 @@
           <a:p>
             <a:fld id="{C646617D-075A-456A-B368-5B9543915401}" type="datetimeFigureOut">
               <a:rPr lang="en-GB" smtClean="0"/>
-              <a:t>08/10/2020</a:t>
+              <a:t>09/10/2020</a:t>
             </a:fld>
             <a:endParaRPr lang="en-GB"/>
           </a:p>
@@ -683,7 +682,7 @@
           <a:p>
             <a:fld id="{C646617D-075A-456A-B368-5B9543915401}" type="datetimeFigureOut">
               <a:rPr lang="en-GB" smtClean="0"/>
-              <a:t>08/10/2020</a:t>
+              <a:t>09/10/2020</a:t>
             </a:fld>
             <a:endParaRPr lang="en-GB"/>
           </a:p>
@@ -883,7 +882,7 @@
           <a:p>
             <a:fld id="{C646617D-075A-456A-B368-5B9543915401}" type="datetimeFigureOut">
               <a:rPr lang="en-GB" smtClean="0"/>
-              <a:t>08/10/2020</a:t>
+              <a:t>09/10/2020</a:t>
             </a:fld>
             <a:endParaRPr lang="en-GB"/>
           </a:p>
@@ -1159,7 +1158,7 @@
           <a:p>
             <a:fld id="{C646617D-075A-456A-B368-5B9543915401}" type="datetimeFigureOut">
               <a:rPr lang="en-GB" smtClean="0"/>
-              <a:t>08/10/2020</a:t>
+              <a:t>09/10/2020</a:t>
             </a:fld>
             <a:endParaRPr lang="en-GB"/>
           </a:p>
@@ -1427,7 +1426,7 @@
           <a:p>
             <a:fld id="{C646617D-075A-456A-B368-5B9543915401}" type="datetimeFigureOut">
               <a:rPr lang="en-GB" smtClean="0"/>
-              <a:t>08/10/2020</a:t>
+              <a:t>09/10/2020</a:t>
             </a:fld>
             <a:endParaRPr lang="en-GB"/>
           </a:p>
@@ -1842,7 +1841,7 @@
           <a:p>
             <a:fld id="{C646617D-075A-456A-B368-5B9543915401}" type="datetimeFigureOut">
               <a:rPr lang="en-GB" smtClean="0"/>
-              <a:t>08/10/2020</a:t>
+              <a:t>09/10/2020</a:t>
             </a:fld>
             <a:endParaRPr lang="en-GB"/>
           </a:p>
@@ -1984,7 +1983,7 @@
           <a:p>
             <a:fld id="{C646617D-075A-456A-B368-5B9543915401}" type="datetimeFigureOut">
               <a:rPr lang="en-GB" smtClean="0"/>
-              <a:t>08/10/2020</a:t>
+              <a:t>09/10/2020</a:t>
             </a:fld>
             <a:endParaRPr lang="en-GB"/>
           </a:p>
@@ -2097,7 +2096,7 @@
           <a:p>
             <a:fld id="{C646617D-075A-456A-B368-5B9543915401}" type="datetimeFigureOut">
               <a:rPr lang="en-GB" smtClean="0"/>
-              <a:t>08/10/2020</a:t>
+              <a:t>09/10/2020</a:t>
             </a:fld>
             <a:endParaRPr lang="en-GB"/>
           </a:p>
@@ -2410,7 +2409,7 @@
           <a:p>
             <a:fld id="{C646617D-075A-456A-B368-5B9543915401}" type="datetimeFigureOut">
               <a:rPr lang="en-GB" smtClean="0"/>
-              <a:t>08/10/2020</a:t>
+              <a:t>09/10/2020</a:t>
             </a:fld>
             <a:endParaRPr lang="en-GB"/>
           </a:p>
@@ -2699,7 +2698,7 @@
           <a:p>
             <a:fld id="{C646617D-075A-456A-B368-5B9543915401}" type="datetimeFigureOut">
               <a:rPr lang="en-GB" smtClean="0"/>
-              <a:t>08/10/2020</a:t>
+              <a:t>09/10/2020</a:t>
             </a:fld>
             <a:endParaRPr lang="en-GB"/>
           </a:p>
@@ -2942,7 +2941,7 @@
           <a:p>
             <a:fld id="{C646617D-075A-456A-B368-5B9543915401}" type="datetimeFigureOut">
               <a:rPr lang="en-GB" smtClean="0"/>
-              <a:t>08/10/2020</a:t>
+              <a:t>09/10/2020</a:t>
             </a:fld>
             <a:endParaRPr lang="en-GB"/>
           </a:p>
@@ -3805,193 +3804,6 @@
     <p:bg>
       <p:bgPr>
         <a:solidFill>
-          <a:srgbClr val="000000"/>
-        </a:solidFill>
-        <a:effectLst/>
-      </p:bgPr>
-    </p:bg>
-    <p:spTree>
-      <p:nvGrpSpPr>
-        <p:cNvPr id="1" name=""/>
-        <p:cNvGrpSpPr/>
-        <p:nvPr/>
-      </p:nvGrpSpPr>
-      <p:grpSpPr>
-        <a:xfrm>
-          <a:off x="0" y="0"/>
-          <a:ext cx="0" cy="0"/>
-          <a:chOff x="0" y="0"/>
-          <a:chExt cx="0" cy="0"/>
-        </a:xfrm>
-      </p:grpSpPr>
-      <p:sp>
-        <p:nvSpPr>
-          <p:cNvPr id="71" name="Rectangle 70">
-            <a:extLst>
-              <a:ext uri="{FF2B5EF4-FFF2-40B4-BE49-F238E27FC236}">
-                <a16:creationId xmlns:a16="http://schemas.microsoft.com/office/drawing/2014/main" id="{71B2258F-86CA-4D4D-8270-BC05FCDEBFB3}"/>
-              </a:ext>
-              <a:ext uri="{C183D7F6-B498-43B3-948B-1728B52AA6E4}">
-                <adec:decorative xmlns:adec="http://schemas.microsoft.com/office/drawing/2017/decorative" val="1"/>
-              </a:ext>
-            </a:extLst>
-          </p:cNvPr>
-          <p:cNvSpPr>
-            <a:spLocks noGrp="1" noRot="1" noChangeAspect="1" noMove="1" noResize="1" noEditPoints="1" noAdjustHandles="1" noChangeArrowheads="1" noChangeShapeType="1" noTextEdit="1"/>
-          </p:cNvSpPr>
-          <p:nvPr>
-            <p:extLst>
-              <p:ext uri="{386F3935-93C4-4BCD-93E2-E3B085C9AB24}">
-                <p16:designElem xmlns:p16="http://schemas.microsoft.com/office/powerpoint/2015/main" val="1"/>
-              </p:ext>
-            </p:extLst>
-          </p:nvPr>
-        </p:nvSpPr>
-        <p:spPr>
-          <a:xfrm>
-            <a:off x="0" y="0"/>
-            <a:ext cx="12192000" cy="6857999"/>
-          </a:xfrm>
-          <a:prstGeom prst="rect">
-            <a:avLst/>
-          </a:prstGeom>
-          <a:solidFill>
-            <a:srgbClr val="000000"/>
-          </a:solidFill>
-          <a:ln>
-            <a:noFill/>
-          </a:ln>
-        </p:spPr>
-        <p:style>
-          <a:lnRef idx="2">
-            <a:schemeClr val="accent1">
-              <a:shade val="50000"/>
-            </a:schemeClr>
-          </a:lnRef>
-          <a:fillRef idx="1">
-            <a:schemeClr val="accent1"/>
-          </a:fillRef>
-          <a:effectRef idx="0">
-            <a:schemeClr val="accent1"/>
-          </a:effectRef>
-          <a:fontRef idx="minor">
-            <a:schemeClr val="lt1"/>
-          </a:fontRef>
-        </p:style>
-        <p:txBody>
-          <a:bodyPr rtlCol="0" anchor="ctr"/>
-          <a:lstStyle/>
-          <a:p>
-            <a:pPr algn="ctr"/>
-            <a:endParaRPr lang="en-US"/>
-          </a:p>
-        </p:txBody>
-      </p:sp>
-      <p:pic>
-        <p:nvPicPr>
-          <p:cNvPr id="1026" name="Picture 2" descr="A Quick Guide to Using Command Line (Terminal) | by Jerry Wei | Towards  Data Science">
-            <a:extLst>
-              <a:ext uri="{FF2B5EF4-FFF2-40B4-BE49-F238E27FC236}">
-                <a16:creationId xmlns:a16="http://schemas.microsoft.com/office/drawing/2014/main" id="{19B17617-F053-457A-9492-13A40C74FEFE}"/>
-              </a:ext>
-            </a:extLst>
-          </p:cNvPr>
-          <p:cNvPicPr>
-            <a:picLocks noChangeAspect="1" noChangeArrowheads="1"/>
-          </p:cNvPicPr>
-          <p:nvPr/>
-        </p:nvPicPr>
-        <p:blipFill rotWithShape="1">
-          <a:blip r:embed="rId2">
-            <a:alphaModFix amt="50000"/>
-            <a:extLst>
-              <a:ext uri="{28A0092B-C50C-407E-A947-70E740481C1C}">
-                <a14:useLocalDpi xmlns:a14="http://schemas.microsoft.com/office/drawing/2010/main" val="0"/>
-              </a:ext>
-            </a:extLst>
-          </a:blip>
-          <a:srcRect t="2530" b="13200"/>
-          <a:stretch/>
-        </p:blipFill>
-        <p:spPr bwMode="auto">
-          <a:xfrm>
-            <a:off x="20" y="1"/>
-            <a:ext cx="12191980" cy="6857999"/>
-          </a:xfrm>
-          <a:prstGeom prst="rect">
-            <a:avLst/>
-          </a:prstGeom>
-          <a:noFill/>
-          <a:extLst>
-            <a:ext uri="{909E8E84-426E-40DD-AFC4-6F175D3DCCD1}">
-              <a14:hiddenFill xmlns:a14="http://schemas.microsoft.com/office/drawing/2010/main">
-                <a:solidFill>
-                  <a:srgbClr val="FFFFFF"/>
-                </a:solidFill>
-              </a14:hiddenFill>
-            </a:ext>
-          </a:extLst>
-        </p:spPr>
-      </p:pic>
-      <p:sp>
-        <p:nvSpPr>
-          <p:cNvPr id="2" name="Title 1">
-            <a:extLst>
-              <a:ext uri="{FF2B5EF4-FFF2-40B4-BE49-F238E27FC236}">
-                <a16:creationId xmlns:a16="http://schemas.microsoft.com/office/drawing/2014/main" id="{C2531C1B-8532-4EF1-9412-DBC929D3D36A}"/>
-              </a:ext>
-            </a:extLst>
-          </p:cNvPr>
-          <p:cNvSpPr>
-            <a:spLocks noGrp="1"/>
-          </p:cNvSpPr>
-          <p:nvPr>
-            <p:ph type="title"/>
-          </p:nvPr>
-        </p:nvSpPr>
-        <p:spPr>
-          <a:xfrm>
-            <a:off x="3367087" y="2879647"/>
-            <a:ext cx="5457825" cy="1098704"/>
-          </a:xfrm>
-        </p:spPr>
-        <p:txBody>
-          <a:bodyPr vert="horz" lIns="91440" tIns="45720" rIns="91440" bIns="45720" rtlCol="0" anchor="b">
-            <a:normAutofit/>
-          </a:bodyPr>
-          <a:lstStyle/>
-          <a:p>
-            <a:pPr algn="ctr"/>
-            <a:r>
-              <a:rPr lang="en-US" sz="7200" dirty="0">
-                <a:solidFill>
-                  <a:srgbClr val="FFFFFF"/>
-                </a:solidFill>
-              </a:rPr>
-              <a:t>Let’s Run IMS</a:t>
-            </a:r>
-          </a:p>
-        </p:txBody>
-      </p:sp>
-    </p:spTree>
-    <p:extLst>
-      <p:ext uri="{BB962C8B-B14F-4D97-AF65-F5344CB8AC3E}">
-        <p14:creationId xmlns:p14="http://schemas.microsoft.com/office/powerpoint/2010/main" val="2494145527"/>
-      </p:ext>
-    </p:extLst>
-  </p:cSld>
-  <p:clrMapOvr>
-    <a:overrideClrMapping bg1="dk1" tx1="lt1" bg2="dk2" tx2="lt2" accent1="accent1" accent2="accent2" accent3="accent3" accent4="accent4" accent5="accent5" accent6="accent6" hlink="hlink" folHlink="folHlink"/>
-  </p:clrMapOvr>
-</p:sld>
-</file>
-
-<file path=ppt/slides/slide11.xml><?xml version="1.0" encoding="utf-8"?>
-<p:sld xmlns:a="http://schemas.openxmlformats.org/drawingml/2006/main" xmlns:r="http://schemas.openxmlformats.org/officeDocument/2006/relationships" xmlns:p="http://schemas.openxmlformats.org/presentationml/2006/main">
-  <p:cSld>
-    <p:bg>
-      <p:bgPr>
-        <a:solidFill>
           <a:schemeClr val="bg1"/>
         </a:solidFill>
         <a:effectLst/>
@@ -4286,7 +4098,7 @@
 </p:sld>
 </file>
 
-<file path=ppt/slides/slide12.xml><?xml version="1.0" encoding="utf-8"?>
+<file path=ppt/slides/slide11.xml><?xml version="1.0" encoding="utf-8"?>
 <p:sld xmlns:a="http://schemas.openxmlformats.org/drawingml/2006/main" xmlns:r="http://schemas.openxmlformats.org/officeDocument/2006/relationships" xmlns:p="http://schemas.openxmlformats.org/presentationml/2006/main">
   <p:cSld>
     <p:bg>
@@ -4714,7 +4526,7 @@
 </p:sld>
 </file>
 
-<file path=ppt/slides/slide13.xml><?xml version="1.0" encoding="utf-8"?>
+<file path=ppt/slides/slide12.xml><?xml version="1.0" encoding="utf-8"?>
 <p:sld xmlns:a="http://schemas.openxmlformats.org/drawingml/2006/main" xmlns:r="http://schemas.openxmlformats.org/officeDocument/2006/relationships" xmlns:p="http://schemas.openxmlformats.org/presentationml/2006/main">
   <p:cSld>
     <p:bg>
@@ -7584,75 +7396,42 @@
           <a:p>
             <a:r>
               <a:rPr lang="en-GB" sz="2400" dirty="0"/>
-              <a:t>Agile – Scrum, Kanban </a:t>
+              <a:t>Front-End Technologies - </a:t>
             </a:r>
             <a:r>
               <a:rPr lang="en-GB" sz="2400" b="1" dirty="0"/>
-              <a:t>(Jira)</a:t>
+              <a:t>HTML, CSS, JS</a:t>
             </a:r>
           </a:p>
           <a:p>
             <a:r>
               <a:rPr lang="en-GB" sz="2400" dirty="0"/>
-              <a:t>Source Control – </a:t>
+              <a:t>Application Framework - </a:t>
+            </a:r>
+            <a:r>
+              <a:rPr lang="en-GB" sz="2400" b="1" dirty="0" err="1"/>
+              <a:t>SpringBoot</a:t>
+            </a:r>
+            <a:endParaRPr lang="en-GB" sz="2400" b="1" dirty="0"/>
+          </a:p>
+          <a:p>
+            <a:r>
+              <a:rPr lang="en-GB" sz="2400" dirty="0"/>
+              <a:t>Functional Testing – </a:t>
             </a:r>
             <a:r>
               <a:rPr lang="en-GB" sz="2400" b="1" dirty="0"/>
-              <a:t>Git</a:t>
-            </a:r>
+              <a:t>Junit, Integration, Mockito</a:t>
+            </a:r>
+          </a:p>
+          <a:p>
             <a:r>
               <a:rPr lang="en-GB" sz="2400" dirty="0"/>
-              <a:t>, </a:t>
+              <a:t>UI Testing – </a:t>
             </a:r>
             <a:r>
               <a:rPr lang="en-GB" sz="2400" b="1" dirty="0"/>
-              <a:t>GitHub</a:t>
-            </a:r>
-          </a:p>
-          <a:p>
-            <a:r>
-              <a:rPr lang="en-GB" sz="2400" dirty="0"/>
-              <a:t>Cloud – GCP</a:t>
-            </a:r>
-          </a:p>
-          <a:p>
-            <a:r>
-              <a:rPr lang="en-GB" sz="2400" dirty="0"/>
-              <a:t>Database – </a:t>
-            </a:r>
-            <a:r>
-              <a:rPr lang="en-GB" sz="2400" b="1" dirty="0"/>
-              <a:t>MYSQL</a:t>
-            </a:r>
-          </a:p>
-          <a:p>
-            <a:r>
-              <a:rPr lang="en-GB" sz="2400" dirty="0"/>
-              <a:t>Programming Language – </a:t>
-            </a:r>
-            <a:r>
-              <a:rPr lang="en-GB" sz="2400" b="1" dirty="0"/>
-              <a:t>Java</a:t>
-            </a:r>
-          </a:p>
-          <a:p>
-            <a:r>
-              <a:rPr lang="en-GB" sz="2400" dirty="0"/>
-              <a:t>Build Tool – </a:t>
-            </a:r>
-            <a:r>
-              <a:rPr lang="en-GB" sz="2400" b="1" dirty="0"/>
-              <a:t>Maven</a:t>
-            </a:r>
-          </a:p>
-          <a:p>
-            <a:r>
-              <a:rPr lang="en-GB" sz="2400" dirty="0"/>
-              <a:t>Testing – </a:t>
-            </a:r>
-            <a:r>
-              <a:rPr lang="en-GB" sz="2400" b="1" dirty="0"/>
-              <a:t>Junit, Mockito</a:t>
+              <a:t>Selenium</a:t>
             </a:r>
           </a:p>
         </p:txBody>
@@ -7673,14 +7452,6 @@
 <file path=ppt/slides/slide6.xml><?xml version="1.0" encoding="utf-8"?>
 <p:sld xmlns:a="http://schemas.openxmlformats.org/drawingml/2006/main" xmlns:r="http://schemas.openxmlformats.org/officeDocument/2006/relationships" xmlns:p="http://schemas.openxmlformats.org/presentationml/2006/main">
   <p:cSld>
-    <p:bg>
-      <p:bgPr>
-        <a:solidFill>
-          <a:schemeClr val="bg1"/>
-        </a:solidFill>
-        <a:effectLst/>
-      </p:bgPr>
-    </p:bg>
     <p:spTree>
       <p:nvGrpSpPr>
         <p:cNvPr id="1" name=""/>
@@ -7695,40 +7466,26 @@
           <a:chExt cx="0" cy="0"/>
         </a:xfrm>
       </p:grpSpPr>
-      <p:sp useBgFill="1">
-        <p:nvSpPr>
-          <p:cNvPr id="33" name="Rectangle 32">
-            <a:extLst>
-              <a:ext uri="{FF2B5EF4-FFF2-40B4-BE49-F238E27FC236}">
-                <a16:creationId xmlns:a16="http://schemas.microsoft.com/office/drawing/2014/main" id="{D55CA618-78A6-47F6-B865-E9315164FB49}"/>
-              </a:ext>
-              <a:ext uri="{C183D7F6-B498-43B3-948B-1728B52AA6E4}">
-                <adec:decorative xmlns:adec="http://schemas.microsoft.com/office/drawing/2017/decorative" val="1"/>
-              </a:ext>
-            </a:extLst>
-          </p:cNvPr>
-          <p:cNvSpPr>
-            <a:spLocks noGrp="1" noRot="1" noChangeAspect="1" noMove="1" noResize="1" noEditPoints="1" noAdjustHandles="1" noChangeArrowheads="1" noChangeShapeType="1" noTextEdit="1"/>
-          </p:cNvSpPr>
-          <p:nvPr>
-            <p:extLst>
-              <p:ext uri="{386F3935-93C4-4BCD-93E2-E3B085C9AB24}">
-                <p16:designElem xmlns:p16="http://schemas.microsoft.com/office/powerpoint/2015/main" val="1"/>
-              </p:ext>
-            </p:extLst>
-          </p:nvPr>
-        </p:nvSpPr>
-        <p:spPr>
-          <a:xfrm>
-            <a:off x="0" y="0"/>
-            <a:ext cx="12191999" cy="6857365"/>
-          </a:xfrm>
-          <a:prstGeom prst="rect">
+      <p:sp>
+        <p:nvSpPr>
+          <p:cNvPr id="6" name="Rectangle: Rounded Corners 5">
+            <a:extLst>
+              <a:ext uri="{FF2B5EF4-FFF2-40B4-BE49-F238E27FC236}">
+                <a16:creationId xmlns:a16="http://schemas.microsoft.com/office/drawing/2014/main" id="{0EC3879F-BF7F-48DE-9D99-A6D84981FB51}"/>
+              </a:ext>
+            </a:extLst>
+          </p:cNvPr>
+          <p:cNvSpPr/>
+          <p:nvPr/>
+        </p:nvSpPr>
+        <p:spPr>
+          <a:xfrm>
+            <a:off x="1879600" y="1261696"/>
+            <a:ext cx="1453662" cy="679938"/>
+          </a:xfrm>
+          <a:prstGeom prst="roundRect">
             <a:avLst/>
           </a:prstGeom>
-          <a:ln>
-            <a:noFill/>
-          </a:ln>
         </p:spPr>
         <p:style>
           <a:lnRef idx="2">
@@ -7751,199 +7508,33 @@
           <a:lstStyle/>
           <a:p>
             <a:pPr algn="ctr"/>
-            <a:endParaRPr lang="en-US"/>
-          </a:p>
-        </p:txBody>
-      </p:sp>
-      <p:grpSp>
-        <p:nvGrpSpPr>
-          <p:cNvPr id="35" name="Group 34">
-            <a:extLst>
-              <a:ext uri="{FF2B5EF4-FFF2-40B4-BE49-F238E27FC236}">
-                <a16:creationId xmlns:a16="http://schemas.microsoft.com/office/drawing/2014/main" id="{B83D307E-DF68-43F8-97CE-0AAE950A7129}"/>
-              </a:ext>
-              <a:ext uri="{C183D7F6-B498-43B3-948B-1728B52AA6E4}">
-                <adec:decorative xmlns:adec="http://schemas.microsoft.com/office/drawing/2017/decorative" val="1"/>
-              </a:ext>
-            </a:extLst>
-          </p:cNvPr>
-          <p:cNvGrpSpPr>
-            <a:grpSpLocks noGrp="1" noUngrp="1" noRot="1" noChangeAspect="1" noMove="1" noResize="1"/>
-          </p:cNvGrpSpPr>
-          <p:nvPr>
-            <p:extLst>
-              <p:ext uri="{386F3935-93C4-4BCD-93E2-E3B085C9AB24}">
-                <p16:designElem xmlns:p16="http://schemas.microsoft.com/office/powerpoint/2015/main" val="1"/>
-              </p:ext>
-            </p:extLst>
-          </p:nvPr>
-        </p:nvGrpSpPr>
-        <p:grpSpPr>
-          <a:xfrm>
-            <a:off x="2271255" y="-1"/>
-            <a:ext cx="7649490" cy="5728133"/>
-            <a:chOff x="329184" y="1"/>
-            <a:chExt cx="524256" cy="5728133"/>
-          </a:xfrm>
-        </p:grpSpPr>
-        <p:cxnSp>
-          <p:nvCxnSpPr>
-            <p:cNvPr id="36" name="Straight Connector 35">
-              <a:extLst>
-                <a:ext uri="{FF2B5EF4-FFF2-40B4-BE49-F238E27FC236}">
-                  <a16:creationId xmlns:a16="http://schemas.microsoft.com/office/drawing/2014/main" id="{5546E3D2-37BF-4528-9851-2B2F628234A2}"/>
-                </a:ext>
-                <a:ext uri="{C183D7F6-B498-43B3-948B-1728B52AA6E4}">
-                  <adec:decorative xmlns:adec="http://schemas.microsoft.com/office/drawing/2017/decorative" val="1"/>
-                </a:ext>
-              </a:extLst>
-            </p:cNvPr>
-            <p:cNvCxnSpPr>
-              <a:cxnSpLocks/>
-            </p:cNvCxnSpPr>
-            <p:nvPr>
-              <p:extLst>
-                <p:ext uri="{386F3935-93C4-4BCD-93E2-E3B085C9AB24}">
-                  <p16:designElem xmlns:p16="http://schemas.microsoft.com/office/powerpoint/2015/main" val="1"/>
-                </p:ext>
-              </p:extLst>
-            </p:nvPr>
-          </p:nvCxnSpPr>
-          <p:spPr>
-            <a:xfrm flipH="1">
-              <a:off x="329184" y="5728134"/>
-              <a:ext cx="523824" cy="0"/>
-            </a:xfrm>
-            <a:prstGeom prst="line">
-              <a:avLst/>
-            </a:prstGeom>
-            <a:ln w="152400">
-              <a:solidFill>
-                <a:schemeClr val="accent4"/>
-              </a:solidFill>
-            </a:ln>
-          </p:spPr>
-          <p:style>
-            <a:lnRef idx="1">
-              <a:schemeClr val="accent1"/>
-            </a:lnRef>
-            <a:fillRef idx="0">
-              <a:schemeClr val="accent1"/>
-            </a:fillRef>
-            <a:effectRef idx="0">
-              <a:schemeClr val="accent1"/>
-            </a:effectRef>
-            <a:fontRef idx="minor">
-              <a:schemeClr val="tx1"/>
-            </a:fontRef>
-          </p:style>
-        </p:cxnSp>
-        <p:sp>
-          <p:nvSpPr>
-            <p:cNvPr id="37" name="Rectangle 36">
-              <a:extLst>
-                <a:ext uri="{FF2B5EF4-FFF2-40B4-BE49-F238E27FC236}">
-                  <a16:creationId xmlns:a16="http://schemas.microsoft.com/office/drawing/2014/main" id="{752A0C69-DC4E-4FC0-843C-BAA27B3A5621}"/>
-                </a:ext>
-                <a:ext uri="{C183D7F6-B498-43B3-948B-1728B52AA6E4}">
-                  <adec:decorative xmlns:adec="http://schemas.microsoft.com/office/drawing/2017/decorative" val="1"/>
-                </a:ext>
-              </a:extLst>
-            </p:cNvPr>
-            <p:cNvSpPr/>
-            <p:nvPr>
-              <p:extLst>
-                <p:ext uri="{386F3935-93C4-4BCD-93E2-E3B085C9AB24}">
-                  <p16:designElem xmlns:p16="http://schemas.microsoft.com/office/powerpoint/2015/main" val="1"/>
-                </p:ext>
-              </p:extLst>
-            </p:nvPr>
-          </p:nvSpPr>
-          <p:spPr>
-            <a:xfrm>
-              <a:off x="329184" y="1"/>
-              <a:ext cx="524256" cy="5532119"/>
-            </a:xfrm>
-            <a:prstGeom prst="rect">
-              <a:avLst/>
-            </a:prstGeom>
-            <a:solidFill>
-              <a:schemeClr val="accent4"/>
-            </a:solidFill>
-            <a:ln>
-              <a:noFill/>
-            </a:ln>
-          </p:spPr>
-          <p:style>
-            <a:lnRef idx="2">
-              <a:schemeClr val="accent1">
-                <a:shade val="50000"/>
-              </a:schemeClr>
-            </a:lnRef>
-            <a:fillRef idx="1">
-              <a:schemeClr val="accent1"/>
-            </a:fillRef>
-            <a:effectRef idx="0">
-              <a:schemeClr val="accent1"/>
-            </a:effectRef>
-            <a:fontRef idx="minor">
-              <a:schemeClr val="lt1"/>
-            </a:fontRef>
-          </p:style>
-          <p:txBody>
-            <a:bodyPr rtlCol="0" anchor="ctr"/>
-            <a:lstStyle/>
-            <a:p>
-              <a:pPr algn="ctr"/>
-              <a:endParaRPr lang="en-US" dirty="0"/>
-            </a:p>
-          </p:txBody>
-        </p:sp>
-      </p:grpSp>
-      <p:sp>
-        <p:nvSpPr>
-          <p:cNvPr id="39" name="Rectangle 38">
-            <a:extLst>
-              <a:ext uri="{FF2B5EF4-FFF2-40B4-BE49-F238E27FC236}">
-                <a16:creationId xmlns:a16="http://schemas.microsoft.com/office/drawing/2014/main" id="{8ED94938-268E-4C0A-A08A-B3980C78BAEB}"/>
-              </a:ext>
-              <a:ext uri="{C183D7F6-B498-43B3-948B-1728B52AA6E4}">
-                <adec:decorative xmlns:adec="http://schemas.microsoft.com/office/drawing/2017/decorative" val="1"/>
-              </a:ext>
-            </a:extLst>
-          </p:cNvPr>
-          <p:cNvSpPr>
-            <a:spLocks noGrp="1" noRot="1" noChangeAspect="1" noMove="1" noResize="1" noEditPoints="1" noAdjustHandles="1" noChangeArrowheads="1" noChangeShapeType="1" noTextEdit="1"/>
-          </p:cNvSpPr>
-          <p:nvPr>
-            <p:extLst>
-              <p:ext uri="{386F3935-93C4-4BCD-93E2-E3B085C9AB24}">
-                <p16:designElem xmlns:p16="http://schemas.microsoft.com/office/powerpoint/2015/main" val="1"/>
-              </p:ext>
-            </p:extLst>
-          </p:nvPr>
-        </p:nvSpPr>
-        <p:spPr>
-          <a:xfrm>
-            <a:off x="596464" y="318045"/>
-            <a:ext cx="10999072" cy="5325139"/>
-          </a:xfrm>
-          <a:prstGeom prst="rect">
+            <a:r>
+              <a:rPr lang="en-GB" dirty="0"/>
+              <a:t>Source Code</a:t>
+            </a:r>
+          </a:p>
+        </p:txBody>
+      </p:sp>
+      <p:sp>
+        <p:nvSpPr>
+          <p:cNvPr id="8" name="Rectangle: Rounded Corners 7">
+            <a:extLst>
+              <a:ext uri="{FF2B5EF4-FFF2-40B4-BE49-F238E27FC236}">
+                <a16:creationId xmlns:a16="http://schemas.microsoft.com/office/drawing/2014/main" id="{C5E4C87D-1132-454D-AC66-75C86D020BB9}"/>
+              </a:ext>
+            </a:extLst>
+          </p:cNvPr>
+          <p:cNvSpPr/>
+          <p:nvPr/>
+        </p:nvSpPr>
+        <p:spPr>
+          <a:xfrm>
+            <a:off x="5380891" y="1177680"/>
+            <a:ext cx="1637324" cy="847970"/>
+          </a:xfrm>
+          <a:prstGeom prst="roundRect">
             <a:avLst/>
           </a:prstGeom>
-          <a:solidFill>
-            <a:schemeClr val="bg1"/>
-          </a:solidFill>
-          <a:ln>
-            <a:noFill/>
-          </a:ln>
-          <a:effectLst>
-            <a:outerShdw blurRad="139700" dist="127000" dir="5400000" algn="t" rotWithShape="0">
-              <a:prstClr val="black">
-                <a:alpha val="15000"/>
-              </a:prstClr>
-            </a:outerShdw>
-          </a:effectLst>
         </p:spPr>
         <p:style>
           <a:lnRef idx="2">
@@ -7966,76 +7557,276 @@
           <a:lstStyle/>
           <a:p>
             <a:pPr algn="ctr"/>
-            <a:endParaRPr lang="en-US"/>
-          </a:p>
-        </p:txBody>
-      </p:sp>
-      <p:pic>
-        <p:nvPicPr>
-          <p:cNvPr id="6" name="Picture 5">
-            <a:extLst>
-              <a:ext uri="{FF2B5EF4-FFF2-40B4-BE49-F238E27FC236}">
-                <a16:creationId xmlns:a16="http://schemas.microsoft.com/office/drawing/2014/main" id="{D3D5D7B1-5504-41F7-B93F-1C2E4754F070}"/>
-              </a:ext>
-            </a:extLst>
-          </p:cNvPr>
-          <p:cNvPicPr>
-            <a:picLocks noChangeAspect="1"/>
-          </p:cNvPicPr>
+            <a:r>
+              <a:rPr lang="en-GB" dirty="0"/>
+              <a:t>Version Control System</a:t>
+            </a:r>
+          </a:p>
+        </p:txBody>
+      </p:sp>
+      <p:sp>
+        <p:nvSpPr>
+          <p:cNvPr id="10" name="Rectangle: Rounded Corners 9">
+            <a:extLst>
+              <a:ext uri="{FF2B5EF4-FFF2-40B4-BE49-F238E27FC236}">
+                <a16:creationId xmlns:a16="http://schemas.microsoft.com/office/drawing/2014/main" id="{B293D816-F9CB-495C-9DE3-0FFC8175B800}"/>
+              </a:ext>
+            </a:extLst>
+          </p:cNvPr>
+          <p:cNvSpPr/>
           <p:nvPr/>
-        </p:nvPicPr>
-        <p:blipFill>
-          <a:blip r:embed="rId2"/>
-          <a:stretch>
-            <a:fillRect/>
-          </a:stretch>
-        </p:blipFill>
-        <p:spPr>
-          <a:xfrm>
-            <a:off x="1164286" y="384561"/>
-            <a:ext cx="9857123" cy="1034998"/>
-          </a:xfrm>
-          <a:prstGeom prst="rect">
+        </p:nvSpPr>
+        <p:spPr>
+          <a:xfrm>
+            <a:off x="9065844" y="1177680"/>
+            <a:ext cx="1637324" cy="847970"/>
+          </a:xfrm>
+          <a:prstGeom prst="roundRect">
             <a:avLst/>
           </a:prstGeom>
         </p:spPr>
-      </p:pic>
-      <p:pic>
-        <p:nvPicPr>
-          <p:cNvPr id="3" name="Picture 2">
-            <a:extLst>
-              <a:ext uri="{FF2B5EF4-FFF2-40B4-BE49-F238E27FC236}">
-                <a16:creationId xmlns:a16="http://schemas.microsoft.com/office/drawing/2014/main" id="{E24D8532-8E7B-4698-A753-C1F59F21C9F7}"/>
-              </a:ext>
-            </a:extLst>
-          </p:cNvPr>
-          <p:cNvPicPr>
-            <a:picLocks noChangeAspect="1"/>
-          </p:cNvPicPr>
+        <p:style>
+          <a:lnRef idx="2">
+            <a:schemeClr val="accent1">
+              <a:shade val="50000"/>
+            </a:schemeClr>
+          </a:lnRef>
+          <a:fillRef idx="1">
+            <a:schemeClr val="accent1"/>
+          </a:fillRef>
+          <a:effectRef idx="0">
+            <a:schemeClr val="accent1"/>
+          </a:effectRef>
+          <a:fontRef idx="minor">
+            <a:schemeClr val="lt1"/>
+          </a:fontRef>
+        </p:style>
+        <p:txBody>
+          <a:bodyPr rtlCol="0" anchor="ctr"/>
+          <a:lstStyle/>
+          <a:p>
+            <a:pPr algn="ctr"/>
+            <a:r>
+              <a:rPr lang="en-GB" dirty="0"/>
+              <a:t>Project Tracking</a:t>
+            </a:r>
+          </a:p>
+        </p:txBody>
+      </p:sp>
+      <p:sp>
+        <p:nvSpPr>
+          <p:cNvPr id="12" name="Rectangle: Rounded Corners 11">
+            <a:extLst>
+              <a:ext uri="{FF2B5EF4-FFF2-40B4-BE49-F238E27FC236}">
+                <a16:creationId xmlns:a16="http://schemas.microsoft.com/office/drawing/2014/main" id="{5AB3D61F-B522-4D47-8941-19BA0E274AF8}"/>
+              </a:ext>
+            </a:extLst>
+          </p:cNvPr>
+          <p:cNvSpPr/>
           <p:nvPr/>
-        </p:nvPicPr>
-        <p:blipFill>
-          <a:blip r:embed="rId3"/>
-          <a:stretch>
-            <a:fillRect/>
-          </a:stretch>
-        </p:blipFill>
-        <p:spPr>
-          <a:xfrm>
-            <a:off x="3658507" y="1511958"/>
-            <a:ext cx="4868679" cy="5235140"/>
-          </a:xfrm>
-          <a:prstGeom prst="rect">
+        </p:nvSpPr>
+        <p:spPr>
+          <a:xfrm>
+            <a:off x="5380891" y="3336704"/>
+            <a:ext cx="1637324" cy="847970"/>
+          </a:xfrm>
+          <a:prstGeom prst="roundRect">
             <a:avLst/>
           </a:prstGeom>
-        </p:spPr>
-      </p:pic>
-      <p:sp>
-        <p:nvSpPr>
-          <p:cNvPr id="9" name="TextBox 8">
-            <a:extLst>
-              <a:ext uri="{FF2B5EF4-FFF2-40B4-BE49-F238E27FC236}">
-                <a16:creationId xmlns:a16="http://schemas.microsoft.com/office/drawing/2014/main" id="{E4253FDD-FB0C-4F06-BEB1-673CB6D0BE38}"/>
+          <a:solidFill>
+            <a:schemeClr val="bg1">
+              <a:lumMod val="85000"/>
+            </a:schemeClr>
+          </a:solidFill>
+          <a:ln>
+            <a:solidFill>
+              <a:schemeClr val="bg1">
+                <a:lumMod val="85000"/>
+              </a:schemeClr>
+            </a:solidFill>
+          </a:ln>
+        </p:spPr>
+        <p:style>
+          <a:lnRef idx="2">
+            <a:schemeClr val="accent1">
+              <a:shade val="50000"/>
+            </a:schemeClr>
+          </a:lnRef>
+          <a:fillRef idx="1">
+            <a:schemeClr val="accent1"/>
+          </a:fillRef>
+          <a:effectRef idx="0">
+            <a:schemeClr val="accent1"/>
+          </a:effectRef>
+          <a:fontRef idx="minor">
+            <a:schemeClr val="lt1"/>
+          </a:fontRef>
+        </p:style>
+        <p:txBody>
+          <a:bodyPr rtlCol="0" anchor="ctr"/>
+          <a:lstStyle/>
+          <a:p>
+            <a:pPr algn="ctr"/>
+            <a:r>
+              <a:rPr lang="en-GB" dirty="0"/>
+              <a:t>CI Server</a:t>
+            </a:r>
+          </a:p>
+        </p:txBody>
+      </p:sp>
+      <p:sp>
+        <p:nvSpPr>
+          <p:cNvPr id="14" name="Rectangle: Rounded Corners 13">
+            <a:extLst>
+              <a:ext uri="{FF2B5EF4-FFF2-40B4-BE49-F238E27FC236}">
+                <a16:creationId xmlns:a16="http://schemas.microsoft.com/office/drawing/2014/main" id="{C8AE369E-AA78-47C6-B5DC-2E640084532C}"/>
+              </a:ext>
+            </a:extLst>
+          </p:cNvPr>
+          <p:cNvSpPr/>
+          <p:nvPr/>
+        </p:nvSpPr>
+        <p:spPr>
+          <a:xfrm>
+            <a:off x="9065846" y="3336704"/>
+            <a:ext cx="1637324" cy="847970"/>
+          </a:xfrm>
+          <a:prstGeom prst="roundRect">
+            <a:avLst/>
+          </a:prstGeom>
+        </p:spPr>
+        <p:style>
+          <a:lnRef idx="2">
+            <a:schemeClr val="accent1">
+              <a:shade val="50000"/>
+            </a:schemeClr>
+          </a:lnRef>
+          <a:fillRef idx="1">
+            <a:schemeClr val="accent1"/>
+          </a:fillRef>
+          <a:effectRef idx="0">
+            <a:schemeClr val="accent1"/>
+          </a:effectRef>
+          <a:fontRef idx="minor">
+            <a:schemeClr val="lt1"/>
+          </a:fontRef>
+        </p:style>
+        <p:txBody>
+          <a:bodyPr rtlCol="0" anchor="ctr"/>
+          <a:lstStyle/>
+          <a:p>
+            <a:pPr algn="ctr"/>
+            <a:r>
+              <a:rPr lang="en-GB" dirty="0"/>
+              <a:t>Build Tool</a:t>
+            </a:r>
+          </a:p>
+        </p:txBody>
+      </p:sp>
+      <p:sp>
+        <p:nvSpPr>
+          <p:cNvPr id="16" name="Rectangle: Rounded Corners 15">
+            <a:extLst>
+              <a:ext uri="{FF2B5EF4-FFF2-40B4-BE49-F238E27FC236}">
+                <a16:creationId xmlns:a16="http://schemas.microsoft.com/office/drawing/2014/main" id="{72FAB1E7-9C0E-4A28-9971-6423E841503A}"/>
+              </a:ext>
+            </a:extLst>
+          </p:cNvPr>
+          <p:cNvSpPr/>
+          <p:nvPr/>
+        </p:nvSpPr>
+        <p:spPr>
+          <a:xfrm>
+            <a:off x="9065844" y="5410224"/>
+            <a:ext cx="1637324" cy="847970"/>
+          </a:xfrm>
+          <a:prstGeom prst="roundRect">
+            <a:avLst/>
+          </a:prstGeom>
+        </p:spPr>
+        <p:style>
+          <a:lnRef idx="2">
+            <a:schemeClr val="accent1">
+              <a:shade val="50000"/>
+            </a:schemeClr>
+          </a:lnRef>
+          <a:fillRef idx="1">
+            <a:schemeClr val="accent1"/>
+          </a:fillRef>
+          <a:effectRef idx="0">
+            <a:schemeClr val="accent1"/>
+          </a:effectRef>
+          <a:fontRef idx="minor">
+            <a:schemeClr val="lt1"/>
+          </a:fontRef>
+        </p:style>
+        <p:txBody>
+          <a:bodyPr rtlCol="0" anchor="ctr"/>
+          <a:lstStyle/>
+          <a:p>
+            <a:pPr algn="ctr"/>
+            <a:r>
+              <a:rPr lang="en-GB" dirty="0"/>
+              <a:t>Automated Testing</a:t>
+            </a:r>
+          </a:p>
+        </p:txBody>
+      </p:sp>
+      <p:sp>
+        <p:nvSpPr>
+          <p:cNvPr id="18" name="Rectangle: Rounded Corners 17">
+            <a:extLst>
+              <a:ext uri="{FF2B5EF4-FFF2-40B4-BE49-F238E27FC236}">
+                <a16:creationId xmlns:a16="http://schemas.microsoft.com/office/drawing/2014/main" id="{EEB36536-C678-4DF4-9C24-78367EA62D61}"/>
+              </a:ext>
+            </a:extLst>
+          </p:cNvPr>
+          <p:cNvSpPr/>
+          <p:nvPr/>
+        </p:nvSpPr>
+        <p:spPr>
+          <a:xfrm>
+            <a:off x="173892" y="3251200"/>
+            <a:ext cx="1637324" cy="847970"/>
+          </a:xfrm>
+          <a:prstGeom prst="roundRect">
+            <a:avLst/>
+          </a:prstGeom>
+        </p:spPr>
+        <p:style>
+          <a:lnRef idx="2">
+            <a:schemeClr val="accent1">
+              <a:shade val="50000"/>
+            </a:schemeClr>
+          </a:lnRef>
+          <a:fillRef idx="1">
+            <a:schemeClr val="accent1"/>
+          </a:fillRef>
+          <a:effectRef idx="0">
+            <a:schemeClr val="accent1"/>
+          </a:effectRef>
+          <a:fontRef idx="minor">
+            <a:schemeClr val="lt1"/>
+          </a:fontRef>
+        </p:style>
+        <p:txBody>
+          <a:bodyPr rtlCol="0" anchor="ctr"/>
+          <a:lstStyle/>
+          <a:p>
+            <a:pPr algn="ctr"/>
+            <a:r>
+              <a:rPr lang="en-GB" dirty="0"/>
+              <a:t>Database Server</a:t>
+            </a:r>
+          </a:p>
+        </p:txBody>
+      </p:sp>
+      <p:sp>
+        <p:nvSpPr>
+          <p:cNvPr id="19" name="TextBox 18">
+            <a:extLst>
+              <a:ext uri="{FF2B5EF4-FFF2-40B4-BE49-F238E27FC236}">
+                <a16:creationId xmlns:a16="http://schemas.microsoft.com/office/drawing/2014/main" id="{DCCFE37D-5944-42CE-9923-F3C690E4EE8E}"/>
               </a:ext>
             </a:extLst>
           </p:cNvPr>
@@ -8044,8 +7835,8 @@
         </p:nvSpPr>
         <p:spPr>
           <a:xfrm>
-            <a:off x="284701" y="3316160"/>
-            <a:ext cx="2539563" cy="584775"/>
+            <a:off x="2289908" y="2025650"/>
+            <a:ext cx="633046" cy="369332"/>
           </a:xfrm>
           <a:prstGeom prst="rect">
             <a:avLst/>
@@ -8059,8 +7850,1026 @@
           <a:lstStyle/>
           <a:p>
             <a:r>
-              <a:rPr lang="en-GB" sz="3200" dirty="0"/>
-              <a:t>IMS Starter…</a:t>
+              <a:rPr lang="en-GB" b="1" dirty="0"/>
+              <a:t>Java</a:t>
+            </a:r>
+          </a:p>
+        </p:txBody>
+      </p:sp>
+      <p:sp>
+        <p:nvSpPr>
+          <p:cNvPr id="21" name="TextBox 20">
+            <a:extLst>
+              <a:ext uri="{FF2B5EF4-FFF2-40B4-BE49-F238E27FC236}">
+                <a16:creationId xmlns:a16="http://schemas.microsoft.com/office/drawing/2014/main" id="{9219971B-8964-4FCB-8A9F-A43624FDD43F}"/>
+              </a:ext>
+            </a:extLst>
+          </p:cNvPr>
+          <p:cNvSpPr txBox="1"/>
+          <p:nvPr/>
+        </p:nvSpPr>
+        <p:spPr>
+          <a:xfrm>
+            <a:off x="5581160" y="2114494"/>
+            <a:ext cx="1236785" cy="369332"/>
+          </a:xfrm>
+          <a:prstGeom prst="rect">
+            <a:avLst/>
+          </a:prstGeom>
+          <a:noFill/>
+        </p:spPr>
+        <p:txBody>
+          <a:bodyPr wrap="square" rtlCol="0">
+            <a:spAutoFit/>
+          </a:bodyPr>
+          <a:lstStyle/>
+          <a:p>
+            <a:r>
+              <a:rPr lang="en-GB" b="1" dirty="0"/>
+              <a:t>Git/GitHub</a:t>
+            </a:r>
+          </a:p>
+        </p:txBody>
+      </p:sp>
+      <p:sp>
+        <p:nvSpPr>
+          <p:cNvPr id="23" name="TextBox 22">
+            <a:extLst>
+              <a:ext uri="{FF2B5EF4-FFF2-40B4-BE49-F238E27FC236}">
+                <a16:creationId xmlns:a16="http://schemas.microsoft.com/office/drawing/2014/main" id="{C46D435E-525E-40FA-999A-2CDD43DE6F11}"/>
+              </a:ext>
+            </a:extLst>
+          </p:cNvPr>
+          <p:cNvSpPr txBox="1"/>
+          <p:nvPr/>
+        </p:nvSpPr>
+        <p:spPr>
+          <a:xfrm>
+            <a:off x="9630019" y="2072541"/>
+            <a:ext cx="508977" cy="369332"/>
+          </a:xfrm>
+          <a:prstGeom prst="rect">
+            <a:avLst/>
+          </a:prstGeom>
+          <a:noFill/>
+        </p:spPr>
+        <p:txBody>
+          <a:bodyPr wrap="square" rtlCol="0">
+            <a:spAutoFit/>
+          </a:bodyPr>
+          <a:lstStyle/>
+          <a:p>
+            <a:r>
+              <a:rPr lang="en-GB" b="1" dirty="0"/>
+              <a:t>Jira</a:t>
+            </a:r>
+          </a:p>
+        </p:txBody>
+      </p:sp>
+      <p:sp>
+        <p:nvSpPr>
+          <p:cNvPr id="25" name="TextBox 24">
+            <a:extLst>
+              <a:ext uri="{FF2B5EF4-FFF2-40B4-BE49-F238E27FC236}">
+                <a16:creationId xmlns:a16="http://schemas.microsoft.com/office/drawing/2014/main" id="{5BA0BE65-1ED7-40FA-9EFA-1DD3294D4EC5}"/>
+              </a:ext>
+            </a:extLst>
+          </p:cNvPr>
+          <p:cNvSpPr txBox="1"/>
+          <p:nvPr/>
+        </p:nvSpPr>
+        <p:spPr>
+          <a:xfrm>
+            <a:off x="360973" y="4266767"/>
+            <a:ext cx="1263161" cy="369332"/>
+          </a:xfrm>
+          <a:prstGeom prst="rect">
+            <a:avLst/>
+          </a:prstGeom>
+          <a:noFill/>
+        </p:spPr>
+        <p:txBody>
+          <a:bodyPr wrap="square" rtlCol="0">
+            <a:spAutoFit/>
+          </a:bodyPr>
+          <a:lstStyle/>
+          <a:p>
+            <a:r>
+              <a:rPr lang="en-GB" b="1" dirty="0"/>
+              <a:t>H2 Console</a:t>
+            </a:r>
+          </a:p>
+        </p:txBody>
+      </p:sp>
+      <p:sp>
+        <p:nvSpPr>
+          <p:cNvPr id="27" name="TextBox 26">
+            <a:extLst>
+              <a:ext uri="{FF2B5EF4-FFF2-40B4-BE49-F238E27FC236}">
+                <a16:creationId xmlns:a16="http://schemas.microsoft.com/office/drawing/2014/main" id="{411202B2-1745-4376-8C40-162CA56159F1}"/>
+              </a:ext>
+            </a:extLst>
+          </p:cNvPr>
+          <p:cNvSpPr txBox="1"/>
+          <p:nvPr/>
+        </p:nvSpPr>
+        <p:spPr>
+          <a:xfrm>
+            <a:off x="9452707" y="4282423"/>
+            <a:ext cx="863600" cy="369332"/>
+          </a:xfrm>
+          <a:prstGeom prst="rect">
+            <a:avLst/>
+          </a:prstGeom>
+          <a:noFill/>
+        </p:spPr>
+        <p:txBody>
+          <a:bodyPr wrap="square" rtlCol="0">
+            <a:spAutoFit/>
+          </a:bodyPr>
+          <a:lstStyle/>
+          <a:p>
+            <a:r>
+              <a:rPr lang="en-GB" b="1" dirty="0"/>
+              <a:t>Maven</a:t>
+            </a:r>
+          </a:p>
+        </p:txBody>
+      </p:sp>
+      <p:sp>
+        <p:nvSpPr>
+          <p:cNvPr id="29" name="TextBox 28">
+            <a:extLst>
+              <a:ext uri="{FF2B5EF4-FFF2-40B4-BE49-F238E27FC236}">
+                <a16:creationId xmlns:a16="http://schemas.microsoft.com/office/drawing/2014/main" id="{39330EE3-CA14-4991-8C10-3C3579E794A7}"/>
+              </a:ext>
+            </a:extLst>
+          </p:cNvPr>
+          <p:cNvSpPr txBox="1"/>
+          <p:nvPr/>
+        </p:nvSpPr>
+        <p:spPr>
+          <a:xfrm>
+            <a:off x="8715890" y="6403062"/>
+            <a:ext cx="2567787" cy="369332"/>
+          </a:xfrm>
+          <a:prstGeom prst="rect">
+            <a:avLst/>
+          </a:prstGeom>
+          <a:noFill/>
+        </p:spPr>
+        <p:txBody>
+          <a:bodyPr wrap="square" rtlCol="0">
+            <a:spAutoFit/>
+          </a:bodyPr>
+          <a:lstStyle/>
+          <a:p>
+            <a:r>
+              <a:rPr lang="en-GB" b="1" dirty="0"/>
+              <a:t>Junit, Mockito, Selenium</a:t>
+            </a:r>
+          </a:p>
+        </p:txBody>
+      </p:sp>
+      <p:cxnSp>
+        <p:nvCxnSpPr>
+          <p:cNvPr id="31" name="Straight Arrow Connector 30">
+            <a:extLst>
+              <a:ext uri="{FF2B5EF4-FFF2-40B4-BE49-F238E27FC236}">
+                <a16:creationId xmlns:a16="http://schemas.microsoft.com/office/drawing/2014/main" id="{09264302-9169-4ABC-AC64-782B81E2B150}"/>
+              </a:ext>
+            </a:extLst>
+          </p:cNvPr>
+          <p:cNvCxnSpPr/>
+          <p:nvPr/>
+        </p:nvCxnSpPr>
+        <p:spPr>
+          <a:xfrm>
+            <a:off x="3462215" y="1430215"/>
+            <a:ext cx="1633416" cy="0"/>
+          </a:xfrm>
+          <a:prstGeom prst="straightConnector1">
+            <a:avLst/>
+          </a:prstGeom>
+          <a:ln>
+            <a:tailEnd type="triangle"/>
+          </a:ln>
+        </p:spPr>
+        <p:style>
+          <a:lnRef idx="1">
+            <a:schemeClr val="accent1"/>
+          </a:lnRef>
+          <a:fillRef idx="0">
+            <a:schemeClr val="accent1"/>
+          </a:fillRef>
+          <a:effectRef idx="0">
+            <a:schemeClr val="accent1"/>
+          </a:effectRef>
+          <a:fontRef idx="minor">
+            <a:schemeClr val="tx1"/>
+          </a:fontRef>
+        </p:style>
+      </p:cxnSp>
+      <p:cxnSp>
+        <p:nvCxnSpPr>
+          <p:cNvPr id="32" name="Straight Arrow Connector 31">
+            <a:extLst>
+              <a:ext uri="{FF2B5EF4-FFF2-40B4-BE49-F238E27FC236}">
+                <a16:creationId xmlns:a16="http://schemas.microsoft.com/office/drawing/2014/main" id="{AF0808B3-E285-4C2C-93EA-7C4AA8152799}"/>
+              </a:ext>
+            </a:extLst>
+          </p:cNvPr>
+          <p:cNvCxnSpPr/>
+          <p:nvPr/>
+        </p:nvCxnSpPr>
+        <p:spPr>
+          <a:xfrm>
+            <a:off x="7217507" y="1441938"/>
+            <a:ext cx="1633416" cy="0"/>
+          </a:xfrm>
+          <a:prstGeom prst="straightConnector1">
+            <a:avLst/>
+          </a:prstGeom>
+          <a:ln>
+            <a:tailEnd type="triangle"/>
+          </a:ln>
+        </p:spPr>
+        <p:style>
+          <a:lnRef idx="1">
+            <a:schemeClr val="accent1"/>
+          </a:lnRef>
+          <a:fillRef idx="0">
+            <a:schemeClr val="accent1"/>
+          </a:fillRef>
+          <a:effectRef idx="0">
+            <a:schemeClr val="accent1"/>
+          </a:effectRef>
+          <a:fontRef idx="minor">
+            <a:schemeClr val="tx1"/>
+          </a:fontRef>
+        </p:style>
+      </p:cxnSp>
+      <p:cxnSp>
+        <p:nvCxnSpPr>
+          <p:cNvPr id="33" name="Straight Arrow Connector 32">
+            <a:extLst>
+              <a:ext uri="{FF2B5EF4-FFF2-40B4-BE49-F238E27FC236}">
+                <a16:creationId xmlns:a16="http://schemas.microsoft.com/office/drawing/2014/main" id="{822A36D7-3FFD-4E58-8AB2-8A0B512FE231}"/>
+              </a:ext>
+            </a:extLst>
+          </p:cNvPr>
+          <p:cNvCxnSpPr/>
+          <p:nvPr/>
+        </p:nvCxnSpPr>
+        <p:spPr>
+          <a:xfrm>
+            <a:off x="7272215" y="3606334"/>
+            <a:ext cx="1633416" cy="0"/>
+          </a:xfrm>
+          <a:prstGeom prst="straightConnector1">
+            <a:avLst/>
+          </a:prstGeom>
+          <a:ln>
+            <a:tailEnd type="triangle"/>
+          </a:ln>
+        </p:spPr>
+        <p:style>
+          <a:lnRef idx="1">
+            <a:schemeClr val="accent1"/>
+          </a:lnRef>
+          <a:fillRef idx="0">
+            <a:schemeClr val="accent1"/>
+          </a:fillRef>
+          <a:effectRef idx="0">
+            <a:schemeClr val="accent1"/>
+          </a:effectRef>
+          <a:fontRef idx="minor">
+            <a:schemeClr val="tx1"/>
+          </a:fontRef>
+        </p:style>
+      </p:cxnSp>
+      <p:cxnSp>
+        <p:nvCxnSpPr>
+          <p:cNvPr id="34" name="Straight Arrow Connector 33">
+            <a:extLst>
+              <a:ext uri="{FF2B5EF4-FFF2-40B4-BE49-F238E27FC236}">
+                <a16:creationId xmlns:a16="http://schemas.microsoft.com/office/drawing/2014/main" id="{5847C02B-2625-4596-9B76-7E07ECC474DF}"/>
+              </a:ext>
+            </a:extLst>
+          </p:cNvPr>
+          <p:cNvCxnSpPr>
+            <a:cxnSpLocks/>
+          </p:cNvCxnSpPr>
+          <p:nvPr/>
+        </p:nvCxnSpPr>
+        <p:spPr>
+          <a:xfrm flipV="1">
+            <a:off x="1130302" y="2139272"/>
+            <a:ext cx="693615" cy="1015567"/>
+          </a:xfrm>
+          <a:prstGeom prst="straightConnector1">
+            <a:avLst/>
+          </a:prstGeom>
+          <a:ln>
+            <a:tailEnd type="triangle"/>
+          </a:ln>
+        </p:spPr>
+        <p:style>
+          <a:lnRef idx="1">
+            <a:schemeClr val="accent1"/>
+          </a:lnRef>
+          <a:fillRef idx="0">
+            <a:schemeClr val="accent1"/>
+          </a:fillRef>
+          <a:effectRef idx="0">
+            <a:schemeClr val="accent1"/>
+          </a:effectRef>
+          <a:fontRef idx="minor">
+            <a:schemeClr val="tx1"/>
+          </a:fontRef>
+        </p:style>
+      </p:cxnSp>
+      <p:cxnSp>
+        <p:nvCxnSpPr>
+          <p:cNvPr id="36" name="Straight Arrow Connector 35">
+            <a:extLst>
+              <a:ext uri="{FF2B5EF4-FFF2-40B4-BE49-F238E27FC236}">
+                <a16:creationId xmlns:a16="http://schemas.microsoft.com/office/drawing/2014/main" id="{3EF6C073-64B7-44AE-9FB2-E950B20F2488}"/>
+              </a:ext>
+            </a:extLst>
+          </p:cNvPr>
+          <p:cNvCxnSpPr>
+            <a:cxnSpLocks/>
+          </p:cNvCxnSpPr>
+          <p:nvPr/>
+        </p:nvCxnSpPr>
+        <p:spPr>
+          <a:xfrm flipH="1">
+            <a:off x="3462215" y="1910371"/>
+            <a:ext cx="1633416" cy="1"/>
+          </a:xfrm>
+          <a:prstGeom prst="straightConnector1">
+            <a:avLst/>
+          </a:prstGeom>
+          <a:ln>
+            <a:tailEnd type="triangle"/>
+          </a:ln>
+        </p:spPr>
+        <p:style>
+          <a:lnRef idx="1">
+            <a:schemeClr val="accent1"/>
+          </a:lnRef>
+          <a:fillRef idx="0">
+            <a:schemeClr val="accent1"/>
+          </a:fillRef>
+          <a:effectRef idx="0">
+            <a:schemeClr val="accent1"/>
+          </a:effectRef>
+          <a:fontRef idx="minor">
+            <a:schemeClr val="tx1"/>
+          </a:fontRef>
+        </p:style>
+      </p:cxnSp>
+      <p:cxnSp>
+        <p:nvCxnSpPr>
+          <p:cNvPr id="39" name="Straight Arrow Connector 38">
+            <a:extLst>
+              <a:ext uri="{FF2B5EF4-FFF2-40B4-BE49-F238E27FC236}">
+                <a16:creationId xmlns:a16="http://schemas.microsoft.com/office/drawing/2014/main" id="{6A529FBC-4BEC-4906-8590-10D96E45D219}"/>
+              </a:ext>
+            </a:extLst>
+          </p:cNvPr>
+          <p:cNvCxnSpPr>
+            <a:cxnSpLocks/>
+          </p:cNvCxnSpPr>
+          <p:nvPr/>
+        </p:nvCxnSpPr>
+        <p:spPr>
+          <a:xfrm flipH="1">
+            <a:off x="7217507" y="1910370"/>
+            <a:ext cx="1633416" cy="1"/>
+          </a:xfrm>
+          <a:prstGeom prst="straightConnector1">
+            <a:avLst/>
+          </a:prstGeom>
+          <a:ln>
+            <a:tailEnd type="triangle"/>
+          </a:ln>
+        </p:spPr>
+        <p:style>
+          <a:lnRef idx="1">
+            <a:schemeClr val="accent1"/>
+          </a:lnRef>
+          <a:fillRef idx="0">
+            <a:schemeClr val="accent1"/>
+          </a:fillRef>
+          <a:effectRef idx="0">
+            <a:schemeClr val="accent1"/>
+          </a:effectRef>
+          <a:fontRef idx="minor">
+            <a:schemeClr val="tx1"/>
+          </a:fontRef>
+        </p:style>
+      </p:cxnSp>
+      <p:cxnSp>
+        <p:nvCxnSpPr>
+          <p:cNvPr id="40" name="Straight Arrow Connector 39">
+            <a:extLst>
+              <a:ext uri="{FF2B5EF4-FFF2-40B4-BE49-F238E27FC236}">
+                <a16:creationId xmlns:a16="http://schemas.microsoft.com/office/drawing/2014/main" id="{5850AE12-13FE-4BA3-A11D-A19E120AC455}"/>
+              </a:ext>
+            </a:extLst>
+          </p:cNvPr>
+          <p:cNvCxnSpPr>
+            <a:cxnSpLocks/>
+          </p:cNvCxnSpPr>
+          <p:nvPr/>
+        </p:nvCxnSpPr>
+        <p:spPr>
+          <a:xfrm flipH="1">
+            <a:off x="7217507" y="4074765"/>
+            <a:ext cx="1633416" cy="1"/>
+          </a:xfrm>
+          <a:prstGeom prst="straightConnector1">
+            <a:avLst/>
+          </a:prstGeom>
+          <a:ln>
+            <a:tailEnd type="triangle"/>
+          </a:ln>
+        </p:spPr>
+        <p:style>
+          <a:lnRef idx="1">
+            <a:schemeClr val="accent1"/>
+          </a:lnRef>
+          <a:fillRef idx="0">
+            <a:schemeClr val="accent1"/>
+          </a:fillRef>
+          <a:effectRef idx="0">
+            <a:schemeClr val="accent1"/>
+          </a:effectRef>
+          <a:fontRef idx="minor">
+            <a:schemeClr val="tx1"/>
+          </a:fontRef>
+        </p:style>
+      </p:cxnSp>
+      <p:cxnSp>
+        <p:nvCxnSpPr>
+          <p:cNvPr id="41" name="Straight Arrow Connector 40">
+            <a:extLst>
+              <a:ext uri="{FF2B5EF4-FFF2-40B4-BE49-F238E27FC236}">
+                <a16:creationId xmlns:a16="http://schemas.microsoft.com/office/drawing/2014/main" id="{87772D97-E16B-4515-84F8-0DB7E8A51B64}"/>
+              </a:ext>
+            </a:extLst>
+          </p:cNvPr>
+          <p:cNvCxnSpPr>
+            <a:cxnSpLocks/>
+          </p:cNvCxnSpPr>
+          <p:nvPr/>
+        </p:nvCxnSpPr>
+        <p:spPr>
+          <a:xfrm>
+            <a:off x="9999784" y="4651755"/>
+            <a:ext cx="0" cy="686157"/>
+          </a:xfrm>
+          <a:prstGeom prst="straightConnector1">
+            <a:avLst/>
+          </a:prstGeom>
+          <a:ln>
+            <a:tailEnd type="triangle"/>
+          </a:ln>
+        </p:spPr>
+        <p:style>
+          <a:lnRef idx="1">
+            <a:schemeClr val="accent1"/>
+          </a:lnRef>
+          <a:fillRef idx="0">
+            <a:schemeClr val="accent1"/>
+          </a:fillRef>
+          <a:effectRef idx="0">
+            <a:schemeClr val="accent1"/>
+          </a:effectRef>
+          <a:fontRef idx="minor">
+            <a:schemeClr val="tx1"/>
+          </a:fontRef>
+        </p:style>
+      </p:cxnSp>
+      <p:cxnSp>
+        <p:nvCxnSpPr>
+          <p:cNvPr id="44" name="Straight Arrow Connector 43">
+            <a:extLst>
+              <a:ext uri="{FF2B5EF4-FFF2-40B4-BE49-F238E27FC236}">
+                <a16:creationId xmlns:a16="http://schemas.microsoft.com/office/drawing/2014/main" id="{A06D2270-E5D2-49EA-9307-B240B292AFC0}"/>
+              </a:ext>
+            </a:extLst>
+          </p:cNvPr>
+          <p:cNvCxnSpPr>
+            <a:cxnSpLocks/>
+          </p:cNvCxnSpPr>
+          <p:nvPr/>
+        </p:nvCxnSpPr>
+        <p:spPr>
+          <a:xfrm flipV="1">
+            <a:off x="9710615" y="4651755"/>
+            <a:ext cx="0" cy="686157"/>
+          </a:xfrm>
+          <a:prstGeom prst="straightConnector1">
+            <a:avLst/>
+          </a:prstGeom>
+          <a:ln>
+            <a:tailEnd type="triangle"/>
+          </a:ln>
+        </p:spPr>
+        <p:style>
+          <a:lnRef idx="1">
+            <a:schemeClr val="accent1"/>
+          </a:lnRef>
+          <a:fillRef idx="0">
+            <a:schemeClr val="accent1"/>
+          </a:fillRef>
+          <a:effectRef idx="0">
+            <a:schemeClr val="accent1"/>
+          </a:effectRef>
+          <a:fontRef idx="minor">
+            <a:schemeClr val="tx1"/>
+          </a:fontRef>
+        </p:style>
+      </p:cxnSp>
+      <p:cxnSp>
+        <p:nvCxnSpPr>
+          <p:cNvPr id="49" name="Straight Arrow Connector 48">
+            <a:extLst>
+              <a:ext uri="{FF2B5EF4-FFF2-40B4-BE49-F238E27FC236}">
+                <a16:creationId xmlns:a16="http://schemas.microsoft.com/office/drawing/2014/main" id="{FDCC995E-F27E-4666-8CA6-D8B6C428E755}"/>
+              </a:ext>
+            </a:extLst>
+          </p:cNvPr>
+          <p:cNvCxnSpPr>
+            <a:cxnSpLocks/>
+          </p:cNvCxnSpPr>
+          <p:nvPr/>
+        </p:nvCxnSpPr>
+        <p:spPr>
+          <a:xfrm>
+            <a:off x="6338276" y="2483826"/>
+            <a:ext cx="0" cy="686157"/>
+          </a:xfrm>
+          <a:prstGeom prst="straightConnector1">
+            <a:avLst/>
+          </a:prstGeom>
+          <a:ln>
+            <a:tailEnd type="triangle"/>
+          </a:ln>
+        </p:spPr>
+        <p:style>
+          <a:lnRef idx="1">
+            <a:schemeClr val="accent1"/>
+          </a:lnRef>
+          <a:fillRef idx="0">
+            <a:schemeClr val="accent1"/>
+          </a:fillRef>
+          <a:effectRef idx="0">
+            <a:schemeClr val="accent1"/>
+          </a:effectRef>
+          <a:fontRef idx="minor">
+            <a:schemeClr val="tx1"/>
+          </a:fontRef>
+        </p:style>
+      </p:cxnSp>
+      <p:cxnSp>
+        <p:nvCxnSpPr>
+          <p:cNvPr id="50" name="Straight Arrow Connector 49">
+            <a:extLst>
+              <a:ext uri="{FF2B5EF4-FFF2-40B4-BE49-F238E27FC236}">
+                <a16:creationId xmlns:a16="http://schemas.microsoft.com/office/drawing/2014/main" id="{6E51745A-9A8C-46FF-AC6D-70AE6F128027}"/>
+              </a:ext>
+            </a:extLst>
+          </p:cNvPr>
+          <p:cNvCxnSpPr>
+            <a:cxnSpLocks/>
+          </p:cNvCxnSpPr>
+          <p:nvPr/>
+        </p:nvCxnSpPr>
+        <p:spPr>
+          <a:xfrm flipV="1">
+            <a:off x="6049107" y="2483826"/>
+            <a:ext cx="0" cy="686157"/>
+          </a:xfrm>
+          <a:prstGeom prst="straightConnector1">
+            <a:avLst/>
+          </a:prstGeom>
+          <a:ln>
+            <a:tailEnd type="triangle"/>
+          </a:ln>
+        </p:spPr>
+        <p:style>
+          <a:lnRef idx="1">
+            <a:schemeClr val="accent1"/>
+          </a:lnRef>
+          <a:fillRef idx="0">
+            <a:schemeClr val="accent1"/>
+          </a:fillRef>
+          <a:effectRef idx="0">
+            <a:schemeClr val="accent1"/>
+          </a:effectRef>
+          <a:fontRef idx="minor">
+            <a:schemeClr val="tx1"/>
+          </a:fontRef>
+        </p:style>
+      </p:cxnSp>
+      <p:sp>
+        <p:nvSpPr>
+          <p:cNvPr id="52" name="TextBox 51">
+            <a:extLst>
+              <a:ext uri="{FF2B5EF4-FFF2-40B4-BE49-F238E27FC236}">
+                <a16:creationId xmlns:a16="http://schemas.microsoft.com/office/drawing/2014/main" id="{1C4FB638-E26A-4FD0-8E56-CEF6AD3423E8}"/>
+              </a:ext>
+            </a:extLst>
+          </p:cNvPr>
+          <p:cNvSpPr txBox="1"/>
+          <p:nvPr/>
+        </p:nvSpPr>
+        <p:spPr>
+          <a:xfrm>
+            <a:off x="3970212" y="1095328"/>
+            <a:ext cx="631091" cy="307777"/>
+          </a:xfrm>
+          <a:prstGeom prst="rect">
+            <a:avLst/>
+          </a:prstGeom>
+          <a:noFill/>
+        </p:spPr>
+        <p:txBody>
+          <a:bodyPr wrap="square" rtlCol="0">
+            <a:spAutoFit/>
+          </a:bodyPr>
+          <a:lstStyle/>
+          <a:p>
+            <a:r>
+              <a:rPr lang="en-GB" sz="1400" dirty="0"/>
+              <a:t>Push</a:t>
+            </a:r>
+          </a:p>
+        </p:txBody>
+      </p:sp>
+      <p:sp>
+        <p:nvSpPr>
+          <p:cNvPr id="54" name="TextBox 53">
+            <a:extLst>
+              <a:ext uri="{FF2B5EF4-FFF2-40B4-BE49-F238E27FC236}">
+                <a16:creationId xmlns:a16="http://schemas.microsoft.com/office/drawing/2014/main" id="{32CF7C48-90A7-4CF4-A382-6674A498AA86}"/>
+              </a:ext>
+            </a:extLst>
+          </p:cNvPr>
+          <p:cNvSpPr txBox="1"/>
+          <p:nvPr/>
+        </p:nvSpPr>
+        <p:spPr>
+          <a:xfrm>
+            <a:off x="3963376" y="1964591"/>
+            <a:ext cx="631091" cy="307777"/>
+          </a:xfrm>
+          <a:prstGeom prst="rect">
+            <a:avLst/>
+          </a:prstGeom>
+          <a:noFill/>
+        </p:spPr>
+        <p:txBody>
+          <a:bodyPr wrap="square" rtlCol="0">
+            <a:spAutoFit/>
+          </a:bodyPr>
+          <a:lstStyle/>
+          <a:p>
+            <a:r>
+              <a:rPr lang="en-GB" sz="1400" dirty="0"/>
+              <a:t>Pull</a:t>
+            </a:r>
+          </a:p>
+        </p:txBody>
+      </p:sp>
+      <p:sp>
+        <p:nvSpPr>
+          <p:cNvPr id="56" name="TextBox 55">
+            <a:extLst>
+              <a:ext uri="{FF2B5EF4-FFF2-40B4-BE49-F238E27FC236}">
+                <a16:creationId xmlns:a16="http://schemas.microsoft.com/office/drawing/2014/main" id="{6D9B82CD-F80B-46B9-A7C6-A26D7A7D9780}"/>
+              </a:ext>
+            </a:extLst>
+          </p:cNvPr>
+          <p:cNvSpPr txBox="1"/>
+          <p:nvPr/>
+        </p:nvSpPr>
+        <p:spPr>
+          <a:xfrm>
+            <a:off x="7427789" y="1023791"/>
+            <a:ext cx="1212851" cy="307777"/>
+          </a:xfrm>
+          <a:prstGeom prst="rect">
+            <a:avLst/>
+          </a:prstGeom>
+          <a:noFill/>
+        </p:spPr>
+        <p:txBody>
+          <a:bodyPr wrap="square" rtlCol="0">
+            <a:spAutoFit/>
+          </a:bodyPr>
+          <a:lstStyle/>
+          <a:p>
+            <a:r>
+              <a:rPr lang="en-GB" sz="1400" dirty="0"/>
+              <a:t>Update Work</a:t>
+            </a:r>
+          </a:p>
+        </p:txBody>
+      </p:sp>
+      <p:sp>
+        <p:nvSpPr>
+          <p:cNvPr id="58" name="TextBox 57">
+            <a:extLst>
+              <a:ext uri="{FF2B5EF4-FFF2-40B4-BE49-F238E27FC236}">
+                <a16:creationId xmlns:a16="http://schemas.microsoft.com/office/drawing/2014/main" id="{283F189B-8C4D-4BAC-AAE0-DE91C2267899}"/>
+              </a:ext>
+            </a:extLst>
+          </p:cNvPr>
+          <p:cNvSpPr txBox="1"/>
+          <p:nvPr/>
+        </p:nvSpPr>
+        <p:spPr>
+          <a:xfrm>
+            <a:off x="7586419" y="2099461"/>
+            <a:ext cx="1005007" cy="307777"/>
+          </a:xfrm>
+          <a:prstGeom prst="rect">
+            <a:avLst/>
+          </a:prstGeom>
+          <a:noFill/>
+        </p:spPr>
+        <p:txBody>
+          <a:bodyPr wrap="square" rtlCol="0">
+            <a:spAutoFit/>
+          </a:bodyPr>
+          <a:lstStyle/>
+          <a:p>
+            <a:r>
+              <a:rPr lang="en-GB" sz="1400" dirty="0"/>
+              <a:t>Get Work</a:t>
+            </a:r>
+          </a:p>
+        </p:txBody>
+      </p:sp>
+      <p:sp>
+        <p:nvSpPr>
+          <p:cNvPr id="60" name="TextBox 59">
+            <a:extLst>
+              <a:ext uri="{FF2B5EF4-FFF2-40B4-BE49-F238E27FC236}">
+                <a16:creationId xmlns:a16="http://schemas.microsoft.com/office/drawing/2014/main" id="{48D825ED-432D-4281-84D1-50A06CA331F4}"/>
+              </a:ext>
+            </a:extLst>
+          </p:cNvPr>
+          <p:cNvSpPr txBox="1"/>
+          <p:nvPr/>
+        </p:nvSpPr>
+        <p:spPr>
+          <a:xfrm>
+            <a:off x="8617195" y="4943143"/>
+            <a:ext cx="1047251" cy="307777"/>
+          </a:xfrm>
+          <a:prstGeom prst="rect">
+            <a:avLst/>
+          </a:prstGeom>
+          <a:noFill/>
+        </p:spPr>
+        <p:txBody>
+          <a:bodyPr wrap="square" rtlCol="0">
+            <a:spAutoFit/>
+          </a:bodyPr>
+          <a:lstStyle/>
+          <a:p>
+            <a:r>
+              <a:rPr lang="en-GB" sz="1400" dirty="0"/>
+              <a:t>Test Results</a:t>
+            </a:r>
+          </a:p>
+        </p:txBody>
+      </p:sp>
+      <p:sp>
+        <p:nvSpPr>
+          <p:cNvPr id="62" name="TextBox 61">
+            <a:extLst>
+              <a:ext uri="{FF2B5EF4-FFF2-40B4-BE49-F238E27FC236}">
+                <a16:creationId xmlns:a16="http://schemas.microsoft.com/office/drawing/2014/main" id="{47F0ED84-D64E-4181-AEB3-F19D072288A4}"/>
+              </a:ext>
+            </a:extLst>
+          </p:cNvPr>
+          <p:cNvSpPr txBox="1"/>
+          <p:nvPr/>
+        </p:nvSpPr>
+        <p:spPr>
+          <a:xfrm>
+            <a:off x="10138996" y="4943143"/>
+            <a:ext cx="1005741" cy="307777"/>
+          </a:xfrm>
+          <a:prstGeom prst="rect">
+            <a:avLst/>
+          </a:prstGeom>
+          <a:noFill/>
+        </p:spPr>
+        <p:txBody>
+          <a:bodyPr wrap="square" rtlCol="0">
+            <a:spAutoFit/>
+          </a:bodyPr>
+          <a:lstStyle/>
+          <a:p>
+            <a:r>
+              <a:rPr lang="en-GB" sz="1400" dirty="0"/>
+              <a:t>Send Tests</a:t>
+            </a:r>
+          </a:p>
+        </p:txBody>
+      </p:sp>
+      <p:sp>
+        <p:nvSpPr>
+          <p:cNvPr id="63" name="Title 1">
+            <a:extLst>
+              <a:ext uri="{FF2B5EF4-FFF2-40B4-BE49-F238E27FC236}">
+                <a16:creationId xmlns:a16="http://schemas.microsoft.com/office/drawing/2014/main" id="{54842D76-68EE-4DA6-8C03-76463EADB9E4}"/>
+              </a:ext>
+            </a:extLst>
+          </p:cNvPr>
+          <p:cNvSpPr>
+            <a:spLocks noGrp="1"/>
+          </p:cNvSpPr>
+          <p:nvPr>
+            <p:ph type="title"/>
+          </p:nvPr>
+        </p:nvSpPr>
+        <p:spPr>
+          <a:xfrm>
+            <a:off x="1340336" y="5045157"/>
+            <a:ext cx="3974121" cy="1285349"/>
+          </a:xfrm>
+        </p:spPr>
+        <p:txBody>
+          <a:bodyPr vert="horz" lIns="91440" tIns="45720" rIns="91440" bIns="45720" rtlCol="0" anchor="b">
+            <a:normAutofit fontScale="90000"/>
+          </a:bodyPr>
+          <a:lstStyle/>
+          <a:p>
+            <a:pPr algn="ctr"/>
+            <a:r>
+              <a:rPr lang="en-US" sz="6600" u="sng" dirty="0"/>
+              <a:t>CI PIPELINE</a:t>
+            </a:r>
+          </a:p>
+        </p:txBody>
+      </p:sp>
+      <p:sp>
+        <p:nvSpPr>
+          <p:cNvPr id="2" name="TextBox 1">
+            <a:extLst>
+              <a:ext uri="{FF2B5EF4-FFF2-40B4-BE49-F238E27FC236}">
+                <a16:creationId xmlns:a16="http://schemas.microsoft.com/office/drawing/2014/main" id="{913393BD-1979-4017-853D-0FC397FB1E8B}"/>
+              </a:ext>
+            </a:extLst>
+          </p:cNvPr>
+          <p:cNvSpPr txBox="1"/>
+          <p:nvPr/>
+        </p:nvSpPr>
+        <p:spPr>
+          <a:xfrm>
+            <a:off x="5767752" y="4276209"/>
+            <a:ext cx="863600" cy="369332"/>
+          </a:xfrm>
+          <a:prstGeom prst="rect">
+            <a:avLst/>
+          </a:prstGeom>
+          <a:noFill/>
+        </p:spPr>
+        <p:txBody>
+          <a:bodyPr wrap="square" rtlCol="0">
+            <a:spAutoFit/>
+          </a:bodyPr>
+          <a:lstStyle/>
+          <a:p>
+            <a:r>
+              <a:rPr lang="en-GB" i="1" dirty="0">
+                <a:solidFill>
+                  <a:schemeClr val="bg1">
+                    <a:lumMod val="75000"/>
+                  </a:schemeClr>
+                </a:solidFill>
+              </a:rPr>
+              <a:t>Jenkins</a:t>
+            </a:r>
+          </a:p>
+        </p:txBody>
+      </p:sp>
+      <p:cxnSp>
+        <p:nvCxnSpPr>
+          <p:cNvPr id="37" name="Straight Arrow Connector 36">
+            <a:extLst>
+              <a:ext uri="{FF2B5EF4-FFF2-40B4-BE49-F238E27FC236}">
+                <a16:creationId xmlns:a16="http://schemas.microsoft.com/office/drawing/2014/main" id="{F9245A47-ABE7-4DE6-AA44-AF5C58911DEF}"/>
+              </a:ext>
+            </a:extLst>
+          </p:cNvPr>
+          <p:cNvCxnSpPr>
+            <a:cxnSpLocks/>
+          </p:cNvCxnSpPr>
+          <p:nvPr/>
+        </p:nvCxnSpPr>
+        <p:spPr>
+          <a:xfrm rot="10800000" flipV="1">
+            <a:off x="783494" y="1928519"/>
+            <a:ext cx="693615" cy="1015567"/>
+          </a:xfrm>
+          <a:prstGeom prst="straightConnector1">
+            <a:avLst/>
+          </a:prstGeom>
+          <a:ln>
+            <a:tailEnd type="triangle"/>
+          </a:ln>
+        </p:spPr>
+        <p:style>
+          <a:lnRef idx="1">
+            <a:schemeClr val="accent1"/>
+          </a:lnRef>
+          <a:fillRef idx="0">
+            <a:schemeClr val="accent1"/>
+          </a:fillRef>
+          <a:effectRef idx="0">
+            <a:schemeClr val="accent1"/>
+          </a:effectRef>
+          <a:fontRef idx="minor">
+            <a:schemeClr val="tx1"/>
+          </a:fontRef>
+        </p:style>
+      </p:cxnSp>
+      <p:sp>
+        <p:nvSpPr>
+          <p:cNvPr id="5" name="TextBox 4">
+            <a:extLst>
+              <a:ext uri="{FF2B5EF4-FFF2-40B4-BE49-F238E27FC236}">
+                <a16:creationId xmlns:a16="http://schemas.microsoft.com/office/drawing/2014/main" id="{3F13ADEA-657B-4883-8C89-E9C37DF86403}"/>
+              </a:ext>
+            </a:extLst>
+          </p:cNvPr>
+          <p:cNvSpPr txBox="1"/>
+          <p:nvPr/>
+        </p:nvSpPr>
+        <p:spPr>
+          <a:xfrm>
+            <a:off x="75229" y="1831495"/>
+            <a:ext cx="1397972" cy="307777"/>
+          </a:xfrm>
+          <a:prstGeom prst="rect">
+            <a:avLst/>
+          </a:prstGeom>
+          <a:noFill/>
+        </p:spPr>
+        <p:txBody>
+          <a:bodyPr wrap="square" rtlCol="0">
+            <a:spAutoFit/>
+          </a:bodyPr>
+          <a:lstStyle/>
+          <a:p>
+            <a:r>
+              <a:rPr lang="en-GB" sz="1400" dirty="0"/>
+              <a:t>Access database</a:t>
+            </a:r>
+          </a:p>
+        </p:txBody>
+      </p:sp>
+      <p:sp>
+        <p:nvSpPr>
+          <p:cNvPr id="7" name="TextBox 6">
+            <a:extLst>
+              <a:ext uri="{FF2B5EF4-FFF2-40B4-BE49-F238E27FC236}">
+                <a16:creationId xmlns:a16="http://schemas.microsoft.com/office/drawing/2014/main" id="{5064E4DB-9DE5-4AF4-BB33-72594E0E46C8}"/>
+              </a:ext>
+            </a:extLst>
+          </p:cNvPr>
+          <p:cNvSpPr txBox="1"/>
+          <p:nvPr/>
+        </p:nvSpPr>
+        <p:spPr>
+          <a:xfrm>
+            <a:off x="1360243" y="2874812"/>
+            <a:ext cx="1828431" cy="307777"/>
+          </a:xfrm>
+          <a:prstGeom prst="rect">
+            <a:avLst/>
+          </a:prstGeom>
+          <a:noFill/>
+        </p:spPr>
+        <p:txBody>
+          <a:bodyPr wrap="square" rtlCol="0">
+            <a:spAutoFit/>
+          </a:bodyPr>
+          <a:lstStyle/>
+          <a:p>
+            <a:r>
+              <a:rPr lang="en-GB" sz="1400" dirty="0"/>
+              <a:t>Send schema and data</a:t>
             </a:r>
           </a:p>
         </p:txBody>
@@ -8068,7 +8877,7 @@
     </p:spTree>
     <p:extLst>
       <p:ext uri="{BB962C8B-B14F-4D97-AF65-F5344CB8AC3E}">
-        <p14:creationId xmlns:p14="http://schemas.microsoft.com/office/powerpoint/2010/main" val="1248129071"/>
+        <p14:creationId xmlns:p14="http://schemas.microsoft.com/office/powerpoint/2010/main" val="3449752075"/>
       </p:ext>
     </p:extLst>
   </p:cSld>
@@ -8095,1400 +8904,104 @@
           <a:chExt cx="0" cy="0"/>
         </a:xfrm>
       </p:grpSpPr>
-      <p:sp>
-        <p:nvSpPr>
-          <p:cNvPr id="6" name="Rectangle: Rounded Corners 5">
-            <a:extLst>
-              <a:ext uri="{FF2B5EF4-FFF2-40B4-BE49-F238E27FC236}">
-                <a16:creationId xmlns:a16="http://schemas.microsoft.com/office/drawing/2014/main" id="{0EC3879F-BF7F-48DE-9D99-A6D84981FB51}"/>
-              </a:ext>
-            </a:extLst>
-          </p:cNvPr>
-          <p:cNvSpPr/>
+      <p:pic>
+        <p:nvPicPr>
+          <p:cNvPr id="4" name="Picture 3">
+            <a:extLst>
+              <a:ext uri="{FF2B5EF4-FFF2-40B4-BE49-F238E27FC236}">
+                <a16:creationId xmlns:a16="http://schemas.microsoft.com/office/drawing/2014/main" id="{86382A9E-FF04-4BB7-AAD7-6ED40B84A3EB}"/>
+              </a:ext>
+            </a:extLst>
+          </p:cNvPr>
+          <p:cNvPicPr>
+            <a:picLocks noChangeAspect="1"/>
+          </p:cNvPicPr>
           <p:nvPr/>
-        </p:nvSpPr>
-        <p:spPr>
-          <a:xfrm>
-            <a:off x="1879600" y="1261696"/>
-            <a:ext cx="1453662" cy="679938"/>
-          </a:xfrm>
-          <a:prstGeom prst="roundRect">
-            <a:avLst/>
-          </a:prstGeom>
-        </p:spPr>
-        <p:style>
-          <a:lnRef idx="2">
-            <a:schemeClr val="accent1">
-              <a:shade val="50000"/>
-            </a:schemeClr>
-          </a:lnRef>
-          <a:fillRef idx="1">
-            <a:schemeClr val="accent1"/>
-          </a:fillRef>
-          <a:effectRef idx="0">
-            <a:schemeClr val="accent1"/>
-          </a:effectRef>
-          <a:fontRef idx="minor">
-            <a:schemeClr val="lt1"/>
-          </a:fontRef>
-        </p:style>
-        <p:txBody>
-          <a:bodyPr rtlCol="0" anchor="ctr"/>
-          <a:lstStyle/>
-          <a:p>
-            <a:pPr algn="ctr"/>
-            <a:r>
-              <a:rPr lang="en-GB" dirty="0"/>
-              <a:t>Source Code</a:t>
-            </a:r>
-          </a:p>
-        </p:txBody>
-      </p:sp>
-      <p:sp>
-        <p:nvSpPr>
-          <p:cNvPr id="8" name="Rectangle: Rounded Corners 7">
-            <a:extLst>
-              <a:ext uri="{FF2B5EF4-FFF2-40B4-BE49-F238E27FC236}">
-                <a16:creationId xmlns:a16="http://schemas.microsoft.com/office/drawing/2014/main" id="{C5E4C87D-1132-454D-AC66-75C86D020BB9}"/>
-              </a:ext>
-            </a:extLst>
-          </p:cNvPr>
-          <p:cNvSpPr/>
-          <p:nvPr/>
-        </p:nvSpPr>
-        <p:spPr>
-          <a:xfrm>
-            <a:off x="5380891" y="1177680"/>
-            <a:ext cx="1637324" cy="847970"/>
-          </a:xfrm>
-          <a:prstGeom prst="roundRect">
-            <a:avLst/>
-          </a:prstGeom>
-        </p:spPr>
-        <p:style>
-          <a:lnRef idx="2">
-            <a:schemeClr val="accent1">
-              <a:shade val="50000"/>
-            </a:schemeClr>
-          </a:lnRef>
-          <a:fillRef idx="1">
-            <a:schemeClr val="accent1"/>
-          </a:fillRef>
-          <a:effectRef idx="0">
-            <a:schemeClr val="accent1"/>
-          </a:effectRef>
-          <a:fontRef idx="minor">
-            <a:schemeClr val="lt1"/>
-          </a:fontRef>
-        </p:style>
-        <p:txBody>
-          <a:bodyPr rtlCol="0" anchor="ctr"/>
-          <a:lstStyle/>
-          <a:p>
-            <a:pPr algn="ctr"/>
-            <a:r>
-              <a:rPr lang="en-GB" dirty="0"/>
-              <a:t>Version Control System</a:t>
-            </a:r>
-          </a:p>
-        </p:txBody>
-      </p:sp>
-      <p:sp>
-        <p:nvSpPr>
-          <p:cNvPr id="10" name="Rectangle: Rounded Corners 9">
-            <a:extLst>
-              <a:ext uri="{FF2B5EF4-FFF2-40B4-BE49-F238E27FC236}">
-                <a16:creationId xmlns:a16="http://schemas.microsoft.com/office/drawing/2014/main" id="{B293D816-F9CB-495C-9DE3-0FFC8175B800}"/>
-              </a:ext>
-            </a:extLst>
-          </p:cNvPr>
-          <p:cNvSpPr/>
-          <p:nvPr/>
-        </p:nvSpPr>
-        <p:spPr>
-          <a:xfrm>
-            <a:off x="9065844" y="1177680"/>
-            <a:ext cx="1637324" cy="847970"/>
-          </a:xfrm>
-          <a:prstGeom prst="roundRect">
-            <a:avLst/>
-          </a:prstGeom>
-        </p:spPr>
-        <p:style>
-          <a:lnRef idx="2">
-            <a:schemeClr val="accent1">
-              <a:shade val="50000"/>
-            </a:schemeClr>
-          </a:lnRef>
-          <a:fillRef idx="1">
-            <a:schemeClr val="accent1"/>
-          </a:fillRef>
-          <a:effectRef idx="0">
-            <a:schemeClr val="accent1"/>
-          </a:effectRef>
-          <a:fontRef idx="minor">
-            <a:schemeClr val="lt1"/>
-          </a:fontRef>
-        </p:style>
-        <p:txBody>
-          <a:bodyPr rtlCol="0" anchor="ctr"/>
-          <a:lstStyle/>
-          <a:p>
-            <a:pPr algn="ctr"/>
-            <a:r>
-              <a:rPr lang="en-GB" dirty="0"/>
-              <a:t>Project Tracking</a:t>
-            </a:r>
-          </a:p>
-        </p:txBody>
-      </p:sp>
-      <p:sp>
-        <p:nvSpPr>
-          <p:cNvPr id="12" name="Rectangle: Rounded Corners 11">
-            <a:extLst>
-              <a:ext uri="{FF2B5EF4-FFF2-40B4-BE49-F238E27FC236}">
-                <a16:creationId xmlns:a16="http://schemas.microsoft.com/office/drawing/2014/main" id="{5AB3D61F-B522-4D47-8941-19BA0E274AF8}"/>
-              </a:ext>
-            </a:extLst>
-          </p:cNvPr>
-          <p:cNvSpPr/>
-          <p:nvPr/>
-        </p:nvSpPr>
-        <p:spPr>
-          <a:xfrm>
-            <a:off x="5380891" y="3336704"/>
-            <a:ext cx="1637324" cy="847970"/>
-          </a:xfrm>
-          <a:prstGeom prst="roundRect">
-            <a:avLst/>
-          </a:prstGeom>
-        </p:spPr>
-        <p:style>
-          <a:lnRef idx="2">
-            <a:schemeClr val="accent1">
-              <a:shade val="50000"/>
-            </a:schemeClr>
-          </a:lnRef>
-          <a:fillRef idx="1">
-            <a:schemeClr val="accent1"/>
-          </a:fillRef>
-          <a:effectRef idx="0">
-            <a:schemeClr val="accent1"/>
-          </a:effectRef>
-          <a:fontRef idx="minor">
-            <a:schemeClr val="lt1"/>
-          </a:fontRef>
-        </p:style>
-        <p:txBody>
-          <a:bodyPr rtlCol="0" anchor="ctr"/>
-          <a:lstStyle/>
-          <a:p>
-            <a:pPr algn="ctr"/>
-            <a:r>
-              <a:rPr lang="en-GB" dirty="0"/>
-              <a:t>CI Server</a:t>
-            </a:r>
-          </a:p>
-        </p:txBody>
-      </p:sp>
-      <p:sp>
-        <p:nvSpPr>
-          <p:cNvPr id="14" name="Rectangle: Rounded Corners 13">
-            <a:extLst>
-              <a:ext uri="{FF2B5EF4-FFF2-40B4-BE49-F238E27FC236}">
-                <a16:creationId xmlns:a16="http://schemas.microsoft.com/office/drawing/2014/main" id="{C8AE369E-AA78-47C6-B5DC-2E640084532C}"/>
-              </a:ext>
-            </a:extLst>
-          </p:cNvPr>
-          <p:cNvSpPr/>
-          <p:nvPr/>
-        </p:nvSpPr>
-        <p:spPr>
-          <a:xfrm>
-            <a:off x="9065846" y="3336704"/>
-            <a:ext cx="1637324" cy="847970"/>
-          </a:xfrm>
-          <a:prstGeom prst="roundRect">
-            <a:avLst/>
-          </a:prstGeom>
-        </p:spPr>
-        <p:style>
-          <a:lnRef idx="2">
-            <a:schemeClr val="accent1">
-              <a:shade val="50000"/>
-            </a:schemeClr>
-          </a:lnRef>
-          <a:fillRef idx="1">
-            <a:schemeClr val="accent1"/>
-          </a:fillRef>
-          <a:effectRef idx="0">
-            <a:schemeClr val="accent1"/>
-          </a:effectRef>
-          <a:fontRef idx="minor">
-            <a:schemeClr val="lt1"/>
-          </a:fontRef>
-        </p:style>
-        <p:txBody>
-          <a:bodyPr rtlCol="0" anchor="ctr"/>
-          <a:lstStyle/>
-          <a:p>
-            <a:pPr algn="ctr"/>
-            <a:r>
-              <a:rPr lang="en-GB" dirty="0"/>
-              <a:t>Build Tool</a:t>
-            </a:r>
-          </a:p>
-        </p:txBody>
-      </p:sp>
-      <p:sp>
-        <p:nvSpPr>
-          <p:cNvPr id="16" name="Rectangle: Rounded Corners 15">
-            <a:extLst>
-              <a:ext uri="{FF2B5EF4-FFF2-40B4-BE49-F238E27FC236}">
-                <a16:creationId xmlns:a16="http://schemas.microsoft.com/office/drawing/2014/main" id="{72FAB1E7-9C0E-4A28-9971-6423E841503A}"/>
-              </a:ext>
-            </a:extLst>
-          </p:cNvPr>
-          <p:cNvSpPr/>
-          <p:nvPr/>
-        </p:nvSpPr>
-        <p:spPr>
-          <a:xfrm>
-            <a:off x="9065844" y="5410224"/>
-            <a:ext cx="1637324" cy="847970"/>
-          </a:xfrm>
-          <a:prstGeom prst="roundRect">
-            <a:avLst/>
-          </a:prstGeom>
-        </p:spPr>
-        <p:style>
-          <a:lnRef idx="2">
-            <a:schemeClr val="accent1">
-              <a:shade val="50000"/>
-            </a:schemeClr>
-          </a:lnRef>
-          <a:fillRef idx="1">
-            <a:schemeClr val="accent1"/>
-          </a:fillRef>
-          <a:effectRef idx="0">
-            <a:schemeClr val="accent1"/>
-          </a:effectRef>
-          <a:fontRef idx="minor">
-            <a:schemeClr val="lt1"/>
-          </a:fontRef>
-        </p:style>
-        <p:txBody>
-          <a:bodyPr rtlCol="0" anchor="ctr"/>
-          <a:lstStyle/>
-          <a:p>
-            <a:pPr algn="ctr"/>
-            <a:r>
-              <a:rPr lang="en-GB" dirty="0"/>
-              <a:t>Automated Testing</a:t>
-            </a:r>
-          </a:p>
-        </p:txBody>
-      </p:sp>
-      <p:sp>
-        <p:nvSpPr>
-          <p:cNvPr id="18" name="Rectangle: Rounded Corners 17">
-            <a:extLst>
-              <a:ext uri="{FF2B5EF4-FFF2-40B4-BE49-F238E27FC236}">
-                <a16:creationId xmlns:a16="http://schemas.microsoft.com/office/drawing/2014/main" id="{EEB36536-C678-4DF4-9C24-78367EA62D61}"/>
-              </a:ext>
-            </a:extLst>
-          </p:cNvPr>
-          <p:cNvSpPr/>
-          <p:nvPr/>
-        </p:nvSpPr>
-        <p:spPr>
-          <a:xfrm>
-            <a:off x="173892" y="3251200"/>
-            <a:ext cx="1637324" cy="847970"/>
-          </a:xfrm>
-          <a:prstGeom prst="roundRect">
-            <a:avLst/>
-          </a:prstGeom>
-        </p:spPr>
-        <p:style>
-          <a:lnRef idx="2">
-            <a:schemeClr val="accent1">
-              <a:shade val="50000"/>
-            </a:schemeClr>
-          </a:lnRef>
-          <a:fillRef idx="1">
-            <a:schemeClr val="accent1"/>
-          </a:fillRef>
-          <a:effectRef idx="0">
-            <a:schemeClr val="accent1"/>
-          </a:effectRef>
-          <a:fontRef idx="minor">
-            <a:schemeClr val="lt1"/>
-          </a:fontRef>
-        </p:style>
-        <p:txBody>
-          <a:bodyPr rtlCol="0" anchor="ctr"/>
-          <a:lstStyle/>
-          <a:p>
-            <a:pPr algn="ctr"/>
-            <a:r>
-              <a:rPr lang="en-GB" dirty="0"/>
-              <a:t>Database Server</a:t>
-            </a:r>
-          </a:p>
-        </p:txBody>
-      </p:sp>
-      <p:sp>
-        <p:nvSpPr>
-          <p:cNvPr id="19" name="TextBox 18">
-            <a:extLst>
-              <a:ext uri="{FF2B5EF4-FFF2-40B4-BE49-F238E27FC236}">
-                <a16:creationId xmlns:a16="http://schemas.microsoft.com/office/drawing/2014/main" id="{DCCFE37D-5944-42CE-9923-F3C690E4EE8E}"/>
-              </a:ext>
-            </a:extLst>
-          </p:cNvPr>
-          <p:cNvSpPr txBox="1"/>
-          <p:nvPr/>
-        </p:nvSpPr>
-        <p:spPr>
-          <a:xfrm>
-            <a:off x="2289908" y="2025650"/>
-            <a:ext cx="633046" cy="369332"/>
+        </p:nvPicPr>
+        <p:blipFill rotWithShape="1">
+          <a:blip r:embed="rId2"/>
+          <a:srcRect r="54037"/>
+          <a:stretch/>
+        </p:blipFill>
+        <p:spPr>
+          <a:xfrm>
+            <a:off x="140433" y="135980"/>
+            <a:ext cx="5603875" cy="4778732"/>
           </a:xfrm>
           <a:prstGeom prst="rect">
             <a:avLst/>
           </a:prstGeom>
-          <a:noFill/>
-        </p:spPr>
-        <p:txBody>
-          <a:bodyPr wrap="square" rtlCol="0">
-            <a:spAutoFit/>
+        </p:spPr>
+      </p:pic>
+      <p:sp>
+        <p:nvSpPr>
+          <p:cNvPr id="5" name="Title 1">
+            <a:extLst>
+              <a:ext uri="{FF2B5EF4-FFF2-40B4-BE49-F238E27FC236}">
+                <a16:creationId xmlns:a16="http://schemas.microsoft.com/office/drawing/2014/main" id="{C9E4FC33-A9DB-417D-AC59-A268F7E76215}"/>
+              </a:ext>
+            </a:extLst>
+          </p:cNvPr>
+          <p:cNvSpPr>
+            <a:spLocks noGrp="1"/>
+          </p:cNvSpPr>
+          <p:nvPr>
+            <p:ph type="title"/>
+          </p:nvPr>
+        </p:nvSpPr>
+        <p:spPr>
+          <a:xfrm>
+            <a:off x="1340337" y="5673969"/>
+            <a:ext cx="1832710" cy="656537"/>
+          </a:xfrm>
+        </p:spPr>
+        <p:txBody>
+          <a:bodyPr vert="horz" lIns="91440" tIns="45720" rIns="91440" bIns="45720" rtlCol="0" anchor="b">
+            <a:normAutofit/>
           </a:bodyPr>
           <a:lstStyle/>
           <a:p>
-            <a:r>
-              <a:rPr lang="en-GB" b="1" dirty="0"/>
-              <a:t>Java</a:t>
-            </a:r>
-          </a:p>
-        </p:txBody>
-      </p:sp>
-      <p:sp>
-        <p:nvSpPr>
-          <p:cNvPr id="21" name="TextBox 20">
-            <a:extLst>
-              <a:ext uri="{FF2B5EF4-FFF2-40B4-BE49-F238E27FC236}">
-                <a16:creationId xmlns:a16="http://schemas.microsoft.com/office/drawing/2014/main" id="{9219971B-8964-4FCB-8A9F-A43624FDD43F}"/>
-              </a:ext>
-            </a:extLst>
-          </p:cNvPr>
-          <p:cNvSpPr txBox="1"/>
+            <a:pPr algn="ctr"/>
+            <a:r>
+              <a:rPr lang="en-US" sz="3600" u="sng" dirty="0"/>
+              <a:t>Testing</a:t>
+            </a:r>
+          </a:p>
+        </p:txBody>
+      </p:sp>
+      <p:pic>
+        <p:nvPicPr>
+          <p:cNvPr id="8" name="Picture 7">
+            <a:extLst>
+              <a:ext uri="{FF2B5EF4-FFF2-40B4-BE49-F238E27FC236}">
+                <a16:creationId xmlns:a16="http://schemas.microsoft.com/office/drawing/2014/main" id="{ADC8BB74-4A10-4DBC-BEE9-656396A16E31}"/>
+              </a:ext>
+            </a:extLst>
+          </p:cNvPr>
+          <p:cNvPicPr>
+            <a:picLocks noChangeAspect="1"/>
+          </p:cNvPicPr>
           <p:nvPr/>
-        </p:nvSpPr>
-        <p:spPr>
-          <a:xfrm>
-            <a:off x="5581160" y="2114494"/>
-            <a:ext cx="1236785" cy="369332"/>
+        </p:nvPicPr>
+        <p:blipFill rotWithShape="1">
+          <a:blip r:embed="rId3"/>
+          <a:srcRect r="40405"/>
+          <a:stretch/>
+        </p:blipFill>
+        <p:spPr>
+          <a:xfrm>
+            <a:off x="4757627" y="2283093"/>
+            <a:ext cx="7293940" cy="4438927"/>
           </a:xfrm>
           <a:prstGeom prst="rect">
             <a:avLst/>
           </a:prstGeom>
-          <a:noFill/>
-        </p:spPr>
-        <p:txBody>
-          <a:bodyPr wrap="square" rtlCol="0">
-            <a:spAutoFit/>
-          </a:bodyPr>
-          <a:lstStyle/>
-          <a:p>
-            <a:r>
-              <a:rPr lang="en-GB" b="1" dirty="0"/>
-              <a:t>Git/GitHub</a:t>
-            </a:r>
-          </a:p>
-        </p:txBody>
-      </p:sp>
-      <p:sp>
-        <p:nvSpPr>
-          <p:cNvPr id="23" name="TextBox 22">
-            <a:extLst>
-              <a:ext uri="{FF2B5EF4-FFF2-40B4-BE49-F238E27FC236}">
-                <a16:creationId xmlns:a16="http://schemas.microsoft.com/office/drawing/2014/main" id="{C46D435E-525E-40FA-999A-2CDD43DE6F11}"/>
-              </a:ext>
-            </a:extLst>
-          </p:cNvPr>
-          <p:cNvSpPr txBox="1"/>
-          <p:nvPr/>
-        </p:nvSpPr>
-        <p:spPr>
-          <a:xfrm>
-            <a:off x="9630019" y="2072541"/>
-            <a:ext cx="508977" cy="369332"/>
-          </a:xfrm>
-          <a:prstGeom prst="rect">
-            <a:avLst/>
-          </a:prstGeom>
-          <a:noFill/>
-        </p:spPr>
-        <p:txBody>
-          <a:bodyPr wrap="square" rtlCol="0">
-            <a:spAutoFit/>
-          </a:bodyPr>
-          <a:lstStyle/>
-          <a:p>
-            <a:r>
-              <a:rPr lang="en-GB" b="1" dirty="0"/>
-              <a:t>Jira</a:t>
-            </a:r>
-          </a:p>
-        </p:txBody>
-      </p:sp>
-      <p:sp>
-        <p:nvSpPr>
-          <p:cNvPr id="25" name="TextBox 24">
-            <a:extLst>
-              <a:ext uri="{FF2B5EF4-FFF2-40B4-BE49-F238E27FC236}">
-                <a16:creationId xmlns:a16="http://schemas.microsoft.com/office/drawing/2014/main" id="{5BA0BE65-1ED7-40FA-9EFA-1DD3294D4EC5}"/>
-              </a:ext>
-            </a:extLst>
-          </p:cNvPr>
-          <p:cNvSpPr txBox="1"/>
-          <p:nvPr/>
-        </p:nvSpPr>
-        <p:spPr>
-          <a:xfrm>
-            <a:off x="560754" y="4198817"/>
-            <a:ext cx="863600" cy="369332"/>
-          </a:xfrm>
-          <a:prstGeom prst="rect">
-            <a:avLst/>
-          </a:prstGeom>
-          <a:noFill/>
-        </p:spPr>
-        <p:txBody>
-          <a:bodyPr wrap="square" rtlCol="0">
-            <a:spAutoFit/>
-          </a:bodyPr>
-          <a:lstStyle/>
-          <a:p>
-            <a:r>
-              <a:rPr lang="en-GB" b="1" dirty="0"/>
-              <a:t>MYSQL</a:t>
-            </a:r>
-          </a:p>
-        </p:txBody>
-      </p:sp>
-      <p:sp>
-        <p:nvSpPr>
-          <p:cNvPr id="27" name="TextBox 26">
-            <a:extLst>
-              <a:ext uri="{FF2B5EF4-FFF2-40B4-BE49-F238E27FC236}">
-                <a16:creationId xmlns:a16="http://schemas.microsoft.com/office/drawing/2014/main" id="{411202B2-1745-4376-8C40-162CA56159F1}"/>
-              </a:ext>
-            </a:extLst>
-          </p:cNvPr>
-          <p:cNvSpPr txBox="1"/>
-          <p:nvPr/>
-        </p:nvSpPr>
-        <p:spPr>
-          <a:xfrm>
-            <a:off x="9452707" y="4282423"/>
-            <a:ext cx="863600" cy="369332"/>
-          </a:xfrm>
-          <a:prstGeom prst="rect">
-            <a:avLst/>
-          </a:prstGeom>
-          <a:noFill/>
-        </p:spPr>
-        <p:txBody>
-          <a:bodyPr wrap="square" rtlCol="0">
-            <a:spAutoFit/>
-          </a:bodyPr>
-          <a:lstStyle/>
-          <a:p>
-            <a:r>
-              <a:rPr lang="en-GB" b="1" dirty="0"/>
-              <a:t>Maven</a:t>
-            </a:r>
-          </a:p>
-        </p:txBody>
-      </p:sp>
-      <p:sp>
-        <p:nvSpPr>
-          <p:cNvPr id="29" name="TextBox 28">
-            <a:extLst>
-              <a:ext uri="{FF2B5EF4-FFF2-40B4-BE49-F238E27FC236}">
-                <a16:creationId xmlns:a16="http://schemas.microsoft.com/office/drawing/2014/main" id="{39330EE3-CA14-4991-8C10-3C3579E794A7}"/>
-              </a:ext>
-            </a:extLst>
-          </p:cNvPr>
-          <p:cNvSpPr txBox="1"/>
-          <p:nvPr/>
-        </p:nvSpPr>
-        <p:spPr>
-          <a:xfrm>
-            <a:off x="9096129" y="6373627"/>
-            <a:ext cx="1576753" cy="369332"/>
-          </a:xfrm>
-          <a:prstGeom prst="rect">
-            <a:avLst/>
-          </a:prstGeom>
-          <a:noFill/>
-        </p:spPr>
-        <p:txBody>
-          <a:bodyPr wrap="square" rtlCol="0">
-            <a:spAutoFit/>
-          </a:bodyPr>
-          <a:lstStyle/>
-          <a:p>
-            <a:r>
-              <a:rPr lang="en-GB" b="1" dirty="0"/>
-              <a:t>Junit, Mockito</a:t>
-            </a:r>
-          </a:p>
-        </p:txBody>
-      </p:sp>
-      <p:cxnSp>
-        <p:nvCxnSpPr>
-          <p:cNvPr id="31" name="Straight Arrow Connector 30">
-            <a:extLst>
-              <a:ext uri="{FF2B5EF4-FFF2-40B4-BE49-F238E27FC236}">
-                <a16:creationId xmlns:a16="http://schemas.microsoft.com/office/drawing/2014/main" id="{09264302-9169-4ABC-AC64-782B81E2B150}"/>
-              </a:ext>
-            </a:extLst>
-          </p:cNvPr>
-          <p:cNvCxnSpPr/>
-          <p:nvPr/>
-        </p:nvCxnSpPr>
-        <p:spPr>
-          <a:xfrm>
-            <a:off x="3462215" y="1430215"/>
-            <a:ext cx="1633416" cy="0"/>
-          </a:xfrm>
-          <a:prstGeom prst="straightConnector1">
-            <a:avLst/>
-          </a:prstGeom>
-          <a:ln>
-            <a:tailEnd type="triangle"/>
-          </a:ln>
-        </p:spPr>
-        <p:style>
-          <a:lnRef idx="1">
-            <a:schemeClr val="accent1"/>
-          </a:lnRef>
-          <a:fillRef idx="0">
-            <a:schemeClr val="accent1"/>
-          </a:fillRef>
-          <a:effectRef idx="0">
-            <a:schemeClr val="accent1"/>
-          </a:effectRef>
-          <a:fontRef idx="minor">
-            <a:schemeClr val="tx1"/>
-          </a:fontRef>
-        </p:style>
-      </p:cxnSp>
-      <p:cxnSp>
-        <p:nvCxnSpPr>
-          <p:cNvPr id="32" name="Straight Arrow Connector 31">
-            <a:extLst>
-              <a:ext uri="{FF2B5EF4-FFF2-40B4-BE49-F238E27FC236}">
-                <a16:creationId xmlns:a16="http://schemas.microsoft.com/office/drawing/2014/main" id="{AF0808B3-E285-4C2C-93EA-7C4AA8152799}"/>
-              </a:ext>
-            </a:extLst>
-          </p:cNvPr>
-          <p:cNvCxnSpPr/>
-          <p:nvPr/>
-        </p:nvCxnSpPr>
-        <p:spPr>
-          <a:xfrm>
-            <a:off x="7217507" y="1441938"/>
-            <a:ext cx="1633416" cy="0"/>
-          </a:xfrm>
-          <a:prstGeom prst="straightConnector1">
-            <a:avLst/>
-          </a:prstGeom>
-          <a:ln>
-            <a:tailEnd type="triangle"/>
-          </a:ln>
-        </p:spPr>
-        <p:style>
-          <a:lnRef idx="1">
-            <a:schemeClr val="accent1"/>
-          </a:lnRef>
-          <a:fillRef idx="0">
-            <a:schemeClr val="accent1"/>
-          </a:fillRef>
-          <a:effectRef idx="0">
-            <a:schemeClr val="accent1"/>
-          </a:effectRef>
-          <a:fontRef idx="minor">
-            <a:schemeClr val="tx1"/>
-          </a:fontRef>
-        </p:style>
-      </p:cxnSp>
-      <p:cxnSp>
-        <p:nvCxnSpPr>
-          <p:cNvPr id="33" name="Straight Arrow Connector 32">
-            <a:extLst>
-              <a:ext uri="{FF2B5EF4-FFF2-40B4-BE49-F238E27FC236}">
-                <a16:creationId xmlns:a16="http://schemas.microsoft.com/office/drawing/2014/main" id="{822A36D7-3FFD-4E58-8AB2-8A0B512FE231}"/>
-              </a:ext>
-            </a:extLst>
-          </p:cNvPr>
-          <p:cNvCxnSpPr/>
-          <p:nvPr/>
-        </p:nvCxnSpPr>
-        <p:spPr>
-          <a:xfrm>
-            <a:off x="7272215" y="3606334"/>
-            <a:ext cx="1633416" cy="0"/>
-          </a:xfrm>
-          <a:prstGeom prst="straightConnector1">
-            <a:avLst/>
-          </a:prstGeom>
-          <a:ln>
-            <a:tailEnd type="triangle"/>
-          </a:ln>
-        </p:spPr>
-        <p:style>
-          <a:lnRef idx="1">
-            <a:schemeClr val="accent1"/>
-          </a:lnRef>
-          <a:fillRef idx="0">
-            <a:schemeClr val="accent1"/>
-          </a:fillRef>
-          <a:effectRef idx="0">
-            <a:schemeClr val="accent1"/>
-          </a:effectRef>
-          <a:fontRef idx="minor">
-            <a:schemeClr val="tx1"/>
-          </a:fontRef>
-        </p:style>
-      </p:cxnSp>
-      <p:cxnSp>
-        <p:nvCxnSpPr>
-          <p:cNvPr id="34" name="Straight Arrow Connector 33">
-            <a:extLst>
-              <a:ext uri="{FF2B5EF4-FFF2-40B4-BE49-F238E27FC236}">
-                <a16:creationId xmlns:a16="http://schemas.microsoft.com/office/drawing/2014/main" id="{5847C02B-2625-4596-9B76-7E07ECC474DF}"/>
-              </a:ext>
-            </a:extLst>
-          </p:cNvPr>
-          <p:cNvCxnSpPr>
-            <a:cxnSpLocks/>
-          </p:cNvCxnSpPr>
-          <p:nvPr/>
-        </p:nvCxnSpPr>
-        <p:spPr>
-          <a:xfrm flipV="1">
-            <a:off x="1130302" y="2139272"/>
-            <a:ext cx="693615" cy="1015567"/>
-          </a:xfrm>
-          <a:prstGeom prst="straightConnector1">
-            <a:avLst/>
-          </a:prstGeom>
-          <a:ln>
-            <a:tailEnd type="triangle"/>
-          </a:ln>
-        </p:spPr>
-        <p:style>
-          <a:lnRef idx="1">
-            <a:schemeClr val="accent1"/>
-          </a:lnRef>
-          <a:fillRef idx="0">
-            <a:schemeClr val="accent1"/>
-          </a:fillRef>
-          <a:effectRef idx="0">
-            <a:schemeClr val="accent1"/>
-          </a:effectRef>
-          <a:fontRef idx="minor">
-            <a:schemeClr val="tx1"/>
-          </a:fontRef>
-        </p:style>
-      </p:cxnSp>
-      <p:cxnSp>
-        <p:nvCxnSpPr>
-          <p:cNvPr id="36" name="Straight Arrow Connector 35">
-            <a:extLst>
-              <a:ext uri="{FF2B5EF4-FFF2-40B4-BE49-F238E27FC236}">
-                <a16:creationId xmlns:a16="http://schemas.microsoft.com/office/drawing/2014/main" id="{3EF6C073-64B7-44AE-9FB2-E950B20F2488}"/>
-              </a:ext>
-            </a:extLst>
-          </p:cNvPr>
-          <p:cNvCxnSpPr>
-            <a:cxnSpLocks/>
-          </p:cNvCxnSpPr>
-          <p:nvPr/>
-        </p:nvCxnSpPr>
-        <p:spPr>
-          <a:xfrm flipH="1">
-            <a:off x="3462215" y="1910371"/>
-            <a:ext cx="1633416" cy="1"/>
-          </a:xfrm>
-          <a:prstGeom prst="straightConnector1">
-            <a:avLst/>
-          </a:prstGeom>
-          <a:ln>
-            <a:tailEnd type="triangle"/>
-          </a:ln>
-        </p:spPr>
-        <p:style>
-          <a:lnRef idx="1">
-            <a:schemeClr val="accent1"/>
-          </a:lnRef>
-          <a:fillRef idx="0">
-            <a:schemeClr val="accent1"/>
-          </a:fillRef>
-          <a:effectRef idx="0">
-            <a:schemeClr val="accent1"/>
-          </a:effectRef>
-          <a:fontRef idx="minor">
-            <a:schemeClr val="tx1"/>
-          </a:fontRef>
-        </p:style>
-      </p:cxnSp>
-      <p:cxnSp>
-        <p:nvCxnSpPr>
-          <p:cNvPr id="39" name="Straight Arrow Connector 38">
-            <a:extLst>
-              <a:ext uri="{FF2B5EF4-FFF2-40B4-BE49-F238E27FC236}">
-                <a16:creationId xmlns:a16="http://schemas.microsoft.com/office/drawing/2014/main" id="{6A529FBC-4BEC-4906-8590-10D96E45D219}"/>
-              </a:ext>
-            </a:extLst>
-          </p:cNvPr>
-          <p:cNvCxnSpPr>
-            <a:cxnSpLocks/>
-          </p:cNvCxnSpPr>
-          <p:nvPr/>
-        </p:nvCxnSpPr>
-        <p:spPr>
-          <a:xfrm flipH="1">
-            <a:off x="7217507" y="1910370"/>
-            <a:ext cx="1633416" cy="1"/>
-          </a:xfrm>
-          <a:prstGeom prst="straightConnector1">
-            <a:avLst/>
-          </a:prstGeom>
-          <a:ln>
-            <a:tailEnd type="triangle"/>
-          </a:ln>
-        </p:spPr>
-        <p:style>
-          <a:lnRef idx="1">
-            <a:schemeClr val="accent1"/>
-          </a:lnRef>
-          <a:fillRef idx="0">
-            <a:schemeClr val="accent1"/>
-          </a:fillRef>
-          <a:effectRef idx="0">
-            <a:schemeClr val="accent1"/>
-          </a:effectRef>
-          <a:fontRef idx="minor">
-            <a:schemeClr val="tx1"/>
-          </a:fontRef>
-        </p:style>
-      </p:cxnSp>
-      <p:cxnSp>
-        <p:nvCxnSpPr>
-          <p:cNvPr id="40" name="Straight Arrow Connector 39">
-            <a:extLst>
-              <a:ext uri="{FF2B5EF4-FFF2-40B4-BE49-F238E27FC236}">
-                <a16:creationId xmlns:a16="http://schemas.microsoft.com/office/drawing/2014/main" id="{5850AE12-13FE-4BA3-A11D-A19E120AC455}"/>
-              </a:ext>
-            </a:extLst>
-          </p:cNvPr>
-          <p:cNvCxnSpPr>
-            <a:cxnSpLocks/>
-          </p:cNvCxnSpPr>
-          <p:nvPr/>
-        </p:nvCxnSpPr>
-        <p:spPr>
-          <a:xfrm flipH="1">
-            <a:off x="7217507" y="4074765"/>
-            <a:ext cx="1633416" cy="1"/>
-          </a:xfrm>
-          <a:prstGeom prst="straightConnector1">
-            <a:avLst/>
-          </a:prstGeom>
-          <a:ln>
-            <a:tailEnd type="triangle"/>
-          </a:ln>
-        </p:spPr>
-        <p:style>
-          <a:lnRef idx="1">
-            <a:schemeClr val="accent1"/>
-          </a:lnRef>
-          <a:fillRef idx="0">
-            <a:schemeClr val="accent1"/>
-          </a:fillRef>
-          <a:effectRef idx="0">
-            <a:schemeClr val="accent1"/>
-          </a:effectRef>
-          <a:fontRef idx="minor">
-            <a:schemeClr val="tx1"/>
-          </a:fontRef>
-        </p:style>
-      </p:cxnSp>
-      <p:cxnSp>
-        <p:nvCxnSpPr>
-          <p:cNvPr id="41" name="Straight Arrow Connector 40">
-            <a:extLst>
-              <a:ext uri="{FF2B5EF4-FFF2-40B4-BE49-F238E27FC236}">
-                <a16:creationId xmlns:a16="http://schemas.microsoft.com/office/drawing/2014/main" id="{87772D97-E16B-4515-84F8-0DB7E8A51B64}"/>
-              </a:ext>
-            </a:extLst>
-          </p:cNvPr>
-          <p:cNvCxnSpPr>
-            <a:cxnSpLocks/>
-          </p:cNvCxnSpPr>
-          <p:nvPr/>
-        </p:nvCxnSpPr>
-        <p:spPr>
-          <a:xfrm>
-            <a:off x="9999784" y="4651755"/>
-            <a:ext cx="0" cy="686157"/>
-          </a:xfrm>
-          <a:prstGeom prst="straightConnector1">
-            <a:avLst/>
-          </a:prstGeom>
-          <a:ln>
-            <a:tailEnd type="triangle"/>
-          </a:ln>
-        </p:spPr>
-        <p:style>
-          <a:lnRef idx="1">
-            <a:schemeClr val="accent1"/>
-          </a:lnRef>
-          <a:fillRef idx="0">
-            <a:schemeClr val="accent1"/>
-          </a:fillRef>
-          <a:effectRef idx="0">
-            <a:schemeClr val="accent1"/>
-          </a:effectRef>
-          <a:fontRef idx="minor">
-            <a:schemeClr val="tx1"/>
-          </a:fontRef>
-        </p:style>
-      </p:cxnSp>
-      <p:cxnSp>
-        <p:nvCxnSpPr>
-          <p:cNvPr id="44" name="Straight Arrow Connector 43">
-            <a:extLst>
-              <a:ext uri="{FF2B5EF4-FFF2-40B4-BE49-F238E27FC236}">
-                <a16:creationId xmlns:a16="http://schemas.microsoft.com/office/drawing/2014/main" id="{A06D2270-E5D2-49EA-9307-B240B292AFC0}"/>
-              </a:ext>
-            </a:extLst>
-          </p:cNvPr>
-          <p:cNvCxnSpPr>
-            <a:cxnSpLocks/>
-          </p:cNvCxnSpPr>
-          <p:nvPr/>
-        </p:nvCxnSpPr>
-        <p:spPr>
-          <a:xfrm flipV="1">
-            <a:off x="9710615" y="4651755"/>
-            <a:ext cx="0" cy="686157"/>
-          </a:xfrm>
-          <a:prstGeom prst="straightConnector1">
-            <a:avLst/>
-          </a:prstGeom>
-          <a:ln>
-            <a:tailEnd type="triangle"/>
-          </a:ln>
-        </p:spPr>
-        <p:style>
-          <a:lnRef idx="1">
-            <a:schemeClr val="accent1"/>
-          </a:lnRef>
-          <a:fillRef idx="0">
-            <a:schemeClr val="accent1"/>
-          </a:fillRef>
-          <a:effectRef idx="0">
-            <a:schemeClr val="accent1"/>
-          </a:effectRef>
-          <a:fontRef idx="minor">
-            <a:schemeClr val="tx1"/>
-          </a:fontRef>
-        </p:style>
-      </p:cxnSp>
-      <p:cxnSp>
-        <p:nvCxnSpPr>
-          <p:cNvPr id="49" name="Straight Arrow Connector 48">
-            <a:extLst>
-              <a:ext uri="{FF2B5EF4-FFF2-40B4-BE49-F238E27FC236}">
-                <a16:creationId xmlns:a16="http://schemas.microsoft.com/office/drawing/2014/main" id="{FDCC995E-F27E-4666-8CA6-D8B6C428E755}"/>
-              </a:ext>
-            </a:extLst>
-          </p:cNvPr>
-          <p:cNvCxnSpPr>
-            <a:cxnSpLocks/>
-          </p:cNvCxnSpPr>
-          <p:nvPr/>
-        </p:nvCxnSpPr>
-        <p:spPr>
-          <a:xfrm>
-            <a:off x="6338276" y="2483826"/>
-            <a:ext cx="0" cy="686157"/>
-          </a:xfrm>
-          <a:prstGeom prst="straightConnector1">
-            <a:avLst/>
-          </a:prstGeom>
-          <a:ln>
-            <a:tailEnd type="triangle"/>
-          </a:ln>
-        </p:spPr>
-        <p:style>
-          <a:lnRef idx="1">
-            <a:schemeClr val="accent1"/>
-          </a:lnRef>
-          <a:fillRef idx="0">
-            <a:schemeClr val="accent1"/>
-          </a:fillRef>
-          <a:effectRef idx="0">
-            <a:schemeClr val="accent1"/>
-          </a:effectRef>
-          <a:fontRef idx="minor">
-            <a:schemeClr val="tx1"/>
-          </a:fontRef>
-        </p:style>
-      </p:cxnSp>
-      <p:cxnSp>
-        <p:nvCxnSpPr>
-          <p:cNvPr id="50" name="Straight Arrow Connector 49">
-            <a:extLst>
-              <a:ext uri="{FF2B5EF4-FFF2-40B4-BE49-F238E27FC236}">
-                <a16:creationId xmlns:a16="http://schemas.microsoft.com/office/drawing/2014/main" id="{6E51745A-9A8C-46FF-AC6D-70AE6F128027}"/>
-              </a:ext>
-            </a:extLst>
-          </p:cNvPr>
-          <p:cNvCxnSpPr>
-            <a:cxnSpLocks/>
-          </p:cNvCxnSpPr>
-          <p:nvPr/>
-        </p:nvCxnSpPr>
-        <p:spPr>
-          <a:xfrm flipV="1">
-            <a:off x="6049107" y="2483826"/>
-            <a:ext cx="0" cy="686157"/>
-          </a:xfrm>
-          <a:prstGeom prst="straightConnector1">
-            <a:avLst/>
-          </a:prstGeom>
-          <a:ln>
-            <a:tailEnd type="triangle"/>
-          </a:ln>
-        </p:spPr>
-        <p:style>
-          <a:lnRef idx="1">
-            <a:schemeClr val="accent1"/>
-          </a:lnRef>
-          <a:fillRef idx="0">
-            <a:schemeClr val="accent1"/>
-          </a:fillRef>
-          <a:effectRef idx="0">
-            <a:schemeClr val="accent1"/>
-          </a:effectRef>
-          <a:fontRef idx="minor">
-            <a:schemeClr val="tx1"/>
-          </a:fontRef>
-        </p:style>
-      </p:cxnSp>
-      <p:sp>
-        <p:nvSpPr>
-          <p:cNvPr id="52" name="TextBox 51">
-            <a:extLst>
-              <a:ext uri="{FF2B5EF4-FFF2-40B4-BE49-F238E27FC236}">
-                <a16:creationId xmlns:a16="http://schemas.microsoft.com/office/drawing/2014/main" id="{1C4FB638-E26A-4FD0-8E56-CEF6AD3423E8}"/>
-              </a:ext>
-            </a:extLst>
-          </p:cNvPr>
-          <p:cNvSpPr txBox="1"/>
-          <p:nvPr/>
-        </p:nvSpPr>
-        <p:spPr>
-          <a:xfrm>
-            <a:off x="3970212" y="1095328"/>
-            <a:ext cx="631091" cy="307777"/>
-          </a:xfrm>
-          <a:prstGeom prst="rect">
-            <a:avLst/>
-          </a:prstGeom>
-          <a:noFill/>
-        </p:spPr>
-        <p:txBody>
-          <a:bodyPr wrap="square" rtlCol="0">
-            <a:spAutoFit/>
-          </a:bodyPr>
-          <a:lstStyle/>
-          <a:p>
-            <a:r>
-              <a:rPr lang="en-GB" sz="1400" dirty="0"/>
-              <a:t>Push</a:t>
-            </a:r>
-          </a:p>
-        </p:txBody>
-      </p:sp>
-      <p:sp>
-        <p:nvSpPr>
-          <p:cNvPr id="54" name="TextBox 53">
-            <a:extLst>
-              <a:ext uri="{FF2B5EF4-FFF2-40B4-BE49-F238E27FC236}">
-                <a16:creationId xmlns:a16="http://schemas.microsoft.com/office/drawing/2014/main" id="{32CF7C48-90A7-4CF4-A382-6674A498AA86}"/>
-              </a:ext>
-            </a:extLst>
-          </p:cNvPr>
-          <p:cNvSpPr txBox="1"/>
-          <p:nvPr/>
-        </p:nvSpPr>
-        <p:spPr>
-          <a:xfrm>
-            <a:off x="3963376" y="1964591"/>
-            <a:ext cx="631091" cy="307777"/>
-          </a:xfrm>
-          <a:prstGeom prst="rect">
-            <a:avLst/>
-          </a:prstGeom>
-          <a:noFill/>
-        </p:spPr>
-        <p:txBody>
-          <a:bodyPr wrap="square" rtlCol="0">
-            <a:spAutoFit/>
-          </a:bodyPr>
-          <a:lstStyle/>
-          <a:p>
-            <a:r>
-              <a:rPr lang="en-GB" sz="1400" dirty="0"/>
-              <a:t>Pull</a:t>
-            </a:r>
-          </a:p>
-        </p:txBody>
-      </p:sp>
-      <p:sp>
-        <p:nvSpPr>
-          <p:cNvPr id="56" name="TextBox 55">
-            <a:extLst>
-              <a:ext uri="{FF2B5EF4-FFF2-40B4-BE49-F238E27FC236}">
-                <a16:creationId xmlns:a16="http://schemas.microsoft.com/office/drawing/2014/main" id="{6D9B82CD-F80B-46B9-A7C6-A26D7A7D9780}"/>
-              </a:ext>
-            </a:extLst>
-          </p:cNvPr>
-          <p:cNvSpPr txBox="1"/>
-          <p:nvPr/>
-        </p:nvSpPr>
-        <p:spPr>
-          <a:xfrm>
-            <a:off x="7427789" y="1023791"/>
-            <a:ext cx="1212851" cy="307777"/>
-          </a:xfrm>
-          <a:prstGeom prst="rect">
-            <a:avLst/>
-          </a:prstGeom>
-          <a:noFill/>
-        </p:spPr>
-        <p:txBody>
-          <a:bodyPr wrap="square" rtlCol="0">
-            <a:spAutoFit/>
-          </a:bodyPr>
-          <a:lstStyle/>
-          <a:p>
-            <a:r>
-              <a:rPr lang="en-GB" sz="1400" dirty="0"/>
-              <a:t>Update Work</a:t>
-            </a:r>
-          </a:p>
-        </p:txBody>
-      </p:sp>
-      <p:sp>
-        <p:nvSpPr>
-          <p:cNvPr id="58" name="TextBox 57">
-            <a:extLst>
-              <a:ext uri="{FF2B5EF4-FFF2-40B4-BE49-F238E27FC236}">
-                <a16:creationId xmlns:a16="http://schemas.microsoft.com/office/drawing/2014/main" id="{283F189B-8C4D-4BAC-AAE0-DE91C2267899}"/>
-              </a:ext>
-            </a:extLst>
-          </p:cNvPr>
-          <p:cNvSpPr txBox="1"/>
-          <p:nvPr/>
-        </p:nvSpPr>
-        <p:spPr>
-          <a:xfrm>
-            <a:off x="7586419" y="2099461"/>
-            <a:ext cx="1005007" cy="307777"/>
-          </a:xfrm>
-          <a:prstGeom prst="rect">
-            <a:avLst/>
-          </a:prstGeom>
-          <a:noFill/>
-        </p:spPr>
-        <p:txBody>
-          <a:bodyPr wrap="square" rtlCol="0">
-            <a:spAutoFit/>
-          </a:bodyPr>
-          <a:lstStyle/>
-          <a:p>
-            <a:r>
-              <a:rPr lang="en-GB" sz="1400" dirty="0"/>
-              <a:t>Get Work</a:t>
-            </a:r>
-          </a:p>
-        </p:txBody>
-      </p:sp>
-      <p:sp>
-        <p:nvSpPr>
-          <p:cNvPr id="60" name="TextBox 59">
-            <a:extLst>
-              <a:ext uri="{FF2B5EF4-FFF2-40B4-BE49-F238E27FC236}">
-                <a16:creationId xmlns:a16="http://schemas.microsoft.com/office/drawing/2014/main" id="{48D825ED-432D-4281-84D1-50A06CA331F4}"/>
-              </a:ext>
-            </a:extLst>
-          </p:cNvPr>
-          <p:cNvSpPr txBox="1"/>
-          <p:nvPr/>
-        </p:nvSpPr>
-        <p:spPr>
-          <a:xfrm>
-            <a:off x="8617195" y="4943143"/>
-            <a:ext cx="1047251" cy="307777"/>
-          </a:xfrm>
-          <a:prstGeom prst="rect">
-            <a:avLst/>
-          </a:prstGeom>
-          <a:noFill/>
-        </p:spPr>
-        <p:txBody>
-          <a:bodyPr wrap="square" rtlCol="0">
-            <a:spAutoFit/>
-          </a:bodyPr>
-          <a:lstStyle/>
-          <a:p>
-            <a:r>
-              <a:rPr lang="en-GB" sz="1400" dirty="0"/>
-              <a:t>Test Results</a:t>
-            </a:r>
-          </a:p>
-        </p:txBody>
-      </p:sp>
-      <p:sp>
-        <p:nvSpPr>
-          <p:cNvPr id="62" name="TextBox 61">
-            <a:extLst>
-              <a:ext uri="{FF2B5EF4-FFF2-40B4-BE49-F238E27FC236}">
-                <a16:creationId xmlns:a16="http://schemas.microsoft.com/office/drawing/2014/main" id="{47F0ED84-D64E-4181-AEB3-F19D072288A4}"/>
-              </a:ext>
-            </a:extLst>
-          </p:cNvPr>
-          <p:cNvSpPr txBox="1"/>
-          <p:nvPr/>
-        </p:nvSpPr>
-        <p:spPr>
-          <a:xfrm>
-            <a:off x="10138996" y="4943143"/>
-            <a:ext cx="1005741" cy="307777"/>
-          </a:xfrm>
-          <a:prstGeom prst="rect">
-            <a:avLst/>
-          </a:prstGeom>
-          <a:noFill/>
-        </p:spPr>
-        <p:txBody>
-          <a:bodyPr wrap="square" rtlCol="0">
-            <a:spAutoFit/>
-          </a:bodyPr>
-          <a:lstStyle/>
-          <a:p>
-            <a:r>
-              <a:rPr lang="en-GB" sz="1400" dirty="0"/>
-              <a:t>Send Tests</a:t>
-            </a:r>
-          </a:p>
-        </p:txBody>
-      </p:sp>
-      <p:sp>
-        <p:nvSpPr>
-          <p:cNvPr id="63" name="Title 1">
-            <a:extLst>
-              <a:ext uri="{FF2B5EF4-FFF2-40B4-BE49-F238E27FC236}">
-                <a16:creationId xmlns:a16="http://schemas.microsoft.com/office/drawing/2014/main" id="{54842D76-68EE-4DA6-8C03-76463EADB9E4}"/>
-              </a:ext>
-            </a:extLst>
-          </p:cNvPr>
-          <p:cNvSpPr>
-            <a:spLocks noGrp="1"/>
-          </p:cNvSpPr>
-          <p:nvPr>
-            <p:ph type="title"/>
-          </p:nvPr>
-        </p:nvSpPr>
-        <p:spPr>
-          <a:xfrm>
-            <a:off x="1340336" y="5045157"/>
-            <a:ext cx="3974121" cy="1285349"/>
-          </a:xfrm>
-        </p:spPr>
-        <p:txBody>
-          <a:bodyPr vert="horz" lIns="91440" tIns="45720" rIns="91440" bIns="45720" rtlCol="0" anchor="b">
-            <a:normAutofit fontScale="90000"/>
-          </a:bodyPr>
-          <a:lstStyle/>
-          <a:p>
-            <a:pPr algn="ctr"/>
-            <a:r>
-              <a:rPr lang="en-US" sz="6600" u="sng" dirty="0"/>
-              <a:t>CI PIPELINE</a:t>
-            </a:r>
-          </a:p>
-        </p:txBody>
-      </p:sp>
-      <p:sp>
-        <p:nvSpPr>
-          <p:cNvPr id="2" name="TextBox 1">
-            <a:extLst>
-              <a:ext uri="{FF2B5EF4-FFF2-40B4-BE49-F238E27FC236}">
-                <a16:creationId xmlns:a16="http://schemas.microsoft.com/office/drawing/2014/main" id="{913393BD-1979-4017-853D-0FC397FB1E8B}"/>
-              </a:ext>
-            </a:extLst>
-          </p:cNvPr>
-          <p:cNvSpPr txBox="1"/>
-          <p:nvPr/>
-        </p:nvSpPr>
-        <p:spPr>
-          <a:xfrm>
-            <a:off x="5767752" y="4276209"/>
-            <a:ext cx="863600" cy="369332"/>
-          </a:xfrm>
-          <a:prstGeom prst="rect">
-            <a:avLst/>
-          </a:prstGeom>
-          <a:noFill/>
-        </p:spPr>
-        <p:txBody>
-          <a:bodyPr wrap="square" rtlCol="0">
-            <a:spAutoFit/>
-          </a:bodyPr>
-          <a:lstStyle/>
-          <a:p>
-            <a:r>
-              <a:rPr lang="en-GB" i="1" dirty="0"/>
-              <a:t>Jenkins</a:t>
-            </a:r>
-          </a:p>
-        </p:txBody>
-      </p:sp>
-      <p:cxnSp>
-        <p:nvCxnSpPr>
-          <p:cNvPr id="37" name="Straight Arrow Connector 36">
-            <a:extLst>
-              <a:ext uri="{FF2B5EF4-FFF2-40B4-BE49-F238E27FC236}">
-                <a16:creationId xmlns:a16="http://schemas.microsoft.com/office/drawing/2014/main" id="{F9245A47-ABE7-4DE6-AA44-AF5C58911DEF}"/>
-              </a:ext>
-            </a:extLst>
-          </p:cNvPr>
-          <p:cNvCxnSpPr>
-            <a:cxnSpLocks/>
-          </p:cNvCxnSpPr>
-          <p:nvPr/>
-        </p:nvCxnSpPr>
-        <p:spPr>
-          <a:xfrm rot="10800000" flipV="1">
-            <a:off x="783494" y="1928519"/>
-            <a:ext cx="693615" cy="1015567"/>
-          </a:xfrm>
-          <a:prstGeom prst="straightConnector1">
-            <a:avLst/>
-          </a:prstGeom>
-          <a:ln>
-            <a:tailEnd type="triangle"/>
-          </a:ln>
-        </p:spPr>
-        <p:style>
-          <a:lnRef idx="1">
-            <a:schemeClr val="accent1"/>
-          </a:lnRef>
-          <a:fillRef idx="0">
-            <a:schemeClr val="accent1"/>
-          </a:fillRef>
-          <a:effectRef idx="0">
-            <a:schemeClr val="accent1"/>
-          </a:effectRef>
-          <a:fontRef idx="minor">
-            <a:schemeClr val="tx1"/>
-          </a:fontRef>
-        </p:style>
-      </p:cxnSp>
-      <p:sp>
-        <p:nvSpPr>
-          <p:cNvPr id="5" name="TextBox 4">
-            <a:extLst>
-              <a:ext uri="{FF2B5EF4-FFF2-40B4-BE49-F238E27FC236}">
-                <a16:creationId xmlns:a16="http://schemas.microsoft.com/office/drawing/2014/main" id="{3F13ADEA-657B-4883-8C89-E9C37DF86403}"/>
-              </a:ext>
-            </a:extLst>
-          </p:cNvPr>
-          <p:cNvSpPr txBox="1"/>
-          <p:nvPr/>
-        </p:nvSpPr>
-        <p:spPr>
-          <a:xfrm>
-            <a:off x="75229" y="1831495"/>
-            <a:ext cx="1397972" cy="307777"/>
-          </a:xfrm>
-          <a:prstGeom prst="rect">
-            <a:avLst/>
-          </a:prstGeom>
-          <a:noFill/>
-        </p:spPr>
-        <p:txBody>
-          <a:bodyPr wrap="square" rtlCol="0">
-            <a:spAutoFit/>
-          </a:bodyPr>
-          <a:lstStyle/>
-          <a:p>
-            <a:r>
-              <a:rPr lang="en-GB" sz="1400" dirty="0"/>
-              <a:t>Access database</a:t>
-            </a:r>
-          </a:p>
-        </p:txBody>
-      </p:sp>
-      <p:sp>
-        <p:nvSpPr>
-          <p:cNvPr id="7" name="TextBox 6">
-            <a:extLst>
-              <a:ext uri="{FF2B5EF4-FFF2-40B4-BE49-F238E27FC236}">
-                <a16:creationId xmlns:a16="http://schemas.microsoft.com/office/drawing/2014/main" id="{5064E4DB-9DE5-4AF4-BB33-72594E0E46C8}"/>
-              </a:ext>
-            </a:extLst>
-          </p:cNvPr>
-          <p:cNvSpPr txBox="1"/>
-          <p:nvPr/>
-        </p:nvSpPr>
-        <p:spPr>
-          <a:xfrm>
-            <a:off x="1360243" y="2874812"/>
-            <a:ext cx="1828431" cy="307777"/>
-          </a:xfrm>
-          <a:prstGeom prst="rect">
-            <a:avLst/>
-          </a:prstGeom>
-          <a:noFill/>
-        </p:spPr>
-        <p:txBody>
-          <a:bodyPr wrap="square" rtlCol="0">
-            <a:spAutoFit/>
-          </a:bodyPr>
-          <a:lstStyle/>
-          <a:p>
-            <a:r>
-              <a:rPr lang="en-GB" sz="1400" dirty="0"/>
-              <a:t>Send schema and data</a:t>
-            </a:r>
-          </a:p>
-        </p:txBody>
-      </p:sp>
+        </p:spPr>
+      </p:pic>
     </p:spTree>
     <p:extLst>
       <p:ext uri="{BB962C8B-B14F-4D97-AF65-F5344CB8AC3E}">
-        <p14:creationId xmlns:p14="http://schemas.microsoft.com/office/powerpoint/2010/main" val="3449752075"/>
+        <p14:creationId xmlns:p14="http://schemas.microsoft.com/office/powerpoint/2010/main" val="1901161825"/>
       </p:ext>
     </p:extLst>
   </p:cSld>
@@ -9515,12 +9028,48 @@
           <a:chExt cx="0" cy="0"/>
         </a:xfrm>
       </p:grpSpPr>
+      <p:sp>
+        <p:nvSpPr>
+          <p:cNvPr id="5" name="Title 1">
+            <a:extLst>
+              <a:ext uri="{FF2B5EF4-FFF2-40B4-BE49-F238E27FC236}">
+                <a16:creationId xmlns:a16="http://schemas.microsoft.com/office/drawing/2014/main" id="{C9E4FC33-A9DB-417D-AC59-A268F7E76215}"/>
+              </a:ext>
+            </a:extLst>
+          </p:cNvPr>
+          <p:cNvSpPr>
+            <a:spLocks noGrp="1"/>
+          </p:cNvSpPr>
+          <p:nvPr>
+            <p:ph type="title"/>
+          </p:nvPr>
+        </p:nvSpPr>
+        <p:spPr>
+          <a:xfrm>
+            <a:off x="1340337" y="5673969"/>
+            <a:ext cx="1832710" cy="656537"/>
+          </a:xfrm>
+        </p:spPr>
+        <p:txBody>
+          <a:bodyPr vert="horz" lIns="91440" tIns="45720" rIns="91440" bIns="45720" rtlCol="0" anchor="b">
+            <a:normAutofit/>
+          </a:bodyPr>
+          <a:lstStyle/>
+          <a:p>
+            <a:pPr algn="ctr"/>
+            <a:r>
+              <a:rPr lang="en-US" sz="3600" u="sng" dirty="0"/>
+              <a:t>Testing</a:t>
+            </a:r>
+          </a:p>
+        </p:txBody>
+      </p:sp>
       <p:pic>
         <p:nvPicPr>
-          <p:cNvPr id="4" name="Picture 3">
-            <a:extLst>
-              <a:ext uri="{FF2B5EF4-FFF2-40B4-BE49-F238E27FC236}">
-                <a16:creationId xmlns:a16="http://schemas.microsoft.com/office/drawing/2014/main" id="{86382A9E-FF04-4BB7-AAD7-6ED40B84A3EB}"/>
+          <p:cNvPr id="7" name="Picture 6">
+            <a:extLst>
+              <a:ext uri="{FF2B5EF4-FFF2-40B4-BE49-F238E27FC236}">
+                <a16:creationId xmlns:a16="http://schemas.microsoft.com/office/drawing/2014/main" id="{E14D1D48-EC7A-498F-9BAB-D7A0F26CBE83}"/>
               </a:ext>
             </a:extLst>
           </p:cNvPr>
@@ -9529,63 +9078,28 @@
           </p:cNvPicPr>
           <p:nvPr/>
         </p:nvPicPr>
-        <p:blipFill rotWithShape="1">
+        <p:blipFill>
           <a:blip r:embed="rId2"/>
-          <a:srcRect r="54037"/>
-          <a:stretch/>
+          <a:stretch>
+            <a:fillRect/>
+          </a:stretch>
         </p:blipFill>
         <p:spPr>
           <a:xfrm>
-            <a:off x="140433" y="135980"/>
-            <a:ext cx="5603875" cy="4778732"/>
+            <a:off x="192886" y="139041"/>
+            <a:ext cx="7348857" cy="4794910"/>
           </a:xfrm>
           <a:prstGeom prst="rect">
             <a:avLst/>
           </a:prstGeom>
         </p:spPr>
       </p:pic>
-      <p:sp>
-        <p:nvSpPr>
-          <p:cNvPr id="5" name="Title 1">
-            <a:extLst>
-              <a:ext uri="{FF2B5EF4-FFF2-40B4-BE49-F238E27FC236}">
-                <a16:creationId xmlns:a16="http://schemas.microsoft.com/office/drawing/2014/main" id="{C9E4FC33-A9DB-417D-AC59-A268F7E76215}"/>
-              </a:ext>
-            </a:extLst>
-          </p:cNvPr>
-          <p:cNvSpPr>
-            <a:spLocks noGrp="1"/>
-          </p:cNvSpPr>
-          <p:nvPr>
-            <p:ph type="title"/>
-          </p:nvPr>
-        </p:nvSpPr>
-        <p:spPr>
-          <a:xfrm>
-            <a:off x="1340337" y="5673969"/>
-            <a:ext cx="1832710" cy="656537"/>
-          </a:xfrm>
-        </p:spPr>
-        <p:txBody>
-          <a:bodyPr vert="horz" lIns="91440" tIns="45720" rIns="91440" bIns="45720" rtlCol="0" anchor="b">
-            <a:normAutofit/>
-          </a:bodyPr>
-          <a:lstStyle/>
-          <a:p>
-            <a:pPr algn="ctr"/>
-            <a:r>
-              <a:rPr lang="en-US" sz="3600" u="sng" dirty="0"/>
-              <a:t>Testing</a:t>
-            </a:r>
-          </a:p>
-        </p:txBody>
-      </p:sp>
       <p:pic>
         <p:nvPicPr>
-          <p:cNvPr id="8" name="Picture 7">
-            <a:extLst>
-              <a:ext uri="{FF2B5EF4-FFF2-40B4-BE49-F238E27FC236}">
-                <a16:creationId xmlns:a16="http://schemas.microsoft.com/office/drawing/2014/main" id="{ADC8BB74-4A10-4DBC-BEE9-656396A16E31}"/>
+          <p:cNvPr id="2" name="Picture 1">
+            <a:extLst>
+              <a:ext uri="{FF2B5EF4-FFF2-40B4-BE49-F238E27FC236}">
+                <a16:creationId xmlns:a16="http://schemas.microsoft.com/office/drawing/2014/main" id="{71579526-BF36-4BFA-9F72-D5FF71C71E53}"/>
               </a:ext>
             </a:extLst>
           </p:cNvPr>
@@ -9594,15 +9108,16 @@
           </p:cNvPicPr>
           <p:nvPr/>
         </p:nvPicPr>
-        <p:blipFill rotWithShape="1">
+        <p:blipFill>
           <a:blip r:embed="rId3"/>
-          <a:srcRect r="40405"/>
-          <a:stretch/>
+          <a:stretch>
+            <a:fillRect/>
+          </a:stretch>
         </p:blipFill>
         <p:spPr>
           <a:xfrm>
-            <a:off x="4757627" y="2283093"/>
-            <a:ext cx="7293940" cy="4438927"/>
+            <a:off x="5396737" y="2333625"/>
+            <a:ext cx="6795263" cy="4524375"/>
           </a:xfrm>
           <a:prstGeom prst="rect">
             <a:avLst/>
@@ -9612,7 +9127,7 @@
     </p:spTree>
     <p:extLst>
       <p:ext uri="{BB962C8B-B14F-4D97-AF65-F5344CB8AC3E}">
-        <p14:creationId xmlns:p14="http://schemas.microsoft.com/office/powerpoint/2010/main" val="1901161825"/>
+        <p14:creationId xmlns:p14="http://schemas.microsoft.com/office/powerpoint/2010/main" val="2729140441"/>
       </p:ext>
     </p:extLst>
   </p:cSld>
@@ -9625,6 +9140,14 @@
 <file path=ppt/slides/slide9.xml><?xml version="1.0" encoding="utf-8"?>
 <p:sld xmlns:a="http://schemas.openxmlformats.org/drawingml/2006/main" xmlns:r="http://schemas.openxmlformats.org/officeDocument/2006/relationships" xmlns:p="http://schemas.openxmlformats.org/presentationml/2006/main">
   <p:cSld>
+    <p:bg>
+      <p:bgPr>
+        <a:solidFill>
+          <a:srgbClr val="000000"/>
+        </a:solidFill>
+        <a:effectLst/>
+      </p:bgPr>
+    </p:bg>
     <p:spTree>
       <p:nvGrpSpPr>
         <p:cNvPr id="1" name=""/>
@@ -9641,10 +9164,119 @@
       </p:grpSpPr>
       <p:sp>
         <p:nvSpPr>
-          <p:cNvPr id="5" name="Title 1">
-            <a:extLst>
-              <a:ext uri="{FF2B5EF4-FFF2-40B4-BE49-F238E27FC236}">
-                <a16:creationId xmlns:a16="http://schemas.microsoft.com/office/drawing/2014/main" id="{C9E4FC33-A9DB-417D-AC59-A268F7E76215}"/>
+          <p:cNvPr id="71" name="Rectangle 70">
+            <a:extLst>
+              <a:ext uri="{FF2B5EF4-FFF2-40B4-BE49-F238E27FC236}">
+                <a16:creationId xmlns:a16="http://schemas.microsoft.com/office/drawing/2014/main" id="{71B2258F-86CA-4D4D-8270-BC05FCDEBFB3}"/>
+              </a:ext>
+              <a:ext uri="{C183D7F6-B498-43B3-948B-1728B52AA6E4}">
+                <adec:decorative xmlns:adec="http://schemas.microsoft.com/office/drawing/2017/decorative" val="1"/>
+              </a:ext>
+            </a:extLst>
+          </p:cNvPr>
+          <p:cNvSpPr>
+            <a:spLocks noGrp="1" noRot="1" noChangeAspect="1" noMove="1" noResize="1" noEditPoints="1" noAdjustHandles="1" noChangeArrowheads="1" noChangeShapeType="1" noTextEdit="1"/>
+          </p:cNvSpPr>
+          <p:nvPr>
+            <p:extLst>
+              <p:ext uri="{386F3935-93C4-4BCD-93E2-E3B085C9AB24}">
+                <p16:designElem xmlns:p16="http://schemas.microsoft.com/office/powerpoint/2015/main" val="1"/>
+              </p:ext>
+            </p:extLst>
+          </p:nvPr>
+        </p:nvSpPr>
+        <p:spPr>
+          <a:xfrm>
+            <a:off x="0" y="0"/>
+            <a:ext cx="12192000" cy="6857999"/>
+          </a:xfrm>
+          <a:prstGeom prst="rect">
+            <a:avLst/>
+          </a:prstGeom>
+          <a:solidFill>
+            <a:srgbClr val="000000"/>
+          </a:solidFill>
+          <a:ln>
+            <a:noFill/>
+          </a:ln>
+        </p:spPr>
+        <p:style>
+          <a:lnRef idx="2">
+            <a:schemeClr val="accent1">
+              <a:shade val="50000"/>
+            </a:schemeClr>
+          </a:lnRef>
+          <a:fillRef idx="1">
+            <a:schemeClr val="accent1"/>
+          </a:fillRef>
+          <a:effectRef idx="0">
+            <a:schemeClr val="accent1"/>
+          </a:effectRef>
+          <a:fontRef idx="minor">
+            <a:schemeClr val="lt1"/>
+          </a:fontRef>
+        </p:style>
+        <p:txBody>
+          <a:bodyPr rtlCol="0" anchor="ctr"/>
+          <a:lstStyle/>
+          <a:p>
+            <a:pPr algn="ctr"/>
+            <a:endParaRPr lang="en-US"/>
+          </a:p>
+        </p:txBody>
+      </p:sp>
+      <p:pic>
+        <p:nvPicPr>
+          <p:cNvPr id="1026" name="Picture 2" descr="A Quick Guide to Using Command Line (Terminal) | by Jerry Wei | Towards  Data Science">
+            <a:extLst>
+              <a:ext uri="{FF2B5EF4-FFF2-40B4-BE49-F238E27FC236}">
+                <a16:creationId xmlns:a16="http://schemas.microsoft.com/office/drawing/2014/main" id="{19B17617-F053-457A-9492-13A40C74FEFE}"/>
+              </a:ext>
+            </a:extLst>
+          </p:cNvPr>
+          <p:cNvPicPr>
+            <a:picLocks noChangeAspect="1" noChangeArrowheads="1"/>
+          </p:cNvPicPr>
+          <p:nvPr/>
+        </p:nvPicPr>
+        <p:blipFill rotWithShape="1">
+          <a:blip r:embed="rId2">
+            <a:alphaModFix amt="50000"/>
+            <a:extLst>
+              <a:ext uri="{28A0092B-C50C-407E-A947-70E740481C1C}">
+                <a14:useLocalDpi xmlns:a14="http://schemas.microsoft.com/office/drawing/2010/main" val="0"/>
+              </a:ext>
+            </a:extLst>
+          </a:blip>
+          <a:srcRect t="2530" b="13200"/>
+          <a:stretch/>
+        </p:blipFill>
+        <p:spPr bwMode="auto">
+          <a:xfrm>
+            <a:off x="20" y="1"/>
+            <a:ext cx="12191980" cy="6857999"/>
+          </a:xfrm>
+          <a:prstGeom prst="rect">
+            <a:avLst/>
+          </a:prstGeom>
+          <a:noFill/>
+          <a:extLst>
+            <a:ext uri="{909E8E84-426E-40DD-AFC4-6F175D3DCCD1}">
+              <a14:hiddenFill xmlns:a14="http://schemas.microsoft.com/office/drawing/2010/main">
+                <a:solidFill>
+                  <a:srgbClr val="FFFFFF"/>
+                </a:solidFill>
+              </a14:hiddenFill>
+            </a:ext>
+          </a:extLst>
+        </p:spPr>
+      </p:pic>
+      <p:sp>
+        <p:nvSpPr>
+          <p:cNvPr id="2" name="Title 1">
+            <a:extLst>
+              <a:ext uri="{FF2B5EF4-FFF2-40B4-BE49-F238E27FC236}">
+                <a16:creationId xmlns:a16="http://schemas.microsoft.com/office/drawing/2014/main" id="{C2531C1B-8532-4EF1-9412-DBC929D3D36A}"/>
               </a:ext>
             </a:extLst>
           </p:cNvPr>
@@ -9657,8 +9289,8 @@
         </p:nvSpPr>
         <p:spPr>
           <a:xfrm>
-            <a:off x="1340337" y="5673969"/>
-            <a:ext cx="1832710" cy="656537"/>
+            <a:off x="3367087" y="2879647"/>
+            <a:ext cx="5457825" cy="1098704"/>
           </a:xfrm>
         </p:spPr>
         <p:txBody>
@@ -9669,81 +9301,25 @@
           <a:p>
             <a:pPr algn="ctr"/>
             <a:r>
-              <a:rPr lang="en-US" sz="3600" u="sng" dirty="0"/>
-              <a:t>Testing</a:t>
-            </a:r>
-          </a:p>
-        </p:txBody>
-      </p:sp>
-      <p:pic>
-        <p:nvPicPr>
-          <p:cNvPr id="7" name="Picture 6">
-            <a:extLst>
-              <a:ext uri="{FF2B5EF4-FFF2-40B4-BE49-F238E27FC236}">
-                <a16:creationId xmlns:a16="http://schemas.microsoft.com/office/drawing/2014/main" id="{E14D1D48-EC7A-498F-9BAB-D7A0F26CBE83}"/>
-              </a:ext>
-            </a:extLst>
-          </p:cNvPr>
-          <p:cNvPicPr>
-            <a:picLocks noChangeAspect="1"/>
-          </p:cNvPicPr>
-          <p:nvPr/>
-        </p:nvPicPr>
-        <p:blipFill>
-          <a:blip r:embed="rId2"/>
-          <a:stretch>
-            <a:fillRect/>
-          </a:stretch>
-        </p:blipFill>
-        <p:spPr>
-          <a:xfrm>
-            <a:off x="192886" y="139041"/>
-            <a:ext cx="7348857" cy="4794910"/>
-          </a:xfrm>
-          <a:prstGeom prst="rect">
-            <a:avLst/>
-          </a:prstGeom>
-        </p:spPr>
-      </p:pic>
-      <p:pic>
-        <p:nvPicPr>
-          <p:cNvPr id="2" name="Picture 1">
-            <a:extLst>
-              <a:ext uri="{FF2B5EF4-FFF2-40B4-BE49-F238E27FC236}">
-                <a16:creationId xmlns:a16="http://schemas.microsoft.com/office/drawing/2014/main" id="{71579526-BF36-4BFA-9F72-D5FF71C71E53}"/>
-              </a:ext>
-            </a:extLst>
-          </p:cNvPr>
-          <p:cNvPicPr>
-            <a:picLocks noChangeAspect="1"/>
-          </p:cNvPicPr>
-          <p:nvPr/>
-        </p:nvPicPr>
-        <p:blipFill>
-          <a:blip r:embed="rId3"/>
-          <a:stretch>
-            <a:fillRect/>
-          </a:stretch>
-        </p:blipFill>
-        <p:spPr>
-          <a:xfrm>
-            <a:off x="5396737" y="2333625"/>
-            <a:ext cx="6795263" cy="4524375"/>
-          </a:xfrm>
-          <a:prstGeom prst="rect">
-            <a:avLst/>
-          </a:prstGeom>
-        </p:spPr>
-      </p:pic>
+              <a:rPr lang="en-US" sz="7200" dirty="0">
+                <a:solidFill>
+                  <a:srgbClr val="FFFFFF"/>
+                </a:solidFill>
+              </a:rPr>
+              <a:t>Let’s Run IMS</a:t>
+            </a:r>
+          </a:p>
+        </p:txBody>
+      </p:sp>
     </p:spTree>
     <p:extLst>
       <p:ext uri="{BB962C8B-B14F-4D97-AF65-F5344CB8AC3E}">
-        <p14:creationId xmlns:p14="http://schemas.microsoft.com/office/powerpoint/2010/main" val="2729140441"/>
+        <p14:creationId xmlns:p14="http://schemas.microsoft.com/office/powerpoint/2010/main" val="2494145527"/>
       </p:ext>
     </p:extLst>
   </p:cSld>
   <p:clrMapOvr>
-    <a:masterClrMapping/>
+    <a:overrideClrMapping bg1="dk1" tx1="lt1" bg2="dk2" tx2="lt2" accent1="accent1" accent2="accent2" accent3="accent3" accent4="accent4" accent5="accent5" accent6="accent6" hlink="hlink" folHlink="folHlink"/>
   </p:clrMapOvr>
 </p:sld>
 </file>

--- a/documentation/TDL-Presentation.pptx
+++ b/documentation/TDL-Presentation.pptx
@@ -3823,12 +3823,12 @@
           <a:chExt cx="0" cy="0"/>
         </a:xfrm>
       </p:grpSpPr>
-      <p:sp>
-        <p:nvSpPr>
-          <p:cNvPr id="71" name="Rectangle 70">
-            <a:extLst>
-              <a:ext uri="{FF2B5EF4-FFF2-40B4-BE49-F238E27FC236}">
-                <a16:creationId xmlns:a16="http://schemas.microsoft.com/office/drawing/2014/main" id="{7383B190-6BFB-422F-B667-06B7B25F096A}"/>
+      <p:sp useBgFill="1">
+        <p:nvSpPr>
+          <p:cNvPr id="81" name="Rectangle 77">
+            <a:extLst>
+              <a:ext uri="{FF2B5EF4-FFF2-40B4-BE49-F238E27FC236}">
+                <a16:creationId xmlns:a16="http://schemas.microsoft.com/office/drawing/2014/main" id="{7316481C-0A49-4796-812B-0D64F063B720}"/>
               </a:ext>
               <a:ext uri="{C183D7F6-B498-43B3-948B-1728B52AA6E4}">
                 <adec:decorative xmlns:adec="http://schemas.microsoft.com/office/drawing/2017/decorative" val="1"/>
@@ -3846,21 +3846,16 @@
             </p:extLst>
           </p:nvPr>
         </p:nvSpPr>
-        <p:spPr bwMode="ltGray">
+        <p:spPr>
           <a:xfrm>
-            <a:off x="4708357" y="3509963"/>
-            <a:ext cx="7092215" cy="2967839"/>
+            <a:off x="0" y="0"/>
+            <a:ext cx="12192000" cy="6858000"/>
           </a:xfrm>
           <a:prstGeom prst="rect">
             <a:avLst/>
           </a:prstGeom>
-          <a:solidFill>
-            <a:srgbClr val="404040"/>
-          </a:solidFill>
-          <a:ln w="127000" cap="sq" cmpd="thinThick">
-            <a:solidFill>
-              <a:srgbClr val="404040"/>
-            </a:solidFill>
+          <a:ln>
+            <a:noFill/>
           </a:ln>
         </p:spPr>
         <p:style>
@@ -3884,7 +3879,7 @@
           <a:lstStyle/>
           <a:p>
             <a:pPr algn="ctr"/>
-            <a:endParaRPr lang="en-US" dirty="0"/>
+            <a:endParaRPr lang="en-US"/>
           </a:p>
         </p:txBody>
       </p:sp>
@@ -3906,8 +3901,8 @@
         </p:nvSpPr>
         <p:spPr>
           <a:xfrm>
-            <a:off x="5021821" y="3812954"/>
-            <a:ext cx="6465287" cy="1516014"/>
+            <a:off x="1116498" y="655128"/>
+            <a:ext cx="4613919" cy="1499616"/>
           </a:xfrm>
         </p:spPr>
         <p:txBody>
@@ -3917,108 +3912,27 @@
           <a:lstStyle/>
           <a:p>
             <a:r>
-              <a:rPr lang="en-US" sz="4800" kern="1200">
-                <a:solidFill>
-                  <a:srgbClr val="FFFFFF"/>
-                </a:solidFill>
-                <a:latin typeface="+mj-lt"/>
-                <a:ea typeface="+mj-ea"/>
-                <a:cs typeface="+mj-cs"/>
-              </a:rPr>
+              <a:rPr lang="en-US" sz="4200" dirty="0"/>
               <a:t>Sprint Review</a:t>
             </a:r>
           </a:p>
         </p:txBody>
       </p:sp>
-      <p:pic>
-        <p:nvPicPr>
-          <p:cNvPr id="2050" name="Picture 2" descr="Cloud Computing Services | Google Cloud">
-            <a:extLst>
-              <a:ext uri="{FF2B5EF4-FFF2-40B4-BE49-F238E27FC236}">
-                <a16:creationId xmlns:a16="http://schemas.microsoft.com/office/drawing/2014/main" id="{6F18843C-D825-469B-B912-10BD3A65BA65}"/>
-              </a:ext>
-            </a:extLst>
-          </p:cNvPr>
-          <p:cNvPicPr>
-            <a:picLocks noChangeAspect="1" noChangeArrowheads="1"/>
-          </p:cNvPicPr>
-          <p:nvPr/>
-        </p:nvPicPr>
-        <p:blipFill rotWithShape="1">
-          <a:blip r:embed="rId2">
-            <a:extLst>
-              <a:ext uri="{28A0092B-C50C-407E-A947-70E740481C1C}">
-                <a14:useLocalDpi xmlns:a14="http://schemas.microsoft.com/office/drawing/2010/main" val="0"/>
-              </a:ext>
-            </a:extLst>
-          </a:blip>
-          <a:srcRect l="13381" r="14985"/>
-          <a:stretch/>
-        </p:blipFill>
-        <p:spPr bwMode="auto">
-          <a:xfrm>
-            <a:off x="317635" y="299363"/>
-            <a:ext cx="4160452" cy="3049204"/>
-          </a:xfrm>
-          <a:prstGeom prst="rect">
-            <a:avLst/>
-          </a:prstGeom>
-          <a:noFill/>
-          <a:extLst>
-            <a:ext uri="{909E8E84-426E-40DD-AFC4-6F175D3DCCD1}">
-              <a14:hiddenFill xmlns:a14="http://schemas.microsoft.com/office/drawing/2010/main">
-                <a:solidFill>
-                  <a:srgbClr val="FFFFFF"/>
-                </a:solidFill>
-              </a14:hiddenFill>
-            </a:ext>
-          </a:extLst>
-        </p:spPr>
-      </p:pic>
-      <p:pic>
-        <p:nvPicPr>
-          <p:cNvPr id="4" name="Picture 3">
-            <a:extLst>
-              <a:ext uri="{FF2B5EF4-FFF2-40B4-BE49-F238E27FC236}">
-                <a16:creationId xmlns:a16="http://schemas.microsoft.com/office/drawing/2014/main" id="{82C60621-2303-4352-B009-67D21A7B6576}"/>
-              </a:ext>
-            </a:extLst>
-          </p:cNvPr>
-          <p:cNvPicPr>
-            <a:picLocks noChangeAspect="1"/>
-          </p:cNvPicPr>
-          <p:nvPr/>
-        </p:nvPicPr>
-        <p:blipFill rotWithShape="1">
-          <a:blip r:embed="rId3"/>
-          <a:srcRect r="2" b="20984"/>
-          <a:stretch/>
-        </p:blipFill>
-        <p:spPr>
-          <a:xfrm>
-            <a:off x="4654296" y="299363"/>
-            <a:ext cx="7217085" cy="3008188"/>
-          </a:xfrm>
-          <a:prstGeom prst="rect">
-            <a:avLst/>
-          </a:prstGeom>
-        </p:spPr>
-      </p:pic>
-      <p:cxnSp>
-        <p:nvCxnSpPr>
-          <p:cNvPr id="73" name="Straight Connector 72">
-            <a:extLst>
-              <a:ext uri="{FF2B5EF4-FFF2-40B4-BE49-F238E27FC236}">
-                <a16:creationId xmlns:a16="http://schemas.microsoft.com/office/drawing/2014/main" id="{ED28E597-4AF8-4D69-A9AB-A1EDC6156B04}"/>
+      <p:sp>
+        <p:nvSpPr>
+          <p:cNvPr id="80" name="Rectangle 79">
+            <a:extLst>
+              <a:ext uri="{FF2B5EF4-FFF2-40B4-BE49-F238E27FC236}">
+                <a16:creationId xmlns:a16="http://schemas.microsoft.com/office/drawing/2014/main" id="{A5271697-90F1-4A23-8EF2-0179F2EAFACB}"/>
               </a:ext>
               <a:ext uri="{C183D7F6-B498-43B3-948B-1728B52AA6E4}">
                 <adec:decorative xmlns:adec="http://schemas.microsoft.com/office/drawing/2017/decorative" val="1"/>
               </a:ext>
             </a:extLst>
           </p:cNvPr>
-          <p:cNvCxnSpPr>
-            <a:cxnSpLocks noGrp="1" noRot="1" noChangeAspect="1" noMove="1" noResize="1" noEditPoints="1" noAdjustHandles="1" noChangeArrowheads="1" noChangeShapeType="1"/>
-          </p:cNvCxnSpPr>
+          <p:cNvSpPr>
+            <a:spLocks noGrp="1" noRot="1" noChangeAspect="1" noMove="1" noResize="1" noEditPoints="1" noAdjustHandles="1" noChangeArrowheads="1" noChangeShapeType="1" noTextEdit="1"/>
+          </p:cNvSpPr>
           <p:nvPr>
             <p:extLst>
               <p:ext uri="{386F3935-93C4-4BCD-93E2-E3B085C9AB24}">
@@ -4026,42 +3940,1308 @@
               </p:ext>
             </p:extLst>
           </p:nvPr>
-        </p:nvCxnSpPr>
+        </p:nvSpPr>
         <p:spPr>
           <a:xfrm>
-            <a:off x="5138287" y="5443086"/>
-            <a:ext cx="6400800" cy="0"/>
-          </a:xfrm>
-          <a:prstGeom prst="line">
+            <a:off x="-1" y="1"/>
+            <a:ext cx="606972" cy="3233984"/>
+          </a:xfrm>
+          <a:prstGeom prst="rect">
             <a:avLst/>
           </a:prstGeom>
-          <a:ln w="22225">
-            <a:solidFill>
-              <a:srgbClr val="D9D9D9"/>
-            </a:solidFill>
+          <a:solidFill>
+            <a:schemeClr val="tx1">
+              <a:lumMod val="85000"/>
+              <a:lumOff val="15000"/>
+            </a:schemeClr>
+          </a:solidFill>
+          <a:ln>
+            <a:noFill/>
           </a:ln>
         </p:spPr>
         <p:style>
-          <a:lnRef idx="1">
-            <a:schemeClr val="accent1"/>
+          <a:lnRef idx="2">
+            <a:schemeClr val="accent1">
+              <a:shade val="50000"/>
+            </a:schemeClr>
           </a:lnRef>
-          <a:fillRef idx="0">
+          <a:fillRef idx="1">
             <a:schemeClr val="accent1"/>
           </a:fillRef>
           <a:effectRef idx="0">
             <a:schemeClr val="accent1"/>
           </a:effectRef>
           <a:fontRef idx="minor">
-            <a:schemeClr val="tx1"/>
+            <a:schemeClr val="lt1"/>
           </a:fontRef>
         </p:style>
-      </p:cxnSp>
+        <p:txBody>
+          <a:bodyPr rtlCol="0" anchor="ctr"/>
+          <a:lstStyle/>
+          <a:p>
+            <a:pPr algn="ctr"/>
+            <a:endParaRPr lang="en-US"/>
+          </a:p>
+        </p:txBody>
+      </p:sp>
+      <p:grpSp>
+        <p:nvGrpSpPr>
+          <p:cNvPr id="82" name="Group 81">
+            <a:extLst>
+              <a:ext uri="{FF2B5EF4-FFF2-40B4-BE49-F238E27FC236}">
+                <a16:creationId xmlns:a16="http://schemas.microsoft.com/office/drawing/2014/main" id="{1F49CE81-B2F4-47B2-9D4A-886DCE0A8404}"/>
+              </a:ext>
+              <a:ext uri="{C183D7F6-B498-43B3-948B-1728B52AA6E4}">
+                <adec:decorative xmlns:adec="http://schemas.microsoft.com/office/drawing/2017/decorative" val="1"/>
+              </a:ext>
+            </a:extLst>
+          </p:cNvPr>
+          <p:cNvGrpSpPr>
+            <a:grpSpLocks noGrp="1" noUngrp="1" noRot="1" noChangeAspect="1" noMove="1" noResize="1"/>
+          </p:cNvGrpSpPr>
+          <p:nvPr>
+            <p:extLst>
+              <p:ext uri="{386F3935-93C4-4BCD-93E2-E3B085C9AB24}">
+                <p16:designElem xmlns:p16="http://schemas.microsoft.com/office/powerpoint/2015/main" val="1"/>
+              </p:ext>
+            </p:extLst>
+          </p:nvPr>
+        </p:nvGrpSpPr>
+        <p:grpSpPr>
+          <a:xfrm>
+            <a:off x="1188720" y="73152"/>
+            <a:ext cx="1178966" cy="232963"/>
+            <a:chOff x="7763256" y="73152"/>
+            <a:chExt cx="1178966" cy="232963"/>
+          </a:xfrm>
+        </p:grpSpPr>
+        <p:sp>
+          <p:nvSpPr>
+            <p:cNvPr id="83" name="Rectangle 64">
+              <a:extLst>
+                <a:ext uri="{FF2B5EF4-FFF2-40B4-BE49-F238E27FC236}">
+                  <a16:creationId xmlns:a16="http://schemas.microsoft.com/office/drawing/2014/main" id="{4BE32177-3EAD-42DA-997C-8DAE1BFEE58F}"/>
+                </a:ext>
+                <a:ext uri="{C183D7F6-B498-43B3-948B-1728B52AA6E4}">
+                  <adec:decorative xmlns:adec="http://schemas.microsoft.com/office/drawing/2017/decorative" val="1"/>
+                </a:ext>
+              </a:extLst>
+            </p:cNvPr>
+            <p:cNvSpPr/>
+            <p:nvPr>
+              <p:extLst>
+                <p:ext uri="{386F3935-93C4-4BCD-93E2-E3B085C9AB24}">
+                  <p16:designElem xmlns:p16="http://schemas.microsoft.com/office/powerpoint/2015/main" val="1"/>
+                </p:ext>
+              </p:extLst>
+            </p:nvPr>
+          </p:nvSpPr>
+          <p:spPr>
+            <a:xfrm>
+              <a:off x="8263077" y="73152"/>
+              <a:ext cx="54368" cy="59227"/>
+            </a:xfrm>
+            <a:prstGeom prst="ellipse">
+              <a:avLst/>
+            </a:prstGeom>
+            <a:solidFill>
+              <a:schemeClr val="accent1"/>
+            </a:solidFill>
+            <a:ln>
+              <a:noFill/>
+            </a:ln>
+          </p:spPr>
+          <p:style>
+            <a:lnRef idx="2">
+              <a:schemeClr val="accent1">
+                <a:shade val="50000"/>
+              </a:schemeClr>
+            </a:lnRef>
+            <a:fillRef idx="1">
+              <a:schemeClr val="accent1"/>
+            </a:fillRef>
+            <a:effectRef idx="0">
+              <a:schemeClr val="accent1"/>
+            </a:effectRef>
+            <a:fontRef idx="minor">
+              <a:schemeClr val="lt1"/>
+            </a:fontRef>
+          </p:style>
+          <p:txBody>
+            <a:bodyPr rtlCol="0" anchor="ctr"/>
+            <a:lstStyle/>
+            <a:p>
+              <a:pPr algn="ctr"/>
+              <a:endParaRPr lang="en-US"/>
+            </a:p>
+          </p:txBody>
+        </p:sp>
+        <p:sp>
+          <p:nvSpPr>
+            <p:cNvPr id="84" name="Rectangle 66">
+              <a:extLst>
+                <a:ext uri="{FF2B5EF4-FFF2-40B4-BE49-F238E27FC236}">
+                  <a16:creationId xmlns:a16="http://schemas.microsoft.com/office/drawing/2014/main" id="{A0DEE160-9825-4DB5-8188-911AC13EA761}"/>
+                </a:ext>
+                <a:ext uri="{C183D7F6-B498-43B3-948B-1728B52AA6E4}">
+                  <adec:decorative xmlns:adec="http://schemas.microsoft.com/office/drawing/2017/decorative" val="1"/>
+                </a:ext>
+              </a:extLst>
+            </p:cNvPr>
+            <p:cNvSpPr/>
+            <p:nvPr>
+              <p:extLst>
+                <p:ext uri="{386F3935-93C4-4BCD-93E2-E3B085C9AB24}">
+                  <p16:designElem xmlns:p16="http://schemas.microsoft.com/office/powerpoint/2015/main" val="1"/>
+                </p:ext>
+              </p:extLst>
+            </p:nvPr>
+          </p:nvSpPr>
+          <p:spPr>
+            <a:xfrm>
+              <a:off x="8263077" y="246888"/>
+              <a:ext cx="54368" cy="59227"/>
+            </a:xfrm>
+            <a:prstGeom prst="ellipse">
+              <a:avLst/>
+            </a:prstGeom>
+            <a:solidFill>
+              <a:schemeClr val="accent1"/>
+            </a:solidFill>
+            <a:ln>
+              <a:noFill/>
+            </a:ln>
+          </p:spPr>
+          <p:style>
+            <a:lnRef idx="2">
+              <a:schemeClr val="accent1">
+                <a:shade val="50000"/>
+              </a:schemeClr>
+            </a:lnRef>
+            <a:fillRef idx="1">
+              <a:schemeClr val="accent1"/>
+            </a:fillRef>
+            <a:effectRef idx="0">
+              <a:schemeClr val="accent1"/>
+            </a:effectRef>
+            <a:fontRef idx="minor">
+              <a:schemeClr val="lt1"/>
+            </a:fontRef>
+          </p:style>
+          <p:txBody>
+            <a:bodyPr rtlCol="0" anchor="ctr"/>
+            <a:lstStyle/>
+            <a:p>
+              <a:pPr algn="ctr"/>
+              <a:endParaRPr lang="en-US"/>
+            </a:p>
+          </p:txBody>
+        </p:sp>
+        <p:sp>
+          <p:nvSpPr>
+            <p:cNvPr id="85" name="Rectangle 64">
+              <a:extLst>
+                <a:ext uri="{FF2B5EF4-FFF2-40B4-BE49-F238E27FC236}">
+                  <a16:creationId xmlns:a16="http://schemas.microsoft.com/office/drawing/2014/main" id="{9C5FEDB5-0AEE-40E4-9CA6-6718B956D932}"/>
+                </a:ext>
+                <a:ext uri="{C183D7F6-B498-43B3-948B-1728B52AA6E4}">
+                  <adec:decorative xmlns:adec="http://schemas.microsoft.com/office/drawing/2017/decorative" val="1"/>
+                </a:ext>
+              </a:extLst>
+            </p:cNvPr>
+            <p:cNvSpPr/>
+            <p:nvPr>
+              <p:extLst>
+                <p:ext uri="{386F3935-93C4-4BCD-93E2-E3B085C9AB24}">
+                  <p16:designElem xmlns:p16="http://schemas.microsoft.com/office/powerpoint/2015/main" val="1"/>
+                </p:ext>
+              </p:extLst>
+            </p:nvPr>
+          </p:nvSpPr>
+          <p:spPr>
+            <a:xfrm>
+              <a:off x="8138122" y="73152"/>
+              <a:ext cx="54368" cy="59227"/>
+            </a:xfrm>
+            <a:prstGeom prst="ellipse">
+              <a:avLst/>
+            </a:prstGeom>
+            <a:solidFill>
+              <a:schemeClr val="accent1"/>
+            </a:solidFill>
+            <a:ln>
+              <a:noFill/>
+            </a:ln>
+          </p:spPr>
+          <p:style>
+            <a:lnRef idx="2">
+              <a:schemeClr val="accent1">
+                <a:shade val="50000"/>
+              </a:schemeClr>
+            </a:lnRef>
+            <a:fillRef idx="1">
+              <a:schemeClr val="accent1"/>
+            </a:fillRef>
+            <a:effectRef idx="0">
+              <a:schemeClr val="accent1"/>
+            </a:effectRef>
+            <a:fontRef idx="minor">
+              <a:schemeClr val="lt1"/>
+            </a:fontRef>
+          </p:style>
+          <p:txBody>
+            <a:bodyPr rtlCol="0" anchor="ctr"/>
+            <a:lstStyle/>
+            <a:p>
+              <a:pPr algn="ctr"/>
+              <a:endParaRPr lang="en-US"/>
+            </a:p>
+          </p:txBody>
+        </p:sp>
+        <p:sp>
+          <p:nvSpPr>
+            <p:cNvPr id="86" name="Rectangle 66">
+              <a:extLst>
+                <a:ext uri="{FF2B5EF4-FFF2-40B4-BE49-F238E27FC236}">
+                  <a16:creationId xmlns:a16="http://schemas.microsoft.com/office/drawing/2014/main" id="{1A11DF2D-1D4B-45DA-906B-2A1F84C99647}"/>
+                </a:ext>
+                <a:ext uri="{C183D7F6-B498-43B3-948B-1728B52AA6E4}">
+                  <adec:decorative xmlns:adec="http://schemas.microsoft.com/office/drawing/2017/decorative" val="1"/>
+                </a:ext>
+              </a:extLst>
+            </p:cNvPr>
+            <p:cNvSpPr/>
+            <p:nvPr>
+              <p:extLst>
+                <p:ext uri="{386F3935-93C4-4BCD-93E2-E3B085C9AB24}">
+                  <p16:designElem xmlns:p16="http://schemas.microsoft.com/office/powerpoint/2015/main" val="1"/>
+                </p:ext>
+              </p:extLst>
+            </p:nvPr>
+          </p:nvSpPr>
+          <p:spPr>
+            <a:xfrm>
+              <a:off x="8138122" y="246888"/>
+              <a:ext cx="54368" cy="59227"/>
+            </a:xfrm>
+            <a:prstGeom prst="ellipse">
+              <a:avLst/>
+            </a:prstGeom>
+            <a:solidFill>
+              <a:schemeClr val="accent1"/>
+            </a:solidFill>
+            <a:ln>
+              <a:noFill/>
+            </a:ln>
+          </p:spPr>
+          <p:style>
+            <a:lnRef idx="2">
+              <a:schemeClr val="accent1">
+                <a:shade val="50000"/>
+              </a:schemeClr>
+            </a:lnRef>
+            <a:fillRef idx="1">
+              <a:schemeClr val="accent1"/>
+            </a:fillRef>
+            <a:effectRef idx="0">
+              <a:schemeClr val="accent1"/>
+            </a:effectRef>
+            <a:fontRef idx="minor">
+              <a:schemeClr val="lt1"/>
+            </a:fontRef>
+          </p:style>
+          <p:txBody>
+            <a:bodyPr rtlCol="0" anchor="ctr"/>
+            <a:lstStyle/>
+            <a:p>
+              <a:pPr algn="ctr"/>
+              <a:endParaRPr lang="en-US"/>
+            </a:p>
+          </p:txBody>
+        </p:sp>
+        <p:sp>
+          <p:nvSpPr>
+            <p:cNvPr id="87" name="Rectangle 64">
+              <a:extLst>
+                <a:ext uri="{FF2B5EF4-FFF2-40B4-BE49-F238E27FC236}">
+                  <a16:creationId xmlns:a16="http://schemas.microsoft.com/office/drawing/2014/main" id="{B6A5BAC0-9806-4124-A584-7F924A6589C8}"/>
+                </a:ext>
+                <a:ext uri="{C183D7F6-B498-43B3-948B-1728B52AA6E4}">
+                  <adec:decorative xmlns:adec="http://schemas.microsoft.com/office/drawing/2017/decorative" val="1"/>
+                </a:ext>
+              </a:extLst>
+            </p:cNvPr>
+            <p:cNvSpPr/>
+            <p:nvPr>
+              <p:extLst>
+                <p:ext uri="{386F3935-93C4-4BCD-93E2-E3B085C9AB24}">
+                  <p16:designElem xmlns:p16="http://schemas.microsoft.com/office/powerpoint/2015/main" val="1"/>
+                </p:ext>
+              </p:extLst>
+            </p:nvPr>
+          </p:nvSpPr>
+          <p:spPr>
+            <a:xfrm>
+              <a:off x="8013167" y="73152"/>
+              <a:ext cx="54368" cy="59227"/>
+            </a:xfrm>
+            <a:prstGeom prst="ellipse">
+              <a:avLst/>
+            </a:prstGeom>
+            <a:solidFill>
+              <a:schemeClr val="accent1"/>
+            </a:solidFill>
+            <a:ln>
+              <a:noFill/>
+            </a:ln>
+          </p:spPr>
+          <p:style>
+            <a:lnRef idx="2">
+              <a:schemeClr val="accent1">
+                <a:shade val="50000"/>
+              </a:schemeClr>
+            </a:lnRef>
+            <a:fillRef idx="1">
+              <a:schemeClr val="accent1"/>
+            </a:fillRef>
+            <a:effectRef idx="0">
+              <a:schemeClr val="accent1"/>
+            </a:effectRef>
+            <a:fontRef idx="minor">
+              <a:schemeClr val="lt1"/>
+            </a:fontRef>
+          </p:style>
+          <p:txBody>
+            <a:bodyPr rtlCol="0" anchor="ctr"/>
+            <a:lstStyle/>
+            <a:p>
+              <a:pPr algn="ctr"/>
+              <a:endParaRPr lang="en-US"/>
+            </a:p>
+          </p:txBody>
+        </p:sp>
+        <p:sp>
+          <p:nvSpPr>
+            <p:cNvPr id="88" name="Rectangle 66">
+              <a:extLst>
+                <a:ext uri="{FF2B5EF4-FFF2-40B4-BE49-F238E27FC236}">
+                  <a16:creationId xmlns:a16="http://schemas.microsoft.com/office/drawing/2014/main" id="{A8F6BFA3-38BE-4F0A-94D9-EF0E6EA01A0B}"/>
+                </a:ext>
+                <a:ext uri="{C183D7F6-B498-43B3-948B-1728B52AA6E4}">
+                  <adec:decorative xmlns:adec="http://schemas.microsoft.com/office/drawing/2017/decorative" val="1"/>
+                </a:ext>
+              </a:extLst>
+            </p:cNvPr>
+            <p:cNvSpPr/>
+            <p:nvPr>
+              <p:extLst>
+                <p:ext uri="{386F3935-93C4-4BCD-93E2-E3B085C9AB24}">
+                  <p16:designElem xmlns:p16="http://schemas.microsoft.com/office/powerpoint/2015/main" val="1"/>
+                </p:ext>
+              </p:extLst>
+            </p:nvPr>
+          </p:nvSpPr>
+          <p:spPr>
+            <a:xfrm>
+              <a:off x="8013167" y="246888"/>
+              <a:ext cx="54368" cy="59227"/>
+            </a:xfrm>
+            <a:prstGeom prst="ellipse">
+              <a:avLst/>
+            </a:prstGeom>
+            <a:solidFill>
+              <a:schemeClr val="accent1"/>
+            </a:solidFill>
+            <a:ln>
+              <a:noFill/>
+            </a:ln>
+          </p:spPr>
+          <p:style>
+            <a:lnRef idx="2">
+              <a:schemeClr val="accent1">
+                <a:shade val="50000"/>
+              </a:schemeClr>
+            </a:lnRef>
+            <a:fillRef idx="1">
+              <a:schemeClr val="accent1"/>
+            </a:fillRef>
+            <a:effectRef idx="0">
+              <a:schemeClr val="accent1"/>
+            </a:effectRef>
+            <a:fontRef idx="minor">
+              <a:schemeClr val="lt1"/>
+            </a:fontRef>
+          </p:style>
+          <p:txBody>
+            <a:bodyPr rtlCol="0" anchor="ctr"/>
+            <a:lstStyle/>
+            <a:p>
+              <a:pPr algn="ctr"/>
+              <a:endParaRPr lang="en-US"/>
+            </a:p>
+          </p:txBody>
+        </p:sp>
+        <p:sp>
+          <p:nvSpPr>
+            <p:cNvPr id="89" name="Rectangle 64">
+              <a:extLst>
+                <a:ext uri="{FF2B5EF4-FFF2-40B4-BE49-F238E27FC236}">
+                  <a16:creationId xmlns:a16="http://schemas.microsoft.com/office/drawing/2014/main" id="{BE6BCF21-959F-419E-BCA4-B20AF92EF4F3}"/>
+                </a:ext>
+                <a:ext uri="{C183D7F6-B498-43B3-948B-1728B52AA6E4}">
+                  <adec:decorative xmlns:adec="http://schemas.microsoft.com/office/drawing/2017/decorative" val="1"/>
+                </a:ext>
+              </a:extLst>
+            </p:cNvPr>
+            <p:cNvSpPr/>
+            <p:nvPr>
+              <p:extLst>
+                <p:ext uri="{386F3935-93C4-4BCD-93E2-E3B085C9AB24}">
+                  <p16:designElem xmlns:p16="http://schemas.microsoft.com/office/powerpoint/2015/main" val="1"/>
+                </p:ext>
+              </p:extLst>
+            </p:nvPr>
+          </p:nvSpPr>
+          <p:spPr>
+            <a:xfrm>
+              <a:off x="7888211" y="73152"/>
+              <a:ext cx="54368" cy="59227"/>
+            </a:xfrm>
+            <a:prstGeom prst="ellipse">
+              <a:avLst/>
+            </a:prstGeom>
+            <a:solidFill>
+              <a:schemeClr val="accent1"/>
+            </a:solidFill>
+            <a:ln>
+              <a:noFill/>
+            </a:ln>
+          </p:spPr>
+          <p:style>
+            <a:lnRef idx="2">
+              <a:schemeClr val="accent1">
+                <a:shade val="50000"/>
+              </a:schemeClr>
+            </a:lnRef>
+            <a:fillRef idx="1">
+              <a:schemeClr val="accent1"/>
+            </a:fillRef>
+            <a:effectRef idx="0">
+              <a:schemeClr val="accent1"/>
+            </a:effectRef>
+            <a:fontRef idx="minor">
+              <a:schemeClr val="lt1"/>
+            </a:fontRef>
+          </p:style>
+          <p:txBody>
+            <a:bodyPr rtlCol="0" anchor="ctr"/>
+            <a:lstStyle/>
+            <a:p>
+              <a:pPr algn="ctr"/>
+              <a:endParaRPr lang="en-US"/>
+            </a:p>
+          </p:txBody>
+        </p:sp>
+        <p:sp>
+          <p:nvSpPr>
+            <p:cNvPr id="90" name="Rectangle 66">
+              <a:extLst>
+                <a:ext uri="{FF2B5EF4-FFF2-40B4-BE49-F238E27FC236}">
+                  <a16:creationId xmlns:a16="http://schemas.microsoft.com/office/drawing/2014/main" id="{54B6E037-E222-42EB-9AEB-C45EF2090AF6}"/>
+                </a:ext>
+                <a:ext uri="{C183D7F6-B498-43B3-948B-1728B52AA6E4}">
+                  <adec:decorative xmlns:adec="http://schemas.microsoft.com/office/drawing/2017/decorative" val="1"/>
+                </a:ext>
+              </a:extLst>
+            </p:cNvPr>
+            <p:cNvSpPr/>
+            <p:nvPr>
+              <p:extLst>
+                <p:ext uri="{386F3935-93C4-4BCD-93E2-E3B085C9AB24}">
+                  <p16:designElem xmlns:p16="http://schemas.microsoft.com/office/powerpoint/2015/main" val="1"/>
+                </p:ext>
+              </p:extLst>
+            </p:nvPr>
+          </p:nvSpPr>
+          <p:spPr>
+            <a:xfrm>
+              <a:off x="7888211" y="246888"/>
+              <a:ext cx="54368" cy="59227"/>
+            </a:xfrm>
+            <a:prstGeom prst="ellipse">
+              <a:avLst/>
+            </a:prstGeom>
+            <a:solidFill>
+              <a:schemeClr val="accent1"/>
+            </a:solidFill>
+            <a:ln>
+              <a:noFill/>
+            </a:ln>
+          </p:spPr>
+          <p:style>
+            <a:lnRef idx="2">
+              <a:schemeClr val="accent1">
+                <a:shade val="50000"/>
+              </a:schemeClr>
+            </a:lnRef>
+            <a:fillRef idx="1">
+              <a:schemeClr val="accent1"/>
+            </a:fillRef>
+            <a:effectRef idx="0">
+              <a:schemeClr val="accent1"/>
+            </a:effectRef>
+            <a:fontRef idx="minor">
+              <a:schemeClr val="lt1"/>
+            </a:fontRef>
+          </p:style>
+          <p:txBody>
+            <a:bodyPr rtlCol="0" anchor="ctr"/>
+            <a:lstStyle/>
+            <a:p>
+              <a:pPr algn="ctr"/>
+              <a:endParaRPr lang="en-US"/>
+            </a:p>
+          </p:txBody>
+        </p:sp>
+        <p:sp>
+          <p:nvSpPr>
+            <p:cNvPr id="91" name="Rectangle 64">
+              <a:extLst>
+                <a:ext uri="{FF2B5EF4-FFF2-40B4-BE49-F238E27FC236}">
+                  <a16:creationId xmlns:a16="http://schemas.microsoft.com/office/drawing/2014/main" id="{A0494426-372E-42B8-87E1-170F1B5969DF}"/>
+                </a:ext>
+                <a:ext uri="{C183D7F6-B498-43B3-948B-1728B52AA6E4}">
+                  <adec:decorative xmlns:adec="http://schemas.microsoft.com/office/drawing/2017/decorative" val="1"/>
+                </a:ext>
+              </a:extLst>
+            </p:cNvPr>
+            <p:cNvSpPr/>
+            <p:nvPr>
+              <p:extLst>
+                <p:ext uri="{386F3935-93C4-4BCD-93E2-E3B085C9AB24}">
+                  <p16:designElem xmlns:p16="http://schemas.microsoft.com/office/powerpoint/2015/main" val="1"/>
+                </p:ext>
+              </p:extLst>
+            </p:nvPr>
+          </p:nvSpPr>
+          <p:spPr>
+            <a:xfrm>
+              <a:off x="7763256" y="73152"/>
+              <a:ext cx="54368" cy="59227"/>
+            </a:xfrm>
+            <a:prstGeom prst="ellipse">
+              <a:avLst/>
+            </a:prstGeom>
+            <a:solidFill>
+              <a:schemeClr val="accent1"/>
+            </a:solidFill>
+            <a:ln>
+              <a:noFill/>
+            </a:ln>
+          </p:spPr>
+          <p:style>
+            <a:lnRef idx="2">
+              <a:schemeClr val="accent1">
+                <a:shade val="50000"/>
+              </a:schemeClr>
+            </a:lnRef>
+            <a:fillRef idx="1">
+              <a:schemeClr val="accent1"/>
+            </a:fillRef>
+            <a:effectRef idx="0">
+              <a:schemeClr val="accent1"/>
+            </a:effectRef>
+            <a:fontRef idx="minor">
+              <a:schemeClr val="lt1"/>
+            </a:fontRef>
+          </p:style>
+          <p:txBody>
+            <a:bodyPr rtlCol="0" anchor="ctr"/>
+            <a:lstStyle/>
+            <a:p>
+              <a:pPr algn="ctr"/>
+              <a:endParaRPr lang="en-US"/>
+            </a:p>
+          </p:txBody>
+        </p:sp>
+        <p:sp>
+          <p:nvSpPr>
+            <p:cNvPr id="92" name="Rectangle 66">
+              <a:extLst>
+                <a:ext uri="{FF2B5EF4-FFF2-40B4-BE49-F238E27FC236}">
+                  <a16:creationId xmlns:a16="http://schemas.microsoft.com/office/drawing/2014/main" id="{14DB5AB5-5D73-4375-8CF4-DF4B7A5D7F24}"/>
+                </a:ext>
+                <a:ext uri="{C183D7F6-B498-43B3-948B-1728B52AA6E4}">
+                  <adec:decorative xmlns:adec="http://schemas.microsoft.com/office/drawing/2017/decorative" val="1"/>
+                </a:ext>
+              </a:extLst>
+            </p:cNvPr>
+            <p:cNvSpPr/>
+            <p:nvPr>
+              <p:extLst>
+                <p:ext uri="{386F3935-93C4-4BCD-93E2-E3B085C9AB24}">
+                  <p16:designElem xmlns:p16="http://schemas.microsoft.com/office/powerpoint/2015/main" val="1"/>
+                </p:ext>
+              </p:extLst>
+            </p:nvPr>
+          </p:nvSpPr>
+          <p:spPr>
+            <a:xfrm>
+              <a:off x="7763256" y="246888"/>
+              <a:ext cx="54368" cy="59227"/>
+            </a:xfrm>
+            <a:prstGeom prst="ellipse">
+              <a:avLst/>
+            </a:prstGeom>
+            <a:solidFill>
+              <a:schemeClr val="accent1"/>
+            </a:solidFill>
+            <a:ln>
+              <a:noFill/>
+            </a:ln>
+          </p:spPr>
+          <p:style>
+            <a:lnRef idx="2">
+              <a:schemeClr val="accent1">
+                <a:shade val="50000"/>
+              </a:schemeClr>
+            </a:lnRef>
+            <a:fillRef idx="1">
+              <a:schemeClr val="accent1"/>
+            </a:fillRef>
+            <a:effectRef idx="0">
+              <a:schemeClr val="accent1"/>
+            </a:effectRef>
+            <a:fontRef idx="minor">
+              <a:schemeClr val="lt1"/>
+            </a:fontRef>
+          </p:style>
+          <p:txBody>
+            <a:bodyPr rtlCol="0" anchor="ctr"/>
+            <a:lstStyle/>
+            <a:p>
+              <a:pPr algn="ctr"/>
+              <a:endParaRPr lang="en-US"/>
+            </a:p>
+          </p:txBody>
+        </p:sp>
+        <p:sp>
+          <p:nvSpPr>
+            <p:cNvPr id="93" name="Rectangle 64">
+              <a:extLst>
+                <a:ext uri="{FF2B5EF4-FFF2-40B4-BE49-F238E27FC236}">
+                  <a16:creationId xmlns:a16="http://schemas.microsoft.com/office/drawing/2014/main" id="{009B2A6E-6D36-4A9A-AFAA-CF4D8591470D}"/>
+                </a:ext>
+                <a:ext uri="{C183D7F6-B498-43B3-948B-1728B52AA6E4}">
+                  <adec:decorative xmlns:adec="http://schemas.microsoft.com/office/drawing/2017/decorative" val="1"/>
+                </a:ext>
+              </a:extLst>
+            </p:cNvPr>
+            <p:cNvSpPr/>
+            <p:nvPr>
+              <p:extLst>
+                <p:ext uri="{386F3935-93C4-4BCD-93E2-E3B085C9AB24}">
+                  <p16:designElem xmlns:p16="http://schemas.microsoft.com/office/powerpoint/2015/main" val="1"/>
+                </p:ext>
+              </p:extLst>
+            </p:nvPr>
+          </p:nvSpPr>
+          <p:spPr>
+            <a:xfrm>
+              <a:off x="8887854" y="73152"/>
+              <a:ext cx="54368" cy="59227"/>
+            </a:xfrm>
+            <a:prstGeom prst="ellipse">
+              <a:avLst/>
+            </a:prstGeom>
+            <a:solidFill>
+              <a:schemeClr val="accent1"/>
+            </a:solidFill>
+            <a:ln>
+              <a:noFill/>
+            </a:ln>
+          </p:spPr>
+          <p:style>
+            <a:lnRef idx="2">
+              <a:schemeClr val="accent1">
+                <a:shade val="50000"/>
+              </a:schemeClr>
+            </a:lnRef>
+            <a:fillRef idx="1">
+              <a:schemeClr val="accent1"/>
+            </a:fillRef>
+            <a:effectRef idx="0">
+              <a:schemeClr val="accent1"/>
+            </a:effectRef>
+            <a:fontRef idx="minor">
+              <a:schemeClr val="lt1"/>
+            </a:fontRef>
+          </p:style>
+          <p:txBody>
+            <a:bodyPr rtlCol="0" anchor="ctr"/>
+            <a:lstStyle/>
+            <a:p>
+              <a:pPr algn="ctr"/>
+              <a:endParaRPr lang="en-US"/>
+            </a:p>
+          </p:txBody>
+        </p:sp>
+        <p:sp>
+          <p:nvSpPr>
+            <p:cNvPr id="94" name="Rectangle 66">
+              <a:extLst>
+                <a:ext uri="{FF2B5EF4-FFF2-40B4-BE49-F238E27FC236}">
+                  <a16:creationId xmlns:a16="http://schemas.microsoft.com/office/drawing/2014/main" id="{85DC0718-B29F-47A6-931F-F0EF9FA995D9}"/>
+                </a:ext>
+                <a:ext uri="{C183D7F6-B498-43B3-948B-1728B52AA6E4}">
+                  <adec:decorative xmlns:adec="http://schemas.microsoft.com/office/drawing/2017/decorative" val="1"/>
+                </a:ext>
+              </a:extLst>
+            </p:cNvPr>
+            <p:cNvSpPr/>
+            <p:nvPr>
+              <p:extLst>
+                <p:ext uri="{386F3935-93C4-4BCD-93E2-E3B085C9AB24}">
+                  <p16:designElem xmlns:p16="http://schemas.microsoft.com/office/powerpoint/2015/main" val="1"/>
+                </p:ext>
+              </p:extLst>
+            </p:nvPr>
+          </p:nvSpPr>
+          <p:spPr>
+            <a:xfrm>
+              <a:off x="8887854" y="246888"/>
+              <a:ext cx="54368" cy="59227"/>
+            </a:xfrm>
+            <a:prstGeom prst="ellipse">
+              <a:avLst/>
+            </a:prstGeom>
+            <a:solidFill>
+              <a:schemeClr val="accent1"/>
+            </a:solidFill>
+            <a:ln>
+              <a:noFill/>
+            </a:ln>
+          </p:spPr>
+          <p:style>
+            <a:lnRef idx="2">
+              <a:schemeClr val="accent1">
+                <a:shade val="50000"/>
+              </a:schemeClr>
+            </a:lnRef>
+            <a:fillRef idx="1">
+              <a:schemeClr val="accent1"/>
+            </a:fillRef>
+            <a:effectRef idx="0">
+              <a:schemeClr val="accent1"/>
+            </a:effectRef>
+            <a:fontRef idx="minor">
+              <a:schemeClr val="lt1"/>
+            </a:fontRef>
+          </p:style>
+          <p:txBody>
+            <a:bodyPr rtlCol="0" anchor="ctr"/>
+            <a:lstStyle/>
+            <a:p>
+              <a:pPr algn="ctr"/>
+              <a:endParaRPr lang="en-US"/>
+            </a:p>
+          </p:txBody>
+        </p:sp>
+        <p:sp>
+          <p:nvSpPr>
+            <p:cNvPr id="95" name="Rectangle 64">
+              <a:extLst>
+                <a:ext uri="{FF2B5EF4-FFF2-40B4-BE49-F238E27FC236}">
+                  <a16:creationId xmlns:a16="http://schemas.microsoft.com/office/drawing/2014/main" id="{AAED958D-AFCC-4BEF-818A-EFF7E41D1752}"/>
+                </a:ext>
+                <a:ext uri="{C183D7F6-B498-43B3-948B-1728B52AA6E4}">
+                  <adec:decorative xmlns:adec="http://schemas.microsoft.com/office/drawing/2017/decorative" val="1"/>
+                </a:ext>
+              </a:extLst>
+            </p:cNvPr>
+            <p:cNvSpPr/>
+            <p:nvPr>
+              <p:extLst>
+                <p:ext uri="{386F3935-93C4-4BCD-93E2-E3B085C9AB24}">
+                  <p16:designElem xmlns:p16="http://schemas.microsoft.com/office/powerpoint/2015/main" val="1"/>
+                </p:ext>
+              </p:extLst>
+            </p:nvPr>
+          </p:nvSpPr>
+          <p:spPr>
+            <a:xfrm>
+              <a:off x="8762899" y="73152"/>
+              <a:ext cx="54368" cy="59227"/>
+            </a:xfrm>
+            <a:prstGeom prst="ellipse">
+              <a:avLst/>
+            </a:prstGeom>
+            <a:solidFill>
+              <a:schemeClr val="accent1"/>
+            </a:solidFill>
+            <a:ln>
+              <a:noFill/>
+            </a:ln>
+          </p:spPr>
+          <p:style>
+            <a:lnRef idx="2">
+              <a:schemeClr val="accent1">
+                <a:shade val="50000"/>
+              </a:schemeClr>
+            </a:lnRef>
+            <a:fillRef idx="1">
+              <a:schemeClr val="accent1"/>
+            </a:fillRef>
+            <a:effectRef idx="0">
+              <a:schemeClr val="accent1"/>
+            </a:effectRef>
+            <a:fontRef idx="minor">
+              <a:schemeClr val="lt1"/>
+            </a:fontRef>
+          </p:style>
+          <p:txBody>
+            <a:bodyPr rtlCol="0" anchor="ctr"/>
+            <a:lstStyle/>
+            <a:p>
+              <a:pPr algn="ctr"/>
+              <a:endParaRPr lang="en-US"/>
+            </a:p>
+          </p:txBody>
+        </p:sp>
+        <p:sp>
+          <p:nvSpPr>
+            <p:cNvPr id="96" name="Rectangle 66">
+              <a:extLst>
+                <a:ext uri="{FF2B5EF4-FFF2-40B4-BE49-F238E27FC236}">
+                  <a16:creationId xmlns:a16="http://schemas.microsoft.com/office/drawing/2014/main" id="{C216DD5A-D1AE-429E-937E-456A50345E2F}"/>
+                </a:ext>
+                <a:ext uri="{C183D7F6-B498-43B3-948B-1728B52AA6E4}">
+                  <adec:decorative xmlns:adec="http://schemas.microsoft.com/office/drawing/2017/decorative" val="1"/>
+                </a:ext>
+              </a:extLst>
+            </p:cNvPr>
+            <p:cNvSpPr/>
+            <p:nvPr>
+              <p:extLst>
+                <p:ext uri="{386F3935-93C4-4BCD-93E2-E3B085C9AB24}">
+                  <p16:designElem xmlns:p16="http://schemas.microsoft.com/office/powerpoint/2015/main" val="1"/>
+                </p:ext>
+              </p:extLst>
+            </p:nvPr>
+          </p:nvSpPr>
+          <p:spPr>
+            <a:xfrm>
+              <a:off x="8762899" y="246888"/>
+              <a:ext cx="54368" cy="59227"/>
+            </a:xfrm>
+            <a:prstGeom prst="ellipse">
+              <a:avLst/>
+            </a:prstGeom>
+            <a:solidFill>
+              <a:schemeClr val="accent1"/>
+            </a:solidFill>
+            <a:ln>
+              <a:noFill/>
+            </a:ln>
+          </p:spPr>
+          <p:style>
+            <a:lnRef idx="2">
+              <a:schemeClr val="accent1">
+                <a:shade val="50000"/>
+              </a:schemeClr>
+            </a:lnRef>
+            <a:fillRef idx="1">
+              <a:schemeClr val="accent1"/>
+            </a:fillRef>
+            <a:effectRef idx="0">
+              <a:schemeClr val="accent1"/>
+            </a:effectRef>
+            <a:fontRef idx="minor">
+              <a:schemeClr val="lt1"/>
+            </a:fontRef>
+          </p:style>
+          <p:txBody>
+            <a:bodyPr rtlCol="0" anchor="ctr"/>
+            <a:lstStyle/>
+            <a:p>
+              <a:pPr algn="ctr"/>
+              <a:endParaRPr lang="en-US"/>
+            </a:p>
+          </p:txBody>
+        </p:sp>
+        <p:sp>
+          <p:nvSpPr>
+            <p:cNvPr id="97" name="Rectangle 64">
+              <a:extLst>
+                <a:ext uri="{FF2B5EF4-FFF2-40B4-BE49-F238E27FC236}">
+                  <a16:creationId xmlns:a16="http://schemas.microsoft.com/office/drawing/2014/main" id="{A845B253-9DEE-45AC-AADA-FAA6812C3968}"/>
+                </a:ext>
+                <a:ext uri="{C183D7F6-B498-43B3-948B-1728B52AA6E4}">
+                  <adec:decorative xmlns:adec="http://schemas.microsoft.com/office/drawing/2017/decorative" val="1"/>
+                </a:ext>
+              </a:extLst>
+            </p:cNvPr>
+            <p:cNvSpPr/>
+            <p:nvPr>
+              <p:extLst>
+                <p:ext uri="{386F3935-93C4-4BCD-93E2-E3B085C9AB24}">
+                  <p16:designElem xmlns:p16="http://schemas.microsoft.com/office/powerpoint/2015/main" val="1"/>
+                </p:ext>
+              </p:extLst>
+            </p:nvPr>
+          </p:nvSpPr>
+          <p:spPr>
+            <a:xfrm>
+              <a:off x="8637944" y="73152"/>
+              <a:ext cx="54368" cy="59227"/>
+            </a:xfrm>
+            <a:prstGeom prst="ellipse">
+              <a:avLst/>
+            </a:prstGeom>
+            <a:solidFill>
+              <a:schemeClr val="accent1"/>
+            </a:solidFill>
+            <a:ln>
+              <a:noFill/>
+            </a:ln>
+          </p:spPr>
+          <p:style>
+            <a:lnRef idx="2">
+              <a:schemeClr val="accent1">
+                <a:shade val="50000"/>
+              </a:schemeClr>
+            </a:lnRef>
+            <a:fillRef idx="1">
+              <a:schemeClr val="accent1"/>
+            </a:fillRef>
+            <a:effectRef idx="0">
+              <a:schemeClr val="accent1"/>
+            </a:effectRef>
+            <a:fontRef idx="minor">
+              <a:schemeClr val="lt1"/>
+            </a:fontRef>
+          </p:style>
+          <p:txBody>
+            <a:bodyPr rtlCol="0" anchor="ctr"/>
+            <a:lstStyle/>
+            <a:p>
+              <a:pPr algn="ctr"/>
+              <a:endParaRPr lang="en-US"/>
+            </a:p>
+          </p:txBody>
+        </p:sp>
+        <p:sp>
+          <p:nvSpPr>
+            <p:cNvPr id="98" name="Rectangle 66">
+              <a:extLst>
+                <a:ext uri="{FF2B5EF4-FFF2-40B4-BE49-F238E27FC236}">
+                  <a16:creationId xmlns:a16="http://schemas.microsoft.com/office/drawing/2014/main" id="{CE7B6CBF-757B-4B55-84CB-062B712D38EE}"/>
+                </a:ext>
+                <a:ext uri="{C183D7F6-B498-43B3-948B-1728B52AA6E4}">
+                  <adec:decorative xmlns:adec="http://schemas.microsoft.com/office/drawing/2017/decorative" val="1"/>
+                </a:ext>
+              </a:extLst>
+            </p:cNvPr>
+            <p:cNvSpPr/>
+            <p:nvPr>
+              <p:extLst>
+                <p:ext uri="{386F3935-93C4-4BCD-93E2-E3B085C9AB24}">
+                  <p16:designElem xmlns:p16="http://schemas.microsoft.com/office/powerpoint/2015/main" val="1"/>
+                </p:ext>
+              </p:extLst>
+            </p:nvPr>
+          </p:nvSpPr>
+          <p:spPr>
+            <a:xfrm>
+              <a:off x="8637944" y="246888"/>
+              <a:ext cx="54368" cy="59227"/>
+            </a:xfrm>
+            <a:prstGeom prst="ellipse">
+              <a:avLst/>
+            </a:prstGeom>
+            <a:solidFill>
+              <a:schemeClr val="accent1"/>
+            </a:solidFill>
+            <a:ln>
+              <a:noFill/>
+            </a:ln>
+          </p:spPr>
+          <p:style>
+            <a:lnRef idx="2">
+              <a:schemeClr val="accent1">
+                <a:shade val="50000"/>
+              </a:schemeClr>
+            </a:lnRef>
+            <a:fillRef idx="1">
+              <a:schemeClr val="accent1"/>
+            </a:fillRef>
+            <a:effectRef idx="0">
+              <a:schemeClr val="accent1"/>
+            </a:effectRef>
+            <a:fontRef idx="minor">
+              <a:schemeClr val="lt1"/>
+            </a:fontRef>
+          </p:style>
+          <p:txBody>
+            <a:bodyPr rtlCol="0" anchor="ctr"/>
+            <a:lstStyle/>
+            <a:p>
+              <a:pPr algn="ctr"/>
+              <a:endParaRPr lang="en-US"/>
+            </a:p>
+          </p:txBody>
+        </p:sp>
+        <p:sp>
+          <p:nvSpPr>
+            <p:cNvPr id="99" name="Rectangle 64">
+              <a:extLst>
+                <a:ext uri="{FF2B5EF4-FFF2-40B4-BE49-F238E27FC236}">
+                  <a16:creationId xmlns:a16="http://schemas.microsoft.com/office/drawing/2014/main" id="{2CC28C7A-EF33-43D3-90CD-DCAC92546A11}"/>
+                </a:ext>
+                <a:ext uri="{C183D7F6-B498-43B3-948B-1728B52AA6E4}">
+                  <adec:decorative xmlns:adec="http://schemas.microsoft.com/office/drawing/2017/decorative" val="1"/>
+                </a:ext>
+              </a:extLst>
+            </p:cNvPr>
+            <p:cNvSpPr/>
+            <p:nvPr>
+              <p:extLst>
+                <p:ext uri="{386F3935-93C4-4BCD-93E2-E3B085C9AB24}">
+                  <p16:designElem xmlns:p16="http://schemas.microsoft.com/office/powerpoint/2015/main" val="1"/>
+                </p:ext>
+              </p:extLst>
+            </p:nvPr>
+          </p:nvSpPr>
+          <p:spPr>
+            <a:xfrm>
+              <a:off x="8512988" y="73152"/>
+              <a:ext cx="54368" cy="59227"/>
+            </a:xfrm>
+            <a:prstGeom prst="ellipse">
+              <a:avLst/>
+            </a:prstGeom>
+            <a:solidFill>
+              <a:schemeClr val="accent1"/>
+            </a:solidFill>
+            <a:ln>
+              <a:noFill/>
+            </a:ln>
+          </p:spPr>
+          <p:style>
+            <a:lnRef idx="2">
+              <a:schemeClr val="accent1">
+                <a:shade val="50000"/>
+              </a:schemeClr>
+            </a:lnRef>
+            <a:fillRef idx="1">
+              <a:schemeClr val="accent1"/>
+            </a:fillRef>
+            <a:effectRef idx="0">
+              <a:schemeClr val="accent1"/>
+            </a:effectRef>
+            <a:fontRef idx="minor">
+              <a:schemeClr val="lt1"/>
+            </a:fontRef>
+          </p:style>
+          <p:txBody>
+            <a:bodyPr rtlCol="0" anchor="ctr"/>
+            <a:lstStyle/>
+            <a:p>
+              <a:pPr algn="ctr"/>
+              <a:endParaRPr lang="en-US"/>
+            </a:p>
+          </p:txBody>
+        </p:sp>
+        <p:sp>
+          <p:nvSpPr>
+            <p:cNvPr id="100" name="Rectangle 66">
+              <a:extLst>
+                <a:ext uri="{FF2B5EF4-FFF2-40B4-BE49-F238E27FC236}">
+                  <a16:creationId xmlns:a16="http://schemas.microsoft.com/office/drawing/2014/main" id="{BC0C9DCF-F15B-4B7A-A16B-37B4335E6BD2}"/>
+                </a:ext>
+                <a:ext uri="{C183D7F6-B498-43B3-948B-1728B52AA6E4}">
+                  <adec:decorative xmlns:adec="http://schemas.microsoft.com/office/drawing/2017/decorative" val="1"/>
+                </a:ext>
+              </a:extLst>
+            </p:cNvPr>
+            <p:cNvSpPr/>
+            <p:nvPr>
+              <p:extLst>
+                <p:ext uri="{386F3935-93C4-4BCD-93E2-E3B085C9AB24}">
+                  <p16:designElem xmlns:p16="http://schemas.microsoft.com/office/powerpoint/2015/main" val="1"/>
+                </p:ext>
+              </p:extLst>
+            </p:nvPr>
+          </p:nvSpPr>
+          <p:spPr>
+            <a:xfrm>
+              <a:off x="8512988" y="246888"/>
+              <a:ext cx="54368" cy="59227"/>
+            </a:xfrm>
+            <a:prstGeom prst="ellipse">
+              <a:avLst/>
+            </a:prstGeom>
+            <a:solidFill>
+              <a:schemeClr val="accent1"/>
+            </a:solidFill>
+            <a:ln>
+              <a:noFill/>
+            </a:ln>
+          </p:spPr>
+          <p:style>
+            <a:lnRef idx="2">
+              <a:schemeClr val="accent1">
+                <a:shade val="50000"/>
+              </a:schemeClr>
+            </a:lnRef>
+            <a:fillRef idx="1">
+              <a:schemeClr val="accent1"/>
+            </a:fillRef>
+            <a:effectRef idx="0">
+              <a:schemeClr val="accent1"/>
+            </a:effectRef>
+            <a:fontRef idx="minor">
+              <a:schemeClr val="lt1"/>
+            </a:fontRef>
+          </p:style>
+          <p:txBody>
+            <a:bodyPr rtlCol="0" anchor="ctr"/>
+            <a:lstStyle/>
+            <a:p>
+              <a:pPr algn="ctr"/>
+              <a:endParaRPr lang="en-US"/>
+            </a:p>
+          </p:txBody>
+        </p:sp>
+        <p:sp>
+          <p:nvSpPr>
+            <p:cNvPr id="101" name="Rectangle 64">
+              <a:extLst>
+                <a:ext uri="{FF2B5EF4-FFF2-40B4-BE49-F238E27FC236}">
+                  <a16:creationId xmlns:a16="http://schemas.microsoft.com/office/drawing/2014/main" id="{94991FD1-406A-4958-87D4-8DFA9FEA4C01}"/>
+                </a:ext>
+                <a:ext uri="{C183D7F6-B498-43B3-948B-1728B52AA6E4}">
+                  <adec:decorative xmlns:adec="http://schemas.microsoft.com/office/drawing/2017/decorative" val="1"/>
+                </a:ext>
+              </a:extLst>
+            </p:cNvPr>
+            <p:cNvSpPr/>
+            <p:nvPr>
+              <p:extLst>
+                <p:ext uri="{386F3935-93C4-4BCD-93E2-E3B085C9AB24}">
+                  <p16:designElem xmlns:p16="http://schemas.microsoft.com/office/powerpoint/2015/main" val="1"/>
+                </p:ext>
+              </p:extLst>
+            </p:nvPr>
+          </p:nvSpPr>
+          <p:spPr>
+            <a:xfrm>
+              <a:off x="8388033" y="73152"/>
+              <a:ext cx="54368" cy="59227"/>
+            </a:xfrm>
+            <a:prstGeom prst="ellipse">
+              <a:avLst/>
+            </a:prstGeom>
+            <a:solidFill>
+              <a:schemeClr val="accent1"/>
+            </a:solidFill>
+            <a:ln>
+              <a:noFill/>
+            </a:ln>
+          </p:spPr>
+          <p:style>
+            <a:lnRef idx="2">
+              <a:schemeClr val="accent1">
+                <a:shade val="50000"/>
+              </a:schemeClr>
+            </a:lnRef>
+            <a:fillRef idx="1">
+              <a:schemeClr val="accent1"/>
+            </a:fillRef>
+            <a:effectRef idx="0">
+              <a:schemeClr val="accent1"/>
+            </a:effectRef>
+            <a:fontRef idx="minor">
+              <a:schemeClr val="lt1"/>
+            </a:fontRef>
+          </p:style>
+          <p:txBody>
+            <a:bodyPr rtlCol="0" anchor="ctr"/>
+            <a:lstStyle/>
+            <a:p>
+              <a:pPr algn="ctr"/>
+              <a:endParaRPr lang="en-US"/>
+            </a:p>
+          </p:txBody>
+        </p:sp>
+        <p:sp>
+          <p:nvSpPr>
+            <p:cNvPr id="102" name="Rectangle 66">
+              <a:extLst>
+                <a:ext uri="{FF2B5EF4-FFF2-40B4-BE49-F238E27FC236}">
+                  <a16:creationId xmlns:a16="http://schemas.microsoft.com/office/drawing/2014/main" id="{5CD32F69-27AD-4088-877C-E2A40F8B0733}"/>
+                </a:ext>
+                <a:ext uri="{C183D7F6-B498-43B3-948B-1728B52AA6E4}">
+                  <adec:decorative xmlns:adec="http://schemas.microsoft.com/office/drawing/2017/decorative" val="1"/>
+                </a:ext>
+              </a:extLst>
+            </p:cNvPr>
+            <p:cNvSpPr/>
+            <p:nvPr>
+              <p:extLst>
+                <p:ext uri="{386F3935-93C4-4BCD-93E2-E3B085C9AB24}">
+                  <p16:designElem xmlns:p16="http://schemas.microsoft.com/office/powerpoint/2015/main" val="1"/>
+                </p:ext>
+              </p:extLst>
+            </p:nvPr>
+          </p:nvSpPr>
+          <p:spPr>
+            <a:xfrm>
+              <a:off x="8388033" y="246888"/>
+              <a:ext cx="54368" cy="59227"/>
+            </a:xfrm>
+            <a:prstGeom prst="ellipse">
+              <a:avLst/>
+            </a:prstGeom>
+            <a:solidFill>
+              <a:schemeClr val="accent1"/>
+            </a:solidFill>
+            <a:ln>
+              <a:noFill/>
+            </a:ln>
+          </p:spPr>
+          <p:style>
+            <a:lnRef idx="2">
+              <a:schemeClr val="accent1">
+                <a:shade val="50000"/>
+              </a:schemeClr>
+            </a:lnRef>
+            <a:fillRef idx="1">
+              <a:schemeClr val="accent1"/>
+            </a:fillRef>
+            <a:effectRef idx="0">
+              <a:schemeClr val="accent1"/>
+            </a:effectRef>
+            <a:fontRef idx="minor">
+              <a:schemeClr val="lt1"/>
+            </a:fontRef>
+          </p:style>
+          <p:txBody>
+            <a:bodyPr rtlCol="0" anchor="ctr"/>
+            <a:lstStyle/>
+            <a:p>
+              <a:pPr algn="ctr"/>
+              <a:endParaRPr lang="en-US"/>
+            </a:p>
+          </p:txBody>
+        </p:sp>
+      </p:grpSp>
       <p:pic>
         <p:nvPicPr>
-          <p:cNvPr id="5" name="Picture 4">
-            <a:extLst>
-              <a:ext uri="{FF2B5EF4-FFF2-40B4-BE49-F238E27FC236}">
-                <a16:creationId xmlns:a16="http://schemas.microsoft.com/office/drawing/2014/main" id="{9FA19396-2192-411C-8BE3-D86BF64B2A65}"/>
+          <p:cNvPr id="6" name="Picture 5">
+            <a:extLst>
+              <a:ext uri="{FF2B5EF4-FFF2-40B4-BE49-F238E27FC236}">
+                <a16:creationId xmlns:a16="http://schemas.microsoft.com/office/drawing/2014/main" id="{25BBC91D-2A05-4C9A-A105-F4FABA735694}"/>
               </a:ext>
             </a:extLst>
           </p:cNvPr>
@@ -4070,15 +5250,139 @@
           </p:cNvPicPr>
           <p:nvPr/>
         </p:nvPicPr>
-        <p:blipFill rotWithShape="1">
+        <p:blipFill>
+          <a:blip r:embed="rId2"/>
+          <a:stretch>
+            <a:fillRect/>
+          </a:stretch>
+        </p:blipFill>
+        <p:spPr>
+          <a:xfrm>
+            <a:off x="6290633" y="191606"/>
+            <a:ext cx="5776146" cy="2801430"/>
+          </a:xfrm>
+          <a:prstGeom prst="rect">
+            <a:avLst/>
+          </a:prstGeom>
+        </p:spPr>
+      </p:pic>
+      <p:sp>
+        <p:nvSpPr>
+          <p:cNvPr id="104" name="Rectangle 103">
+            <a:extLst>
+              <a:ext uri="{FF2B5EF4-FFF2-40B4-BE49-F238E27FC236}">
+                <a16:creationId xmlns:a16="http://schemas.microsoft.com/office/drawing/2014/main" id="{D9F5512A-48E1-4C07-B75E-3CCC517B6804}"/>
+              </a:ext>
+              <a:ext uri="{C183D7F6-B498-43B3-948B-1728B52AA6E4}">
+                <adec:decorative xmlns:adec="http://schemas.microsoft.com/office/drawing/2017/decorative" val="1"/>
+              </a:ext>
+            </a:extLst>
+          </p:cNvPr>
+          <p:cNvSpPr>
+            <a:spLocks noGrp="1" noRot="1" noChangeAspect="1" noMove="1" noResize="1" noEditPoints="1" noAdjustHandles="1" noChangeArrowheads="1" noChangeShapeType="1" noTextEdit="1"/>
+          </p:cNvSpPr>
+          <p:nvPr>
+            <p:extLst>
+              <p:ext uri="{386F3935-93C4-4BCD-93E2-E3B085C9AB24}">
+                <p16:designElem xmlns:p16="http://schemas.microsoft.com/office/powerpoint/2015/main" val="1"/>
+              </p:ext>
+            </p:extLst>
+          </p:nvPr>
+        </p:nvSpPr>
+        <p:spPr>
+          <a:xfrm>
+            <a:off x="-1" y="3233984"/>
+            <a:ext cx="606972" cy="3624015"/>
+          </a:xfrm>
+          <a:prstGeom prst="rect">
+            <a:avLst/>
+          </a:prstGeom>
+          <a:solidFill>
+            <a:schemeClr val="accent1"/>
+          </a:solidFill>
+          <a:ln>
+            <a:noFill/>
+          </a:ln>
+        </p:spPr>
+        <p:style>
+          <a:lnRef idx="2">
+            <a:schemeClr val="accent1">
+              <a:shade val="50000"/>
+            </a:schemeClr>
+          </a:lnRef>
+          <a:fillRef idx="1">
+            <a:schemeClr val="accent1"/>
+          </a:fillRef>
+          <a:effectRef idx="0">
+            <a:schemeClr val="accent1"/>
+          </a:effectRef>
+          <a:fontRef idx="minor">
+            <a:schemeClr val="lt1"/>
+          </a:fontRef>
+        </p:style>
+        <p:txBody>
+          <a:bodyPr rtlCol="0" anchor="ctr"/>
+          <a:lstStyle/>
+          <a:p>
+            <a:pPr algn="ctr"/>
+            <a:endParaRPr lang="en-US"/>
+          </a:p>
+        </p:txBody>
+      </p:sp>
+      <p:pic>
+        <p:nvPicPr>
+          <p:cNvPr id="10" name="Picture 9">
+            <a:extLst>
+              <a:ext uri="{FF2B5EF4-FFF2-40B4-BE49-F238E27FC236}">
+                <a16:creationId xmlns:a16="http://schemas.microsoft.com/office/drawing/2014/main" id="{D8DA3306-1ABF-4342-B8ED-799CF0693787}"/>
+              </a:ext>
+            </a:extLst>
+          </p:cNvPr>
+          <p:cNvPicPr>
+            <a:picLocks noChangeAspect="1"/>
+          </p:cNvPicPr>
+          <p:nvPr/>
+        </p:nvPicPr>
+        <p:blipFill>
+          <a:blip r:embed="rId3"/>
+          <a:stretch>
+            <a:fillRect/>
+          </a:stretch>
+        </p:blipFill>
+        <p:spPr>
+          <a:xfrm>
+            <a:off x="777388" y="2298046"/>
+            <a:ext cx="5426642" cy="4476980"/>
+          </a:xfrm>
+          <a:prstGeom prst="rect">
+            <a:avLst/>
+          </a:prstGeom>
+        </p:spPr>
+      </p:pic>
+      <p:pic>
+        <p:nvPicPr>
+          <p:cNvPr id="12" name="Picture 11">
+            <a:extLst>
+              <a:ext uri="{FF2B5EF4-FFF2-40B4-BE49-F238E27FC236}">
+                <a16:creationId xmlns:a16="http://schemas.microsoft.com/office/drawing/2014/main" id="{43888B23-98EE-4A45-96B0-624D20F9D354}"/>
+              </a:ext>
+            </a:extLst>
+          </p:cNvPr>
+          <p:cNvPicPr>
+            <a:picLocks noChangeAspect="1"/>
+          </p:cNvPicPr>
+          <p:nvPr/>
+        </p:nvPicPr>
+        <p:blipFill>
           <a:blip r:embed="rId4"/>
-          <a:srcRect t="16842" r="1" b="14686"/>
-          <a:stretch/>
+          <a:stretch>
+            <a:fillRect/>
+          </a:stretch>
         </p:blipFill>
         <p:spPr>
           <a:xfrm>
-            <a:off x="317635" y="3509433"/>
-            <a:ext cx="4160452" cy="3026833"/>
+            <a:off x="6224203" y="3233984"/>
+            <a:ext cx="5974521" cy="3689265"/>
           </a:xfrm>
           <a:prstGeom prst="rect">
             <a:avLst/>
@@ -4141,8 +5445,8 @@
         </p:nvSpPr>
         <p:spPr>
           <a:xfrm>
-            <a:off x="1524000" y="2245810"/>
-            <a:ext cx="9144000" cy="1355750"/>
+            <a:off x="5654040" y="2245810"/>
+            <a:ext cx="5699760" cy="1355750"/>
           </a:xfrm>
         </p:spPr>
         <p:txBody>
@@ -4152,7 +5456,7 @@
           <a:lstStyle/>
           <a:p>
             <a:r>
-              <a:rPr lang="en-US" sz="5400" kern="1200">
+              <a:rPr lang="en-US" sz="5000" kern="1200">
                 <a:solidFill>
                   <a:schemeClr val="tx1"/>
                 </a:solidFill>
@@ -4167,10 +5471,10 @@
       </p:sp>
       <p:sp>
         <p:nvSpPr>
-          <p:cNvPr id="14" name="Freeform 31">
-            <a:extLst>
-              <a:ext uri="{FF2B5EF4-FFF2-40B4-BE49-F238E27FC236}">
-                <a16:creationId xmlns:a16="http://schemas.microsoft.com/office/drawing/2014/main" id="{A2AEA782-0EA4-42E9-871D-7401D6A09739}"/>
+          <p:cNvPr id="21" name="Freeform 17">
+            <a:extLst>
+              <a:ext uri="{FF2B5EF4-FFF2-40B4-BE49-F238E27FC236}">
+                <a16:creationId xmlns:a16="http://schemas.microsoft.com/office/drawing/2014/main" id="{41F18803-BE79-4916-AE6B-5DE238B367F0}"/>
               </a:ext>
               <a:ext uri="{C183D7F6-B498-43B3-948B-1728B52AA6E4}">
                 <adec:decorative xmlns:adec="http://schemas.microsoft.com/office/drawing/2017/decorative" val="1"/>
@@ -4189,25 +5493,41 @@
           </p:nvPr>
         </p:nvSpPr>
         <p:spPr>
-          <a:xfrm>
-            <a:off x="0" y="0"/>
-            <a:ext cx="4475140" cy="2130951"/>
+          <a:xfrm flipH="1">
+            <a:off x="3566160" y="0"/>
+            <a:ext cx="8625840" cy="2130951"/>
           </a:xfrm>
           <a:custGeom>
             <a:avLst/>
             <a:gdLst>
-              <a:gd name="connsiteX0" fmla="*/ 0 w 4475140"/>
+              <a:gd name="connsiteX0" fmla="*/ 0 w 8663110"/>
               <a:gd name="connsiteY0" fmla="*/ 0 h 2130951"/>
-              <a:gd name="connsiteX1" fmla="*/ 1074821 w 4475140"/>
+              <a:gd name="connsiteX1" fmla="*/ 819150 w 8663110"/>
               <a:gd name="connsiteY1" fmla="*/ 0 h 2130951"/>
-              <a:gd name="connsiteX2" fmla="*/ 1074821 w 4475140"/>
-              <a:gd name="connsiteY2" fmla="*/ 478 h 2130951"/>
-              <a:gd name="connsiteX3" fmla="*/ 4475140 w 4475140"/>
-              <a:gd name="connsiteY3" fmla="*/ 478 h 2130951"/>
-              <a:gd name="connsiteX4" fmla="*/ 3488452 w 4475140"/>
-              <a:gd name="connsiteY4" fmla="*/ 2130951 h 2130951"/>
-              <a:gd name="connsiteX5" fmla="*/ 0 w 4475140"/>
-              <a:gd name="connsiteY5" fmla="*/ 2130951 h 2130951"/>
+              <a:gd name="connsiteX2" fmla="*/ 1028700 w 8663110"/>
+              <a:gd name="connsiteY2" fmla="*/ 0 h 2130951"/>
+              <a:gd name="connsiteX3" fmla="*/ 4187970 w 8663110"/>
+              <a:gd name="connsiteY3" fmla="*/ 0 h 2130951"/>
+              <a:gd name="connsiteX4" fmla="*/ 4400550 w 8663110"/>
+              <a:gd name="connsiteY4" fmla="*/ 0 h 2130951"/>
+              <a:gd name="connsiteX5" fmla="*/ 5262791 w 8663110"/>
+              <a:gd name="connsiteY5" fmla="*/ 0 h 2130951"/>
+              <a:gd name="connsiteX6" fmla="*/ 5262791 w 8663110"/>
+              <a:gd name="connsiteY6" fmla="*/ 478 h 2130951"/>
+              <a:gd name="connsiteX7" fmla="*/ 8663110 w 8663110"/>
+              <a:gd name="connsiteY7" fmla="*/ 478 h 2130951"/>
+              <a:gd name="connsiteX8" fmla="*/ 7676422 w 8663110"/>
+              <a:gd name="connsiteY8" fmla="*/ 2130951 h 2130951"/>
+              <a:gd name="connsiteX9" fmla="*/ 4400550 w 8663110"/>
+              <a:gd name="connsiteY9" fmla="*/ 2130951 h 2130951"/>
+              <a:gd name="connsiteX10" fmla="*/ 4187970 w 8663110"/>
+              <a:gd name="connsiteY10" fmla="*/ 2130951 h 2130951"/>
+              <a:gd name="connsiteX11" fmla="*/ 1028700 w 8663110"/>
+              <a:gd name="connsiteY11" fmla="*/ 2130951 h 2130951"/>
+              <a:gd name="connsiteX12" fmla="*/ 819150 w 8663110"/>
+              <a:gd name="connsiteY12" fmla="*/ 2130951 h 2130951"/>
+              <a:gd name="connsiteX13" fmla="*/ 0 w 8663110"/>
+              <a:gd name="connsiteY13" fmla="*/ 2130951 h 2130951"/>
             </a:gdLst>
             <a:ahLst/>
             <a:cxnLst>
@@ -4229,24 +5549,72 @@
               <a:cxn ang="0">
                 <a:pos x="connsiteX5" y="connsiteY5"/>
               </a:cxn>
+              <a:cxn ang="0">
+                <a:pos x="connsiteX6" y="connsiteY6"/>
+              </a:cxn>
+              <a:cxn ang="0">
+                <a:pos x="connsiteX7" y="connsiteY7"/>
+              </a:cxn>
+              <a:cxn ang="0">
+                <a:pos x="connsiteX8" y="connsiteY8"/>
+              </a:cxn>
+              <a:cxn ang="0">
+                <a:pos x="connsiteX9" y="connsiteY9"/>
+              </a:cxn>
+              <a:cxn ang="0">
+                <a:pos x="connsiteX10" y="connsiteY10"/>
+              </a:cxn>
+              <a:cxn ang="0">
+                <a:pos x="connsiteX11" y="connsiteY11"/>
+              </a:cxn>
+              <a:cxn ang="0">
+                <a:pos x="connsiteX12" y="connsiteY12"/>
+              </a:cxn>
+              <a:cxn ang="0">
+                <a:pos x="connsiteX13" y="connsiteY13"/>
+              </a:cxn>
             </a:cxnLst>
             <a:rect l="l" t="t" r="r" b="b"/>
             <a:pathLst>
-              <a:path w="4475140" h="2130951">
+              <a:path w="8663110" h="2130951">
                 <a:moveTo>
                   <a:pt x="0" y="0"/>
                 </a:moveTo>
                 <a:lnTo>
-                  <a:pt x="1074821" y="0"/>
+                  <a:pt x="819150" y="0"/>
                 </a:lnTo>
                 <a:lnTo>
-                  <a:pt x="1074821" y="478"/>
+                  <a:pt x="1028700" y="0"/>
                 </a:lnTo>
                 <a:lnTo>
-                  <a:pt x="4475140" y="478"/>
+                  <a:pt x="4187970" y="0"/>
                 </a:lnTo>
                 <a:lnTo>
-                  <a:pt x="3488452" y="2130951"/>
+                  <a:pt x="4400550" y="0"/>
+                </a:lnTo>
+                <a:lnTo>
+                  <a:pt x="5262791" y="0"/>
+                </a:lnTo>
+                <a:lnTo>
+                  <a:pt x="5262791" y="478"/>
+                </a:lnTo>
+                <a:lnTo>
+                  <a:pt x="8663110" y="478"/>
+                </a:lnTo>
+                <a:lnTo>
+                  <a:pt x="7676422" y="2130951"/>
+                </a:lnTo>
+                <a:lnTo>
+                  <a:pt x="4400550" y="2130951"/>
+                </a:lnTo>
+                <a:lnTo>
+                  <a:pt x="4187970" y="2130951"/>
+                </a:lnTo>
+                <a:lnTo>
+                  <a:pt x="1028700" y="2130951"/>
+                </a:lnTo>
+                <a:lnTo>
+                  <a:pt x="819150" y="2130951"/>
                 </a:lnTo>
                 <a:lnTo>
                   <a:pt x="0" y="2130951"/>
@@ -4256,7 +5624,7 @@
             </a:pathLst>
           </a:custGeom>
           <a:solidFill>
-            <a:srgbClr val="69463D"/>
+            <a:srgbClr val="393B5A"/>
           </a:solidFill>
           <a:ln>
             <a:noFill/>
@@ -4279,22 +5647,20 @@
           </a:fontRef>
         </p:style>
         <p:txBody>
-          <a:bodyPr wrap="square" rtlCol="0" anchor="ctr">
-            <a:noAutofit/>
-          </a:bodyPr>
+          <a:bodyPr rtlCol="0" anchor="ctr"/>
           <a:lstStyle/>
           <a:p>
             <a:pPr algn="ctr"/>
-            <a:endParaRPr lang="en-US" dirty="0"/>
+            <a:endParaRPr lang="en-US"/>
           </a:p>
         </p:txBody>
       </p:sp>
       <p:pic>
         <p:nvPicPr>
-          <p:cNvPr id="6" name="Picture 5">
-            <a:extLst>
-              <a:ext uri="{FF2B5EF4-FFF2-40B4-BE49-F238E27FC236}">
-                <a16:creationId xmlns:a16="http://schemas.microsoft.com/office/drawing/2014/main" id="{069EB44F-7F07-461D-A4DC-66485C813D46}"/>
+          <p:cNvPr id="3" name="Picture 2">
+            <a:extLst>
+              <a:ext uri="{FF2B5EF4-FFF2-40B4-BE49-F238E27FC236}">
+                <a16:creationId xmlns:a16="http://schemas.microsoft.com/office/drawing/2014/main" id="{7FA5D400-362D-4C76-A7F8-DD96D1EA0511}"/>
               </a:ext>
             </a:extLst>
           </p:cNvPr>
@@ -4305,13 +5671,13 @@
         </p:nvPicPr>
         <p:blipFill rotWithShape="1">
           <a:blip r:embed="rId2"/>
-          <a:srcRect r="30831" b="-1"/>
+          <a:srcRect r="-2" b="16794"/>
           <a:stretch/>
         </p:blipFill>
         <p:spPr>
           <a:xfrm>
-            <a:off x="3649318" y="2"/>
-            <a:ext cx="8542682" cy="2130473"/>
+            <a:off x="20" y="10"/>
+            <a:ext cx="4902094" cy="3364982"/>
           </a:xfrm>
           <a:custGeom>
             <a:avLst/>
@@ -4320,18 +5686,18 @@
             <a:cxnLst/>
             <a:rect l="l" t="t" r="r" b="b"/>
             <a:pathLst>
-              <a:path w="8542682" h="2130473">
+              <a:path w="4902114" h="3364992">
                 <a:moveTo>
-                  <a:pt x="986689" y="0"/>
+                  <a:pt x="0" y="0"/>
                 </a:moveTo>
                 <a:lnTo>
-                  <a:pt x="8542682" y="0"/>
+                  <a:pt x="3343681" y="0"/>
                 </a:lnTo>
                 <a:lnTo>
-                  <a:pt x="8542682" y="2130473"/>
+                  <a:pt x="4902114" y="3364992"/>
                 </a:lnTo>
                 <a:lnTo>
-                  <a:pt x="0" y="2130473"/>
+                  <a:pt x="0" y="3364992"/>
                 </a:lnTo>
                 <a:close/>
               </a:path>
@@ -4341,10 +5707,10 @@
       </p:pic>
       <p:sp>
         <p:nvSpPr>
-          <p:cNvPr id="16" name="Freeform 34">
-            <a:extLst>
-              <a:ext uri="{FF2B5EF4-FFF2-40B4-BE49-F238E27FC236}">
-                <a16:creationId xmlns:a16="http://schemas.microsoft.com/office/drawing/2014/main" id="{B0992639-1CDA-4FE6-BB95-E13221490740}"/>
+          <p:cNvPr id="23" name="Freeform 18">
+            <a:extLst>
+              <a:ext uri="{FF2B5EF4-FFF2-40B4-BE49-F238E27FC236}">
+                <a16:creationId xmlns:a16="http://schemas.microsoft.com/office/drawing/2014/main" id="{C15229F3-7A2E-4558-98FE-7A5F69409DCE}"/>
               </a:ext>
               <a:ext uri="{C183D7F6-B498-43B3-948B-1728B52AA6E4}">
                 <adec:decorative xmlns:adec="http://schemas.microsoft.com/office/drawing/2017/decorative" val="1"/>
@@ -4363,25 +5729,31 @@
           </p:nvPr>
         </p:nvSpPr>
         <p:spPr>
-          <a:xfrm flipH="1" flipV="1">
-            <a:off x="7716860" y="4682362"/>
-            <a:ext cx="4475140" cy="2174680"/>
+          <a:xfrm flipH="1">
+            <a:off x="5703162" y="4683319"/>
+            <a:ext cx="6488837" cy="2174681"/>
           </a:xfrm>
           <a:custGeom>
             <a:avLst/>
             <a:gdLst>
-              <a:gd name="connsiteX0" fmla="*/ 3468199 w 4475140"/>
-              <a:gd name="connsiteY0" fmla="*/ 2174680 h 2174680"/>
-              <a:gd name="connsiteX1" fmla="*/ 0 w 4475140"/>
-              <a:gd name="connsiteY1" fmla="*/ 2174680 h 2174680"/>
-              <a:gd name="connsiteX2" fmla="*/ 0 w 4475140"/>
-              <a:gd name="connsiteY2" fmla="*/ 0 h 2174680"/>
-              <a:gd name="connsiteX3" fmla="*/ 1074821 w 4475140"/>
-              <a:gd name="connsiteY3" fmla="*/ 0 h 2174680"/>
-              <a:gd name="connsiteX4" fmla="*/ 1074821 w 4475140"/>
-              <a:gd name="connsiteY4" fmla="*/ 478 h 2174680"/>
-              <a:gd name="connsiteX5" fmla="*/ 4475140 w 4475140"/>
-              <a:gd name="connsiteY5" fmla="*/ 478 h 2174680"/>
+              <a:gd name="connsiteX0" fmla="*/ 0 w 6516874"/>
+              <a:gd name="connsiteY0" fmla="*/ 0 h 2174681"/>
+              <a:gd name="connsiteX1" fmla="*/ 819150 w 6516874"/>
+              <a:gd name="connsiteY1" fmla="*/ 0 h 2174681"/>
+              <a:gd name="connsiteX2" fmla="*/ 1038225 w 6516874"/>
+              <a:gd name="connsiteY2" fmla="*/ 0 h 2174681"/>
+              <a:gd name="connsiteX3" fmla="*/ 6516874 w 6516874"/>
+              <a:gd name="connsiteY3" fmla="*/ 0 h 2174681"/>
+              <a:gd name="connsiteX4" fmla="*/ 5509712 w 6516874"/>
+              <a:gd name="connsiteY4" fmla="*/ 2174681 h 2174681"/>
+              <a:gd name="connsiteX5" fmla="*/ 1038225 w 6516874"/>
+              <a:gd name="connsiteY5" fmla="*/ 2174681 h 2174681"/>
+              <a:gd name="connsiteX6" fmla="*/ 947987 w 6516874"/>
+              <a:gd name="connsiteY6" fmla="*/ 2174681 h 2174681"/>
+              <a:gd name="connsiteX7" fmla="*/ 819150 w 6516874"/>
+              <a:gd name="connsiteY7" fmla="*/ 2174681 h 2174681"/>
+              <a:gd name="connsiteX8" fmla="*/ 0 w 6516874"/>
+              <a:gd name="connsiteY8" fmla="*/ 2174681 h 2174681"/>
             </a:gdLst>
             <a:ahLst/>
             <a:cxnLst>
@@ -4403,34 +5775,52 @@
               <a:cxn ang="0">
                 <a:pos x="connsiteX5" y="connsiteY5"/>
               </a:cxn>
+              <a:cxn ang="0">
+                <a:pos x="connsiteX6" y="connsiteY6"/>
+              </a:cxn>
+              <a:cxn ang="0">
+                <a:pos x="connsiteX7" y="connsiteY7"/>
+              </a:cxn>
+              <a:cxn ang="0">
+                <a:pos x="connsiteX8" y="connsiteY8"/>
+              </a:cxn>
             </a:cxnLst>
             <a:rect l="l" t="t" r="r" b="b"/>
             <a:pathLst>
-              <a:path w="4475140" h="2174680">
+              <a:path w="6516874" h="2174681">
                 <a:moveTo>
-                  <a:pt x="3468199" y="2174680"/>
+                  <a:pt x="0" y="0"/>
                 </a:moveTo>
                 <a:lnTo>
-                  <a:pt x="0" y="2174680"/>
+                  <a:pt x="819150" y="0"/>
                 </a:lnTo>
                 <a:lnTo>
-                  <a:pt x="0" y="0"/>
+                  <a:pt x="1038225" y="0"/>
                 </a:lnTo>
                 <a:lnTo>
-                  <a:pt x="1074821" y="0"/>
+                  <a:pt x="6516874" y="0"/>
                 </a:lnTo>
                 <a:lnTo>
-                  <a:pt x="1074821" y="478"/>
+                  <a:pt x="5509712" y="2174681"/>
                 </a:lnTo>
                 <a:lnTo>
-                  <a:pt x="4475140" y="478"/>
+                  <a:pt x="1038225" y="2174681"/>
+                </a:lnTo>
+                <a:lnTo>
+                  <a:pt x="947987" y="2174681"/>
+                </a:lnTo>
+                <a:lnTo>
+                  <a:pt x="819150" y="2174681"/>
+                </a:lnTo>
+                <a:lnTo>
+                  <a:pt x="0" y="2174681"/>
                 </a:lnTo>
                 <a:close/>
               </a:path>
             </a:pathLst>
           </a:custGeom>
           <a:solidFill>
-            <a:srgbClr val="404040"/>
+            <a:srgbClr val="4A4A4A"/>
           </a:solidFill>
           <a:ln>
             <a:noFill/>
@@ -4465,10 +5855,10 @@
       </p:sp>
       <p:pic>
         <p:nvPicPr>
-          <p:cNvPr id="8" name="Picture 7">
-            <a:extLst>
-              <a:ext uri="{FF2B5EF4-FFF2-40B4-BE49-F238E27FC236}">
-                <a16:creationId xmlns:a16="http://schemas.microsoft.com/office/drawing/2014/main" id="{E465B630-D1FD-4B46-A996-5FA6FDE3EF56}"/>
+          <p:cNvPr id="4" name="Picture 3">
+            <a:extLst>
+              <a:ext uri="{FF2B5EF4-FFF2-40B4-BE49-F238E27FC236}">
+                <a16:creationId xmlns:a16="http://schemas.microsoft.com/office/drawing/2014/main" id="{1F820C28-E816-4068-B67C-396A96168C7F}"/>
               </a:ext>
             </a:extLst>
           </p:cNvPr>
@@ -4479,13 +5869,13 @@
         </p:nvPicPr>
         <p:blipFill rotWithShape="1">
           <a:blip r:embed="rId3"/>
-          <a:srcRect t="24312" r="-2" b="22212"/>
+          <a:srcRect t="847" r="3" b="15574"/>
           <a:stretch/>
         </p:blipFill>
         <p:spPr>
           <a:xfrm>
-            <a:off x="20" y="4682838"/>
-            <a:ext cx="8563356" cy="2175160"/>
+            <a:off x="20" y="3493008"/>
+            <a:ext cx="6519814" cy="3364992"/>
           </a:xfrm>
           <a:custGeom>
             <a:avLst/>
@@ -4494,18 +5884,18 @@
             <a:cxnLst/>
             <a:rect l="l" t="t" r="r" b="b"/>
             <a:pathLst>
-              <a:path w="8563376" h="2175160">
+              <a:path w="6519834" h="3364992">
                 <a:moveTo>
                   <a:pt x="0" y="0"/>
                 </a:moveTo>
                 <a:lnTo>
-                  <a:pt x="8563376" y="0"/>
+                  <a:pt x="4961402" y="0"/>
                 </a:lnTo>
                 <a:lnTo>
-                  <a:pt x="7555992" y="2175160"/>
+                  <a:pt x="6519834" y="3364992"/>
                 </a:lnTo>
                 <a:lnTo>
-                  <a:pt x="0" y="2175160"/>
+                  <a:pt x="0" y="3364992"/>
                 </a:lnTo>
                 <a:close/>
               </a:path>
@@ -5069,10 +6459,10 @@
       </p:grpSpPr>
       <p:sp useBgFill="1">
         <p:nvSpPr>
-          <p:cNvPr id="56" name="Rectangle 55">
-            <a:extLst>
-              <a:ext uri="{FF2B5EF4-FFF2-40B4-BE49-F238E27FC236}">
-                <a16:creationId xmlns:a16="http://schemas.microsoft.com/office/drawing/2014/main" id="{7316481C-0A49-4796-812B-0D64F063B720}"/>
+          <p:cNvPr id="87" name="Rectangle 86">
+            <a:extLst>
+              <a:ext uri="{FF2B5EF4-FFF2-40B4-BE49-F238E27FC236}">
+                <a16:creationId xmlns:a16="http://schemas.microsoft.com/office/drawing/2014/main" id="{4545836E-B050-4955-B80E-C5A35AC2F595}"/>
               </a:ext>
               <a:ext uri="{C183D7F6-B498-43B3-948B-1728B52AA6E4}">
                 <adec:decorative xmlns:adec="http://schemas.microsoft.com/office/drawing/2017/decorative" val="1"/>
@@ -5129,45 +6519,10 @@
       </p:sp>
       <p:sp>
         <p:nvSpPr>
-          <p:cNvPr id="2" name="Title 1">
-            <a:extLst>
-              <a:ext uri="{FF2B5EF4-FFF2-40B4-BE49-F238E27FC236}">
-                <a16:creationId xmlns:a16="http://schemas.microsoft.com/office/drawing/2014/main" id="{887B934B-8770-4DA9-815C-A24D63B63231}"/>
-              </a:ext>
-            </a:extLst>
-          </p:cNvPr>
-          <p:cNvSpPr>
-            <a:spLocks noGrp="1"/>
-          </p:cNvSpPr>
-          <p:nvPr>
-            <p:ph type="title"/>
-          </p:nvPr>
-        </p:nvSpPr>
-        <p:spPr>
-          <a:xfrm>
-            <a:off x="1116498" y="655128"/>
-            <a:ext cx="4613919" cy="1499616"/>
-          </a:xfrm>
-        </p:spPr>
-        <p:txBody>
-          <a:bodyPr vert="horz" lIns="91440" tIns="45720" rIns="91440" bIns="45720" rtlCol="0" anchor="b">
-            <a:normAutofit/>
-          </a:bodyPr>
-          <a:lstStyle/>
-          <a:p>
-            <a:r>
-              <a:rPr lang="en-US" sz="4200"/>
-              <a:t>Approach</a:t>
-            </a:r>
-          </a:p>
-        </p:txBody>
-      </p:sp>
-      <p:sp>
-        <p:nvSpPr>
-          <p:cNvPr id="58" name="Rectangle 57">
-            <a:extLst>
-              <a:ext uri="{FF2B5EF4-FFF2-40B4-BE49-F238E27FC236}">
-                <a16:creationId xmlns:a16="http://schemas.microsoft.com/office/drawing/2014/main" id="{A5271697-90F1-4A23-8EF2-0179F2EAFACB}"/>
+          <p:cNvPr id="89" name="Rectangle 62">
+            <a:extLst>
+              <a:ext uri="{FF2B5EF4-FFF2-40B4-BE49-F238E27FC236}">
+                <a16:creationId xmlns:a16="http://schemas.microsoft.com/office/drawing/2014/main" id="{5E6024A1-5F3D-4233-865A-57F6E860561A}"/>
               </a:ext>
               <a:ext uri="{C183D7F6-B498-43B3-948B-1728B52AA6E4}">
                 <adec:decorative xmlns:adec="http://schemas.microsoft.com/office/drawing/2017/decorative" val="1"/>
@@ -5186,17 +6541,16 @@
           </p:nvPr>
         </p:nvSpPr>
         <p:spPr>
-          <a:xfrm>
-            <a:off x="-1" y="1"/>
-            <a:ext cx="606972" cy="3233984"/>
+          <a:xfrm rot="5400000">
+            <a:off x="4802473" y="-4805300"/>
+            <a:ext cx="2587052" cy="12192001"/>
           </a:xfrm>
           <a:prstGeom prst="rect">
             <a:avLst/>
           </a:prstGeom>
           <a:solidFill>
-            <a:schemeClr val="tx1">
-              <a:lumMod val="85000"/>
-              <a:lumOff val="15000"/>
+            <a:schemeClr val="bg1">
+              <a:lumMod val="95000"/>
             </a:schemeClr>
           </a:solidFill>
           <a:ln>
@@ -5228,12 +6582,48 @@
           </a:p>
         </p:txBody>
       </p:sp>
+      <p:sp>
+        <p:nvSpPr>
+          <p:cNvPr id="2" name="Title 1">
+            <a:extLst>
+              <a:ext uri="{FF2B5EF4-FFF2-40B4-BE49-F238E27FC236}">
+                <a16:creationId xmlns:a16="http://schemas.microsoft.com/office/drawing/2014/main" id="{887B934B-8770-4DA9-815C-A24D63B63231}"/>
+              </a:ext>
+            </a:extLst>
+          </p:cNvPr>
+          <p:cNvSpPr>
+            <a:spLocks noGrp="1"/>
+          </p:cNvSpPr>
+          <p:nvPr>
+            <p:ph type="title"/>
+          </p:nvPr>
+        </p:nvSpPr>
+        <p:spPr>
+          <a:xfrm>
+            <a:off x="1522476" y="-422527"/>
+            <a:ext cx="9144000" cy="1379768"/>
+          </a:xfrm>
+        </p:spPr>
+        <p:txBody>
+          <a:bodyPr vert="horz" lIns="91440" tIns="45720" rIns="91440" bIns="45720" rtlCol="0" anchor="b">
+            <a:normAutofit/>
+          </a:bodyPr>
+          <a:lstStyle/>
+          <a:p>
+            <a:pPr algn="ctr"/>
+            <a:r>
+              <a:rPr lang="en-US" sz="4800" dirty="0"/>
+              <a:t>Approach</a:t>
+            </a:r>
+          </a:p>
+        </p:txBody>
+      </p:sp>
       <p:grpSp>
         <p:nvGrpSpPr>
-          <p:cNvPr id="60" name="Group 59">
-            <a:extLst>
-              <a:ext uri="{FF2B5EF4-FFF2-40B4-BE49-F238E27FC236}">
-                <a16:creationId xmlns:a16="http://schemas.microsoft.com/office/drawing/2014/main" id="{1F49CE81-B2F4-47B2-9D4A-886DCE0A8404}"/>
+          <p:cNvPr id="91" name="Group 90">
+            <a:extLst>
+              <a:ext uri="{FF2B5EF4-FFF2-40B4-BE49-F238E27FC236}">
+                <a16:creationId xmlns:a16="http://schemas.microsoft.com/office/drawing/2014/main" id="{EA809394-9FF0-4FBE-9674-048089257016}"/>
               </a:ext>
               <a:ext uri="{C183D7F6-B498-43B3-948B-1728B52AA6E4}">
                 <adec:decorative xmlns:adec="http://schemas.microsoft.com/office/drawing/2017/decorative" val="1"/>
@@ -5253,18 +6643,18 @@
         </p:nvGrpSpPr>
         <p:grpSpPr>
           <a:xfrm>
-            <a:off x="1188720" y="73152"/>
-            <a:ext cx="1178966" cy="232963"/>
-            <a:chOff x="7763256" y="73152"/>
-            <a:chExt cx="1178966" cy="232963"/>
+            <a:off x="5425570" y="73152"/>
+            <a:ext cx="1340860" cy="223819"/>
+            <a:chOff x="5394960" y="73152"/>
+            <a:chExt cx="1340860" cy="223819"/>
           </a:xfrm>
         </p:grpSpPr>
         <p:sp>
           <p:nvSpPr>
-            <p:cNvPr id="61" name="Rectangle 64">
+            <p:cNvPr id="92" name="Rectangle 64">
               <a:extLst>
                 <a:ext uri="{FF2B5EF4-FFF2-40B4-BE49-F238E27FC236}">
-                  <a16:creationId xmlns:a16="http://schemas.microsoft.com/office/drawing/2014/main" id="{4BE32177-3EAD-42DA-997C-8DAE1BFEE58F}"/>
+                  <a16:creationId xmlns:a16="http://schemas.microsoft.com/office/drawing/2014/main" id="{9F4FB4FC-1458-461C-9AD2-85239479B4D7}"/>
                 </a:ext>
                 <a:ext uri="{C183D7F6-B498-43B3-948B-1728B52AA6E4}">
                   <adec:decorative xmlns:adec="http://schemas.microsoft.com/office/drawing/2017/decorative" val="1"/>
@@ -5282,8 +6672,8 @@
           </p:nvSpPr>
           <p:spPr>
             <a:xfrm>
-              <a:off x="8263077" y="73152"/>
-              <a:ext cx="54368" cy="59227"/>
+              <a:off x="5963415" y="73152"/>
+              <a:ext cx="61834" cy="59227"/>
             </a:xfrm>
             <a:prstGeom prst="ellipse">
               <a:avLst/>
@@ -5322,10 +6712,10 @@
         </p:sp>
         <p:sp>
           <p:nvSpPr>
-            <p:cNvPr id="62" name="Rectangle 66">
+            <p:cNvPr id="93" name="Rectangle 66">
               <a:extLst>
                 <a:ext uri="{FF2B5EF4-FFF2-40B4-BE49-F238E27FC236}">
-                  <a16:creationId xmlns:a16="http://schemas.microsoft.com/office/drawing/2014/main" id="{A0DEE160-9825-4DB5-8188-911AC13EA761}"/>
+                  <a16:creationId xmlns:a16="http://schemas.microsoft.com/office/drawing/2014/main" id="{C00BF269-83C8-4686-AFC5-C74871613741}"/>
                 </a:ext>
                 <a:ext uri="{C183D7F6-B498-43B3-948B-1728B52AA6E4}">
                   <adec:decorative xmlns:adec="http://schemas.microsoft.com/office/drawing/2017/decorative" val="1"/>
@@ -5343,8 +6733,8 @@
           </p:nvSpPr>
           <p:spPr>
             <a:xfrm>
-              <a:off x="8263077" y="246888"/>
-              <a:ext cx="54368" cy="59227"/>
+              <a:off x="5963415" y="237744"/>
+              <a:ext cx="61834" cy="59227"/>
             </a:xfrm>
             <a:prstGeom prst="ellipse">
               <a:avLst/>
@@ -5383,10 +6773,10 @@
         </p:sp>
         <p:sp>
           <p:nvSpPr>
-            <p:cNvPr id="63" name="Rectangle 64">
+            <p:cNvPr id="94" name="Rectangle 64">
               <a:extLst>
                 <a:ext uri="{FF2B5EF4-FFF2-40B4-BE49-F238E27FC236}">
-                  <a16:creationId xmlns:a16="http://schemas.microsoft.com/office/drawing/2014/main" id="{9C5FEDB5-0AEE-40E4-9CA6-6718B956D932}"/>
+                  <a16:creationId xmlns:a16="http://schemas.microsoft.com/office/drawing/2014/main" id="{84B4A881-F320-4D29-9F2A-92E5A8E269A7}"/>
                 </a:ext>
                 <a:ext uri="{C183D7F6-B498-43B3-948B-1728B52AA6E4}">
                   <adec:decorative xmlns:adec="http://schemas.microsoft.com/office/drawing/2017/decorative" val="1"/>
@@ -5404,8 +6794,8 @@
           </p:nvSpPr>
           <p:spPr>
             <a:xfrm>
-              <a:off x="8138122" y="73152"/>
-              <a:ext cx="54368" cy="59227"/>
+              <a:off x="5821302" y="73152"/>
+              <a:ext cx="61834" cy="59227"/>
             </a:xfrm>
             <a:prstGeom prst="ellipse">
               <a:avLst/>
@@ -5444,10 +6834,10 @@
         </p:sp>
         <p:sp>
           <p:nvSpPr>
-            <p:cNvPr id="64" name="Rectangle 66">
+            <p:cNvPr id="95" name="Rectangle 66">
               <a:extLst>
                 <a:ext uri="{FF2B5EF4-FFF2-40B4-BE49-F238E27FC236}">
-                  <a16:creationId xmlns:a16="http://schemas.microsoft.com/office/drawing/2014/main" id="{1A11DF2D-1D4B-45DA-906B-2A1F84C99647}"/>
+                  <a16:creationId xmlns:a16="http://schemas.microsoft.com/office/drawing/2014/main" id="{F1DE952E-BB73-465C-8182-582880F8088E}"/>
                 </a:ext>
                 <a:ext uri="{C183D7F6-B498-43B3-948B-1728B52AA6E4}">
                   <adec:decorative xmlns:adec="http://schemas.microsoft.com/office/drawing/2017/decorative" val="1"/>
@@ -5465,8 +6855,8 @@
           </p:nvSpPr>
           <p:spPr>
             <a:xfrm>
-              <a:off x="8138122" y="246888"/>
-              <a:ext cx="54368" cy="59227"/>
+              <a:off x="5821302" y="237744"/>
+              <a:ext cx="61834" cy="59227"/>
             </a:xfrm>
             <a:prstGeom prst="ellipse">
               <a:avLst/>
@@ -5505,10 +6895,10 @@
         </p:sp>
         <p:sp>
           <p:nvSpPr>
-            <p:cNvPr id="65" name="Rectangle 64">
+            <p:cNvPr id="96" name="Rectangle 64">
               <a:extLst>
                 <a:ext uri="{FF2B5EF4-FFF2-40B4-BE49-F238E27FC236}">
-                  <a16:creationId xmlns:a16="http://schemas.microsoft.com/office/drawing/2014/main" id="{B6A5BAC0-9806-4124-A584-7F924A6589C8}"/>
+                  <a16:creationId xmlns:a16="http://schemas.microsoft.com/office/drawing/2014/main" id="{5BF7C487-C4BE-43E7-A245-A61F82AACF98}"/>
                 </a:ext>
                 <a:ext uri="{C183D7F6-B498-43B3-948B-1728B52AA6E4}">
                   <adec:decorative xmlns:adec="http://schemas.microsoft.com/office/drawing/2017/decorative" val="1"/>
@@ -5526,8 +6916,8 @@
           </p:nvSpPr>
           <p:spPr>
             <a:xfrm>
-              <a:off x="8013167" y="73152"/>
-              <a:ext cx="54368" cy="59227"/>
+              <a:off x="5679188" y="73152"/>
+              <a:ext cx="61834" cy="59227"/>
             </a:xfrm>
             <a:prstGeom prst="ellipse">
               <a:avLst/>
@@ -5566,10 +6956,10 @@
         </p:sp>
         <p:sp>
           <p:nvSpPr>
-            <p:cNvPr id="66" name="Rectangle 66">
+            <p:cNvPr id="97" name="Rectangle 66">
               <a:extLst>
                 <a:ext uri="{FF2B5EF4-FFF2-40B4-BE49-F238E27FC236}">
-                  <a16:creationId xmlns:a16="http://schemas.microsoft.com/office/drawing/2014/main" id="{A8F6BFA3-38BE-4F0A-94D9-EF0E6EA01A0B}"/>
+                  <a16:creationId xmlns:a16="http://schemas.microsoft.com/office/drawing/2014/main" id="{8C6F250F-B7D8-473D-B4F7-723045603EF3}"/>
                 </a:ext>
                 <a:ext uri="{C183D7F6-B498-43B3-948B-1728B52AA6E4}">
                   <adec:decorative xmlns:adec="http://schemas.microsoft.com/office/drawing/2017/decorative" val="1"/>
@@ -5587,8 +6977,8 @@
           </p:nvSpPr>
           <p:spPr>
             <a:xfrm>
-              <a:off x="8013167" y="246888"/>
-              <a:ext cx="54368" cy="59227"/>
+              <a:off x="5679188" y="237744"/>
+              <a:ext cx="61834" cy="59227"/>
             </a:xfrm>
             <a:prstGeom prst="ellipse">
               <a:avLst/>
@@ -5627,10 +7017,10 @@
         </p:sp>
         <p:sp>
           <p:nvSpPr>
-            <p:cNvPr id="67" name="Rectangle 64">
+            <p:cNvPr id="98" name="Rectangle 64">
               <a:extLst>
                 <a:ext uri="{FF2B5EF4-FFF2-40B4-BE49-F238E27FC236}">
-                  <a16:creationId xmlns:a16="http://schemas.microsoft.com/office/drawing/2014/main" id="{BE6BCF21-959F-419E-BCA4-B20AF92EF4F3}"/>
+                  <a16:creationId xmlns:a16="http://schemas.microsoft.com/office/drawing/2014/main" id="{ACD53A85-E1D0-492B-AA47-3E547672CA1D}"/>
                 </a:ext>
                 <a:ext uri="{C183D7F6-B498-43B3-948B-1728B52AA6E4}">
                   <adec:decorative xmlns:adec="http://schemas.microsoft.com/office/drawing/2017/decorative" val="1"/>
@@ -5648,8 +7038,8 @@
           </p:nvSpPr>
           <p:spPr>
             <a:xfrm>
-              <a:off x="7888211" y="73152"/>
-              <a:ext cx="54368" cy="59227"/>
+              <a:off x="5537074" y="73152"/>
+              <a:ext cx="61834" cy="59227"/>
             </a:xfrm>
             <a:prstGeom prst="ellipse">
               <a:avLst/>
@@ -5688,10 +7078,10 @@
         </p:sp>
         <p:sp>
           <p:nvSpPr>
-            <p:cNvPr id="68" name="Rectangle 66">
+            <p:cNvPr id="99" name="Rectangle 66">
               <a:extLst>
                 <a:ext uri="{FF2B5EF4-FFF2-40B4-BE49-F238E27FC236}">
-                  <a16:creationId xmlns:a16="http://schemas.microsoft.com/office/drawing/2014/main" id="{54B6E037-E222-42EB-9AEB-C45EF2090AF6}"/>
+                  <a16:creationId xmlns:a16="http://schemas.microsoft.com/office/drawing/2014/main" id="{9C9FBE9E-BA53-4996-A2C3-B58C2671C4A8}"/>
                 </a:ext>
                 <a:ext uri="{C183D7F6-B498-43B3-948B-1728B52AA6E4}">
                   <adec:decorative xmlns:adec="http://schemas.microsoft.com/office/drawing/2017/decorative" val="1"/>
@@ -5709,8 +7099,8 @@
           </p:nvSpPr>
           <p:spPr>
             <a:xfrm>
-              <a:off x="7888211" y="246888"/>
-              <a:ext cx="54368" cy="59227"/>
+              <a:off x="5537074" y="237744"/>
+              <a:ext cx="61834" cy="59227"/>
             </a:xfrm>
             <a:prstGeom prst="ellipse">
               <a:avLst/>
@@ -5749,10 +7139,10 @@
         </p:sp>
         <p:sp>
           <p:nvSpPr>
-            <p:cNvPr id="69" name="Rectangle 64">
+            <p:cNvPr id="100" name="Rectangle 64">
               <a:extLst>
                 <a:ext uri="{FF2B5EF4-FFF2-40B4-BE49-F238E27FC236}">
-                  <a16:creationId xmlns:a16="http://schemas.microsoft.com/office/drawing/2014/main" id="{A0494426-372E-42B8-87E1-170F1B5969DF}"/>
+                  <a16:creationId xmlns:a16="http://schemas.microsoft.com/office/drawing/2014/main" id="{FF5BB8E5-9D25-41D9-BB1D-803E3B2E2F89}"/>
                 </a:ext>
                 <a:ext uri="{C183D7F6-B498-43B3-948B-1728B52AA6E4}">
                   <adec:decorative xmlns:adec="http://schemas.microsoft.com/office/drawing/2017/decorative" val="1"/>
@@ -5770,8 +7160,8 @@
           </p:nvSpPr>
           <p:spPr>
             <a:xfrm>
-              <a:off x="7763256" y="73152"/>
-              <a:ext cx="54368" cy="59227"/>
+              <a:off x="5394960" y="73152"/>
+              <a:ext cx="61834" cy="59227"/>
             </a:xfrm>
             <a:prstGeom prst="ellipse">
               <a:avLst/>
@@ -5810,10 +7200,10 @@
         </p:sp>
         <p:sp>
           <p:nvSpPr>
-            <p:cNvPr id="70" name="Rectangle 66">
+            <p:cNvPr id="101" name="Rectangle 66">
               <a:extLst>
                 <a:ext uri="{FF2B5EF4-FFF2-40B4-BE49-F238E27FC236}">
-                  <a16:creationId xmlns:a16="http://schemas.microsoft.com/office/drawing/2014/main" id="{14DB5AB5-5D73-4375-8CF4-DF4B7A5D7F24}"/>
+                  <a16:creationId xmlns:a16="http://schemas.microsoft.com/office/drawing/2014/main" id="{9F899E14-F988-4594-87DA-613CDDB9B6DB}"/>
                 </a:ext>
                 <a:ext uri="{C183D7F6-B498-43B3-948B-1728B52AA6E4}">
                   <adec:decorative xmlns:adec="http://schemas.microsoft.com/office/drawing/2017/decorative" val="1"/>
@@ -5831,8 +7221,8 @@
           </p:nvSpPr>
           <p:spPr>
             <a:xfrm>
-              <a:off x="7763256" y="246888"/>
-              <a:ext cx="54368" cy="59227"/>
+              <a:off x="5394960" y="237744"/>
+              <a:ext cx="61834" cy="59227"/>
             </a:xfrm>
             <a:prstGeom prst="ellipse">
               <a:avLst/>
@@ -5871,10 +7261,10 @@
         </p:sp>
         <p:sp>
           <p:nvSpPr>
-            <p:cNvPr id="71" name="Rectangle 64">
+            <p:cNvPr id="102" name="Rectangle 64">
               <a:extLst>
                 <a:ext uri="{FF2B5EF4-FFF2-40B4-BE49-F238E27FC236}">
-                  <a16:creationId xmlns:a16="http://schemas.microsoft.com/office/drawing/2014/main" id="{009B2A6E-6D36-4A9A-AFAA-CF4D8591470D}"/>
+                  <a16:creationId xmlns:a16="http://schemas.microsoft.com/office/drawing/2014/main" id="{7AB465A4-4729-42F9-AFB0-431EA2621E3C}"/>
                 </a:ext>
                 <a:ext uri="{C183D7F6-B498-43B3-948B-1728B52AA6E4}">
                   <adec:decorative xmlns:adec="http://schemas.microsoft.com/office/drawing/2017/decorative" val="1"/>
@@ -5892,8 +7282,8 @@
           </p:nvSpPr>
           <p:spPr>
             <a:xfrm>
-              <a:off x="8887854" y="73152"/>
-              <a:ext cx="54368" cy="59227"/>
+              <a:off x="6673986" y="73152"/>
+              <a:ext cx="61834" cy="59227"/>
             </a:xfrm>
             <a:prstGeom prst="ellipse">
               <a:avLst/>
@@ -5932,10 +7322,10 @@
         </p:sp>
         <p:sp>
           <p:nvSpPr>
-            <p:cNvPr id="72" name="Rectangle 66">
+            <p:cNvPr id="103" name="Rectangle 66">
               <a:extLst>
                 <a:ext uri="{FF2B5EF4-FFF2-40B4-BE49-F238E27FC236}">
-                  <a16:creationId xmlns:a16="http://schemas.microsoft.com/office/drawing/2014/main" id="{85DC0718-B29F-47A6-931F-F0EF9FA995D9}"/>
+                  <a16:creationId xmlns:a16="http://schemas.microsoft.com/office/drawing/2014/main" id="{F18A24F6-C77F-4D3D-B42A-852AC1D9FD2C}"/>
                 </a:ext>
                 <a:ext uri="{C183D7F6-B498-43B3-948B-1728B52AA6E4}">
                   <adec:decorative xmlns:adec="http://schemas.microsoft.com/office/drawing/2017/decorative" val="1"/>
@@ -5953,8 +7343,8 @@
           </p:nvSpPr>
           <p:spPr>
             <a:xfrm>
-              <a:off x="8887854" y="246888"/>
-              <a:ext cx="54368" cy="59227"/>
+              <a:off x="6673986" y="237744"/>
+              <a:ext cx="61834" cy="59227"/>
             </a:xfrm>
             <a:prstGeom prst="ellipse">
               <a:avLst/>
@@ -5993,10 +7383,10 @@
         </p:sp>
         <p:sp>
           <p:nvSpPr>
-            <p:cNvPr id="73" name="Rectangle 64">
+            <p:cNvPr id="104" name="Rectangle 64">
               <a:extLst>
                 <a:ext uri="{FF2B5EF4-FFF2-40B4-BE49-F238E27FC236}">
-                  <a16:creationId xmlns:a16="http://schemas.microsoft.com/office/drawing/2014/main" id="{AAED958D-AFCC-4BEF-818A-EFF7E41D1752}"/>
+                  <a16:creationId xmlns:a16="http://schemas.microsoft.com/office/drawing/2014/main" id="{D33BE653-7DDD-411B-B501-CFF249DF086F}"/>
                 </a:ext>
                 <a:ext uri="{C183D7F6-B498-43B3-948B-1728B52AA6E4}">
                   <adec:decorative xmlns:adec="http://schemas.microsoft.com/office/drawing/2017/decorative" val="1"/>
@@ -6014,8 +7404,8 @@
           </p:nvSpPr>
           <p:spPr>
             <a:xfrm>
-              <a:off x="8762899" y="73152"/>
-              <a:ext cx="54368" cy="59227"/>
+              <a:off x="6531873" y="73152"/>
+              <a:ext cx="61834" cy="59227"/>
             </a:xfrm>
             <a:prstGeom prst="ellipse">
               <a:avLst/>
@@ -6054,10 +7444,10 @@
         </p:sp>
         <p:sp>
           <p:nvSpPr>
-            <p:cNvPr id="74" name="Rectangle 66">
+            <p:cNvPr id="105" name="Rectangle 66">
               <a:extLst>
                 <a:ext uri="{FF2B5EF4-FFF2-40B4-BE49-F238E27FC236}">
-                  <a16:creationId xmlns:a16="http://schemas.microsoft.com/office/drawing/2014/main" id="{C216DD5A-D1AE-429E-937E-456A50345E2F}"/>
+                  <a16:creationId xmlns:a16="http://schemas.microsoft.com/office/drawing/2014/main" id="{7350B549-BA68-495E-BA4A-711B41556DF5}"/>
                 </a:ext>
                 <a:ext uri="{C183D7F6-B498-43B3-948B-1728B52AA6E4}">
                   <adec:decorative xmlns:adec="http://schemas.microsoft.com/office/drawing/2017/decorative" val="1"/>
@@ -6075,8 +7465,8 @@
           </p:nvSpPr>
           <p:spPr>
             <a:xfrm>
-              <a:off x="8762899" y="246888"/>
-              <a:ext cx="54368" cy="59227"/>
+              <a:off x="6531873" y="237744"/>
+              <a:ext cx="61834" cy="59227"/>
             </a:xfrm>
             <a:prstGeom prst="ellipse">
               <a:avLst/>
@@ -6115,10 +7505,10 @@
         </p:sp>
         <p:sp>
           <p:nvSpPr>
-            <p:cNvPr id="75" name="Rectangle 64">
+            <p:cNvPr id="106" name="Rectangle 64">
               <a:extLst>
                 <a:ext uri="{FF2B5EF4-FFF2-40B4-BE49-F238E27FC236}">
-                  <a16:creationId xmlns:a16="http://schemas.microsoft.com/office/drawing/2014/main" id="{A845B253-9DEE-45AC-AADA-FAA6812C3968}"/>
+                  <a16:creationId xmlns:a16="http://schemas.microsoft.com/office/drawing/2014/main" id="{A54F87CB-563B-4CEB-BA3A-F85900994F0E}"/>
                 </a:ext>
                 <a:ext uri="{C183D7F6-B498-43B3-948B-1728B52AA6E4}">
                   <adec:decorative xmlns:adec="http://schemas.microsoft.com/office/drawing/2017/decorative" val="1"/>
@@ -6136,8 +7526,8 @@
           </p:nvSpPr>
           <p:spPr>
             <a:xfrm>
-              <a:off x="8637944" y="73152"/>
-              <a:ext cx="54368" cy="59227"/>
+              <a:off x="6389759" y="73152"/>
+              <a:ext cx="61834" cy="59227"/>
             </a:xfrm>
             <a:prstGeom prst="ellipse">
               <a:avLst/>
@@ -6176,10 +7566,10 @@
         </p:sp>
         <p:sp>
           <p:nvSpPr>
-            <p:cNvPr id="76" name="Rectangle 66">
+            <p:cNvPr id="107" name="Rectangle 66">
               <a:extLst>
                 <a:ext uri="{FF2B5EF4-FFF2-40B4-BE49-F238E27FC236}">
-                  <a16:creationId xmlns:a16="http://schemas.microsoft.com/office/drawing/2014/main" id="{CE7B6CBF-757B-4B55-84CB-062B712D38EE}"/>
+                  <a16:creationId xmlns:a16="http://schemas.microsoft.com/office/drawing/2014/main" id="{0CBAAB25-DBFA-46B9-82FE-AF160EF34D9A}"/>
                 </a:ext>
                 <a:ext uri="{C183D7F6-B498-43B3-948B-1728B52AA6E4}">
                   <adec:decorative xmlns:adec="http://schemas.microsoft.com/office/drawing/2017/decorative" val="1"/>
@@ -6197,8 +7587,8 @@
           </p:nvSpPr>
           <p:spPr>
             <a:xfrm>
-              <a:off x="8637944" y="246888"/>
-              <a:ext cx="54368" cy="59227"/>
+              <a:off x="6389759" y="237744"/>
+              <a:ext cx="61834" cy="59227"/>
             </a:xfrm>
             <a:prstGeom prst="ellipse">
               <a:avLst/>
@@ -6237,10 +7627,10 @@
         </p:sp>
         <p:sp>
           <p:nvSpPr>
-            <p:cNvPr id="77" name="Rectangle 64">
+            <p:cNvPr id="108" name="Rectangle 64">
               <a:extLst>
                 <a:ext uri="{FF2B5EF4-FFF2-40B4-BE49-F238E27FC236}">
-                  <a16:creationId xmlns:a16="http://schemas.microsoft.com/office/drawing/2014/main" id="{2CC28C7A-EF33-43D3-90CD-DCAC92546A11}"/>
+                  <a16:creationId xmlns:a16="http://schemas.microsoft.com/office/drawing/2014/main" id="{2F50A986-E122-499B-8DBC-FE7CA2DCB455}"/>
                 </a:ext>
                 <a:ext uri="{C183D7F6-B498-43B3-948B-1728B52AA6E4}">
                   <adec:decorative xmlns:adec="http://schemas.microsoft.com/office/drawing/2017/decorative" val="1"/>
@@ -6258,8 +7648,8 @@
           </p:nvSpPr>
           <p:spPr>
             <a:xfrm>
-              <a:off x="8512988" y="73152"/>
-              <a:ext cx="54368" cy="59227"/>
+              <a:off x="6247645" y="73152"/>
+              <a:ext cx="61834" cy="59227"/>
             </a:xfrm>
             <a:prstGeom prst="ellipse">
               <a:avLst/>
@@ -6298,10 +7688,10 @@
         </p:sp>
         <p:sp>
           <p:nvSpPr>
-            <p:cNvPr id="78" name="Rectangle 66">
+            <p:cNvPr id="109" name="Rectangle 66">
               <a:extLst>
                 <a:ext uri="{FF2B5EF4-FFF2-40B4-BE49-F238E27FC236}">
-                  <a16:creationId xmlns:a16="http://schemas.microsoft.com/office/drawing/2014/main" id="{BC0C9DCF-F15B-4B7A-A16B-37B4335E6BD2}"/>
+                  <a16:creationId xmlns:a16="http://schemas.microsoft.com/office/drawing/2014/main" id="{2C861662-1B8A-4383-B562-3C1C5A0F857B}"/>
                 </a:ext>
                 <a:ext uri="{C183D7F6-B498-43B3-948B-1728B52AA6E4}">
                   <adec:decorative xmlns:adec="http://schemas.microsoft.com/office/drawing/2017/decorative" val="1"/>
@@ -6319,8 +7709,8 @@
           </p:nvSpPr>
           <p:spPr>
             <a:xfrm>
-              <a:off x="8512988" y="246888"/>
-              <a:ext cx="54368" cy="59227"/>
+              <a:off x="6247645" y="237744"/>
+              <a:ext cx="61834" cy="59227"/>
             </a:xfrm>
             <a:prstGeom prst="ellipse">
               <a:avLst/>
@@ -6359,10 +7749,10 @@
         </p:sp>
         <p:sp>
           <p:nvSpPr>
-            <p:cNvPr id="79" name="Rectangle 64">
+            <p:cNvPr id="110" name="Rectangle 64">
               <a:extLst>
                 <a:ext uri="{FF2B5EF4-FFF2-40B4-BE49-F238E27FC236}">
-                  <a16:creationId xmlns:a16="http://schemas.microsoft.com/office/drawing/2014/main" id="{94991FD1-406A-4958-87D4-8DFA9FEA4C01}"/>
+                  <a16:creationId xmlns:a16="http://schemas.microsoft.com/office/drawing/2014/main" id="{54A9DB5B-88DC-4102-B325-C1EDE7CC9092}"/>
                 </a:ext>
                 <a:ext uri="{C183D7F6-B498-43B3-948B-1728B52AA6E4}">
                   <adec:decorative xmlns:adec="http://schemas.microsoft.com/office/drawing/2017/decorative" val="1"/>
@@ -6380,8 +7770,8 @@
           </p:nvSpPr>
           <p:spPr>
             <a:xfrm>
-              <a:off x="8388033" y="73152"/>
-              <a:ext cx="54368" cy="59227"/>
+              <a:off x="6105531" y="73152"/>
+              <a:ext cx="61834" cy="59227"/>
             </a:xfrm>
             <a:prstGeom prst="ellipse">
               <a:avLst/>
@@ -6420,10 +7810,10 @@
         </p:sp>
         <p:sp>
           <p:nvSpPr>
-            <p:cNvPr id="80" name="Rectangle 66">
+            <p:cNvPr id="111" name="Rectangle 66">
               <a:extLst>
                 <a:ext uri="{FF2B5EF4-FFF2-40B4-BE49-F238E27FC236}">
-                  <a16:creationId xmlns:a16="http://schemas.microsoft.com/office/drawing/2014/main" id="{5CD32F69-27AD-4088-877C-E2A40F8B0733}"/>
+                  <a16:creationId xmlns:a16="http://schemas.microsoft.com/office/drawing/2014/main" id="{41A0883B-3E32-41FD-899E-2126CFC04F3C}"/>
                 </a:ext>
                 <a:ext uri="{C183D7F6-B498-43B3-948B-1728B52AA6E4}">
                   <adec:decorative xmlns:adec="http://schemas.microsoft.com/office/drawing/2017/decorative" val="1"/>
@@ -6441,8 +7831,8 @@
           </p:nvSpPr>
           <p:spPr>
             <a:xfrm>
-              <a:off x="8388033" y="246888"/>
-              <a:ext cx="54368" cy="59227"/>
+              <a:off x="6105531" y="237744"/>
+              <a:ext cx="61834" cy="59227"/>
             </a:xfrm>
             <a:prstGeom prst="ellipse">
               <a:avLst/>
@@ -6482,10 +7872,10 @@
       </p:grpSp>
       <p:pic>
         <p:nvPicPr>
-          <p:cNvPr id="10" name="Picture 9">
-            <a:extLst>
-              <a:ext uri="{FF2B5EF4-FFF2-40B4-BE49-F238E27FC236}">
-                <a16:creationId xmlns:a16="http://schemas.microsoft.com/office/drawing/2014/main" id="{612A8323-76AB-41FF-A923-ADD823B983A6}"/>
+          <p:cNvPr id="6" name="Picture 5">
+            <a:extLst>
+              <a:ext uri="{FF2B5EF4-FFF2-40B4-BE49-F238E27FC236}">
+                <a16:creationId xmlns:a16="http://schemas.microsoft.com/office/drawing/2014/main" id="{25B0AE03-CC2A-4A66-9B5C-CB9A2DE6B7C0}"/>
               </a:ext>
             </a:extLst>
           </p:cNvPr>
@@ -6500,20 +7890,76 @@
         </p:blipFill>
         <p:spPr>
           <a:xfrm>
-            <a:off x="6234837" y="368720"/>
-            <a:ext cx="5831943" cy="2968095"/>
+            <a:off x="143293" y="1093646"/>
+            <a:ext cx="6134961" cy="3205517"/>
           </a:xfrm>
           <a:prstGeom prst="rect">
             <a:avLst/>
           </a:prstGeom>
         </p:spPr>
       </p:pic>
-      <p:sp>
-        <p:nvSpPr>
-          <p:cNvPr id="82" name="Rectangle 81">
-            <a:extLst>
-              <a:ext uri="{FF2B5EF4-FFF2-40B4-BE49-F238E27FC236}">
-                <a16:creationId xmlns:a16="http://schemas.microsoft.com/office/drawing/2014/main" id="{D9F5512A-48E1-4C07-B75E-3CCC517B6804}"/>
+      <p:pic>
+        <p:nvPicPr>
+          <p:cNvPr id="10" name="Picture 9">
+            <a:extLst>
+              <a:ext uri="{FF2B5EF4-FFF2-40B4-BE49-F238E27FC236}">
+                <a16:creationId xmlns:a16="http://schemas.microsoft.com/office/drawing/2014/main" id="{612A8323-76AB-41FF-A923-ADD823B983A6}"/>
+              </a:ext>
+            </a:extLst>
+          </p:cNvPr>
+          <p:cNvPicPr/>
+          <p:nvPr/>
+        </p:nvPicPr>
+        <p:blipFill>
+          <a:blip r:embed="rId3"/>
+          <a:stretch>
+            <a:fillRect/>
+          </a:stretch>
+        </p:blipFill>
+        <p:spPr>
+          <a:xfrm>
+            <a:off x="6386863" y="1093646"/>
+            <a:ext cx="5696528" cy="2919470"/>
+          </a:xfrm>
+          <a:prstGeom prst="rect">
+            <a:avLst/>
+          </a:prstGeom>
+        </p:spPr>
+      </p:pic>
+      <p:pic>
+        <p:nvPicPr>
+          <p:cNvPr id="5" name="Picture 4">
+            <a:extLst>
+              <a:ext uri="{FF2B5EF4-FFF2-40B4-BE49-F238E27FC236}">
+                <a16:creationId xmlns:a16="http://schemas.microsoft.com/office/drawing/2014/main" id="{DCBC4F77-D8FA-4D49-9888-8E704F22B561}"/>
+              </a:ext>
+            </a:extLst>
+          </p:cNvPr>
+          <p:cNvPicPr/>
+          <p:nvPr/>
+        </p:nvPicPr>
+        <p:blipFill>
+          <a:blip r:embed="rId4"/>
+          <a:stretch>
+            <a:fillRect/>
+          </a:stretch>
+        </p:blipFill>
+        <p:spPr>
+          <a:xfrm>
+            <a:off x="2824104" y="3422479"/>
+            <a:ext cx="6179283" cy="3197777"/>
+          </a:xfrm>
+          <a:prstGeom prst="rect">
+            <a:avLst/>
+          </a:prstGeom>
+        </p:spPr>
+      </p:pic>
+      <p:sp>
+        <p:nvSpPr>
+          <p:cNvPr id="113" name="Rectangle 112">
+            <a:extLst>
+              <a:ext uri="{FF2B5EF4-FFF2-40B4-BE49-F238E27FC236}">
+                <a16:creationId xmlns:a16="http://schemas.microsoft.com/office/drawing/2014/main" id="{A628292D-0555-4158-9B1A-07414B27FB1A}"/>
               </a:ext>
               <a:ext uri="{C183D7F6-B498-43B3-948B-1728B52AA6E4}">
                 <adec:decorative xmlns:adec="http://schemas.microsoft.com/office/drawing/2017/decorative" val="1"/>
@@ -6532,15 +7978,18 @@
           </p:nvPr>
         </p:nvSpPr>
         <p:spPr>
-          <a:xfrm>
-            <a:off x="-1" y="3233984"/>
-            <a:ext cx="606972" cy="3624015"/>
+          <a:xfrm flipH="1">
+            <a:off x="0" y="6501384"/>
+            <a:ext cx="12192000" cy="356616"/>
           </a:xfrm>
           <a:prstGeom prst="rect">
             <a:avLst/>
           </a:prstGeom>
           <a:solidFill>
-            <a:schemeClr val="accent1"/>
+            <a:schemeClr val="tx1">
+              <a:lumMod val="85000"/>
+              <a:lumOff val="15000"/>
+            </a:schemeClr>
           </a:solidFill>
           <a:ln>
             <a:noFill/>
@@ -6571,62 +8020,6 @@
           </a:p>
         </p:txBody>
       </p:sp>
-      <p:pic>
-        <p:nvPicPr>
-          <p:cNvPr id="6" name="Picture 5">
-            <a:extLst>
-              <a:ext uri="{FF2B5EF4-FFF2-40B4-BE49-F238E27FC236}">
-                <a16:creationId xmlns:a16="http://schemas.microsoft.com/office/drawing/2014/main" id="{25B0AE03-CC2A-4A66-9B5C-CB9A2DE6B7C0}"/>
-              </a:ext>
-            </a:extLst>
-          </p:cNvPr>
-          <p:cNvPicPr/>
-          <p:nvPr/>
-        </p:nvPicPr>
-        <p:blipFill>
-          <a:blip r:embed="rId3"/>
-          <a:stretch>
-            <a:fillRect/>
-          </a:stretch>
-        </p:blipFill>
-        <p:spPr>
-          <a:xfrm>
-            <a:off x="749204" y="3584071"/>
-            <a:ext cx="5586942" cy="2919177"/>
-          </a:xfrm>
-          <a:prstGeom prst="rect">
-            <a:avLst/>
-          </a:prstGeom>
-        </p:spPr>
-      </p:pic>
-      <p:pic>
-        <p:nvPicPr>
-          <p:cNvPr id="5" name="Picture 4">
-            <a:extLst>
-              <a:ext uri="{FF2B5EF4-FFF2-40B4-BE49-F238E27FC236}">
-                <a16:creationId xmlns:a16="http://schemas.microsoft.com/office/drawing/2014/main" id="{DCBC4F77-D8FA-4D49-9888-8E704F22B561}"/>
-              </a:ext>
-            </a:extLst>
-          </p:cNvPr>
-          <p:cNvPicPr/>
-          <p:nvPr/>
-        </p:nvPicPr>
-        <p:blipFill>
-          <a:blip r:embed="rId4"/>
-          <a:stretch>
-            <a:fillRect/>
-          </a:stretch>
-        </p:blipFill>
-        <p:spPr>
-          <a:xfrm>
-            <a:off x="6479838" y="3598038"/>
-            <a:ext cx="5586942" cy="2891242"/>
-          </a:xfrm>
-          <a:prstGeom prst="rect">
-            <a:avLst/>
-          </a:prstGeom>
-        </p:spPr>
-      </p:pic>
     </p:spTree>
     <p:extLst>
       <p:ext uri="{BB962C8B-B14F-4D97-AF65-F5344CB8AC3E}">
@@ -8906,10 +10299,10 @@
       </p:grpSpPr>
       <p:pic>
         <p:nvPicPr>
-          <p:cNvPr id="4" name="Picture 3">
-            <a:extLst>
-              <a:ext uri="{FF2B5EF4-FFF2-40B4-BE49-F238E27FC236}">
-                <a16:creationId xmlns:a16="http://schemas.microsoft.com/office/drawing/2014/main" id="{86382A9E-FF04-4BB7-AAD7-6ED40B84A3EB}"/>
+          <p:cNvPr id="3" name="Picture 2">
+            <a:extLst>
+              <a:ext uri="{FF2B5EF4-FFF2-40B4-BE49-F238E27FC236}">
+                <a16:creationId xmlns:a16="http://schemas.microsoft.com/office/drawing/2014/main" id="{98C6C58E-8981-433E-9D5C-935D9978DB12}"/>
               </a:ext>
             </a:extLst>
           </p:cNvPr>
@@ -8918,15 +10311,16 @@
           </p:cNvPicPr>
           <p:nvPr/>
         </p:nvPicPr>
-        <p:blipFill rotWithShape="1">
+        <p:blipFill>
           <a:blip r:embed="rId2"/>
-          <a:srcRect r="54037"/>
-          <a:stretch/>
+          <a:stretch>
+            <a:fillRect/>
+          </a:stretch>
         </p:blipFill>
         <p:spPr>
           <a:xfrm>
-            <a:off x="140433" y="135980"/>
-            <a:ext cx="5603875" cy="4778732"/>
+            <a:off x="140432" y="135979"/>
+            <a:ext cx="6494283" cy="5230295"/>
           </a:xfrm>
           <a:prstGeom prst="rect">
             <a:avLst/>
@@ -8971,10 +10365,10 @@
       </p:sp>
       <p:pic>
         <p:nvPicPr>
-          <p:cNvPr id="8" name="Picture 7">
-            <a:extLst>
-              <a:ext uri="{FF2B5EF4-FFF2-40B4-BE49-F238E27FC236}">
-                <a16:creationId xmlns:a16="http://schemas.microsoft.com/office/drawing/2014/main" id="{ADC8BB74-4A10-4DBC-BEE9-656396A16E31}"/>
+          <p:cNvPr id="7" name="Picture 6">
+            <a:extLst>
+              <a:ext uri="{FF2B5EF4-FFF2-40B4-BE49-F238E27FC236}">
+                <a16:creationId xmlns:a16="http://schemas.microsoft.com/office/drawing/2014/main" id="{16B78963-577A-4A8F-85CC-9797E3BC94EA}"/>
               </a:ext>
             </a:extLst>
           </p:cNvPr>
@@ -8983,15 +10377,16 @@
           </p:cNvPicPr>
           <p:nvPr/>
         </p:nvPicPr>
-        <p:blipFill rotWithShape="1">
+        <p:blipFill>
           <a:blip r:embed="rId3"/>
-          <a:srcRect r="40405"/>
-          <a:stretch/>
+          <a:stretch>
+            <a:fillRect/>
+          </a:stretch>
         </p:blipFill>
         <p:spPr>
           <a:xfrm>
-            <a:off x="4757627" y="2283093"/>
-            <a:ext cx="7293940" cy="4438927"/>
+            <a:off x="4362443" y="1862613"/>
+            <a:ext cx="7689125" cy="4859408"/>
           </a:xfrm>
           <a:prstGeom prst="rect">
             <a:avLst/>
@@ -9028,48 +10423,12 @@
           <a:chExt cx="0" cy="0"/>
         </a:xfrm>
       </p:grpSpPr>
-      <p:sp>
-        <p:nvSpPr>
-          <p:cNvPr id="5" name="Title 1">
-            <a:extLst>
-              <a:ext uri="{FF2B5EF4-FFF2-40B4-BE49-F238E27FC236}">
-                <a16:creationId xmlns:a16="http://schemas.microsoft.com/office/drawing/2014/main" id="{C9E4FC33-A9DB-417D-AC59-A268F7E76215}"/>
-              </a:ext>
-            </a:extLst>
-          </p:cNvPr>
-          <p:cNvSpPr>
-            <a:spLocks noGrp="1"/>
-          </p:cNvSpPr>
-          <p:nvPr>
-            <p:ph type="title"/>
-          </p:nvPr>
-        </p:nvSpPr>
-        <p:spPr>
-          <a:xfrm>
-            <a:off x="1340337" y="5673969"/>
-            <a:ext cx="1832710" cy="656537"/>
-          </a:xfrm>
-        </p:spPr>
-        <p:txBody>
-          <a:bodyPr vert="horz" lIns="91440" tIns="45720" rIns="91440" bIns="45720" rtlCol="0" anchor="b">
-            <a:normAutofit/>
-          </a:bodyPr>
-          <a:lstStyle/>
-          <a:p>
-            <a:pPr algn="ctr"/>
-            <a:r>
-              <a:rPr lang="en-US" sz="3600" u="sng" dirty="0"/>
-              <a:t>Testing</a:t>
-            </a:r>
-          </a:p>
-        </p:txBody>
-      </p:sp>
       <p:pic>
         <p:nvPicPr>
-          <p:cNvPr id="7" name="Picture 6">
-            <a:extLst>
-              <a:ext uri="{FF2B5EF4-FFF2-40B4-BE49-F238E27FC236}">
-                <a16:creationId xmlns:a16="http://schemas.microsoft.com/office/drawing/2014/main" id="{E14D1D48-EC7A-498F-9BAB-D7A0F26CBE83}"/>
+          <p:cNvPr id="4" name="Picture 3">
+            <a:extLst>
+              <a:ext uri="{FF2B5EF4-FFF2-40B4-BE49-F238E27FC236}">
+                <a16:creationId xmlns:a16="http://schemas.microsoft.com/office/drawing/2014/main" id="{2FD10774-803D-4A2D-AFBE-644AD3984EE6}"/>
               </a:ext>
             </a:extLst>
           </p:cNvPr>
@@ -9086,20 +10445,56 @@
         </p:blipFill>
         <p:spPr>
           <a:xfrm>
-            <a:off x="192886" y="139041"/>
-            <a:ext cx="7348857" cy="4794910"/>
+            <a:off x="58563" y="52742"/>
+            <a:ext cx="7894590" cy="5162278"/>
           </a:xfrm>
           <a:prstGeom prst="rect">
             <a:avLst/>
           </a:prstGeom>
         </p:spPr>
       </p:pic>
+      <p:sp>
+        <p:nvSpPr>
+          <p:cNvPr id="5" name="Title 1">
+            <a:extLst>
+              <a:ext uri="{FF2B5EF4-FFF2-40B4-BE49-F238E27FC236}">
+                <a16:creationId xmlns:a16="http://schemas.microsoft.com/office/drawing/2014/main" id="{C9E4FC33-A9DB-417D-AC59-A268F7E76215}"/>
+              </a:ext>
+            </a:extLst>
+          </p:cNvPr>
+          <p:cNvSpPr>
+            <a:spLocks noGrp="1"/>
+          </p:cNvSpPr>
+          <p:nvPr>
+            <p:ph type="title"/>
+          </p:nvPr>
+        </p:nvSpPr>
+        <p:spPr>
+          <a:xfrm>
+            <a:off x="1340337" y="5673969"/>
+            <a:ext cx="1832710" cy="656537"/>
+          </a:xfrm>
+        </p:spPr>
+        <p:txBody>
+          <a:bodyPr vert="horz" lIns="91440" tIns="45720" rIns="91440" bIns="45720" rtlCol="0" anchor="b">
+            <a:normAutofit/>
+          </a:bodyPr>
+          <a:lstStyle/>
+          <a:p>
+            <a:pPr algn="ctr"/>
+            <a:r>
+              <a:rPr lang="en-US" sz="3600" u="sng" dirty="0"/>
+              <a:t>Testing</a:t>
+            </a:r>
+          </a:p>
+        </p:txBody>
+      </p:sp>
       <p:pic>
         <p:nvPicPr>
-          <p:cNvPr id="2" name="Picture 1">
-            <a:extLst>
-              <a:ext uri="{FF2B5EF4-FFF2-40B4-BE49-F238E27FC236}">
-                <a16:creationId xmlns:a16="http://schemas.microsoft.com/office/drawing/2014/main" id="{71579526-BF36-4BFA-9F72-D5FF71C71E53}"/>
+          <p:cNvPr id="8" name="Picture 7">
+            <a:extLst>
+              <a:ext uri="{FF2B5EF4-FFF2-40B4-BE49-F238E27FC236}">
+                <a16:creationId xmlns:a16="http://schemas.microsoft.com/office/drawing/2014/main" id="{2CA3E0F9-E254-4999-B27B-EF907290FB47}"/>
               </a:ext>
             </a:extLst>
           </p:cNvPr>
@@ -9116,8 +10511,8 @@
         </p:blipFill>
         <p:spPr>
           <a:xfrm>
-            <a:off x="5396737" y="2333625"/>
-            <a:ext cx="6795263" cy="4524375"/>
+            <a:off x="4928543" y="1540579"/>
+            <a:ext cx="7204894" cy="5264679"/>
           </a:xfrm>
           <a:prstGeom prst="rect">
             <a:avLst/>
@@ -9295,7 +10690,7 @@
         </p:spPr>
         <p:txBody>
           <a:bodyPr vert="horz" lIns="91440" tIns="45720" rIns="91440" bIns="45720" rtlCol="0" anchor="b">
-            <a:normAutofit/>
+            <a:normAutofit fontScale="90000"/>
           </a:bodyPr>
           <a:lstStyle/>
           <a:p>
@@ -9306,7 +10701,7 @@
                   <a:srgbClr val="FFFFFF"/>
                 </a:solidFill>
               </a:rPr>
-              <a:t>Let’s Run IMS</a:t>
+              <a:t>Let’s Run The Web App</a:t>
             </a:r>
           </a:p>
         </p:txBody>

--- a/documentation/TDL-Presentation.pptx
+++ b/documentation/TDL-Presentation.pptx
@@ -272,7 +272,7 @@
           <a:p>
             <a:fld id="{C646617D-075A-456A-B368-5B9543915401}" type="datetimeFigureOut">
               <a:rPr lang="en-GB" smtClean="0"/>
-              <a:t>09/10/2020</a:t>
+              <a:t>12/10/2020</a:t>
             </a:fld>
             <a:endParaRPr lang="en-GB"/>
           </a:p>
@@ -472,7 +472,7 @@
           <a:p>
             <a:fld id="{C646617D-075A-456A-B368-5B9543915401}" type="datetimeFigureOut">
               <a:rPr lang="en-GB" smtClean="0"/>
-              <a:t>09/10/2020</a:t>
+              <a:t>12/10/2020</a:t>
             </a:fld>
             <a:endParaRPr lang="en-GB"/>
           </a:p>
@@ -682,7 +682,7 @@
           <a:p>
             <a:fld id="{C646617D-075A-456A-B368-5B9543915401}" type="datetimeFigureOut">
               <a:rPr lang="en-GB" smtClean="0"/>
-              <a:t>09/10/2020</a:t>
+              <a:t>12/10/2020</a:t>
             </a:fld>
             <a:endParaRPr lang="en-GB"/>
           </a:p>
@@ -882,7 +882,7 @@
           <a:p>
             <a:fld id="{C646617D-075A-456A-B368-5B9543915401}" type="datetimeFigureOut">
               <a:rPr lang="en-GB" smtClean="0"/>
-              <a:t>09/10/2020</a:t>
+              <a:t>12/10/2020</a:t>
             </a:fld>
             <a:endParaRPr lang="en-GB"/>
           </a:p>
@@ -1158,7 +1158,7 @@
           <a:p>
             <a:fld id="{C646617D-075A-456A-B368-5B9543915401}" type="datetimeFigureOut">
               <a:rPr lang="en-GB" smtClean="0"/>
-              <a:t>09/10/2020</a:t>
+              <a:t>12/10/2020</a:t>
             </a:fld>
             <a:endParaRPr lang="en-GB"/>
           </a:p>
@@ -1426,7 +1426,7 @@
           <a:p>
             <a:fld id="{C646617D-075A-456A-B368-5B9543915401}" type="datetimeFigureOut">
               <a:rPr lang="en-GB" smtClean="0"/>
-              <a:t>09/10/2020</a:t>
+              <a:t>12/10/2020</a:t>
             </a:fld>
             <a:endParaRPr lang="en-GB"/>
           </a:p>
@@ -1841,7 +1841,7 @@
           <a:p>
             <a:fld id="{C646617D-075A-456A-B368-5B9543915401}" type="datetimeFigureOut">
               <a:rPr lang="en-GB" smtClean="0"/>
-              <a:t>09/10/2020</a:t>
+              <a:t>12/10/2020</a:t>
             </a:fld>
             <a:endParaRPr lang="en-GB"/>
           </a:p>
@@ -1983,7 +1983,7 @@
           <a:p>
             <a:fld id="{C646617D-075A-456A-B368-5B9543915401}" type="datetimeFigureOut">
               <a:rPr lang="en-GB" smtClean="0"/>
-              <a:t>09/10/2020</a:t>
+              <a:t>12/10/2020</a:t>
             </a:fld>
             <a:endParaRPr lang="en-GB"/>
           </a:p>
@@ -2096,7 +2096,7 @@
           <a:p>
             <a:fld id="{C646617D-075A-456A-B368-5B9543915401}" type="datetimeFigureOut">
               <a:rPr lang="en-GB" smtClean="0"/>
-              <a:t>09/10/2020</a:t>
+              <a:t>12/10/2020</a:t>
             </a:fld>
             <a:endParaRPr lang="en-GB"/>
           </a:p>
@@ -2409,7 +2409,7 @@
           <a:p>
             <a:fld id="{C646617D-075A-456A-B368-5B9543915401}" type="datetimeFigureOut">
               <a:rPr lang="en-GB" smtClean="0"/>
-              <a:t>09/10/2020</a:t>
+              <a:t>12/10/2020</a:t>
             </a:fld>
             <a:endParaRPr lang="en-GB"/>
           </a:p>
@@ -2698,7 +2698,7 @@
           <a:p>
             <a:fld id="{C646617D-075A-456A-B368-5B9543915401}" type="datetimeFigureOut">
               <a:rPr lang="en-GB" smtClean="0"/>
-              <a:t>09/10/2020</a:t>
+              <a:t>12/10/2020</a:t>
             </a:fld>
             <a:endParaRPr lang="en-GB"/>
           </a:p>
@@ -2941,7 +2941,7 @@
           <a:p>
             <a:fld id="{C646617D-075A-456A-B368-5B9543915401}" type="datetimeFigureOut">
               <a:rPr lang="en-GB" smtClean="0"/>
-              <a:t>09/10/2020</a:t>
+              <a:t>12/10/2020</a:t>
             </a:fld>
             <a:endParaRPr lang="en-GB"/>
           </a:p>
@@ -8814,7 +8814,7 @@
             </a:r>
             <a:r>
               <a:rPr lang="en-GB" sz="2400" b="1" dirty="0"/>
-              <a:t>Junit, Integration, Mockito</a:t>
+              <a:t>Junit, Mockito</a:t>
             </a:r>
           </a:p>
           <a:p>
